--- a/CapstoneProjectPresentation.pptx
+++ b/CapstoneProjectPresentation.pptx
@@ -5,27 +5,39 @@
     <p:sldMasterId id="2147483659" r:id="rId1"/>
   </p:sldMasterIdLst>
   <p:notesMasterIdLst>
-    <p:notesMasterId r:id="rId10"/>
+    <p:notesMasterId r:id="rId22"/>
   </p:notesMasterIdLst>
   <p:sldIdLst>
     <p:sldId id="256" r:id="rId2"/>
-    <p:sldId id="257" r:id="rId3"/>
-    <p:sldId id="258" r:id="rId4"/>
-    <p:sldId id="259" r:id="rId5"/>
-    <p:sldId id="260" r:id="rId6"/>
-    <p:sldId id="261" r:id="rId7"/>
-    <p:sldId id="262" r:id="rId8"/>
-    <p:sldId id="263" r:id="rId9"/>
+    <p:sldId id="264" r:id="rId3"/>
+    <p:sldId id="265" r:id="rId4"/>
+    <p:sldId id="274" r:id="rId5"/>
+    <p:sldId id="273" r:id="rId6"/>
+    <p:sldId id="272" r:id="rId7"/>
+    <p:sldId id="271" r:id="rId8"/>
+    <p:sldId id="270" r:id="rId9"/>
+    <p:sldId id="269" r:id="rId10"/>
+    <p:sldId id="268" r:id="rId11"/>
+    <p:sldId id="267" r:id="rId12"/>
+    <p:sldId id="266" r:id="rId13"/>
+    <p:sldId id="257" r:id="rId14"/>
+    <p:sldId id="258" r:id="rId15"/>
+    <p:sldId id="259" r:id="rId16"/>
+    <p:sldId id="260" r:id="rId17"/>
+    <p:sldId id="261" r:id="rId18"/>
+    <p:sldId id="262" r:id="rId19"/>
+    <p:sldId id="263" r:id="rId20"/>
+    <p:sldId id="275" r:id="rId21"/>
   </p:sldIdLst>
   <p:sldSz cx="9144000" cy="5143500" type="screen16x9"/>
   <p:notesSz cx="6858000" cy="9144000"/>
   <p:embeddedFontLst>
     <p:embeddedFont>
       <p:font typeface="Montserrat" panose="020B0604020202020204" charset="0"/>
-      <p:regular r:id="rId11"/>
-      <p:bold r:id="rId12"/>
-      <p:italic r:id="rId13"/>
-      <p:boldItalic r:id="rId14"/>
+      <p:regular r:id="rId23"/>
+      <p:bold r:id="rId24"/>
+      <p:italic r:id="rId25"/>
+      <p:boldItalic r:id="rId26"/>
     </p:embeddedFont>
   </p:embeddedFontLst>
   <p:defaultTextStyle>
@@ -274,6 +286,14 @@
     </p:ext>
   </p:extLst>
 </p:presentation>
+</file>
+
+<file path=ppt/revisionInfo.xml><?xml version="1.0" encoding="utf-8"?>
+<p1510:revInfo xmlns:a="http://schemas.openxmlformats.org/drawingml/2006/main" xmlns:r="http://schemas.openxmlformats.org/officeDocument/2006/relationships" xmlns:p1510="http://schemas.microsoft.com/office/powerpoint/2015/10/main">
+  <p1510:revLst>
+    <p1510:client id="{4D1EA225-C69E-4BDA-991D-8902B67736D1}" v="73" dt="2021-03-10T10:23:46.832"/>
+  </p1510:revLst>
+</p1510:revInfo>
 </file>
 
 <file path=ppt/notesMasters/notesMaster1.xml><?xml version="1.0" encoding="utf-8"?>
@@ -1723,6 +1743,634 @@
 </file>
 
 <file path=ppt/slideLayouts/slideLayout10.xml><?xml version="1.0" encoding="utf-8"?>
+<p:sldLayout xmlns:a="http://schemas.openxmlformats.org/drawingml/2006/main" xmlns:r="http://schemas.openxmlformats.org/officeDocument/2006/relationships" xmlns:p="http://schemas.openxmlformats.org/presentationml/2006/main" matchingName="Big number">
+  <p:cSld name="BIG_NUMBER">
+    <p:spTree>
+      <p:nvGrpSpPr>
+        <p:cNvPr id="1" name="Shape 45"/>
+        <p:cNvGrpSpPr/>
+        <p:nvPr/>
+      </p:nvGrpSpPr>
+      <p:grpSpPr>
+        <a:xfrm>
+          <a:off x="0" y="0"/>
+          <a:ext cx="0" cy="0"/>
+          <a:chOff x="0" y="0"/>
+          <a:chExt cx="0" cy="0"/>
+        </a:xfrm>
+      </p:grpSpPr>
+      <p:sp>
+        <p:nvSpPr>
+          <p:cNvPr id="46" name="Google Shape;46;p11"/>
+          <p:cNvSpPr txBox="1">
+            <a:spLocks noGrp="1"/>
+          </p:cNvSpPr>
+          <p:nvPr>
+            <p:ph type="title" hasCustomPrompt="1"/>
+          </p:nvPr>
+        </p:nvSpPr>
+        <p:spPr>
+          <a:xfrm>
+            <a:off x="311700" y="1106125"/>
+            <a:ext cx="8520600" cy="1963800"/>
+          </a:xfrm>
+          <a:prstGeom prst="rect">
+            <a:avLst/>
+          </a:prstGeom>
+          <a:noFill/>
+          <a:ln>
+            <a:noFill/>
+          </a:ln>
+        </p:spPr>
+        <p:txBody>
+          <a:bodyPr spcFirstLastPara="1" wrap="square" lIns="91425" tIns="91425" rIns="91425" bIns="91425" anchor="b" anchorCtr="0">
+            <a:noAutofit/>
+          </a:bodyPr>
+          <a:lstStyle>
+            <a:lvl1pPr lvl="0" algn="ctr">
+              <a:lnSpc>
+                <a:spcPct val="100000"/>
+              </a:lnSpc>
+              <a:spcBef>
+                <a:spcPts val="0"/>
+              </a:spcBef>
+              <a:spcAft>
+                <a:spcPts val="0"/>
+              </a:spcAft>
+              <a:buSzPts val="12000"/>
+              <a:buNone/>
+              <a:defRPr sz="12000"/>
+            </a:lvl1pPr>
+            <a:lvl2pPr lvl="1" algn="ctr">
+              <a:lnSpc>
+                <a:spcPct val="100000"/>
+              </a:lnSpc>
+              <a:spcBef>
+                <a:spcPts val="0"/>
+              </a:spcBef>
+              <a:spcAft>
+                <a:spcPts val="0"/>
+              </a:spcAft>
+              <a:buSzPts val="12000"/>
+              <a:buNone/>
+              <a:defRPr sz="12000"/>
+            </a:lvl2pPr>
+            <a:lvl3pPr lvl="2" algn="ctr">
+              <a:lnSpc>
+                <a:spcPct val="100000"/>
+              </a:lnSpc>
+              <a:spcBef>
+                <a:spcPts val="0"/>
+              </a:spcBef>
+              <a:spcAft>
+                <a:spcPts val="0"/>
+              </a:spcAft>
+              <a:buSzPts val="12000"/>
+              <a:buNone/>
+              <a:defRPr sz="12000"/>
+            </a:lvl3pPr>
+            <a:lvl4pPr lvl="3" algn="ctr">
+              <a:lnSpc>
+                <a:spcPct val="100000"/>
+              </a:lnSpc>
+              <a:spcBef>
+                <a:spcPts val="0"/>
+              </a:spcBef>
+              <a:spcAft>
+                <a:spcPts val="0"/>
+              </a:spcAft>
+              <a:buSzPts val="12000"/>
+              <a:buNone/>
+              <a:defRPr sz="12000"/>
+            </a:lvl4pPr>
+            <a:lvl5pPr lvl="4" algn="ctr">
+              <a:lnSpc>
+                <a:spcPct val="100000"/>
+              </a:lnSpc>
+              <a:spcBef>
+                <a:spcPts val="0"/>
+              </a:spcBef>
+              <a:spcAft>
+                <a:spcPts val="0"/>
+              </a:spcAft>
+              <a:buSzPts val="12000"/>
+              <a:buNone/>
+              <a:defRPr sz="12000"/>
+            </a:lvl5pPr>
+            <a:lvl6pPr lvl="5" algn="ctr">
+              <a:lnSpc>
+                <a:spcPct val="100000"/>
+              </a:lnSpc>
+              <a:spcBef>
+                <a:spcPts val="0"/>
+              </a:spcBef>
+              <a:spcAft>
+                <a:spcPts val="0"/>
+              </a:spcAft>
+              <a:buSzPts val="12000"/>
+              <a:buNone/>
+              <a:defRPr sz="12000"/>
+            </a:lvl6pPr>
+            <a:lvl7pPr lvl="6" algn="ctr">
+              <a:lnSpc>
+                <a:spcPct val="100000"/>
+              </a:lnSpc>
+              <a:spcBef>
+                <a:spcPts val="0"/>
+              </a:spcBef>
+              <a:spcAft>
+                <a:spcPts val="0"/>
+              </a:spcAft>
+              <a:buSzPts val="12000"/>
+              <a:buNone/>
+              <a:defRPr sz="12000"/>
+            </a:lvl7pPr>
+            <a:lvl8pPr lvl="7" algn="ctr">
+              <a:lnSpc>
+                <a:spcPct val="100000"/>
+              </a:lnSpc>
+              <a:spcBef>
+                <a:spcPts val="0"/>
+              </a:spcBef>
+              <a:spcAft>
+                <a:spcPts val="0"/>
+              </a:spcAft>
+              <a:buSzPts val="12000"/>
+              <a:buNone/>
+              <a:defRPr sz="12000"/>
+            </a:lvl8pPr>
+            <a:lvl9pPr lvl="8" algn="ctr">
+              <a:lnSpc>
+                <a:spcPct val="100000"/>
+              </a:lnSpc>
+              <a:spcBef>
+                <a:spcPts val="0"/>
+              </a:spcBef>
+              <a:spcAft>
+                <a:spcPts val="0"/>
+              </a:spcAft>
+              <a:buSzPts val="12000"/>
+              <a:buNone/>
+              <a:defRPr sz="12000"/>
+            </a:lvl9pPr>
+          </a:lstStyle>
+          <a:p>
+            <a:r>
+              <a:t>xx%</a:t>
+            </a:r>
+          </a:p>
+        </p:txBody>
+      </p:sp>
+      <p:sp>
+        <p:nvSpPr>
+          <p:cNvPr id="47" name="Google Shape;47;p11"/>
+          <p:cNvSpPr txBox="1">
+            <a:spLocks noGrp="1"/>
+          </p:cNvSpPr>
+          <p:nvPr>
+            <p:ph type="body" idx="1"/>
+          </p:nvPr>
+        </p:nvSpPr>
+        <p:spPr>
+          <a:xfrm>
+            <a:off x="311700" y="3152225"/>
+            <a:ext cx="8520600" cy="1300500"/>
+          </a:xfrm>
+          <a:prstGeom prst="rect">
+            <a:avLst/>
+          </a:prstGeom>
+          <a:noFill/>
+          <a:ln>
+            <a:noFill/>
+          </a:ln>
+        </p:spPr>
+        <p:txBody>
+          <a:bodyPr spcFirstLastPara="1" wrap="square" lIns="91425" tIns="91425" rIns="91425" bIns="91425" anchor="t" anchorCtr="0">
+            <a:noAutofit/>
+          </a:bodyPr>
+          <a:lstStyle>
+            <a:lvl1pPr marL="457200" lvl="0" indent="-342900" algn="ctr">
+              <a:lnSpc>
+                <a:spcPct val="115000"/>
+              </a:lnSpc>
+              <a:spcBef>
+                <a:spcPts val="0"/>
+              </a:spcBef>
+              <a:spcAft>
+                <a:spcPts val="0"/>
+              </a:spcAft>
+              <a:buSzPts val="1800"/>
+              <a:buChar char="●"/>
+              <a:defRPr/>
+            </a:lvl1pPr>
+            <a:lvl2pPr marL="914400" lvl="1" indent="-317500" algn="ctr">
+              <a:lnSpc>
+                <a:spcPct val="115000"/>
+              </a:lnSpc>
+              <a:spcBef>
+                <a:spcPts val="1600"/>
+              </a:spcBef>
+              <a:spcAft>
+                <a:spcPts val="0"/>
+              </a:spcAft>
+              <a:buSzPts val="1400"/>
+              <a:buChar char="○"/>
+              <a:defRPr/>
+            </a:lvl2pPr>
+            <a:lvl3pPr marL="1371600" lvl="2" indent="-317500" algn="ctr">
+              <a:lnSpc>
+                <a:spcPct val="115000"/>
+              </a:lnSpc>
+              <a:spcBef>
+                <a:spcPts val="1600"/>
+              </a:spcBef>
+              <a:spcAft>
+                <a:spcPts val="0"/>
+              </a:spcAft>
+              <a:buSzPts val="1400"/>
+              <a:buChar char="■"/>
+              <a:defRPr/>
+            </a:lvl3pPr>
+            <a:lvl4pPr marL="1828800" lvl="3" indent="-317500" algn="ctr">
+              <a:lnSpc>
+                <a:spcPct val="115000"/>
+              </a:lnSpc>
+              <a:spcBef>
+                <a:spcPts val="1600"/>
+              </a:spcBef>
+              <a:spcAft>
+                <a:spcPts val="0"/>
+              </a:spcAft>
+              <a:buSzPts val="1400"/>
+              <a:buChar char="●"/>
+              <a:defRPr/>
+            </a:lvl4pPr>
+            <a:lvl5pPr marL="2286000" lvl="4" indent="-317500" algn="ctr">
+              <a:lnSpc>
+                <a:spcPct val="115000"/>
+              </a:lnSpc>
+              <a:spcBef>
+                <a:spcPts val="1600"/>
+              </a:spcBef>
+              <a:spcAft>
+                <a:spcPts val="0"/>
+              </a:spcAft>
+              <a:buSzPts val="1400"/>
+              <a:buChar char="○"/>
+              <a:defRPr/>
+            </a:lvl5pPr>
+            <a:lvl6pPr marL="2743200" lvl="5" indent="-317500" algn="ctr">
+              <a:lnSpc>
+                <a:spcPct val="115000"/>
+              </a:lnSpc>
+              <a:spcBef>
+                <a:spcPts val="1600"/>
+              </a:spcBef>
+              <a:spcAft>
+                <a:spcPts val="0"/>
+              </a:spcAft>
+              <a:buSzPts val="1400"/>
+              <a:buChar char="■"/>
+              <a:defRPr/>
+            </a:lvl6pPr>
+            <a:lvl7pPr marL="3200400" lvl="6" indent="-317500" algn="ctr">
+              <a:lnSpc>
+                <a:spcPct val="115000"/>
+              </a:lnSpc>
+              <a:spcBef>
+                <a:spcPts val="1600"/>
+              </a:spcBef>
+              <a:spcAft>
+                <a:spcPts val="0"/>
+              </a:spcAft>
+              <a:buSzPts val="1400"/>
+              <a:buChar char="●"/>
+              <a:defRPr/>
+            </a:lvl7pPr>
+            <a:lvl8pPr marL="3657600" lvl="7" indent="-317500" algn="ctr">
+              <a:lnSpc>
+                <a:spcPct val="115000"/>
+              </a:lnSpc>
+              <a:spcBef>
+                <a:spcPts val="1600"/>
+              </a:spcBef>
+              <a:spcAft>
+                <a:spcPts val="0"/>
+              </a:spcAft>
+              <a:buSzPts val="1400"/>
+              <a:buChar char="○"/>
+              <a:defRPr/>
+            </a:lvl8pPr>
+            <a:lvl9pPr marL="4114800" lvl="8" indent="-317500" algn="ctr">
+              <a:lnSpc>
+                <a:spcPct val="115000"/>
+              </a:lnSpc>
+              <a:spcBef>
+                <a:spcPts val="1600"/>
+              </a:spcBef>
+              <a:spcAft>
+                <a:spcPts val="1600"/>
+              </a:spcAft>
+              <a:buSzPts val="1400"/>
+              <a:buChar char="■"/>
+              <a:defRPr/>
+            </a:lvl9pPr>
+          </a:lstStyle>
+          <a:p>
+            <a:endParaRPr/>
+          </a:p>
+        </p:txBody>
+      </p:sp>
+      <p:sp>
+        <p:nvSpPr>
+          <p:cNvPr id="48" name="Google Shape;48;p11"/>
+          <p:cNvSpPr txBox="1">
+            <a:spLocks noGrp="1"/>
+          </p:cNvSpPr>
+          <p:nvPr>
+            <p:ph type="sldNum" idx="12"/>
+          </p:nvPr>
+        </p:nvSpPr>
+        <p:spPr>
+          <a:xfrm>
+            <a:off x="8472458" y="4663217"/>
+            <a:ext cx="548700" cy="393600"/>
+          </a:xfrm>
+          <a:prstGeom prst="rect">
+            <a:avLst/>
+          </a:prstGeom>
+          <a:noFill/>
+          <a:ln>
+            <a:noFill/>
+          </a:ln>
+        </p:spPr>
+        <p:txBody>
+          <a:bodyPr spcFirstLastPara="1" wrap="square" lIns="91425" tIns="91425" rIns="91425" bIns="91425" anchor="ctr" anchorCtr="0">
+            <a:noAutofit/>
+          </a:bodyPr>
+          <a:lstStyle>
+            <a:lvl1pPr marL="0" marR="0" lvl="0" indent="0" algn="r">
+              <a:lnSpc>
+                <a:spcPct val="100000"/>
+              </a:lnSpc>
+              <a:spcBef>
+                <a:spcPts val="0"/>
+              </a:spcBef>
+              <a:spcAft>
+                <a:spcPts val="0"/>
+              </a:spcAft>
+              <a:buClr>
+                <a:srgbClr val="000000"/>
+              </a:buClr>
+              <a:buSzPts val="1000"/>
+              <a:buFont typeface="Arial"/>
+              <a:buNone/>
+              <a:defRPr sz="1000" b="0" i="0" u="none" strike="noStrike" cap="none">
+                <a:solidFill>
+                  <a:schemeClr val="dk2"/>
+                </a:solidFill>
+                <a:latin typeface="Arial"/>
+                <a:ea typeface="Arial"/>
+                <a:cs typeface="Arial"/>
+                <a:sym typeface="Arial"/>
+              </a:defRPr>
+            </a:lvl1pPr>
+            <a:lvl2pPr marL="0" marR="0" lvl="1" indent="0" algn="r">
+              <a:lnSpc>
+                <a:spcPct val="100000"/>
+              </a:lnSpc>
+              <a:spcBef>
+                <a:spcPts val="0"/>
+              </a:spcBef>
+              <a:spcAft>
+                <a:spcPts val="0"/>
+              </a:spcAft>
+              <a:buClr>
+                <a:srgbClr val="000000"/>
+              </a:buClr>
+              <a:buSzPts val="1000"/>
+              <a:buFont typeface="Arial"/>
+              <a:buNone/>
+              <a:defRPr sz="1000" b="0" i="0" u="none" strike="noStrike" cap="none">
+                <a:solidFill>
+                  <a:schemeClr val="dk2"/>
+                </a:solidFill>
+                <a:latin typeface="Arial"/>
+                <a:ea typeface="Arial"/>
+                <a:cs typeface="Arial"/>
+                <a:sym typeface="Arial"/>
+              </a:defRPr>
+            </a:lvl2pPr>
+            <a:lvl3pPr marL="0" marR="0" lvl="2" indent="0" algn="r">
+              <a:lnSpc>
+                <a:spcPct val="100000"/>
+              </a:lnSpc>
+              <a:spcBef>
+                <a:spcPts val="0"/>
+              </a:spcBef>
+              <a:spcAft>
+                <a:spcPts val="0"/>
+              </a:spcAft>
+              <a:buClr>
+                <a:srgbClr val="000000"/>
+              </a:buClr>
+              <a:buSzPts val="1000"/>
+              <a:buFont typeface="Arial"/>
+              <a:buNone/>
+              <a:defRPr sz="1000" b="0" i="0" u="none" strike="noStrike" cap="none">
+                <a:solidFill>
+                  <a:schemeClr val="dk2"/>
+                </a:solidFill>
+                <a:latin typeface="Arial"/>
+                <a:ea typeface="Arial"/>
+                <a:cs typeface="Arial"/>
+                <a:sym typeface="Arial"/>
+              </a:defRPr>
+            </a:lvl3pPr>
+            <a:lvl4pPr marL="0" marR="0" lvl="3" indent="0" algn="r">
+              <a:lnSpc>
+                <a:spcPct val="100000"/>
+              </a:lnSpc>
+              <a:spcBef>
+                <a:spcPts val="0"/>
+              </a:spcBef>
+              <a:spcAft>
+                <a:spcPts val="0"/>
+              </a:spcAft>
+              <a:buClr>
+                <a:srgbClr val="000000"/>
+              </a:buClr>
+              <a:buSzPts val="1000"/>
+              <a:buFont typeface="Arial"/>
+              <a:buNone/>
+              <a:defRPr sz="1000" b="0" i="0" u="none" strike="noStrike" cap="none">
+                <a:solidFill>
+                  <a:schemeClr val="dk2"/>
+                </a:solidFill>
+                <a:latin typeface="Arial"/>
+                <a:ea typeface="Arial"/>
+                <a:cs typeface="Arial"/>
+                <a:sym typeface="Arial"/>
+              </a:defRPr>
+            </a:lvl4pPr>
+            <a:lvl5pPr marL="0" marR="0" lvl="4" indent="0" algn="r">
+              <a:lnSpc>
+                <a:spcPct val="100000"/>
+              </a:lnSpc>
+              <a:spcBef>
+                <a:spcPts val="0"/>
+              </a:spcBef>
+              <a:spcAft>
+                <a:spcPts val="0"/>
+              </a:spcAft>
+              <a:buClr>
+                <a:srgbClr val="000000"/>
+              </a:buClr>
+              <a:buSzPts val="1000"/>
+              <a:buFont typeface="Arial"/>
+              <a:buNone/>
+              <a:defRPr sz="1000" b="0" i="0" u="none" strike="noStrike" cap="none">
+                <a:solidFill>
+                  <a:schemeClr val="dk2"/>
+                </a:solidFill>
+                <a:latin typeface="Arial"/>
+                <a:ea typeface="Arial"/>
+                <a:cs typeface="Arial"/>
+                <a:sym typeface="Arial"/>
+              </a:defRPr>
+            </a:lvl5pPr>
+            <a:lvl6pPr marL="0" marR="0" lvl="5" indent="0" algn="r">
+              <a:lnSpc>
+                <a:spcPct val="100000"/>
+              </a:lnSpc>
+              <a:spcBef>
+                <a:spcPts val="0"/>
+              </a:spcBef>
+              <a:spcAft>
+                <a:spcPts val="0"/>
+              </a:spcAft>
+              <a:buClr>
+                <a:srgbClr val="000000"/>
+              </a:buClr>
+              <a:buSzPts val="1000"/>
+              <a:buFont typeface="Arial"/>
+              <a:buNone/>
+              <a:defRPr sz="1000" b="0" i="0" u="none" strike="noStrike" cap="none">
+                <a:solidFill>
+                  <a:schemeClr val="dk2"/>
+                </a:solidFill>
+                <a:latin typeface="Arial"/>
+                <a:ea typeface="Arial"/>
+                <a:cs typeface="Arial"/>
+                <a:sym typeface="Arial"/>
+              </a:defRPr>
+            </a:lvl6pPr>
+            <a:lvl7pPr marL="0" marR="0" lvl="6" indent="0" algn="r">
+              <a:lnSpc>
+                <a:spcPct val="100000"/>
+              </a:lnSpc>
+              <a:spcBef>
+                <a:spcPts val="0"/>
+              </a:spcBef>
+              <a:spcAft>
+                <a:spcPts val="0"/>
+              </a:spcAft>
+              <a:buClr>
+                <a:srgbClr val="000000"/>
+              </a:buClr>
+              <a:buSzPts val="1000"/>
+              <a:buFont typeface="Arial"/>
+              <a:buNone/>
+              <a:defRPr sz="1000" b="0" i="0" u="none" strike="noStrike" cap="none">
+                <a:solidFill>
+                  <a:schemeClr val="dk2"/>
+                </a:solidFill>
+                <a:latin typeface="Arial"/>
+                <a:ea typeface="Arial"/>
+                <a:cs typeface="Arial"/>
+                <a:sym typeface="Arial"/>
+              </a:defRPr>
+            </a:lvl7pPr>
+            <a:lvl8pPr marL="0" marR="0" lvl="7" indent="0" algn="r">
+              <a:lnSpc>
+                <a:spcPct val="100000"/>
+              </a:lnSpc>
+              <a:spcBef>
+                <a:spcPts val="0"/>
+              </a:spcBef>
+              <a:spcAft>
+                <a:spcPts val="0"/>
+              </a:spcAft>
+              <a:buClr>
+                <a:srgbClr val="000000"/>
+              </a:buClr>
+              <a:buSzPts val="1000"/>
+              <a:buFont typeface="Arial"/>
+              <a:buNone/>
+              <a:defRPr sz="1000" b="0" i="0" u="none" strike="noStrike" cap="none">
+                <a:solidFill>
+                  <a:schemeClr val="dk2"/>
+                </a:solidFill>
+                <a:latin typeface="Arial"/>
+                <a:ea typeface="Arial"/>
+                <a:cs typeface="Arial"/>
+                <a:sym typeface="Arial"/>
+              </a:defRPr>
+            </a:lvl8pPr>
+            <a:lvl9pPr marL="0" marR="0" lvl="8" indent="0" algn="r">
+              <a:lnSpc>
+                <a:spcPct val="100000"/>
+              </a:lnSpc>
+              <a:spcBef>
+                <a:spcPts val="0"/>
+              </a:spcBef>
+              <a:spcAft>
+                <a:spcPts val="0"/>
+              </a:spcAft>
+              <a:buClr>
+                <a:srgbClr val="000000"/>
+              </a:buClr>
+              <a:buSzPts val="1000"/>
+              <a:buFont typeface="Arial"/>
+              <a:buNone/>
+              <a:defRPr sz="1000" b="0" i="0" u="none" strike="noStrike" cap="none">
+                <a:solidFill>
+                  <a:schemeClr val="dk2"/>
+                </a:solidFill>
+                <a:latin typeface="Arial"/>
+                <a:ea typeface="Arial"/>
+                <a:cs typeface="Arial"/>
+                <a:sym typeface="Arial"/>
+              </a:defRPr>
+            </a:lvl9pPr>
+          </a:lstStyle>
+          <a:p>
+            <a:pPr marL="0" lvl="0" indent="0" algn="r" rtl="0">
+              <a:spcBef>
+                <a:spcPts val="0"/>
+              </a:spcBef>
+              <a:spcAft>
+                <a:spcPts val="0"/>
+              </a:spcAft>
+              <a:buNone/>
+            </a:pPr>
+            <a:fld id="{00000000-1234-1234-1234-123412341234}" type="slidenum">
+              <a:rPr lang="en-GB"/>
+              <a:t>‹#›</a:t>
+            </a:fld>
+            <a:endParaRPr/>
+          </a:p>
+        </p:txBody>
+      </p:sp>
+    </p:spTree>
+  </p:cSld>
+  <p:clrMapOvr>
+    <a:masterClrMapping/>
+  </p:clrMapOvr>
+</p:sldLayout>
+</file>
+
+<file path=ppt/slideLayouts/slideLayout11.xml><?xml version="1.0" encoding="utf-8"?>
 <p:sldLayout xmlns:a="http://schemas.openxmlformats.org/drawingml/2006/main" xmlns:r="http://schemas.openxmlformats.org/officeDocument/2006/relationships" xmlns:p="http://schemas.openxmlformats.org/presentationml/2006/main" matchingName="Blank" type="blank">
   <p:cSld name="BLANK">
     <p:spTree>
@@ -2029,6 +2677,632 @@
 </file>
 
 <file path=ppt/slideLayouts/slideLayout2.xml><?xml version="1.0" encoding="utf-8"?>
+<p:sldLayout xmlns:a="http://schemas.openxmlformats.org/drawingml/2006/main" xmlns:r="http://schemas.openxmlformats.org/officeDocument/2006/relationships" xmlns:p="http://schemas.openxmlformats.org/presentationml/2006/main" matchingName="Title and body" type="tx">
+  <p:cSld name="TITLE_AND_BODY">
+    <p:spTree>
+      <p:nvGrpSpPr>
+        <p:cNvPr id="1" name="Shape 14"/>
+        <p:cNvGrpSpPr/>
+        <p:nvPr/>
+      </p:nvGrpSpPr>
+      <p:grpSpPr>
+        <a:xfrm>
+          <a:off x="0" y="0"/>
+          <a:ext cx="0" cy="0"/>
+          <a:chOff x="0" y="0"/>
+          <a:chExt cx="0" cy="0"/>
+        </a:xfrm>
+      </p:grpSpPr>
+      <p:sp>
+        <p:nvSpPr>
+          <p:cNvPr id="15" name="Google Shape;15;p3"/>
+          <p:cNvSpPr txBox="1">
+            <a:spLocks noGrp="1"/>
+          </p:cNvSpPr>
+          <p:nvPr>
+            <p:ph type="title"/>
+          </p:nvPr>
+        </p:nvSpPr>
+        <p:spPr>
+          <a:xfrm>
+            <a:off x="311700" y="445025"/>
+            <a:ext cx="8520600" cy="572700"/>
+          </a:xfrm>
+          <a:prstGeom prst="rect">
+            <a:avLst/>
+          </a:prstGeom>
+          <a:noFill/>
+          <a:ln>
+            <a:noFill/>
+          </a:ln>
+        </p:spPr>
+        <p:txBody>
+          <a:bodyPr spcFirstLastPara="1" wrap="square" lIns="91425" tIns="91425" rIns="91425" bIns="91425" anchor="t" anchorCtr="0">
+            <a:noAutofit/>
+          </a:bodyPr>
+          <a:lstStyle>
+            <a:lvl1pPr lvl="0" algn="l">
+              <a:lnSpc>
+                <a:spcPct val="100000"/>
+              </a:lnSpc>
+              <a:spcBef>
+                <a:spcPts val="0"/>
+              </a:spcBef>
+              <a:spcAft>
+                <a:spcPts val="0"/>
+              </a:spcAft>
+              <a:buSzPts val="2800"/>
+              <a:buNone/>
+              <a:defRPr/>
+            </a:lvl1pPr>
+            <a:lvl2pPr lvl="1" algn="l">
+              <a:lnSpc>
+                <a:spcPct val="100000"/>
+              </a:lnSpc>
+              <a:spcBef>
+                <a:spcPts val="0"/>
+              </a:spcBef>
+              <a:spcAft>
+                <a:spcPts val="0"/>
+              </a:spcAft>
+              <a:buSzPts val="2800"/>
+              <a:buNone/>
+              <a:defRPr/>
+            </a:lvl2pPr>
+            <a:lvl3pPr lvl="2" algn="l">
+              <a:lnSpc>
+                <a:spcPct val="100000"/>
+              </a:lnSpc>
+              <a:spcBef>
+                <a:spcPts val="0"/>
+              </a:spcBef>
+              <a:spcAft>
+                <a:spcPts val="0"/>
+              </a:spcAft>
+              <a:buSzPts val="2800"/>
+              <a:buNone/>
+              <a:defRPr/>
+            </a:lvl3pPr>
+            <a:lvl4pPr lvl="3" algn="l">
+              <a:lnSpc>
+                <a:spcPct val="100000"/>
+              </a:lnSpc>
+              <a:spcBef>
+                <a:spcPts val="0"/>
+              </a:spcBef>
+              <a:spcAft>
+                <a:spcPts val="0"/>
+              </a:spcAft>
+              <a:buSzPts val="2800"/>
+              <a:buNone/>
+              <a:defRPr/>
+            </a:lvl4pPr>
+            <a:lvl5pPr lvl="4" algn="l">
+              <a:lnSpc>
+                <a:spcPct val="100000"/>
+              </a:lnSpc>
+              <a:spcBef>
+                <a:spcPts val="0"/>
+              </a:spcBef>
+              <a:spcAft>
+                <a:spcPts val="0"/>
+              </a:spcAft>
+              <a:buSzPts val="2800"/>
+              <a:buNone/>
+              <a:defRPr/>
+            </a:lvl5pPr>
+            <a:lvl6pPr lvl="5" algn="l">
+              <a:lnSpc>
+                <a:spcPct val="100000"/>
+              </a:lnSpc>
+              <a:spcBef>
+                <a:spcPts val="0"/>
+              </a:spcBef>
+              <a:spcAft>
+                <a:spcPts val="0"/>
+              </a:spcAft>
+              <a:buSzPts val="2800"/>
+              <a:buNone/>
+              <a:defRPr/>
+            </a:lvl6pPr>
+            <a:lvl7pPr lvl="6" algn="l">
+              <a:lnSpc>
+                <a:spcPct val="100000"/>
+              </a:lnSpc>
+              <a:spcBef>
+                <a:spcPts val="0"/>
+              </a:spcBef>
+              <a:spcAft>
+                <a:spcPts val="0"/>
+              </a:spcAft>
+              <a:buSzPts val="2800"/>
+              <a:buNone/>
+              <a:defRPr/>
+            </a:lvl7pPr>
+            <a:lvl8pPr lvl="7" algn="l">
+              <a:lnSpc>
+                <a:spcPct val="100000"/>
+              </a:lnSpc>
+              <a:spcBef>
+                <a:spcPts val="0"/>
+              </a:spcBef>
+              <a:spcAft>
+                <a:spcPts val="0"/>
+              </a:spcAft>
+              <a:buSzPts val="2800"/>
+              <a:buNone/>
+              <a:defRPr/>
+            </a:lvl8pPr>
+            <a:lvl9pPr lvl="8" algn="l">
+              <a:lnSpc>
+                <a:spcPct val="100000"/>
+              </a:lnSpc>
+              <a:spcBef>
+                <a:spcPts val="0"/>
+              </a:spcBef>
+              <a:spcAft>
+                <a:spcPts val="0"/>
+              </a:spcAft>
+              <a:buSzPts val="2800"/>
+              <a:buNone/>
+              <a:defRPr/>
+            </a:lvl9pPr>
+          </a:lstStyle>
+          <a:p>
+            <a:endParaRPr/>
+          </a:p>
+        </p:txBody>
+      </p:sp>
+      <p:sp>
+        <p:nvSpPr>
+          <p:cNvPr id="16" name="Google Shape;16;p3"/>
+          <p:cNvSpPr txBox="1">
+            <a:spLocks noGrp="1"/>
+          </p:cNvSpPr>
+          <p:nvPr>
+            <p:ph type="body" idx="1"/>
+          </p:nvPr>
+        </p:nvSpPr>
+        <p:spPr>
+          <a:xfrm>
+            <a:off x="311700" y="1152475"/>
+            <a:ext cx="8520600" cy="3416400"/>
+          </a:xfrm>
+          <a:prstGeom prst="rect">
+            <a:avLst/>
+          </a:prstGeom>
+          <a:noFill/>
+          <a:ln>
+            <a:noFill/>
+          </a:ln>
+        </p:spPr>
+        <p:txBody>
+          <a:bodyPr spcFirstLastPara="1" wrap="square" lIns="91425" tIns="91425" rIns="91425" bIns="91425" anchor="t" anchorCtr="0">
+            <a:noAutofit/>
+          </a:bodyPr>
+          <a:lstStyle>
+            <a:lvl1pPr marL="457200" lvl="0" indent="-342900" algn="l">
+              <a:lnSpc>
+                <a:spcPct val="115000"/>
+              </a:lnSpc>
+              <a:spcBef>
+                <a:spcPts val="0"/>
+              </a:spcBef>
+              <a:spcAft>
+                <a:spcPts val="0"/>
+              </a:spcAft>
+              <a:buSzPts val="1800"/>
+              <a:buChar char="●"/>
+              <a:defRPr/>
+            </a:lvl1pPr>
+            <a:lvl2pPr marL="914400" lvl="1" indent="-317500" algn="l">
+              <a:lnSpc>
+                <a:spcPct val="115000"/>
+              </a:lnSpc>
+              <a:spcBef>
+                <a:spcPts val="1600"/>
+              </a:spcBef>
+              <a:spcAft>
+                <a:spcPts val="0"/>
+              </a:spcAft>
+              <a:buSzPts val="1400"/>
+              <a:buChar char="○"/>
+              <a:defRPr/>
+            </a:lvl2pPr>
+            <a:lvl3pPr marL="1371600" lvl="2" indent="-317500" algn="l">
+              <a:lnSpc>
+                <a:spcPct val="115000"/>
+              </a:lnSpc>
+              <a:spcBef>
+                <a:spcPts val="1600"/>
+              </a:spcBef>
+              <a:spcAft>
+                <a:spcPts val="0"/>
+              </a:spcAft>
+              <a:buSzPts val="1400"/>
+              <a:buChar char="■"/>
+              <a:defRPr/>
+            </a:lvl3pPr>
+            <a:lvl4pPr marL="1828800" lvl="3" indent="-317500" algn="l">
+              <a:lnSpc>
+                <a:spcPct val="115000"/>
+              </a:lnSpc>
+              <a:spcBef>
+                <a:spcPts val="1600"/>
+              </a:spcBef>
+              <a:spcAft>
+                <a:spcPts val="0"/>
+              </a:spcAft>
+              <a:buSzPts val="1400"/>
+              <a:buChar char="●"/>
+              <a:defRPr/>
+            </a:lvl4pPr>
+            <a:lvl5pPr marL="2286000" lvl="4" indent="-317500" algn="l">
+              <a:lnSpc>
+                <a:spcPct val="115000"/>
+              </a:lnSpc>
+              <a:spcBef>
+                <a:spcPts val="1600"/>
+              </a:spcBef>
+              <a:spcAft>
+                <a:spcPts val="0"/>
+              </a:spcAft>
+              <a:buSzPts val="1400"/>
+              <a:buChar char="○"/>
+              <a:defRPr/>
+            </a:lvl5pPr>
+            <a:lvl6pPr marL="2743200" lvl="5" indent="-317500" algn="l">
+              <a:lnSpc>
+                <a:spcPct val="115000"/>
+              </a:lnSpc>
+              <a:spcBef>
+                <a:spcPts val="1600"/>
+              </a:spcBef>
+              <a:spcAft>
+                <a:spcPts val="0"/>
+              </a:spcAft>
+              <a:buSzPts val="1400"/>
+              <a:buChar char="■"/>
+              <a:defRPr/>
+            </a:lvl6pPr>
+            <a:lvl7pPr marL="3200400" lvl="6" indent="-317500" algn="l">
+              <a:lnSpc>
+                <a:spcPct val="115000"/>
+              </a:lnSpc>
+              <a:spcBef>
+                <a:spcPts val="1600"/>
+              </a:spcBef>
+              <a:spcAft>
+                <a:spcPts val="0"/>
+              </a:spcAft>
+              <a:buSzPts val="1400"/>
+              <a:buChar char="●"/>
+              <a:defRPr/>
+            </a:lvl7pPr>
+            <a:lvl8pPr marL="3657600" lvl="7" indent="-317500" algn="l">
+              <a:lnSpc>
+                <a:spcPct val="115000"/>
+              </a:lnSpc>
+              <a:spcBef>
+                <a:spcPts val="1600"/>
+              </a:spcBef>
+              <a:spcAft>
+                <a:spcPts val="0"/>
+              </a:spcAft>
+              <a:buSzPts val="1400"/>
+              <a:buChar char="○"/>
+              <a:defRPr/>
+            </a:lvl8pPr>
+            <a:lvl9pPr marL="4114800" lvl="8" indent="-317500" algn="l">
+              <a:lnSpc>
+                <a:spcPct val="115000"/>
+              </a:lnSpc>
+              <a:spcBef>
+                <a:spcPts val="1600"/>
+              </a:spcBef>
+              <a:spcAft>
+                <a:spcPts val="1600"/>
+              </a:spcAft>
+              <a:buSzPts val="1400"/>
+              <a:buChar char="■"/>
+              <a:defRPr/>
+            </a:lvl9pPr>
+          </a:lstStyle>
+          <a:p>
+            <a:endParaRPr/>
+          </a:p>
+        </p:txBody>
+      </p:sp>
+      <p:sp>
+        <p:nvSpPr>
+          <p:cNvPr id="17" name="Google Shape;17;p3"/>
+          <p:cNvSpPr txBox="1">
+            <a:spLocks noGrp="1"/>
+          </p:cNvSpPr>
+          <p:nvPr>
+            <p:ph type="sldNum" idx="12"/>
+          </p:nvPr>
+        </p:nvSpPr>
+        <p:spPr>
+          <a:xfrm>
+            <a:off x="8472458" y="4663217"/>
+            <a:ext cx="548700" cy="393600"/>
+          </a:xfrm>
+          <a:prstGeom prst="rect">
+            <a:avLst/>
+          </a:prstGeom>
+          <a:noFill/>
+          <a:ln>
+            <a:noFill/>
+          </a:ln>
+        </p:spPr>
+        <p:txBody>
+          <a:bodyPr spcFirstLastPara="1" wrap="square" lIns="91425" tIns="91425" rIns="91425" bIns="91425" anchor="ctr" anchorCtr="0">
+            <a:noAutofit/>
+          </a:bodyPr>
+          <a:lstStyle>
+            <a:lvl1pPr marL="0" marR="0" lvl="0" indent="0" algn="r">
+              <a:lnSpc>
+                <a:spcPct val="100000"/>
+              </a:lnSpc>
+              <a:spcBef>
+                <a:spcPts val="0"/>
+              </a:spcBef>
+              <a:spcAft>
+                <a:spcPts val="0"/>
+              </a:spcAft>
+              <a:buClr>
+                <a:srgbClr val="000000"/>
+              </a:buClr>
+              <a:buSzPts val="1000"/>
+              <a:buFont typeface="Arial"/>
+              <a:buNone/>
+              <a:defRPr sz="1000" b="0" i="0" u="none" strike="noStrike" cap="none">
+                <a:solidFill>
+                  <a:schemeClr val="dk2"/>
+                </a:solidFill>
+                <a:latin typeface="Arial"/>
+                <a:ea typeface="Arial"/>
+                <a:cs typeface="Arial"/>
+                <a:sym typeface="Arial"/>
+              </a:defRPr>
+            </a:lvl1pPr>
+            <a:lvl2pPr marL="0" marR="0" lvl="1" indent="0" algn="r">
+              <a:lnSpc>
+                <a:spcPct val="100000"/>
+              </a:lnSpc>
+              <a:spcBef>
+                <a:spcPts val="0"/>
+              </a:spcBef>
+              <a:spcAft>
+                <a:spcPts val="0"/>
+              </a:spcAft>
+              <a:buClr>
+                <a:srgbClr val="000000"/>
+              </a:buClr>
+              <a:buSzPts val="1000"/>
+              <a:buFont typeface="Arial"/>
+              <a:buNone/>
+              <a:defRPr sz="1000" b="0" i="0" u="none" strike="noStrike" cap="none">
+                <a:solidFill>
+                  <a:schemeClr val="dk2"/>
+                </a:solidFill>
+                <a:latin typeface="Arial"/>
+                <a:ea typeface="Arial"/>
+                <a:cs typeface="Arial"/>
+                <a:sym typeface="Arial"/>
+              </a:defRPr>
+            </a:lvl2pPr>
+            <a:lvl3pPr marL="0" marR="0" lvl="2" indent="0" algn="r">
+              <a:lnSpc>
+                <a:spcPct val="100000"/>
+              </a:lnSpc>
+              <a:spcBef>
+                <a:spcPts val="0"/>
+              </a:spcBef>
+              <a:spcAft>
+                <a:spcPts val="0"/>
+              </a:spcAft>
+              <a:buClr>
+                <a:srgbClr val="000000"/>
+              </a:buClr>
+              <a:buSzPts val="1000"/>
+              <a:buFont typeface="Arial"/>
+              <a:buNone/>
+              <a:defRPr sz="1000" b="0" i="0" u="none" strike="noStrike" cap="none">
+                <a:solidFill>
+                  <a:schemeClr val="dk2"/>
+                </a:solidFill>
+                <a:latin typeface="Arial"/>
+                <a:ea typeface="Arial"/>
+                <a:cs typeface="Arial"/>
+                <a:sym typeface="Arial"/>
+              </a:defRPr>
+            </a:lvl3pPr>
+            <a:lvl4pPr marL="0" marR="0" lvl="3" indent="0" algn="r">
+              <a:lnSpc>
+                <a:spcPct val="100000"/>
+              </a:lnSpc>
+              <a:spcBef>
+                <a:spcPts val="0"/>
+              </a:spcBef>
+              <a:spcAft>
+                <a:spcPts val="0"/>
+              </a:spcAft>
+              <a:buClr>
+                <a:srgbClr val="000000"/>
+              </a:buClr>
+              <a:buSzPts val="1000"/>
+              <a:buFont typeface="Arial"/>
+              <a:buNone/>
+              <a:defRPr sz="1000" b="0" i="0" u="none" strike="noStrike" cap="none">
+                <a:solidFill>
+                  <a:schemeClr val="dk2"/>
+                </a:solidFill>
+                <a:latin typeface="Arial"/>
+                <a:ea typeface="Arial"/>
+                <a:cs typeface="Arial"/>
+                <a:sym typeface="Arial"/>
+              </a:defRPr>
+            </a:lvl4pPr>
+            <a:lvl5pPr marL="0" marR="0" lvl="4" indent="0" algn="r">
+              <a:lnSpc>
+                <a:spcPct val="100000"/>
+              </a:lnSpc>
+              <a:spcBef>
+                <a:spcPts val="0"/>
+              </a:spcBef>
+              <a:spcAft>
+                <a:spcPts val="0"/>
+              </a:spcAft>
+              <a:buClr>
+                <a:srgbClr val="000000"/>
+              </a:buClr>
+              <a:buSzPts val="1000"/>
+              <a:buFont typeface="Arial"/>
+              <a:buNone/>
+              <a:defRPr sz="1000" b="0" i="0" u="none" strike="noStrike" cap="none">
+                <a:solidFill>
+                  <a:schemeClr val="dk2"/>
+                </a:solidFill>
+                <a:latin typeface="Arial"/>
+                <a:ea typeface="Arial"/>
+                <a:cs typeface="Arial"/>
+                <a:sym typeface="Arial"/>
+              </a:defRPr>
+            </a:lvl5pPr>
+            <a:lvl6pPr marL="0" marR="0" lvl="5" indent="0" algn="r">
+              <a:lnSpc>
+                <a:spcPct val="100000"/>
+              </a:lnSpc>
+              <a:spcBef>
+                <a:spcPts val="0"/>
+              </a:spcBef>
+              <a:spcAft>
+                <a:spcPts val="0"/>
+              </a:spcAft>
+              <a:buClr>
+                <a:srgbClr val="000000"/>
+              </a:buClr>
+              <a:buSzPts val="1000"/>
+              <a:buFont typeface="Arial"/>
+              <a:buNone/>
+              <a:defRPr sz="1000" b="0" i="0" u="none" strike="noStrike" cap="none">
+                <a:solidFill>
+                  <a:schemeClr val="dk2"/>
+                </a:solidFill>
+                <a:latin typeface="Arial"/>
+                <a:ea typeface="Arial"/>
+                <a:cs typeface="Arial"/>
+                <a:sym typeface="Arial"/>
+              </a:defRPr>
+            </a:lvl6pPr>
+            <a:lvl7pPr marL="0" marR="0" lvl="6" indent="0" algn="r">
+              <a:lnSpc>
+                <a:spcPct val="100000"/>
+              </a:lnSpc>
+              <a:spcBef>
+                <a:spcPts val="0"/>
+              </a:spcBef>
+              <a:spcAft>
+                <a:spcPts val="0"/>
+              </a:spcAft>
+              <a:buClr>
+                <a:srgbClr val="000000"/>
+              </a:buClr>
+              <a:buSzPts val="1000"/>
+              <a:buFont typeface="Arial"/>
+              <a:buNone/>
+              <a:defRPr sz="1000" b="0" i="0" u="none" strike="noStrike" cap="none">
+                <a:solidFill>
+                  <a:schemeClr val="dk2"/>
+                </a:solidFill>
+                <a:latin typeface="Arial"/>
+                <a:ea typeface="Arial"/>
+                <a:cs typeface="Arial"/>
+                <a:sym typeface="Arial"/>
+              </a:defRPr>
+            </a:lvl7pPr>
+            <a:lvl8pPr marL="0" marR="0" lvl="7" indent="0" algn="r">
+              <a:lnSpc>
+                <a:spcPct val="100000"/>
+              </a:lnSpc>
+              <a:spcBef>
+                <a:spcPts val="0"/>
+              </a:spcBef>
+              <a:spcAft>
+                <a:spcPts val="0"/>
+              </a:spcAft>
+              <a:buClr>
+                <a:srgbClr val="000000"/>
+              </a:buClr>
+              <a:buSzPts val="1000"/>
+              <a:buFont typeface="Arial"/>
+              <a:buNone/>
+              <a:defRPr sz="1000" b="0" i="0" u="none" strike="noStrike" cap="none">
+                <a:solidFill>
+                  <a:schemeClr val="dk2"/>
+                </a:solidFill>
+                <a:latin typeface="Arial"/>
+                <a:ea typeface="Arial"/>
+                <a:cs typeface="Arial"/>
+                <a:sym typeface="Arial"/>
+              </a:defRPr>
+            </a:lvl8pPr>
+            <a:lvl9pPr marL="0" marR="0" lvl="8" indent="0" algn="r">
+              <a:lnSpc>
+                <a:spcPct val="100000"/>
+              </a:lnSpc>
+              <a:spcBef>
+                <a:spcPts val="0"/>
+              </a:spcBef>
+              <a:spcAft>
+                <a:spcPts val="0"/>
+              </a:spcAft>
+              <a:buClr>
+                <a:srgbClr val="000000"/>
+              </a:buClr>
+              <a:buSzPts val="1000"/>
+              <a:buFont typeface="Arial"/>
+              <a:buNone/>
+              <a:defRPr sz="1000" b="0" i="0" u="none" strike="noStrike" cap="none">
+                <a:solidFill>
+                  <a:schemeClr val="dk2"/>
+                </a:solidFill>
+                <a:latin typeface="Arial"/>
+                <a:ea typeface="Arial"/>
+                <a:cs typeface="Arial"/>
+                <a:sym typeface="Arial"/>
+              </a:defRPr>
+            </a:lvl9pPr>
+          </a:lstStyle>
+          <a:p>
+            <a:pPr marL="0" lvl="0" indent="0" algn="r" rtl="0">
+              <a:spcBef>
+                <a:spcPts val="0"/>
+              </a:spcBef>
+              <a:spcAft>
+                <a:spcPts val="0"/>
+              </a:spcAft>
+              <a:buNone/>
+            </a:pPr>
+            <a:fld id="{00000000-1234-1234-1234-123412341234}" type="slidenum">
+              <a:rPr lang="en-GB"/>
+              <a:t>‹#›</a:t>
+            </a:fld>
+            <a:endParaRPr/>
+          </a:p>
+        </p:txBody>
+      </p:sp>
+    </p:spTree>
+  </p:cSld>
+  <p:clrMapOvr>
+    <a:masterClrMapping/>
+  </p:clrMapOvr>
+</p:sldLayout>
+</file>
+
+<file path=ppt/slideLayouts/slideLayout3.xml><?xml version="1.0" encoding="utf-8"?>
 <p:sldLayout xmlns:a="http://schemas.openxmlformats.org/drawingml/2006/main" xmlns:r="http://schemas.openxmlformats.org/officeDocument/2006/relationships" xmlns:p="http://schemas.openxmlformats.org/presentationml/2006/main" matchingName="Section header" type="secHead">
   <p:cSld name="SECTION_HEADER">
     <p:spTree>
@@ -2494,7 +3768,7 @@
 </p:sldLayout>
 </file>
 
-<file path=ppt/slideLayouts/slideLayout3.xml><?xml version="1.0" encoding="utf-8"?>
+<file path=ppt/slideLayouts/slideLayout4.xml><?xml version="1.0" encoding="utf-8"?>
 <p:sldLayout xmlns:a="http://schemas.openxmlformats.org/drawingml/2006/main" xmlns:r="http://schemas.openxmlformats.org/officeDocument/2006/relationships" xmlns:p="http://schemas.openxmlformats.org/presentationml/2006/main" matchingName="Title and two columns" type="twoColTx">
   <p:cSld name="TITLE_AND_TWO_COLUMNS">
     <p:spTree>
@@ -3280,7 +4554,7 @@
 </p:sldLayout>
 </file>
 
-<file path=ppt/slideLayouts/slideLayout4.xml><?xml version="1.0" encoding="utf-8"?>
+<file path=ppt/slideLayouts/slideLayout5.xml><?xml version="1.0" encoding="utf-8"?>
 <p:sldLayout xmlns:a="http://schemas.openxmlformats.org/drawingml/2006/main" xmlns:r="http://schemas.openxmlformats.org/officeDocument/2006/relationships" xmlns:p="http://schemas.openxmlformats.org/presentationml/2006/main" matchingName="Title only" type="titleOnly">
   <p:cSld name="TITLE_ONLY">
     <p:spTree>
@@ -3746,7 +5020,7 @@
 </p:sldLayout>
 </file>
 
-<file path=ppt/slideLayouts/slideLayout5.xml><?xml version="1.0" encoding="utf-8"?>
+<file path=ppt/slideLayouts/slideLayout6.xml><?xml version="1.0" encoding="utf-8"?>
 <p:sldLayout xmlns:a="http://schemas.openxmlformats.org/drawingml/2006/main" xmlns:r="http://schemas.openxmlformats.org/officeDocument/2006/relationships" xmlns:p="http://schemas.openxmlformats.org/presentationml/2006/main" matchingName="One column text">
   <p:cSld name="ONE_COLUMN_TEXT">
     <p:spTree>
@@ -4372,7 +5646,7 @@
 </p:sldLayout>
 </file>
 
-<file path=ppt/slideLayouts/slideLayout6.xml><?xml version="1.0" encoding="utf-8"?>
+<file path=ppt/slideLayouts/slideLayout7.xml><?xml version="1.0" encoding="utf-8"?>
 <p:sldLayout xmlns:a="http://schemas.openxmlformats.org/drawingml/2006/main" xmlns:r="http://schemas.openxmlformats.org/officeDocument/2006/relationships" xmlns:p="http://schemas.openxmlformats.org/presentationml/2006/main" matchingName="Main point">
   <p:cSld name="MAIN_POINT">
     <p:spTree>
@@ -4838,7 +6112,7 @@
 </p:sldLayout>
 </file>
 
-<file path=ppt/slideLayouts/slideLayout7.xml><?xml version="1.0" encoding="utf-8"?>
+<file path=ppt/slideLayouts/slideLayout8.xml><?xml version="1.0" encoding="utf-8"?>
 <p:sldLayout xmlns:a="http://schemas.openxmlformats.org/drawingml/2006/main" xmlns:r="http://schemas.openxmlformats.org/officeDocument/2006/relationships" xmlns:p="http://schemas.openxmlformats.org/presentationml/2006/main" matchingName="Section title and description">
   <p:cSld name="SECTION_TITLE_AND_DESCRIPTION">
     <p:spTree>
@@ -5680,7 +6954,7 @@
 </p:sldLayout>
 </file>
 
-<file path=ppt/slideLayouts/slideLayout8.xml><?xml version="1.0" encoding="utf-8"?>
+<file path=ppt/slideLayouts/slideLayout9.xml><?xml version="1.0" encoding="utf-8"?>
 <p:sldLayout xmlns:a="http://schemas.openxmlformats.org/drawingml/2006/main" xmlns:r="http://schemas.openxmlformats.org/officeDocument/2006/relationships" xmlns:p="http://schemas.openxmlformats.org/presentationml/2006/main" matchingName="Caption">
   <p:cSld name="CAPTION_ONLY">
     <p:spTree>
@@ -5748,634 +7022,6 @@
       <p:sp>
         <p:nvSpPr>
           <p:cNvPr id="44" name="Google Shape;44;p10"/>
-          <p:cNvSpPr txBox="1">
-            <a:spLocks noGrp="1"/>
-          </p:cNvSpPr>
-          <p:nvPr>
-            <p:ph type="sldNum" idx="12"/>
-          </p:nvPr>
-        </p:nvSpPr>
-        <p:spPr>
-          <a:xfrm>
-            <a:off x="8472458" y="4663217"/>
-            <a:ext cx="548700" cy="393600"/>
-          </a:xfrm>
-          <a:prstGeom prst="rect">
-            <a:avLst/>
-          </a:prstGeom>
-          <a:noFill/>
-          <a:ln>
-            <a:noFill/>
-          </a:ln>
-        </p:spPr>
-        <p:txBody>
-          <a:bodyPr spcFirstLastPara="1" wrap="square" lIns="91425" tIns="91425" rIns="91425" bIns="91425" anchor="ctr" anchorCtr="0">
-            <a:noAutofit/>
-          </a:bodyPr>
-          <a:lstStyle>
-            <a:lvl1pPr marL="0" marR="0" lvl="0" indent="0" algn="r">
-              <a:lnSpc>
-                <a:spcPct val="100000"/>
-              </a:lnSpc>
-              <a:spcBef>
-                <a:spcPts val="0"/>
-              </a:spcBef>
-              <a:spcAft>
-                <a:spcPts val="0"/>
-              </a:spcAft>
-              <a:buClr>
-                <a:srgbClr val="000000"/>
-              </a:buClr>
-              <a:buSzPts val="1000"/>
-              <a:buFont typeface="Arial"/>
-              <a:buNone/>
-              <a:defRPr sz="1000" b="0" i="0" u="none" strike="noStrike" cap="none">
-                <a:solidFill>
-                  <a:schemeClr val="dk2"/>
-                </a:solidFill>
-                <a:latin typeface="Arial"/>
-                <a:ea typeface="Arial"/>
-                <a:cs typeface="Arial"/>
-                <a:sym typeface="Arial"/>
-              </a:defRPr>
-            </a:lvl1pPr>
-            <a:lvl2pPr marL="0" marR="0" lvl="1" indent="0" algn="r">
-              <a:lnSpc>
-                <a:spcPct val="100000"/>
-              </a:lnSpc>
-              <a:spcBef>
-                <a:spcPts val="0"/>
-              </a:spcBef>
-              <a:spcAft>
-                <a:spcPts val="0"/>
-              </a:spcAft>
-              <a:buClr>
-                <a:srgbClr val="000000"/>
-              </a:buClr>
-              <a:buSzPts val="1000"/>
-              <a:buFont typeface="Arial"/>
-              <a:buNone/>
-              <a:defRPr sz="1000" b="0" i="0" u="none" strike="noStrike" cap="none">
-                <a:solidFill>
-                  <a:schemeClr val="dk2"/>
-                </a:solidFill>
-                <a:latin typeface="Arial"/>
-                <a:ea typeface="Arial"/>
-                <a:cs typeface="Arial"/>
-                <a:sym typeface="Arial"/>
-              </a:defRPr>
-            </a:lvl2pPr>
-            <a:lvl3pPr marL="0" marR="0" lvl="2" indent="0" algn="r">
-              <a:lnSpc>
-                <a:spcPct val="100000"/>
-              </a:lnSpc>
-              <a:spcBef>
-                <a:spcPts val="0"/>
-              </a:spcBef>
-              <a:spcAft>
-                <a:spcPts val="0"/>
-              </a:spcAft>
-              <a:buClr>
-                <a:srgbClr val="000000"/>
-              </a:buClr>
-              <a:buSzPts val="1000"/>
-              <a:buFont typeface="Arial"/>
-              <a:buNone/>
-              <a:defRPr sz="1000" b="0" i="0" u="none" strike="noStrike" cap="none">
-                <a:solidFill>
-                  <a:schemeClr val="dk2"/>
-                </a:solidFill>
-                <a:latin typeface="Arial"/>
-                <a:ea typeface="Arial"/>
-                <a:cs typeface="Arial"/>
-                <a:sym typeface="Arial"/>
-              </a:defRPr>
-            </a:lvl3pPr>
-            <a:lvl4pPr marL="0" marR="0" lvl="3" indent="0" algn="r">
-              <a:lnSpc>
-                <a:spcPct val="100000"/>
-              </a:lnSpc>
-              <a:spcBef>
-                <a:spcPts val="0"/>
-              </a:spcBef>
-              <a:spcAft>
-                <a:spcPts val="0"/>
-              </a:spcAft>
-              <a:buClr>
-                <a:srgbClr val="000000"/>
-              </a:buClr>
-              <a:buSzPts val="1000"/>
-              <a:buFont typeface="Arial"/>
-              <a:buNone/>
-              <a:defRPr sz="1000" b="0" i="0" u="none" strike="noStrike" cap="none">
-                <a:solidFill>
-                  <a:schemeClr val="dk2"/>
-                </a:solidFill>
-                <a:latin typeface="Arial"/>
-                <a:ea typeface="Arial"/>
-                <a:cs typeface="Arial"/>
-                <a:sym typeface="Arial"/>
-              </a:defRPr>
-            </a:lvl4pPr>
-            <a:lvl5pPr marL="0" marR="0" lvl="4" indent="0" algn="r">
-              <a:lnSpc>
-                <a:spcPct val="100000"/>
-              </a:lnSpc>
-              <a:spcBef>
-                <a:spcPts val="0"/>
-              </a:spcBef>
-              <a:spcAft>
-                <a:spcPts val="0"/>
-              </a:spcAft>
-              <a:buClr>
-                <a:srgbClr val="000000"/>
-              </a:buClr>
-              <a:buSzPts val="1000"/>
-              <a:buFont typeface="Arial"/>
-              <a:buNone/>
-              <a:defRPr sz="1000" b="0" i="0" u="none" strike="noStrike" cap="none">
-                <a:solidFill>
-                  <a:schemeClr val="dk2"/>
-                </a:solidFill>
-                <a:latin typeface="Arial"/>
-                <a:ea typeface="Arial"/>
-                <a:cs typeface="Arial"/>
-                <a:sym typeface="Arial"/>
-              </a:defRPr>
-            </a:lvl5pPr>
-            <a:lvl6pPr marL="0" marR="0" lvl="5" indent="0" algn="r">
-              <a:lnSpc>
-                <a:spcPct val="100000"/>
-              </a:lnSpc>
-              <a:spcBef>
-                <a:spcPts val="0"/>
-              </a:spcBef>
-              <a:spcAft>
-                <a:spcPts val="0"/>
-              </a:spcAft>
-              <a:buClr>
-                <a:srgbClr val="000000"/>
-              </a:buClr>
-              <a:buSzPts val="1000"/>
-              <a:buFont typeface="Arial"/>
-              <a:buNone/>
-              <a:defRPr sz="1000" b="0" i="0" u="none" strike="noStrike" cap="none">
-                <a:solidFill>
-                  <a:schemeClr val="dk2"/>
-                </a:solidFill>
-                <a:latin typeface="Arial"/>
-                <a:ea typeface="Arial"/>
-                <a:cs typeface="Arial"/>
-                <a:sym typeface="Arial"/>
-              </a:defRPr>
-            </a:lvl6pPr>
-            <a:lvl7pPr marL="0" marR="0" lvl="6" indent="0" algn="r">
-              <a:lnSpc>
-                <a:spcPct val="100000"/>
-              </a:lnSpc>
-              <a:spcBef>
-                <a:spcPts val="0"/>
-              </a:spcBef>
-              <a:spcAft>
-                <a:spcPts val="0"/>
-              </a:spcAft>
-              <a:buClr>
-                <a:srgbClr val="000000"/>
-              </a:buClr>
-              <a:buSzPts val="1000"/>
-              <a:buFont typeface="Arial"/>
-              <a:buNone/>
-              <a:defRPr sz="1000" b="0" i="0" u="none" strike="noStrike" cap="none">
-                <a:solidFill>
-                  <a:schemeClr val="dk2"/>
-                </a:solidFill>
-                <a:latin typeface="Arial"/>
-                <a:ea typeface="Arial"/>
-                <a:cs typeface="Arial"/>
-                <a:sym typeface="Arial"/>
-              </a:defRPr>
-            </a:lvl7pPr>
-            <a:lvl8pPr marL="0" marR="0" lvl="7" indent="0" algn="r">
-              <a:lnSpc>
-                <a:spcPct val="100000"/>
-              </a:lnSpc>
-              <a:spcBef>
-                <a:spcPts val="0"/>
-              </a:spcBef>
-              <a:spcAft>
-                <a:spcPts val="0"/>
-              </a:spcAft>
-              <a:buClr>
-                <a:srgbClr val="000000"/>
-              </a:buClr>
-              <a:buSzPts val="1000"/>
-              <a:buFont typeface="Arial"/>
-              <a:buNone/>
-              <a:defRPr sz="1000" b="0" i="0" u="none" strike="noStrike" cap="none">
-                <a:solidFill>
-                  <a:schemeClr val="dk2"/>
-                </a:solidFill>
-                <a:latin typeface="Arial"/>
-                <a:ea typeface="Arial"/>
-                <a:cs typeface="Arial"/>
-                <a:sym typeface="Arial"/>
-              </a:defRPr>
-            </a:lvl8pPr>
-            <a:lvl9pPr marL="0" marR="0" lvl="8" indent="0" algn="r">
-              <a:lnSpc>
-                <a:spcPct val="100000"/>
-              </a:lnSpc>
-              <a:spcBef>
-                <a:spcPts val="0"/>
-              </a:spcBef>
-              <a:spcAft>
-                <a:spcPts val="0"/>
-              </a:spcAft>
-              <a:buClr>
-                <a:srgbClr val="000000"/>
-              </a:buClr>
-              <a:buSzPts val="1000"/>
-              <a:buFont typeface="Arial"/>
-              <a:buNone/>
-              <a:defRPr sz="1000" b="0" i="0" u="none" strike="noStrike" cap="none">
-                <a:solidFill>
-                  <a:schemeClr val="dk2"/>
-                </a:solidFill>
-                <a:latin typeface="Arial"/>
-                <a:ea typeface="Arial"/>
-                <a:cs typeface="Arial"/>
-                <a:sym typeface="Arial"/>
-              </a:defRPr>
-            </a:lvl9pPr>
-          </a:lstStyle>
-          <a:p>
-            <a:pPr marL="0" lvl="0" indent="0" algn="r" rtl="0">
-              <a:spcBef>
-                <a:spcPts val="0"/>
-              </a:spcBef>
-              <a:spcAft>
-                <a:spcPts val="0"/>
-              </a:spcAft>
-              <a:buNone/>
-            </a:pPr>
-            <a:fld id="{00000000-1234-1234-1234-123412341234}" type="slidenum">
-              <a:rPr lang="en-GB"/>
-              <a:t>‹#›</a:t>
-            </a:fld>
-            <a:endParaRPr/>
-          </a:p>
-        </p:txBody>
-      </p:sp>
-    </p:spTree>
-  </p:cSld>
-  <p:clrMapOvr>
-    <a:masterClrMapping/>
-  </p:clrMapOvr>
-</p:sldLayout>
-</file>
-
-<file path=ppt/slideLayouts/slideLayout9.xml><?xml version="1.0" encoding="utf-8"?>
-<p:sldLayout xmlns:a="http://schemas.openxmlformats.org/drawingml/2006/main" xmlns:r="http://schemas.openxmlformats.org/officeDocument/2006/relationships" xmlns:p="http://schemas.openxmlformats.org/presentationml/2006/main" matchingName="Big number">
-  <p:cSld name="BIG_NUMBER">
-    <p:spTree>
-      <p:nvGrpSpPr>
-        <p:cNvPr id="1" name="Shape 45"/>
-        <p:cNvGrpSpPr/>
-        <p:nvPr/>
-      </p:nvGrpSpPr>
-      <p:grpSpPr>
-        <a:xfrm>
-          <a:off x="0" y="0"/>
-          <a:ext cx="0" cy="0"/>
-          <a:chOff x="0" y="0"/>
-          <a:chExt cx="0" cy="0"/>
-        </a:xfrm>
-      </p:grpSpPr>
-      <p:sp>
-        <p:nvSpPr>
-          <p:cNvPr id="46" name="Google Shape;46;p11"/>
-          <p:cNvSpPr txBox="1">
-            <a:spLocks noGrp="1"/>
-          </p:cNvSpPr>
-          <p:nvPr>
-            <p:ph type="title" hasCustomPrompt="1"/>
-          </p:nvPr>
-        </p:nvSpPr>
-        <p:spPr>
-          <a:xfrm>
-            <a:off x="311700" y="1106125"/>
-            <a:ext cx="8520600" cy="1963800"/>
-          </a:xfrm>
-          <a:prstGeom prst="rect">
-            <a:avLst/>
-          </a:prstGeom>
-          <a:noFill/>
-          <a:ln>
-            <a:noFill/>
-          </a:ln>
-        </p:spPr>
-        <p:txBody>
-          <a:bodyPr spcFirstLastPara="1" wrap="square" lIns="91425" tIns="91425" rIns="91425" bIns="91425" anchor="b" anchorCtr="0">
-            <a:noAutofit/>
-          </a:bodyPr>
-          <a:lstStyle>
-            <a:lvl1pPr lvl="0" algn="ctr">
-              <a:lnSpc>
-                <a:spcPct val="100000"/>
-              </a:lnSpc>
-              <a:spcBef>
-                <a:spcPts val="0"/>
-              </a:spcBef>
-              <a:spcAft>
-                <a:spcPts val="0"/>
-              </a:spcAft>
-              <a:buSzPts val="12000"/>
-              <a:buNone/>
-              <a:defRPr sz="12000"/>
-            </a:lvl1pPr>
-            <a:lvl2pPr lvl="1" algn="ctr">
-              <a:lnSpc>
-                <a:spcPct val="100000"/>
-              </a:lnSpc>
-              <a:spcBef>
-                <a:spcPts val="0"/>
-              </a:spcBef>
-              <a:spcAft>
-                <a:spcPts val="0"/>
-              </a:spcAft>
-              <a:buSzPts val="12000"/>
-              <a:buNone/>
-              <a:defRPr sz="12000"/>
-            </a:lvl2pPr>
-            <a:lvl3pPr lvl="2" algn="ctr">
-              <a:lnSpc>
-                <a:spcPct val="100000"/>
-              </a:lnSpc>
-              <a:spcBef>
-                <a:spcPts val="0"/>
-              </a:spcBef>
-              <a:spcAft>
-                <a:spcPts val="0"/>
-              </a:spcAft>
-              <a:buSzPts val="12000"/>
-              <a:buNone/>
-              <a:defRPr sz="12000"/>
-            </a:lvl3pPr>
-            <a:lvl4pPr lvl="3" algn="ctr">
-              <a:lnSpc>
-                <a:spcPct val="100000"/>
-              </a:lnSpc>
-              <a:spcBef>
-                <a:spcPts val="0"/>
-              </a:spcBef>
-              <a:spcAft>
-                <a:spcPts val="0"/>
-              </a:spcAft>
-              <a:buSzPts val="12000"/>
-              <a:buNone/>
-              <a:defRPr sz="12000"/>
-            </a:lvl4pPr>
-            <a:lvl5pPr lvl="4" algn="ctr">
-              <a:lnSpc>
-                <a:spcPct val="100000"/>
-              </a:lnSpc>
-              <a:spcBef>
-                <a:spcPts val="0"/>
-              </a:spcBef>
-              <a:spcAft>
-                <a:spcPts val="0"/>
-              </a:spcAft>
-              <a:buSzPts val="12000"/>
-              <a:buNone/>
-              <a:defRPr sz="12000"/>
-            </a:lvl5pPr>
-            <a:lvl6pPr lvl="5" algn="ctr">
-              <a:lnSpc>
-                <a:spcPct val="100000"/>
-              </a:lnSpc>
-              <a:spcBef>
-                <a:spcPts val="0"/>
-              </a:spcBef>
-              <a:spcAft>
-                <a:spcPts val="0"/>
-              </a:spcAft>
-              <a:buSzPts val="12000"/>
-              <a:buNone/>
-              <a:defRPr sz="12000"/>
-            </a:lvl6pPr>
-            <a:lvl7pPr lvl="6" algn="ctr">
-              <a:lnSpc>
-                <a:spcPct val="100000"/>
-              </a:lnSpc>
-              <a:spcBef>
-                <a:spcPts val="0"/>
-              </a:spcBef>
-              <a:spcAft>
-                <a:spcPts val="0"/>
-              </a:spcAft>
-              <a:buSzPts val="12000"/>
-              <a:buNone/>
-              <a:defRPr sz="12000"/>
-            </a:lvl7pPr>
-            <a:lvl8pPr lvl="7" algn="ctr">
-              <a:lnSpc>
-                <a:spcPct val="100000"/>
-              </a:lnSpc>
-              <a:spcBef>
-                <a:spcPts val="0"/>
-              </a:spcBef>
-              <a:spcAft>
-                <a:spcPts val="0"/>
-              </a:spcAft>
-              <a:buSzPts val="12000"/>
-              <a:buNone/>
-              <a:defRPr sz="12000"/>
-            </a:lvl8pPr>
-            <a:lvl9pPr lvl="8" algn="ctr">
-              <a:lnSpc>
-                <a:spcPct val="100000"/>
-              </a:lnSpc>
-              <a:spcBef>
-                <a:spcPts val="0"/>
-              </a:spcBef>
-              <a:spcAft>
-                <a:spcPts val="0"/>
-              </a:spcAft>
-              <a:buSzPts val="12000"/>
-              <a:buNone/>
-              <a:defRPr sz="12000"/>
-            </a:lvl9pPr>
-          </a:lstStyle>
-          <a:p>
-            <a:r>
-              <a:t>xx%</a:t>
-            </a:r>
-          </a:p>
-        </p:txBody>
-      </p:sp>
-      <p:sp>
-        <p:nvSpPr>
-          <p:cNvPr id="47" name="Google Shape;47;p11"/>
-          <p:cNvSpPr txBox="1">
-            <a:spLocks noGrp="1"/>
-          </p:cNvSpPr>
-          <p:nvPr>
-            <p:ph type="body" idx="1"/>
-          </p:nvPr>
-        </p:nvSpPr>
-        <p:spPr>
-          <a:xfrm>
-            <a:off x="311700" y="3152225"/>
-            <a:ext cx="8520600" cy="1300500"/>
-          </a:xfrm>
-          <a:prstGeom prst="rect">
-            <a:avLst/>
-          </a:prstGeom>
-          <a:noFill/>
-          <a:ln>
-            <a:noFill/>
-          </a:ln>
-        </p:spPr>
-        <p:txBody>
-          <a:bodyPr spcFirstLastPara="1" wrap="square" lIns="91425" tIns="91425" rIns="91425" bIns="91425" anchor="t" anchorCtr="0">
-            <a:noAutofit/>
-          </a:bodyPr>
-          <a:lstStyle>
-            <a:lvl1pPr marL="457200" lvl="0" indent="-342900" algn="ctr">
-              <a:lnSpc>
-                <a:spcPct val="115000"/>
-              </a:lnSpc>
-              <a:spcBef>
-                <a:spcPts val="0"/>
-              </a:spcBef>
-              <a:spcAft>
-                <a:spcPts val="0"/>
-              </a:spcAft>
-              <a:buSzPts val="1800"/>
-              <a:buChar char="●"/>
-              <a:defRPr/>
-            </a:lvl1pPr>
-            <a:lvl2pPr marL="914400" lvl="1" indent="-317500" algn="ctr">
-              <a:lnSpc>
-                <a:spcPct val="115000"/>
-              </a:lnSpc>
-              <a:spcBef>
-                <a:spcPts val="1600"/>
-              </a:spcBef>
-              <a:spcAft>
-                <a:spcPts val="0"/>
-              </a:spcAft>
-              <a:buSzPts val="1400"/>
-              <a:buChar char="○"/>
-              <a:defRPr/>
-            </a:lvl2pPr>
-            <a:lvl3pPr marL="1371600" lvl="2" indent="-317500" algn="ctr">
-              <a:lnSpc>
-                <a:spcPct val="115000"/>
-              </a:lnSpc>
-              <a:spcBef>
-                <a:spcPts val="1600"/>
-              </a:spcBef>
-              <a:spcAft>
-                <a:spcPts val="0"/>
-              </a:spcAft>
-              <a:buSzPts val="1400"/>
-              <a:buChar char="■"/>
-              <a:defRPr/>
-            </a:lvl3pPr>
-            <a:lvl4pPr marL="1828800" lvl="3" indent="-317500" algn="ctr">
-              <a:lnSpc>
-                <a:spcPct val="115000"/>
-              </a:lnSpc>
-              <a:spcBef>
-                <a:spcPts val="1600"/>
-              </a:spcBef>
-              <a:spcAft>
-                <a:spcPts val="0"/>
-              </a:spcAft>
-              <a:buSzPts val="1400"/>
-              <a:buChar char="●"/>
-              <a:defRPr/>
-            </a:lvl4pPr>
-            <a:lvl5pPr marL="2286000" lvl="4" indent="-317500" algn="ctr">
-              <a:lnSpc>
-                <a:spcPct val="115000"/>
-              </a:lnSpc>
-              <a:spcBef>
-                <a:spcPts val="1600"/>
-              </a:spcBef>
-              <a:spcAft>
-                <a:spcPts val="0"/>
-              </a:spcAft>
-              <a:buSzPts val="1400"/>
-              <a:buChar char="○"/>
-              <a:defRPr/>
-            </a:lvl5pPr>
-            <a:lvl6pPr marL="2743200" lvl="5" indent="-317500" algn="ctr">
-              <a:lnSpc>
-                <a:spcPct val="115000"/>
-              </a:lnSpc>
-              <a:spcBef>
-                <a:spcPts val="1600"/>
-              </a:spcBef>
-              <a:spcAft>
-                <a:spcPts val="0"/>
-              </a:spcAft>
-              <a:buSzPts val="1400"/>
-              <a:buChar char="■"/>
-              <a:defRPr/>
-            </a:lvl6pPr>
-            <a:lvl7pPr marL="3200400" lvl="6" indent="-317500" algn="ctr">
-              <a:lnSpc>
-                <a:spcPct val="115000"/>
-              </a:lnSpc>
-              <a:spcBef>
-                <a:spcPts val="1600"/>
-              </a:spcBef>
-              <a:spcAft>
-                <a:spcPts val="0"/>
-              </a:spcAft>
-              <a:buSzPts val="1400"/>
-              <a:buChar char="●"/>
-              <a:defRPr/>
-            </a:lvl7pPr>
-            <a:lvl8pPr marL="3657600" lvl="7" indent="-317500" algn="ctr">
-              <a:lnSpc>
-                <a:spcPct val="115000"/>
-              </a:lnSpc>
-              <a:spcBef>
-                <a:spcPts val="1600"/>
-              </a:spcBef>
-              <a:spcAft>
-                <a:spcPts val="0"/>
-              </a:spcAft>
-              <a:buSzPts val="1400"/>
-              <a:buChar char="○"/>
-              <a:defRPr/>
-            </a:lvl8pPr>
-            <a:lvl9pPr marL="4114800" lvl="8" indent="-317500" algn="ctr">
-              <a:lnSpc>
-                <a:spcPct val="115000"/>
-              </a:lnSpc>
-              <a:spcBef>
-                <a:spcPts val="1600"/>
-              </a:spcBef>
-              <a:spcAft>
-                <a:spcPts val="1600"/>
-              </a:spcAft>
-              <a:buSzPts val="1400"/>
-              <a:buChar char="■"/>
-              <a:defRPr/>
-            </a:lvl9pPr>
-          </a:lstStyle>
-          <a:p>
-            <a:endParaRPr/>
-          </a:p>
-        </p:txBody>
-      </p:sp>
-      <p:sp>
-        <p:nvSpPr>
-          <p:cNvPr id="48" name="Google Shape;48;p11"/>
           <p:cNvSpPr txBox="1">
             <a:spLocks noGrp="1"/>
           </p:cNvSpPr>
@@ -7511,7 +8157,7 @@
           <p:nvPr/>
         </p:nvPicPr>
         <p:blipFill rotWithShape="1">
-          <a:blip r:embed="rId12">
+          <a:blip r:embed="rId13">
             <a:alphaModFix/>
           </a:blip>
           <a:srcRect/>
@@ -7536,15 +8182,16 @@
   <p:clrMap bg1="lt1" tx1="dk1" bg2="dk2" tx2="lt2" accent1="accent1" accent2="accent2" accent3="accent3" accent4="accent4" accent5="accent5" accent6="accent6" hlink="hlink" folHlink="folHlink"/>
   <p:sldLayoutIdLst>
     <p:sldLayoutId id="2147483648" r:id="rId1"/>
-    <p:sldLayoutId id="2147483650" r:id="rId2"/>
-    <p:sldLayoutId id="2147483651" r:id="rId3"/>
-    <p:sldLayoutId id="2147483652" r:id="rId4"/>
-    <p:sldLayoutId id="2147483653" r:id="rId5"/>
-    <p:sldLayoutId id="2147483654" r:id="rId6"/>
-    <p:sldLayoutId id="2147483655" r:id="rId7"/>
-    <p:sldLayoutId id="2147483656" r:id="rId8"/>
-    <p:sldLayoutId id="2147483657" r:id="rId9"/>
-    <p:sldLayoutId id="2147483658" r:id="rId10"/>
+    <p:sldLayoutId id="2147483649" r:id="rId2"/>
+    <p:sldLayoutId id="2147483650" r:id="rId3"/>
+    <p:sldLayoutId id="2147483651" r:id="rId4"/>
+    <p:sldLayoutId id="2147483652" r:id="rId5"/>
+    <p:sldLayoutId id="2147483653" r:id="rId6"/>
+    <p:sldLayoutId id="2147483654" r:id="rId7"/>
+    <p:sldLayoutId id="2147483655" r:id="rId8"/>
+    <p:sldLayoutId id="2147483656" r:id="rId9"/>
+    <p:sldLayoutId id="2147483657" r:id="rId10"/>
+    <p:sldLayoutId id="2147483658" r:id="rId11"/>
   </p:sldLayoutIdLst>
   <p:hf sldNum="0" hdr="0" ftr="0" dt="0"/>
   <p:txStyles>
@@ -8408,7 +9055,243 @@
 </p:sld>
 </file>
 
-<file path=ppt/slides/slide2.xml><?xml version="1.0" encoding="utf-8"?>
+<file path=ppt/slides/slide10.xml><?xml version="1.0" encoding="utf-8"?>
+<p:sld xmlns:a="http://schemas.openxmlformats.org/drawingml/2006/main" xmlns:r="http://schemas.openxmlformats.org/officeDocument/2006/relationships" xmlns:p="http://schemas.openxmlformats.org/presentationml/2006/main">
+  <p:cSld>
+    <p:spTree>
+      <p:nvGrpSpPr>
+        <p:cNvPr id="1" name=""/>
+        <p:cNvGrpSpPr/>
+        <p:nvPr/>
+      </p:nvGrpSpPr>
+      <p:grpSpPr>
+        <a:xfrm>
+          <a:off x="0" y="0"/>
+          <a:ext cx="0" cy="0"/>
+          <a:chOff x="0" y="0"/>
+          <a:chExt cx="0" cy="0"/>
+        </a:xfrm>
+      </p:grpSpPr>
+      <p:sp>
+        <p:nvSpPr>
+          <p:cNvPr id="2" name="Title 1">
+            <a:extLst>
+              <a:ext uri="{FF2B5EF4-FFF2-40B4-BE49-F238E27FC236}">
+                <a16:creationId xmlns:a16="http://schemas.microsoft.com/office/drawing/2014/main" id="{22BDC74F-507E-401E-8346-360158133F76}"/>
+              </a:ext>
+            </a:extLst>
+          </p:cNvPr>
+          <p:cNvSpPr>
+            <a:spLocks noGrp="1"/>
+          </p:cNvSpPr>
+          <p:nvPr>
+            <p:ph type="title"/>
+          </p:nvPr>
+        </p:nvSpPr>
+        <p:spPr/>
+        <p:txBody>
+          <a:bodyPr/>
+          <a:lstStyle/>
+          <a:p>
+            <a:r>
+              <a:rPr lang="en-US" sz="2300" dirty="0"/>
+              <a:t>Does winning  the toss increases chance of winning the game?</a:t>
+            </a:r>
+          </a:p>
+          <a:p>
+            <a:endParaRPr lang="en-US" sz="2300" dirty="0"/>
+          </a:p>
+        </p:txBody>
+      </p:sp>
+      <p:sp>
+        <p:nvSpPr>
+          <p:cNvPr id="3" name="Text Placeholder 2">
+            <a:extLst>
+              <a:ext uri="{FF2B5EF4-FFF2-40B4-BE49-F238E27FC236}">
+                <a16:creationId xmlns:a16="http://schemas.microsoft.com/office/drawing/2014/main" id="{C5910883-3B76-4512-BAC3-D9621EB8AD63}"/>
+              </a:ext>
+            </a:extLst>
+          </p:cNvPr>
+          <p:cNvSpPr>
+            <a:spLocks noGrp="1"/>
+          </p:cNvSpPr>
+          <p:nvPr>
+            <p:ph type="body" idx="1"/>
+          </p:nvPr>
+        </p:nvSpPr>
+        <p:spPr/>
+        <p:txBody>
+          <a:bodyPr/>
+          <a:lstStyle/>
+          <a:p>
+            <a:endParaRPr lang="en-US"/>
+          </a:p>
+        </p:txBody>
+      </p:sp>
+      <p:pic>
+        <p:nvPicPr>
+          <p:cNvPr id="4" name="Picture 4" descr="Chart, scatter chart&#10;&#10;Description automatically generated">
+            <a:extLst>
+              <a:ext uri="{FF2B5EF4-FFF2-40B4-BE49-F238E27FC236}">
+                <a16:creationId xmlns:a16="http://schemas.microsoft.com/office/drawing/2014/main" id="{8887131D-D780-4C6E-843E-250D72F82CAE}"/>
+              </a:ext>
+            </a:extLst>
+          </p:cNvPr>
+          <p:cNvPicPr>
+            <a:picLocks noChangeAspect="1"/>
+          </p:cNvPicPr>
+          <p:nvPr/>
+        </p:nvPicPr>
+        <p:blipFill>
+          <a:blip r:embed="rId2"/>
+          <a:stretch>
+            <a:fillRect/>
+          </a:stretch>
+        </p:blipFill>
+        <p:spPr>
+          <a:xfrm>
+            <a:off x="741446" y="976257"/>
+            <a:ext cx="7059528" cy="4033195"/>
+          </a:xfrm>
+          <a:prstGeom prst="rect">
+            <a:avLst/>
+          </a:prstGeom>
+        </p:spPr>
+      </p:pic>
+    </p:spTree>
+    <p:extLst>
+      <p:ext uri="{BB962C8B-B14F-4D97-AF65-F5344CB8AC3E}">
+        <p14:creationId xmlns:p14="http://schemas.microsoft.com/office/powerpoint/2010/main" val="919327675"/>
+      </p:ext>
+    </p:extLst>
+  </p:cSld>
+  <p:clrMapOvr>
+    <a:masterClrMapping/>
+  </p:clrMapOvr>
+</p:sld>
+</file>
+
+<file path=ppt/slides/slide11.xml><?xml version="1.0" encoding="utf-8"?>
+<p:sld xmlns:a="http://schemas.openxmlformats.org/drawingml/2006/main" xmlns:r="http://schemas.openxmlformats.org/officeDocument/2006/relationships" xmlns:p="http://schemas.openxmlformats.org/presentationml/2006/main">
+  <p:cSld>
+    <p:spTree>
+      <p:nvGrpSpPr>
+        <p:cNvPr id="1" name=""/>
+        <p:cNvGrpSpPr/>
+        <p:nvPr/>
+      </p:nvGrpSpPr>
+      <p:grpSpPr>
+        <a:xfrm>
+          <a:off x="0" y="0"/>
+          <a:ext cx="0" cy="0"/>
+          <a:chOff x="0" y="0"/>
+          <a:chExt cx="0" cy="0"/>
+        </a:xfrm>
+      </p:grpSpPr>
+      <p:pic>
+        <p:nvPicPr>
+          <p:cNvPr id="2" name="Picture 2" descr="Chart, bar chart, histogram&#10;&#10;Description automatically generated">
+            <a:extLst>
+              <a:ext uri="{FF2B5EF4-FFF2-40B4-BE49-F238E27FC236}">
+                <a16:creationId xmlns:a16="http://schemas.microsoft.com/office/drawing/2014/main" id="{F7E9C9EC-C628-4138-BF05-281D7CC354F5}"/>
+              </a:ext>
+            </a:extLst>
+          </p:cNvPr>
+          <p:cNvPicPr>
+            <a:picLocks noChangeAspect="1"/>
+          </p:cNvPicPr>
+          <p:nvPr/>
+        </p:nvPicPr>
+        <p:blipFill>
+          <a:blip r:embed="rId2"/>
+          <a:stretch>
+            <a:fillRect/>
+          </a:stretch>
+        </p:blipFill>
+        <p:spPr>
+          <a:xfrm>
+            <a:off x="560973" y="363908"/>
+            <a:ext cx="7608469" cy="4671356"/>
+          </a:xfrm>
+          <a:prstGeom prst="rect">
+            <a:avLst/>
+          </a:prstGeom>
+        </p:spPr>
+      </p:pic>
+    </p:spTree>
+    <p:extLst>
+      <p:ext uri="{BB962C8B-B14F-4D97-AF65-F5344CB8AC3E}">
+        <p14:creationId xmlns:p14="http://schemas.microsoft.com/office/powerpoint/2010/main" val="3966269476"/>
+      </p:ext>
+    </p:extLst>
+  </p:cSld>
+  <p:clrMapOvr>
+    <a:masterClrMapping/>
+  </p:clrMapOvr>
+</p:sld>
+</file>
+
+<file path=ppt/slides/slide12.xml><?xml version="1.0" encoding="utf-8"?>
+<p:sld xmlns:a="http://schemas.openxmlformats.org/drawingml/2006/main" xmlns:r="http://schemas.openxmlformats.org/officeDocument/2006/relationships" xmlns:p="http://schemas.openxmlformats.org/presentationml/2006/main">
+  <p:cSld>
+    <p:spTree>
+      <p:nvGrpSpPr>
+        <p:cNvPr id="1" name=""/>
+        <p:cNvGrpSpPr/>
+        <p:nvPr/>
+      </p:nvGrpSpPr>
+      <p:grpSpPr>
+        <a:xfrm>
+          <a:off x="0" y="0"/>
+          <a:ext cx="0" cy="0"/>
+          <a:chOff x="0" y="0"/>
+          <a:chExt cx="0" cy="0"/>
+        </a:xfrm>
+      </p:grpSpPr>
+      <p:pic>
+        <p:nvPicPr>
+          <p:cNvPr id="2" name="Picture 2" descr="Chart, bar chart, histogram&#10;&#10;Description automatically generated">
+            <a:extLst>
+              <a:ext uri="{FF2B5EF4-FFF2-40B4-BE49-F238E27FC236}">
+                <a16:creationId xmlns:a16="http://schemas.microsoft.com/office/drawing/2014/main" id="{9DAF4B89-B15E-4030-93FF-DB04511B9D1A}"/>
+              </a:ext>
+            </a:extLst>
+          </p:cNvPr>
+          <p:cNvPicPr>
+            <a:picLocks noChangeAspect="1"/>
+          </p:cNvPicPr>
+          <p:nvPr/>
+        </p:nvPicPr>
+        <p:blipFill>
+          <a:blip r:embed="rId2"/>
+          <a:stretch>
+            <a:fillRect/>
+          </a:stretch>
+        </p:blipFill>
+        <p:spPr>
+          <a:xfrm>
+            <a:off x="606091" y="80594"/>
+            <a:ext cx="7871660" cy="5019911"/>
+          </a:xfrm>
+          <a:prstGeom prst="rect">
+            <a:avLst/>
+          </a:prstGeom>
+        </p:spPr>
+      </p:pic>
+    </p:spTree>
+    <p:extLst>
+      <p:ext uri="{BB962C8B-B14F-4D97-AF65-F5344CB8AC3E}">
+        <p14:creationId xmlns:p14="http://schemas.microsoft.com/office/powerpoint/2010/main" val="395899174"/>
+      </p:ext>
+    </p:extLst>
+  </p:cSld>
+  <p:clrMapOvr>
+    <a:masterClrMapping/>
+  </p:clrMapOvr>
+</p:sld>
+</file>
+
+<file path=ppt/slides/slide13.xml><?xml version="1.0" encoding="utf-8"?>
 <p:sld xmlns:a="http://schemas.openxmlformats.org/drawingml/2006/main" xmlns:r="http://schemas.openxmlformats.org/officeDocument/2006/relationships" xmlns:p="http://schemas.openxmlformats.org/presentationml/2006/main">
   <p:cSld>
     <p:spTree>
@@ -8517,7 +9400,7 @@
 </p:sld>
 </file>
 
-<file path=ppt/slides/slide3.xml><?xml version="1.0" encoding="utf-8"?>
+<file path=ppt/slides/slide14.xml><?xml version="1.0" encoding="utf-8"?>
 <p:sld xmlns:a="http://schemas.openxmlformats.org/drawingml/2006/main" xmlns:r="http://schemas.openxmlformats.org/officeDocument/2006/relationships" xmlns:p="http://schemas.openxmlformats.org/presentationml/2006/main">
   <p:cSld>
     <p:spTree>
@@ -8612,7 +9495,7 @@
 </p:sld>
 </file>
 
-<file path=ppt/slides/slide4.xml><?xml version="1.0" encoding="utf-8"?>
+<file path=ppt/slides/slide15.xml><?xml version="1.0" encoding="utf-8"?>
 <p:sld xmlns:a="http://schemas.openxmlformats.org/drawingml/2006/main" xmlns:r="http://schemas.openxmlformats.org/officeDocument/2006/relationships" xmlns:p="http://schemas.openxmlformats.org/presentationml/2006/main">
   <p:cSld>
     <p:spTree>
@@ -8707,7 +9590,7 @@
 </p:sld>
 </file>
 
-<file path=ppt/slides/slide5.xml><?xml version="1.0" encoding="utf-8"?>
+<file path=ppt/slides/slide16.xml><?xml version="1.0" encoding="utf-8"?>
 <p:sld xmlns:a="http://schemas.openxmlformats.org/drawingml/2006/main" xmlns:r="http://schemas.openxmlformats.org/officeDocument/2006/relationships" xmlns:p="http://schemas.openxmlformats.org/presentationml/2006/main">
   <p:cSld>
     <p:spTree>
@@ -8802,7 +9685,7 @@
 </p:sld>
 </file>
 
-<file path=ppt/slides/slide6.xml><?xml version="1.0" encoding="utf-8"?>
+<file path=ppt/slides/slide17.xml><?xml version="1.0" encoding="utf-8"?>
 <p:sld xmlns:a="http://schemas.openxmlformats.org/drawingml/2006/main" xmlns:r="http://schemas.openxmlformats.org/officeDocument/2006/relationships" xmlns:p="http://schemas.openxmlformats.org/presentationml/2006/main">
   <p:cSld>
     <p:spTree>
@@ -8897,7 +9780,7 @@
 </p:sld>
 </file>
 
-<file path=ppt/slides/slide7.xml><?xml version="1.0" encoding="utf-8"?>
+<file path=ppt/slides/slide18.xml><?xml version="1.0" encoding="utf-8"?>
 <p:sld xmlns:a="http://schemas.openxmlformats.org/drawingml/2006/main" xmlns:r="http://schemas.openxmlformats.org/officeDocument/2006/relationships" xmlns:p="http://schemas.openxmlformats.org/presentationml/2006/main">
   <p:cSld>
     <p:spTree>
@@ -8992,7 +9875,7 @@
 </p:sld>
 </file>
 
-<file path=ppt/slides/slide8.xml><?xml version="1.0" encoding="utf-8"?>
+<file path=ppt/slides/slide19.xml><?xml version="1.0" encoding="utf-8"?>
 <p:sld xmlns:a="http://schemas.openxmlformats.org/drawingml/2006/main" xmlns:r="http://schemas.openxmlformats.org/officeDocument/2006/relationships" xmlns:p="http://schemas.openxmlformats.org/presentationml/2006/main">
   <p:cSld>
     <p:spTree>
@@ -9078,6 +9961,765 @@
     <p:extLst>
       <p:ext uri="{BB962C8B-B14F-4D97-AF65-F5344CB8AC3E}">
         <p14:creationId xmlns:p14="http://schemas.microsoft.com/office/powerpoint/2010/main" val="4184775020"/>
+      </p:ext>
+    </p:extLst>
+  </p:cSld>
+  <p:clrMapOvr>
+    <a:masterClrMapping/>
+  </p:clrMapOvr>
+</p:sld>
+</file>
+
+<file path=ppt/slides/slide2.xml><?xml version="1.0" encoding="utf-8"?>
+<p:sld xmlns:a="http://schemas.openxmlformats.org/drawingml/2006/main" xmlns:r="http://schemas.openxmlformats.org/officeDocument/2006/relationships" xmlns:p="http://schemas.openxmlformats.org/presentationml/2006/main">
+  <p:cSld>
+    <p:spTree>
+      <p:nvGrpSpPr>
+        <p:cNvPr id="1" name=""/>
+        <p:cNvGrpSpPr/>
+        <p:nvPr/>
+      </p:nvGrpSpPr>
+      <p:grpSpPr>
+        <a:xfrm>
+          <a:off x="0" y="0"/>
+          <a:ext cx="0" cy="0"/>
+          <a:chOff x="0" y="0"/>
+          <a:chExt cx="0" cy="0"/>
+        </a:xfrm>
+      </p:grpSpPr>
+      <p:sp>
+        <p:nvSpPr>
+          <p:cNvPr id="2" name="Title 1">
+            <a:extLst>
+              <a:ext uri="{FF2B5EF4-FFF2-40B4-BE49-F238E27FC236}">
+                <a16:creationId xmlns:a16="http://schemas.microsoft.com/office/drawing/2014/main" id="{6D2D6FC1-280B-460A-A86B-AA111A47F5A6}"/>
+              </a:ext>
+            </a:extLst>
+          </p:cNvPr>
+          <p:cNvSpPr>
+            <a:spLocks noGrp="1"/>
+          </p:cNvSpPr>
+          <p:nvPr>
+            <p:ph type="title"/>
+          </p:nvPr>
+        </p:nvSpPr>
+        <p:spPr/>
+        <p:txBody>
+          <a:bodyPr/>
+          <a:lstStyle/>
+          <a:p>
+            <a:r>
+              <a:rPr lang="en-US" dirty="0"/>
+              <a:t>Ameen's part goes here</a:t>
+            </a:r>
+            <a:br>
+              <a:rPr lang="en-US" dirty="0"/>
+            </a:br>
+            <a:br>
+              <a:rPr lang="en-US" dirty="0"/>
+            </a:br>
+            <a:r>
+              <a:rPr lang="en-US" dirty="0"/>
+              <a:t>ameen add our names in first slide please</a:t>
+            </a:r>
+          </a:p>
+        </p:txBody>
+      </p:sp>
+    </p:spTree>
+    <p:extLst>
+      <p:ext uri="{BB962C8B-B14F-4D97-AF65-F5344CB8AC3E}">
+        <p14:creationId xmlns:p14="http://schemas.microsoft.com/office/powerpoint/2010/main" val="2831947907"/>
+      </p:ext>
+    </p:extLst>
+  </p:cSld>
+  <p:clrMapOvr>
+    <a:masterClrMapping/>
+  </p:clrMapOvr>
+</p:sld>
+</file>
+
+<file path=ppt/slides/slide20.xml><?xml version="1.0" encoding="utf-8"?>
+<p:sld xmlns:a="http://schemas.openxmlformats.org/drawingml/2006/main" xmlns:r="http://schemas.openxmlformats.org/officeDocument/2006/relationships" xmlns:p="http://schemas.openxmlformats.org/presentationml/2006/main">
+  <p:cSld>
+    <p:spTree>
+      <p:nvGrpSpPr>
+        <p:cNvPr id="1" name=""/>
+        <p:cNvGrpSpPr/>
+        <p:nvPr/>
+      </p:nvGrpSpPr>
+      <p:grpSpPr>
+        <a:xfrm>
+          <a:off x="0" y="0"/>
+          <a:ext cx="0" cy="0"/>
+          <a:chOff x="0" y="0"/>
+          <a:chExt cx="0" cy="0"/>
+        </a:xfrm>
+      </p:grpSpPr>
+      <p:sp>
+        <p:nvSpPr>
+          <p:cNvPr id="2" name="Title 1">
+            <a:extLst>
+              <a:ext uri="{FF2B5EF4-FFF2-40B4-BE49-F238E27FC236}">
+                <a16:creationId xmlns:a16="http://schemas.microsoft.com/office/drawing/2014/main" id="{D5F0FC81-604E-4C1A-91FA-1F49427F5106}"/>
+              </a:ext>
+            </a:extLst>
+          </p:cNvPr>
+          <p:cNvSpPr>
+            <a:spLocks noGrp="1"/>
+          </p:cNvSpPr>
+          <p:nvPr>
+            <p:ph type="title"/>
+          </p:nvPr>
+        </p:nvSpPr>
+        <p:spPr/>
+        <p:txBody>
+          <a:bodyPr/>
+          <a:lstStyle/>
+          <a:p>
+            <a:r>
+              <a:rPr lang="en-US" dirty="0"/>
+              <a:t>Vridhi's part go here</a:t>
+            </a:r>
+          </a:p>
+        </p:txBody>
+      </p:sp>
+    </p:spTree>
+    <p:extLst>
+      <p:ext uri="{BB962C8B-B14F-4D97-AF65-F5344CB8AC3E}">
+        <p14:creationId xmlns:p14="http://schemas.microsoft.com/office/powerpoint/2010/main" val="306233062"/>
+      </p:ext>
+    </p:extLst>
+  </p:cSld>
+  <p:clrMapOvr>
+    <a:masterClrMapping/>
+  </p:clrMapOvr>
+</p:sld>
+</file>
+
+<file path=ppt/slides/slide3.xml><?xml version="1.0" encoding="utf-8"?>
+<p:sld xmlns:a="http://schemas.openxmlformats.org/drawingml/2006/main" xmlns:r="http://schemas.openxmlformats.org/officeDocument/2006/relationships" xmlns:p="http://schemas.openxmlformats.org/presentationml/2006/main">
+  <p:cSld>
+    <p:spTree>
+      <p:nvGrpSpPr>
+        <p:cNvPr id="1" name=""/>
+        <p:cNvGrpSpPr/>
+        <p:nvPr/>
+      </p:nvGrpSpPr>
+      <p:grpSpPr>
+        <a:xfrm>
+          <a:off x="0" y="0"/>
+          <a:ext cx="0" cy="0"/>
+          <a:chOff x="0" y="0"/>
+          <a:chExt cx="0" cy="0"/>
+        </a:xfrm>
+      </p:grpSpPr>
+      <p:sp>
+        <p:nvSpPr>
+          <p:cNvPr id="2" name="Title 1">
+            <a:extLst>
+              <a:ext uri="{FF2B5EF4-FFF2-40B4-BE49-F238E27FC236}">
+                <a16:creationId xmlns:a16="http://schemas.microsoft.com/office/drawing/2014/main" id="{609D0266-ABC3-4C94-8893-AADBB651F64D}"/>
+              </a:ext>
+            </a:extLst>
+          </p:cNvPr>
+          <p:cNvSpPr>
+            <a:spLocks noGrp="1"/>
+          </p:cNvSpPr>
+          <p:nvPr>
+            <p:ph type="title"/>
+          </p:nvPr>
+        </p:nvSpPr>
+        <p:spPr/>
+        <p:txBody>
+          <a:bodyPr/>
+          <a:lstStyle/>
+          <a:p>
+            <a:r>
+              <a:rPr lang="en-US" dirty="0"/>
+              <a:t>Expectations goes here</a:t>
+            </a:r>
+          </a:p>
+        </p:txBody>
+      </p:sp>
+    </p:spTree>
+    <p:extLst>
+      <p:ext uri="{BB962C8B-B14F-4D97-AF65-F5344CB8AC3E}">
+        <p14:creationId xmlns:p14="http://schemas.microsoft.com/office/powerpoint/2010/main" val="681361116"/>
+      </p:ext>
+    </p:extLst>
+  </p:cSld>
+  <p:clrMapOvr>
+    <a:masterClrMapping/>
+  </p:clrMapOvr>
+</p:sld>
+</file>
+
+<file path=ppt/slides/slide4.xml><?xml version="1.0" encoding="utf-8"?>
+<p:sld xmlns:a="http://schemas.openxmlformats.org/drawingml/2006/main" xmlns:r="http://schemas.openxmlformats.org/officeDocument/2006/relationships" xmlns:p="http://schemas.openxmlformats.org/presentationml/2006/main">
+  <p:cSld>
+    <p:spTree>
+      <p:nvGrpSpPr>
+        <p:cNvPr id="1" name=""/>
+        <p:cNvGrpSpPr/>
+        <p:nvPr/>
+      </p:nvGrpSpPr>
+      <p:grpSpPr>
+        <a:xfrm>
+          <a:off x="0" y="0"/>
+          <a:ext cx="0" cy="0"/>
+          <a:chOff x="0" y="0"/>
+          <a:chExt cx="0" cy="0"/>
+        </a:xfrm>
+      </p:grpSpPr>
+      <p:sp>
+        <p:nvSpPr>
+          <p:cNvPr id="2" name="Title 1">
+            <a:extLst>
+              <a:ext uri="{FF2B5EF4-FFF2-40B4-BE49-F238E27FC236}">
+                <a16:creationId xmlns:a16="http://schemas.microsoft.com/office/drawing/2014/main" id="{F445497F-B4CE-48E1-9CF0-3402D514F4E7}"/>
+              </a:ext>
+            </a:extLst>
+          </p:cNvPr>
+          <p:cNvSpPr>
+            <a:spLocks noGrp="1"/>
+          </p:cNvSpPr>
+          <p:nvPr>
+            <p:ph type="title"/>
+          </p:nvPr>
+        </p:nvSpPr>
+        <p:spPr/>
+        <p:txBody>
+          <a:bodyPr/>
+          <a:lstStyle/>
+          <a:p>
+            <a:r>
+              <a:rPr lang="en-US" dirty="0"/>
+              <a:t>Number of Players from different Country</a:t>
+            </a:r>
+          </a:p>
+        </p:txBody>
+      </p:sp>
+      <p:sp>
+        <p:nvSpPr>
+          <p:cNvPr id="3" name="Text Placeholder 2">
+            <a:extLst>
+              <a:ext uri="{FF2B5EF4-FFF2-40B4-BE49-F238E27FC236}">
+                <a16:creationId xmlns:a16="http://schemas.microsoft.com/office/drawing/2014/main" id="{0B17D8DF-3203-46AD-94ED-9E8FA2DADC38}"/>
+              </a:ext>
+            </a:extLst>
+          </p:cNvPr>
+          <p:cNvSpPr>
+            <a:spLocks noGrp="1"/>
+          </p:cNvSpPr>
+          <p:nvPr>
+            <p:ph type="body" idx="1"/>
+          </p:nvPr>
+        </p:nvSpPr>
+        <p:spPr/>
+        <p:txBody>
+          <a:bodyPr/>
+          <a:lstStyle/>
+          <a:p>
+            <a:endParaRPr lang="en-US"/>
+          </a:p>
+        </p:txBody>
+      </p:sp>
+      <p:pic>
+        <p:nvPicPr>
+          <p:cNvPr id="5" name="Picture 5" descr="Chart, bar chart&#10;&#10;Description automatically generated">
+            <a:extLst>
+              <a:ext uri="{FF2B5EF4-FFF2-40B4-BE49-F238E27FC236}">
+                <a16:creationId xmlns:a16="http://schemas.microsoft.com/office/drawing/2014/main" id="{CD38806B-1D2A-49B6-A538-2F3BEBE33D51}"/>
+              </a:ext>
+            </a:extLst>
+          </p:cNvPr>
+          <p:cNvPicPr>
+            <a:picLocks noChangeAspect="1"/>
+          </p:cNvPicPr>
+          <p:nvPr/>
+        </p:nvPicPr>
+        <p:blipFill>
+          <a:blip r:embed="rId2"/>
+          <a:stretch>
+            <a:fillRect/>
+          </a:stretch>
+        </p:blipFill>
+        <p:spPr>
+          <a:xfrm>
+            <a:off x="448176" y="1046509"/>
+            <a:ext cx="7285120" cy="3945331"/>
+          </a:xfrm>
+          <a:prstGeom prst="rect">
+            <a:avLst/>
+          </a:prstGeom>
+        </p:spPr>
+      </p:pic>
+    </p:spTree>
+    <p:extLst>
+      <p:ext uri="{BB962C8B-B14F-4D97-AF65-F5344CB8AC3E}">
+        <p14:creationId xmlns:p14="http://schemas.microsoft.com/office/powerpoint/2010/main" val="3416165708"/>
+      </p:ext>
+    </p:extLst>
+  </p:cSld>
+  <p:clrMapOvr>
+    <a:masterClrMapping/>
+  </p:clrMapOvr>
+</p:sld>
+</file>
+
+<file path=ppt/slides/slide5.xml><?xml version="1.0" encoding="utf-8"?>
+<p:sld xmlns:a="http://schemas.openxmlformats.org/drawingml/2006/main" xmlns:r="http://schemas.openxmlformats.org/officeDocument/2006/relationships" xmlns:p="http://schemas.openxmlformats.org/presentationml/2006/main">
+  <p:cSld>
+    <p:spTree>
+      <p:nvGrpSpPr>
+        <p:cNvPr id="1" name=""/>
+        <p:cNvGrpSpPr/>
+        <p:nvPr/>
+      </p:nvGrpSpPr>
+      <p:grpSpPr>
+        <a:xfrm>
+          <a:off x="0" y="0"/>
+          <a:ext cx="0" cy="0"/>
+          <a:chOff x="0" y="0"/>
+          <a:chExt cx="0" cy="0"/>
+        </a:xfrm>
+      </p:grpSpPr>
+      <p:sp>
+        <p:nvSpPr>
+          <p:cNvPr id="2" name="Title 1">
+            <a:extLst>
+              <a:ext uri="{FF2B5EF4-FFF2-40B4-BE49-F238E27FC236}">
+                <a16:creationId xmlns:a16="http://schemas.microsoft.com/office/drawing/2014/main" id="{073A2C84-C4D9-4A37-AA67-EEF5947BDB7F}"/>
+              </a:ext>
+            </a:extLst>
+          </p:cNvPr>
+          <p:cNvSpPr>
+            <a:spLocks noGrp="1"/>
+          </p:cNvSpPr>
+          <p:nvPr>
+            <p:ph type="title"/>
+          </p:nvPr>
+        </p:nvSpPr>
+        <p:spPr/>
+        <p:txBody>
+          <a:bodyPr/>
+          <a:lstStyle/>
+          <a:p>
+            <a:r>
+              <a:rPr lang="en-US" dirty="0"/>
+              <a:t>Which city have hosted most matches?</a:t>
+            </a:r>
+          </a:p>
+        </p:txBody>
+      </p:sp>
+      <p:sp>
+        <p:nvSpPr>
+          <p:cNvPr id="3" name="Text Placeholder 2">
+            <a:extLst>
+              <a:ext uri="{FF2B5EF4-FFF2-40B4-BE49-F238E27FC236}">
+                <a16:creationId xmlns:a16="http://schemas.microsoft.com/office/drawing/2014/main" id="{88F7E1A4-AB90-43FA-9284-78E299F564E7}"/>
+              </a:ext>
+            </a:extLst>
+          </p:cNvPr>
+          <p:cNvSpPr>
+            <a:spLocks noGrp="1"/>
+          </p:cNvSpPr>
+          <p:nvPr>
+            <p:ph type="body" idx="1"/>
+          </p:nvPr>
+        </p:nvSpPr>
+        <p:spPr/>
+        <p:txBody>
+          <a:bodyPr/>
+          <a:lstStyle/>
+          <a:p>
+            <a:endParaRPr lang="en-US"/>
+          </a:p>
+        </p:txBody>
+      </p:sp>
+      <p:pic>
+        <p:nvPicPr>
+          <p:cNvPr id="4" name="Picture 4" descr="Chart, bar chart, histogram&#10;&#10;Description automatically generated">
+            <a:extLst>
+              <a:ext uri="{FF2B5EF4-FFF2-40B4-BE49-F238E27FC236}">
+                <a16:creationId xmlns:a16="http://schemas.microsoft.com/office/drawing/2014/main" id="{C06A6C3C-2A79-4BBA-8AEC-39DC04AD7F96}"/>
+              </a:ext>
+            </a:extLst>
+          </p:cNvPr>
+          <p:cNvPicPr>
+            <a:picLocks noChangeAspect="1"/>
+          </p:cNvPicPr>
+          <p:nvPr/>
+        </p:nvPicPr>
+        <p:blipFill>
+          <a:blip r:embed="rId2"/>
+          <a:stretch>
+            <a:fillRect/>
+          </a:stretch>
+        </p:blipFill>
+        <p:spPr>
+          <a:xfrm>
+            <a:off x="854242" y="987982"/>
+            <a:ext cx="6638422" cy="4084946"/>
+          </a:xfrm>
+          <a:prstGeom prst="rect">
+            <a:avLst/>
+          </a:prstGeom>
+        </p:spPr>
+      </p:pic>
+    </p:spTree>
+    <p:extLst>
+      <p:ext uri="{BB962C8B-B14F-4D97-AF65-F5344CB8AC3E}">
+        <p14:creationId xmlns:p14="http://schemas.microsoft.com/office/powerpoint/2010/main" val="3824472123"/>
+      </p:ext>
+    </p:extLst>
+  </p:cSld>
+  <p:clrMapOvr>
+    <a:masterClrMapping/>
+  </p:clrMapOvr>
+</p:sld>
+</file>
+
+<file path=ppt/slides/slide6.xml><?xml version="1.0" encoding="utf-8"?>
+<p:sld xmlns:a="http://schemas.openxmlformats.org/drawingml/2006/main" xmlns:r="http://schemas.openxmlformats.org/officeDocument/2006/relationships" xmlns:p="http://schemas.openxmlformats.org/presentationml/2006/main">
+  <p:cSld>
+    <p:spTree>
+      <p:nvGrpSpPr>
+        <p:cNvPr id="1" name=""/>
+        <p:cNvGrpSpPr/>
+        <p:nvPr/>
+      </p:nvGrpSpPr>
+      <p:grpSpPr>
+        <a:xfrm>
+          <a:off x="0" y="0"/>
+          <a:ext cx="0" cy="0"/>
+          <a:chOff x="0" y="0"/>
+          <a:chExt cx="0" cy="0"/>
+        </a:xfrm>
+      </p:grpSpPr>
+      <p:pic>
+        <p:nvPicPr>
+          <p:cNvPr id="2" name="Picture 2" descr="Chart, bar chart&#10;&#10;Description automatically generated">
+            <a:extLst>
+              <a:ext uri="{FF2B5EF4-FFF2-40B4-BE49-F238E27FC236}">
+                <a16:creationId xmlns:a16="http://schemas.microsoft.com/office/drawing/2014/main" id="{7C42FC6E-A828-4482-9937-B92E91375CDD}"/>
+              </a:ext>
+            </a:extLst>
+          </p:cNvPr>
+          <p:cNvPicPr>
+            <a:picLocks noChangeAspect="1"/>
+          </p:cNvPicPr>
+          <p:nvPr/>
+        </p:nvPicPr>
+        <p:blipFill>
+          <a:blip r:embed="rId2"/>
+          <a:stretch>
+            <a:fillRect/>
+          </a:stretch>
+        </p:blipFill>
+        <p:spPr>
+          <a:xfrm>
+            <a:off x="207545" y="435705"/>
+            <a:ext cx="8300285" cy="4505202"/>
+          </a:xfrm>
+          <a:prstGeom prst="rect">
+            <a:avLst/>
+          </a:prstGeom>
+        </p:spPr>
+      </p:pic>
+    </p:spTree>
+    <p:extLst>
+      <p:ext uri="{BB962C8B-B14F-4D97-AF65-F5344CB8AC3E}">
+        <p14:creationId xmlns:p14="http://schemas.microsoft.com/office/powerpoint/2010/main" val="2570033691"/>
+      </p:ext>
+    </p:extLst>
+  </p:cSld>
+  <p:clrMapOvr>
+    <a:masterClrMapping/>
+  </p:clrMapOvr>
+</p:sld>
+</file>
+
+<file path=ppt/slides/slide7.xml><?xml version="1.0" encoding="utf-8"?>
+<p:sld xmlns:a="http://schemas.openxmlformats.org/drawingml/2006/main" xmlns:r="http://schemas.openxmlformats.org/officeDocument/2006/relationships" xmlns:p="http://schemas.openxmlformats.org/presentationml/2006/main">
+  <p:cSld>
+    <p:spTree>
+      <p:nvGrpSpPr>
+        <p:cNvPr id="1" name=""/>
+        <p:cNvGrpSpPr/>
+        <p:nvPr/>
+      </p:nvGrpSpPr>
+      <p:grpSpPr>
+        <a:xfrm>
+          <a:off x="0" y="0"/>
+          <a:ext cx="0" cy="0"/>
+          <a:chOff x="0" y="0"/>
+          <a:chExt cx="0" cy="0"/>
+        </a:xfrm>
+      </p:grpSpPr>
+      <p:pic>
+        <p:nvPicPr>
+          <p:cNvPr id="2" name="Picture 2" descr="Chart, bar chart&#10;&#10;Description automatically generated">
+            <a:extLst>
+              <a:ext uri="{FF2B5EF4-FFF2-40B4-BE49-F238E27FC236}">
+                <a16:creationId xmlns:a16="http://schemas.microsoft.com/office/drawing/2014/main" id="{77F0666C-4530-4416-A9FF-BDF15AC5939E}"/>
+              </a:ext>
+            </a:extLst>
+          </p:cNvPr>
+          <p:cNvPicPr>
+            <a:picLocks noChangeAspect="1"/>
+          </p:cNvPicPr>
+          <p:nvPr/>
+        </p:nvPicPr>
+        <p:blipFill>
+          <a:blip r:embed="rId2"/>
+          <a:stretch>
+            <a:fillRect/>
+          </a:stretch>
+        </p:blipFill>
+        <p:spPr>
+          <a:xfrm>
+            <a:off x="365459" y="607479"/>
+            <a:ext cx="8270206" cy="4454924"/>
+          </a:xfrm>
+          <a:prstGeom prst="rect">
+            <a:avLst/>
+          </a:prstGeom>
+        </p:spPr>
+      </p:pic>
+    </p:spTree>
+    <p:extLst>
+      <p:ext uri="{BB962C8B-B14F-4D97-AF65-F5344CB8AC3E}">
+        <p14:creationId xmlns:p14="http://schemas.microsoft.com/office/powerpoint/2010/main" val="220867144"/>
+      </p:ext>
+    </p:extLst>
+  </p:cSld>
+  <p:clrMapOvr>
+    <a:masterClrMapping/>
+  </p:clrMapOvr>
+</p:sld>
+</file>
+
+<file path=ppt/slides/slide8.xml><?xml version="1.0" encoding="utf-8"?>
+<p:sld xmlns:a="http://schemas.openxmlformats.org/drawingml/2006/main" xmlns:r="http://schemas.openxmlformats.org/officeDocument/2006/relationships" xmlns:p="http://schemas.openxmlformats.org/presentationml/2006/main">
+  <p:cSld>
+    <p:spTree>
+      <p:nvGrpSpPr>
+        <p:cNvPr id="1" name=""/>
+        <p:cNvGrpSpPr/>
+        <p:nvPr/>
+      </p:nvGrpSpPr>
+      <p:grpSpPr>
+        <a:xfrm>
+          <a:off x="0" y="0"/>
+          <a:ext cx="0" cy="0"/>
+          <a:chOff x="0" y="0"/>
+          <a:chExt cx="0" cy="0"/>
+        </a:xfrm>
+      </p:grpSpPr>
+      <p:sp>
+        <p:nvSpPr>
+          <p:cNvPr id="2" name="Title 1">
+            <a:extLst>
+              <a:ext uri="{FF2B5EF4-FFF2-40B4-BE49-F238E27FC236}">
+                <a16:creationId xmlns:a16="http://schemas.microsoft.com/office/drawing/2014/main" id="{BA78454C-F654-48CB-89F9-9192E0780026}"/>
+              </a:ext>
+            </a:extLst>
+          </p:cNvPr>
+          <p:cNvSpPr>
+            <a:spLocks noGrp="1"/>
+          </p:cNvSpPr>
+          <p:nvPr>
+            <p:ph type="title"/>
+          </p:nvPr>
+        </p:nvSpPr>
+        <p:spPr/>
+        <p:txBody>
+          <a:bodyPr/>
+          <a:lstStyle/>
+          <a:p>
+            <a:r>
+              <a:rPr lang="en-US" sz="2400" dirty="0"/>
+              <a:t>Who won player of the match award most frequently?</a:t>
+            </a:r>
+          </a:p>
+        </p:txBody>
+      </p:sp>
+      <p:sp>
+        <p:nvSpPr>
+          <p:cNvPr id="3" name="Text Placeholder 2">
+            <a:extLst>
+              <a:ext uri="{FF2B5EF4-FFF2-40B4-BE49-F238E27FC236}">
+                <a16:creationId xmlns:a16="http://schemas.microsoft.com/office/drawing/2014/main" id="{E8803031-360A-48FB-8952-0CE90D883CD3}"/>
+              </a:ext>
+            </a:extLst>
+          </p:cNvPr>
+          <p:cNvSpPr>
+            <a:spLocks noGrp="1"/>
+          </p:cNvSpPr>
+          <p:nvPr>
+            <p:ph type="body" idx="1"/>
+          </p:nvPr>
+        </p:nvSpPr>
+        <p:spPr/>
+        <p:txBody>
+          <a:bodyPr/>
+          <a:lstStyle/>
+          <a:p>
+            <a:endParaRPr lang="en-US"/>
+          </a:p>
+        </p:txBody>
+      </p:sp>
+      <p:pic>
+        <p:nvPicPr>
+          <p:cNvPr id="4" name="Picture 4" descr="Chart, bar chart, histogram&#10;&#10;Description automatically generated">
+            <a:extLst>
+              <a:ext uri="{FF2B5EF4-FFF2-40B4-BE49-F238E27FC236}">
+                <a16:creationId xmlns:a16="http://schemas.microsoft.com/office/drawing/2014/main" id="{554D4D53-4C00-4509-9A55-78AAB913D56B}"/>
+              </a:ext>
+            </a:extLst>
+          </p:cNvPr>
+          <p:cNvPicPr>
+            <a:picLocks noChangeAspect="1"/>
+          </p:cNvPicPr>
+          <p:nvPr/>
+        </p:nvPicPr>
+        <p:blipFill>
+          <a:blip r:embed="rId2"/>
+          <a:stretch>
+            <a:fillRect/>
+          </a:stretch>
+        </p:blipFill>
+        <p:spPr>
+          <a:xfrm>
+            <a:off x="711368" y="1044667"/>
+            <a:ext cx="7285120" cy="3753501"/>
+          </a:xfrm>
+          <a:prstGeom prst="rect">
+            <a:avLst/>
+          </a:prstGeom>
+        </p:spPr>
+      </p:pic>
+    </p:spTree>
+    <p:extLst>
+      <p:ext uri="{BB962C8B-B14F-4D97-AF65-F5344CB8AC3E}">
+        <p14:creationId xmlns:p14="http://schemas.microsoft.com/office/powerpoint/2010/main" val="2488093890"/>
+      </p:ext>
+    </p:extLst>
+  </p:cSld>
+  <p:clrMapOvr>
+    <a:masterClrMapping/>
+  </p:clrMapOvr>
+</p:sld>
+</file>
+
+<file path=ppt/slides/slide9.xml><?xml version="1.0" encoding="utf-8"?>
+<p:sld xmlns:a="http://schemas.openxmlformats.org/drawingml/2006/main" xmlns:r="http://schemas.openxmlformats.org/officeDocument/2006/relationships" xmlns:p="http://schemas.openxmlformats.org/presentationml/2006/main">
+  <p:cSld>
+    <p:spTree>
+      <p:nvGrpSpPr>
+        <p:cNvPr id="1" name=""/>
+        <p:cNvGrpSpPr/>
+        <p:nvPr/>
+      </p:nvGrpSpPr>
+      <p:grpSpPr>
+        <a:xfrm>
+          <a:off x="0" y="0"/>
+          <a:ext cx="0" cy="0"/>
+          <a:chOff x="0" y="0"/>
+          <a:chExt cx="0" cy="0"/>
+        </a:xfrm>
+      </p:grpSpPr>
+      <p:sp>
+        <p:nvSpPr>
+          <p:cNvPr id="2" name="Title 1">
+            <a:extLst>
+              <a:ext uri="{FF2B5EF4-FFF2-40B4-BE49-F238E27FC236}">
+                <a16:creationId xmlns:a16="http://schemas.microsoft.com/office/drawing/2014/main" id="{4C2E2AC0-6860-47A6-8020-E64827DC7AF1}"/>
+              </a:ext>
+            </a:extLst>
+          </p:cNvPr>
+          <p:cNvSpPr>
+            <a:spLocks noGrp="1"/>
+          </p:cNvSpPr>
+          <p:nvPr>
+            <p:ph type="title"/>
+          </p:nvPr>
+        </p:nvSpPr>
+        <p:spPr/>
+        <p:txBody>
+          <a:bodyPr/>
+          <a:lstStyle/>
+          <a:p>
+            <a:r>
+              <a:rPr lang="en-US" dirty="0"/>
+              <a:t>Who win most matches?</a:t>
+            </a:r>
+          </a:p>
+          <a:p>
+            <a:endParaRPr lang="en-US" dirty="0"/>
+          </a:p>
+        </p:txBody>
+      </p:sp>
+      <p:sp>
+        <p:nvSpPr>
+          <p:cNvPr id="3" name="Text Placeholder 2">
+            <a:extLst>
+              <a:ext uri="{FF2B5EF4-FFF2-40B4-BE49-F238E27FC236}">
+                <a16:creationId xmlns:a16="http://schemas.microsoft.com/office/drawing/2014/main" id="{D57382FF-86EA-4479-9381-E39AA3837A33}"/>
+              </a:ext>
+            </a:extLst>
+          </p:cNvPr>
+          <p:cNvSpPr>
+            <a:spLocks noGrp="1"/>
+          </p:cNvSpPr>
+          <p:nvPr>
+            <p:ph type="body" idx="1"/>
+          </p:nvPr>
+        </p:nvSpPr>
+        <p:spPr/>
+        <p:txBody>
+          <a:bodyPr/>
+          <a:lstStyle/>
+          <a:p>
+            <a:endParaRPr lang="en-US"/>
+          </a:p>
+        </p:txBody>
+      </p:sp>
+      <p:pic>
+        <p:nvPicPr>
+          <p:cNvPr id="4" name="Picture 4" descr="Chart, bar chart&#10;&#10;Description automatically generated">
+            <a:extLst>
+              <a:ext uri="{FF2B5EF4-FFF2-40B4-BE49-F238E27FC236}">
+                <a16:creationId xmlns:a16="http://schemas.microsoft.com/office/drawing/2014/main" id="{9DDA8146-5A3A-4832-86CE-95321A83B411}"/>
+              </a:ext>
+            </a:extLst>
+          </p:cNvPr>
+          <p:cNvPicPr>
+            <a:picLocks noChangeAspect="1"/>
+          </p:cNvPicPr>
+          <p:nvPr/>
+        </p:nvPicPr>
+        <p:blipFill>
+          <a:blip r:embed="rId2"/>
+          <a:stretch>
+            <a:fillRect/>
+          </a:stretch>
+        </p:blipFill>
+        <p:spPr>
+          <a:xfrm>
+            <a:off x="312822" y="1201871"/>
+            <a:ext cx="7999495" cy="3559408"/>
+          </a:xfrm>
+          <a:prstGeom prst="rect">
+            <a:avLst/>
+          </a:prstGeom>
+        </p:spPr>
+      </p:pic>
+    </p:spTree>
+    <p:extLst>
+      <p:ext uri="{BB962C8B-B14F-4D97-AF65-F5344CB8AC3E}">
+        <p14:creationId xmlns:p14="http://schemas.microsoft.com/office/powerpoint/2010/main" val="2155405735"/>
       </p:ext>
     </p:extLst>
   </p:cSld>

--- a/CapstoneProjectPresentation.pptx
+++ b/CapstoneProjectPresentation.pptx
@@ -5,39 +5,47 @@
     <p:sldMasterId id="2147483659" r:id="rId1"/>
   </p:sldMasterIdLst>
   <p:notesMasterIdLst>
-    <p:notesMasterId r:id="rId22"/>
+    <p:notesMasterId r:id="rId30"/>
   </p:notesMasterIdLst>
   <p:sldIdLst>
     <p:sldId id="256" r:id="rId2"/>
     <p:sldId id="264" r:id="rId3"/>
-    <p:sldId id="265" r:id="rId4"/>
-    <p:sldId id="274" r:id="rId5"/>
-    <p:sldId id="273" r:id="rId6"/>
-    <p:sldId id="272" r:id="rId7"/>
-    <p:sldId id="271" r:id="rId8"/>
-    <p:sldId id="270" r:id="rId9"/>
-    <p:sldId id="269" r:id="rId10"/>
-    <p:sldId id="268" r:id="rId11"/>
-    <p:sldId id="267" r:id="rId12"/>
-    <p:sldId id="266" r:id="rId13"/>
-    <p:sldId id="257" r:id="rId14"/>
-    <p:sldId id="258" r:id="rId15"/>
-    <p:sldId id="259" r:id="rId16"/>
-    <p:sldId id="260" r:id="rId17"/>
-    <p:sldId id="261" r:id="rId18"/>
-    <p:sldId id="262" r:id="rId19"/>
-    <p:sldId id="263" r:id="rId20"/>
-    <p:sldId id="275" r:id="rId21"/>
+    <p:sldId id="277" r:id="rId4"/>
+    <p:sldId id="276" r:id="rId5"/>
+    <p:sldId id="278" r:id="rId6"/>
+    <p:sldId id="279" r:id="rId7"/>
+    <p:sldId id="280" r:id="rId8"/>
+    <p:sldId id="281" r:id="rId9"/>
+    <p:sldId id="282" r:id="rId10"/>
+    <p:sldId id="283" r:id="rId11"/>
+    <p:sldId id="265" r:id="rId12"/>
+    <p:sldId id="274" r:id="rId13"/>
+    <p:sldId id="273" r:id="rId14"/>
+    <p:sldId id="272" r:id="rId15"/>
+    <p:sldId id="271" r:id="rId16"/>
+    <p:sldId id="270" r:id="rId17"/>
+    <p:sldId id="269" r:id="rId18"/>
+    <p:sldId id="268" r:id="rId19"/>
+    <p:sldId id="267" r:id="rId20"/>
+    <p:sldId id="266" r:id="rId21"/>
+    <p:sldId id="257" r:id="rId22"/>
+    <p:sldId id="258" r:id="rId23"/>
+    <p:sldId id="259" r:id="rId24"/>
+    <p:sldId id="260" r:id="rId25"/>
+    <p:sldId id="261" r:id="rId26"/>
+    <p:sldId id="262" r:id="rId27"/>
+    <p:sldId id="263" r:id="rId28"/>
+    <p:sldId id="275" r:id="rId29"/>
   </p:sldIdLst>
   <p:sldSz cx="9144000" cy="5143500" type="screen16x9"/>
   <p:notesSz cx="6858000" cy="9144000"/>
   <p:embeddedFontLst>
     <p:embeddedFont>
       <p:font typeface="Montserrat" panose="020B0604020202020204" charset="0"/>
-      <p:regular r:id="rId23"/>
-      <p:bold r:id="rId24"/>
-      <p:italic r:id="rId25"/>
-      <p:boldItalic r:id="rId26"/>
+      <p:regular r:id="rId31"/>
+      <p:bold r:id="rId32"/>
+      <p:italic r:id="rId33"/>
+      <p:boldItalic r:id="rId34"/>
     </p:embeddedFont>
   </p:embeddedFontLst>
   <p:defaultTextStyle>
@@ -638,6 +646,11 @@
         </p:txBody>
       </p:sp>
     </p:spTree>
+    <p:extLst>
+      <p:ext uri="{BB962C8B-B14F-4D97-AF65-F5344CB8AC3E}">
+        <p14:creationId xmlns:p14="http://schemas.microsoft.com/office/powerpoint/2010/main" val="3292918896"/>
+      </p:ext>
+    </p:extLst>
   </p:cSld>
   <p:clrMap bg1="lt1" tx1="dk1" bg2="dk2" tx2="lt2" accent1="accent1" accent2="accent2" accent3="accent3" accent4="accent4" accent5="accent5" accent6="accent6" hlink="hlink" folHlink="folHlink"/>
   <p:notesStyle>
@@ -987,6 +1000,11 @@
         </p:txBody>
       </p:sp>
     </p:spTree>
+    <p:extLst>
+      <p:ext uri="{BB962C8B-B14F-4D97-AF65-F5344CB8AC3E}">
+        <p14:creationId xmlns:p14="http://schemas.microsoft.com/office/powerpoint/2010/main" val="2980627733"/>
+      </p:ext>
+    </p:extLst>
   </p:cSld>
   <p:clrMapOvr>
     <a:masterClrMapping/>
@@ -1109,6 +1127,11 @@
         </p:txBody>
       </p:sp>
     </p:spTree>
+    <p:extLst>
+      <p:ext uri="{BB962C8B-B14F-4D97-AF65-F5344CB8AC3E}">
+        <p14:creationId xmlns:p14="http://schemas.microsoft.com/office/powerpoint/2010/main" val="249468566"/>
+      </p:ext>
+    </p:extLst>
   </p:cSld>
   <p:clrMapOvr>
     <a:masterClrMapping/>
@@ -9074,10 +9097,759 @@
       </p:grpSpPr>
       <p:sp>
         <p:nvSpPr>
+          <p:cNvPr id="2" name="Title 1"/>
+          <p:cNvSpPr>
+            <a:spLocks noGrp="1"/>
+          </p:cNvSpPr>
+          <p:nvPr>
+            <p:ph type="title"/>
+          </p:nvPr>
+        </p:nvSpPr>
+        <p:spPr>
+          <a:xfrm>
+            <a:off x="34298" y="0"/>
+            <a:ext cx="8520600" cy="841800"/>
+          </a:xfrm>
+        </p:spPr>
+        <p:txBody>
+          <a:bodyPr/>
+          <a:lstStyle/>
+          <a:p>
+            <a:r>
+              <a:rPr lang="en-US" sz="2400" dirty="0"/>
+              <a:t>Heat map </a:t>
+            </a:r>
+            <a:r>
+              <a:rPr lang="en-US" sz="2400" dirty="0" smtClean="0"/>
+              <a:t>after filling up the missing </a:t>
+            </a:r>
+            <a:r>
+              <a:rPr lang="en-US" sz="2400" dirty="0"/>
+              <a:t>values in most runs average </a:t>
+            </a:r>
+            <a:r>
+              <a:rPr lang="en-US" sz="2400" dirty="0" err="1" smtClean="0"/>
+              <a:t>strikerate</a:t>
+            </a:r>
+            <a:r>
+              <a:rPr lang="en-US" sz="2400" dirty="0" smtClean="0"/>
+              <a:t> </a:t>
+            </a:r>
+            <a:r>
+              <a:rPr lang="en-US" sz="2400" dirty="0"/>
+              <a:t>dataset</a:t>
+            </a:r>
+            <a:endParaRPr lang="hi-IN" sz="2400" dirty="0"/>
+          </a:p>
+        </p:txBody>
+      </p:sp>
+      <p:pic>
+        <p:nvPicPr>
+          <p:cNvPr id="3" name="Picture 2"/>
+          <p:cNvPicPr>
+            <a:picLocks noChangeAspect="1"/>
+          </p:cNvPicPr>
+          <p:nvPr/>
+        </p:nvPicPr>
+        <p:blipFill>
+          <a:blip r:embed="rId2">
+            <a:extLst>
+              <a:ext uri="{28A0092B-C50C-407E-A947-70E740481C1C}">
+                <a14:useLocalDpi xmlns:a14="http://schemas.microsoft.com/office/drawing/2010/main" val="0"/>
+              </a:ext>
+            </a:extLst>
+          </a:blip>
+          <a:stretch>
+            <a:fillRect/>
+          </a:stretch>
+        </p:blipFill>
+        <p:spPr>
+          <a:xfrm>
+            <a:off x="877327" y="789484"/>
+            <a:ext cx="7266055" cy="3912491"/>
+          </a:xfrm>
+          <a:prstGeom prst="rect">
+            <a:avLst/>
+          </a:prstGeom>
+        </p:spPr>
+      </p:pic>
+    </p:spTree>
+    <p:extLst>
+      <p:ext uri="{BB962C8B-B14F-4D97-AF65-F5344CB8AC3E}">
+        <p14:creationId xmlns:p14="http://schemas.microsoft.com/office/powerpoint/2010/main" val="291676576"/>
+      </p:ext>
+    </p:extLst>
+  </p:cSld>
+  <p:clrMapOvr>
+    <a:masterClrMapping/>
+  </p:clrMapOvr>
+</p:sld>
+</file>
+
+<file path=ppt/slides/slide11.xml><?xml version="1.0" encoding="utf-8"?>
+<p:sld xmlns:a="http://schemas.openxmlformats.org/drawingml/2006/main" xmlns:r="http://schemas.openxmlformats.org/officeDocument/2006/relationships" xmlns:p="http://schemas.openxmlformats.org/presentationml/2006/main">
+  <p:cSld>
+    <p:spTree>
+      <p:nvGrpSpPr>
+        <p:cNvPr id="1" name=""/>
+        <p:cNvGrpSpPr/>
+        <p:nvPr/>
+      </p:nvGrpSpPr>
+      <p:grpSpPr>
+        <a:xfrm>
+          <a:off x="0" y="0"/>
+          <a:ext cx="0" cy="0"/>
+          <a:chOff x="0" y="0"/>
+          <a:chExt cx="0" cy="0"/>
+        </a:xfrm>
+      </p:grpSpPr>
+      <p:sp>
+        <p:nvSpPr>
           <p:cNvPr id="2" name="Title 1">
             <a:extLst>
               <a:ext uri="{FF2B5EF4-FFF2-40B4-BE49-F238E27FC236}">
-                <a16:creationId xmlns:a16="http://schemas.microsoft.com/office/drawing/2014/main" id="{22BDC74F-507E-401E-8346-360158133F76}"/>
+                <a16:creationId xmlns:a16="http://schemas.microsoft.com/office/drawing/2014/main" xmlns="" id="{609D0266-ABC3-4C94-8893-AADBB651F64D}"/>
+              </a:ext>
+            </a:extLst>
+          </p:cNvPr>
+          <p:cNvSpPr>
+            <a:spLocks noGrp="1"/>
+          </p:cNvSpPr>
+          <p:nvPr>
+            <p:ph type="title"/>
+          </p:nvPr>
+        </p:nvSpPr>
+        <p:spPr/>
+        <p:txBody>
+          <a:bodyPr/>
+          <a:lstStyle/>
+          <a:p>
+            <a:r>
+              <a:rPr lang="en-US" dirty="0"/>
+              <a:t>Expectations goes here</a:t>
+            </a:r>
+          </a:p>
+        </p:txBody>
+      </p:sp>
+    </p:spTree>
+    <p:extLst>
+      <p:ext uri="{BB962C8B-B14F-4D97-AF65-F5344CB8AC3E}">
+        <p14:creationId xmlns:p14="http://schemas.microsoft.com/office/powerpoint/2010/main" val="681361116"/>
+      </p:ext>
+    </p:extLst>
+  </p:cSld>
+  <p:clrMapOvr>
+    <a:masterClrMapping/>
+  </p:clrMapOvr>
+</p:sld>
+</file>
+
+<file path=ppt/slides/slide12.xml><?xml version="1.0" encoding="utf-8"?>
+<p:sld xmlns:a="http://schemas.openxmlformats.org/drawingml/2006/main" xmlns:r="http://schemas.openxmlformats.org/officeDocument/2006/relationships" xmlns:p="http://schemas.openxmlformats.org/presentationml/2006/main">
+  <p:cSld>
+    <p:spTree>
+      <p:nvGrpSpPr>
+        <p:cNvPr id="1" name=""/>
+        <p:cNvGrpSpPr/>
+        <p:nvPr/>
+      </p:nvGrpSpPr>
+      <p:grpSpPr>
+        <a:xfrm>
+          <a:off x="0" y="0"/>
+          <a:ext cx="0" cy="0"/>
+          <a:chOff x="0" y="0"/>
+          <a:chExt cx="0" cy="0"/>
+        </a:xfrm>
+      </p:grpSpPr>
+      <p:sp>
+        <p:nvSpPr>
+          <p:cNvPr id="2" name="Title 1">
+            <a:extLst>
+              <a:ext uri="{FF2B5EF4-FFF2-40B4-BE49-F238E27FC236}">
+                <a16:creationId xmlns:a16="http://schemas.microsoft.com/office/drawing/2014/main" xmlns="" id="{F445497F-B4CE-48E1-9CF0-3402D514F4E7}"/>
+              </a:ext>
+            </a:extLst>
+          </p:cNvPr>
+          <p:cNvSpPr>
+            <a:spLocks noGrp="1"/>
+          </p:cNvSpPr>
+          <p:nvPr>
+            <p:ph type="title"/>
+          </p:nvPr>
+        </p:nvSpPr>
+        <p:spPr/>
+        <p:txBody>
+          <a:bodyPr/>
+          <a:lstStyle/>
+          <a:p>
+            <a:r>
+              <a:rPr lang="en-US" dirty="0"/>
+              <a:t>Number of Players from different Country</a:t>
+            </a:r>
+          </a:p>
+        </p:txBody>
+      </p:sp>
+      <p:sp>
+        <p:nvSpPr>
+          <p:cNvPr id="3" name="Text Placeholder 2">
+            <a:extLst>
+              <a:ext uri="{FF2B5EF4-FFF2-40B4-BE49-F238E27FC236}">
+                <a16:creationId xmlns:a16="http://schemas.microsoft.com/office/drawing/2014/main" xmlns="" id="{0B17D8DF-3203-46AD-94ED-9E8FA2DADC38}"/>
+              </a:ext>
+            </a:extLst>
+          </p:cNvPr>
+          <p:cNvSpPr>
+            <a:spLocks noGrp="1"/>
+          </p:cNvSpPr>
+          <p:nvPr>
+            <p:ph type="body" idx="1"/>
+          </p:nvPr>
+        </p:nvSpPr>
+        <p:spPr/>
+        <p:txBody>
+          <a:bodyPr/>
+          <a:lstStyle/>
+          <a:p>
+            <a:endParaRPr lang="en-US"/>
+          </a:p>
+        </p:txBody>
+      </p:sp>
+      <p:pic>
+        <p:nvPicPr>
+          <p:cNvPr id="5" name="Picture 5" descr="Chart, bar chart&#10;&#10;Description automatically generated">
+            <a:extLst>
+              <a:ext uri="{FF2B5EF4-FFF2-40B4-BE49-F238E27FC236}">
+                <a16:creationId xmlns:a16="http://schemas.microsoft.com/office/drawing/2014/main" xmlns="" id="{CD38806B-1D2A-49B6-A538-2F3BEBE33D51}"/>
+              </a:ext>
+            </a:extLst>
+          </p:cNvPr>
+          <p:cNvPicPr>
+            <a:picLocks noChangeAspect="1"/>
+          </p:cNvPicPr>
+          <p:nvPr/>
+        </p:nvPicPr>
+        <p:blipFill>
+          <a:blip r:embed="rId2"/>
+          <a:stretch>
+            <a:fillRect/>
+          </a:stretch>
+        </p:blipFill>
+        <p:spPr>
+          <a:xfrm>
+            <a:off x="448176" y="1046509"/>
+            <a:ext cx="7285120" cy="3945331"/>
+          </a:xfrm>
+          <a:prstGeom prst="rect">
+            <a:avLst/>
+          </a:prstGeom>
+        </p:spPr>
+      </p:pic>
+    </p:spTree>
+    <p:extLst>
+      <p:ext uri="{BB962C8B-B14F-4D97-AF65-F5344CB8AC3E}">
+        <p14:creationId xmlns:p14="http://schemas.microsoft.com/office/powerpoint/2010/main" val="3416165708"/>
+      </p:ext>
+    </p:extLst>
+  </p:cSld>
+  <p:clrMapOvr>
+    <a:masterClrMapping/>
+  </p:clrMapOvr>
+</p:sld>
+</file>
+
+<file path=ppt/slides/slide13.xml><?xml version="1.0" encoding="utf-8"?>
+<p:sld xmlns:a="http://schemas.openxmlformats.org/drawingml/2006/main" xmlns:r="http://schemas.openxmlformats.org/officeDocument/2006/relationships" xmlns:p="http://schemas.openxmlformats.org/presentationml/2006/main">
+  <p:cSld>
+    <p:spTree>
+      <p:nvGrpSpPr>
+        <p:cNvPr id="1" name=""/>
+        <p:cNvGrpSpPr/>
+        <p:nvPr/>
+      </p:nvGrpSpPr>
+      <p:grpSpPr>
+        <a:xfrm>
+          <a:off x="0" y="0"/>
+          <a:ext cx="0" cy="0"/>
+          <a:chOff x="0" y="0"/>
+          <a:chExt cx="0" cy="0"/>
+        </a:xfrm>
+      </p:grpSpPr>
+      <p:sp>
+        <p:nvSpPr>
+          <p:cNvPr id="2" name="Title 1">
+            <a:extLst>
+              <a:ext uri="{FF2B5EF4-FFF2-40B4-BE49-F238E27FC236}">
+                <a16:creationId xmlns:a16="http://schemas.microsoft.com/office/drawing/2014/main" xmlns="" id="{073A2C84-C4D9-4A37-AA67-EEF5947BDB7F}"/>
+              </a:ext>
+            </a:extLst>
+          </p:cNvPr>
+          <p:cNvSpPr>
+            <a:spLocks noGrp="1"/>
+          </p:cNvSpPr>
+          <p:nvPr>
+            <p:ph type="title"/>
+          </p:nvPr>
+        </p:nvSpPr>
+        <p:spPr/>
+        <p:txBody>
+          <a:bodyPr/>
+          <a:lstStyle/>
+          <a:p>
+            <a:r>
+              <a:rPr lang="en-US" dirty="0"/>
+              <a:t>Which city have hosted most matches?</a:t>
+            </a:r>
+          </a:p>
+        </p:txBody>
+      </p:sp>
+      <p:sp>
+        <p:nvSpPr>
+          <p:cNvPr id="3" name="Text Placeholder 2">
+            <a:extLst>
+              <a:ext uri="{FF2B5EF4-FFF2-40B4-BE49-F238E27FC236}">
+                <a16:creationId xmlns:a16="http://schemas.microsoft.com/office/drawing/2014/main" xmlns="" id="{88F7E1A4-AB90-43FA-9284-78E299F564E7}"/>
+              </a:ext>
+            </a:extLst>
+          </p:cNvPr>
+          <p:cNvSpPr>
+            <a:spLocks noGrp="1"/>
+          </p:cNvSpPr>
+          <p:nvPr>
+            <p:ph type="body" idx="1"/>
+          </p:nvPr>
+        </p:nvSpPr>
+        <p:spPr/>
+        <p:txBody>
+          <a:bodyPr/>
+          <a:lstStyle/>
+          <a:p>
+            <a:endParaRPr lang="en-US"/>
+          </a:p>
+        </p:txBody>
+      </p:sp>
+      <p:pic>
+        <p:nvPicPr>
+          <p:cNvPr id="4" name="Picture 4" descr="Chart, bar chart, histogram&#10;&#10;Description automatically generated">
+            <a:extLst>
+              <a:ext uri="{FF2B5EF4-FFF2-40B4-BE49-F238E27FC236}">
+                <a16:creationId xmlns:a16="http://schemas.microsoft.com/office/drawing/2014/main" xmlns="" id="{C06A6C3C-2A79-4BBA-8AEC-39DC04AD7F96}"/>
+              </a:ext>
+            </a:extLst>
+          </p:cNvPr>
+          <p:cNvPicPr>
+            <a:picLocks noChangeAspect="1"/>
+          </p:cNvPicPr>
+          <p:nvPr/>
+        </p:nvPicPr>
+        <p:blipFill>
+          <a:blip r:embed="rId2"/>
+          <a:stretch>
+            <a:fillRect/>
+          </a:stretch>
+        </p:blipFill>
+        <p:spPr>
+          <a:xfrm>
+            <a:off x="854242" y="987982"/>
+            <a:ext cx="6638422" cy="4084946"/>
+          </a:xfrm>
+          <a:prstGeom prst="rect">
+            <a:avLst/>
+          </a:prstGeom>
+        </p:spPr>
+      </p:pic>
+    </p:spTree>
+    <p:extLst>
+      <p:ext uri="{BB962C8B-B14F-4D97-AF65-F5344CB8AC3E}">
+        <p14:creationId xmlns:p14="http://schemas.microsoft.com/office/powerpoint/2010/main" val="3824472123"/>
+      </p:ext>
+    </p:extLst>
+  </p:cSld>
+  <p:clrMapOvr>
+    <a:masterClrMapping/>
+  </p:clrMapOvr>
+</p:sld>
+</file>
+
+<file path=ppt/slides/slide14.xml><?xml version="1.0" encoding="utf-8"?>
+<p:sld xmlns:a="http://schemas.openxmlformats.org/drawingml/2006/main" xmlns:r="http://schemas.openxmlformats.org/officeDocument/2006/relationships" xmlns:p="http://schemas.openxmlformats.org/presentationml/2006/main">
+  <p:cSld>
+    <p:spTree>
+      <p:nvGrpSpPr>
+        <p:cNvPr id="1" name=""/>
+        <p:cNvGrpSpPr/>
+        <p:nvPr/>
+      </p:nvGrpSpPr>
+      <p:grpSpPr>
+        <a:xfrm>
+          <a:off x="0" y="0"/>
+          <a:ext cx="0" cy="0"/>
+          <a:chOff x="0" y="0"/>
+          <a:chExt cx="0" cy="0"/>
+        </a:xfrm>
+      </p:grpSpPr>
+      <p:pic>
+        <p:nvPicPr>
+          <p:cNvPr id="2" name="Picture 2" descr="Chart, bar chart&#10;&#10;Description automatically generated">
+            <a:extLst>
+              <a:ext uri="{FF2B5EF4-FFF2-40B4-BE49-F238E27FC236}">
+                <a16:creationId xmlns:a16="http://schemas.microsoft.com/office/drawing/2014/main" xmlns="" id="{7C42FC6E-A828-4482-9937-B92E91375CDD}"/>
+              </a:ext>
+            </a:extLst>
+          </p:cNvPr>
+          <p:cNvPicPr>
+            <a:picLocks noChangeAspect="1"/>
+          </p:cNvPicPr>
+          <p:nvPr/>
+        </p:nvPicPr>
+        <p:blipFill>
+          <a:blip r:embed="rId2"/>
+          <a:stretch>
+            <a:fillRect/>
+          </a:stretch>
+        </p:blipFill>
+        <p:spPr>
+          <a:xfrm>
+            <a:off x="207545" y="435705"/>
+            <a:ext cx="8300285" cy="4505202"/>
+          </a:xfrm>
+          <a:prstGeom prst="rect">
+            <a:avLst/>
+          </a:prstGeom>
+        </p:spPr>
+      </p:pic>
+    </p:spTree>
+    <p:extLst>
+      <p:ext uri="{BB962C8B-B14F-4D97-AF65-F5344CB8AC3E}">
+        <p14:creationId xmlns:p14="http://schemas.microsoft.com/office/powerpoint/2010/main" val="2570033691"/>
+      </p:ext>
+    </p:extLst>
+  </p:cSld>
+  <p:clrMapOvr>
+    <a:masterClrMapping/>
+  </p:clrMapOvr>
+</p:sld>
+</file>
+
+<file path=ppt/slides/slide15.xml><?xml version="1.0" encoding="utf-8"?>
+<p:sld xmlns:a="http://schemas.openxmlformats.org/drawingml/2006/main" xmlns:r="http://schemas.openxmlformats.org/officeDocument/2006/relationships" xmlns:p="http://schemas.openxmlformats.org/presentationml/2006/main">
+  <p:cSld>
+    <p:spTree>
+      <p:nvGrpSpPr>
+        <p:cNvPr id="1" name=""/>
+        <p:cNvGrpSpPr/>
+        <p:nvPr/>
+      </p:nvGrpSpPr>
+      <p:grpSpPr>
+        <a:xfrm>
+          <a:off x="0" y="0"/>
+          <a:ext cx="0" cy="0"/>
+          <a:chOff x="0" y="0"/>
+          <a:chExt cx="0" cy="0"/>
+        </a:xfrm>
+      </p:grpSpPr>
+      <p:pic>
+        <p:nvPicPr>
+          <p:cNvPr id="2" name="Picture 2" descr="Chart, bar chart&#10;&#10;Description automatically generated">
+            <a:extLst>
+              <a:ext uri="{FF2B5EF4-FFF2-40B4-BE49-F238E27FC236}">
+                <a16:creationId xmlns:a16="http://schemas.microsoft.com/office/drawing/2014/main" xmlns="" id="{77F0666C-4530-4416-A9FF-BDF15AC5939E}"/>
+              </a:ext>
+            </a:extLst>
+          </p:cNvPr>
+          <p:cNvPicPr>
+            <a:picLocks noChangeAspect="1"/>
+          </p:cNvPicPr>
+          <p:nvPr/>
+        </p:nvPicPr>
+        <p:blipFill>
+          <a:blip r:embed="rId2"/>
+          <a:stretch>
+            <a:fillRect/>
+          </a:stretch>
+        </p:blipFill>
+        <p:spPr>
+          <a:xfrm>
+            <a:off x="365459" y="607479"/>
+            <a:ext cx="8270206" cy="4454924"/>
+          </a:xfrm>
+          <a:prstGeom prst="rect">
+            <a:avLst/>
+          </a:prstGeom>
+        </p:spPr>
+      </p:pic>
+    </p:spTree>
+    <p:extLst>
+      <p:ext uri="{BB962C8B-B14F-4D97-AF65-F5344CB8AC3E}">
+        <p14:creationId xmlns:p14="http://schemas.microsoft.com/office/powerpoint/2010/main" val="220867144"/>
+      </p:ext>
+    </p:extLst>
+  </p:cSld>
+  <p:clrMapOvr>
+    <a:masterClrMapping/>
+  </p:clrMapOvr>
+</p:sld>
+</file>
+
+<file path=ppt/slides/slide16.xml><?xml version="1.0" encoding="utf-8"?>
+<p:sld xmlns:a="http://schemas.openxmlformats.org/drawingml/2006/main" xmlns:r="http://schemas.openxmlformats.org/officeDocument/2006/relationships" xmlns:p="http://schemas.openxmlformats.org/presentationml/2006/main">
+  <p:cSld>
+    <p:spTree>
+      <p:nvGrpSpPr>
+        <p:cNvPr id="1" name=""/>
+        <p:cNvGrpSpPr/>
+        <p:nvPr/>
+      </p:nvGrpSpPr>
+      <p:grpSpPr>
+        <a:xfrm>
+          <a:off x="0" y="0"/>
+          <a:ext cx="0" cy="0"/>
+          <a:chOff x="0" y="0"/>
+          <a:chExt cx="0" cy="0"/>
+        </a:xfrm>
+      </p:grpSpPr>
+      <p:sp>
+        <p:nvSpPr>
+          <p:cNvPr id="2" name="Title 1">
+            <a:extLst>
+              <a:ext uri="{FF2B5EF4-FFF2-40B4-BE49-F238E27FC236}">
+                <a16:creationId xmlns:a16="http://schemas.microsoft.com/office/drawing/2014/main" xmlns="" id="{BA78454C-F654-48CB-89F9-9192E0780026}"/>
+              </a:ext>
+            </a:extLst>
+          </p:cNvPr>
+          <p:cNvSpPr>
+            <a:spLocks noGrp="1"/>
+          </p:cNvSpPr>
+          <p:nvPr>
+            <p:ph type="title"/>
+          </p:nvPr>
+        </p:nvSpPr>
+        <p:spPr/>
+        <p:txBody>
+          <a:bodyPr/>
+          <a:lstStyle/>
+          <a:p>
+            <a:r>
+              <a:rPr lang="en-US" sz="2400" dirty="0"/>
+              <a:t>Who won player of the match award most frequently?</a:t>
+            </a:r>
+          </a:p>
+        </p:txBody>
+      </p:sp>
+      <p:sp>
+        <p:nvSpPr>
+          <p:cNvPr id="3" name="Text Placeholder 2">
+            <a:extLst>
+              <a:ext uri="{FF2B5EF4-FFF2-40B4-BE49-F238E27FC236}">
+                <a16:creationId xmlns:a16="http://schemas.microsoft.com/office/drawing/2014/main" xmlns="" id="{E8803031-360A-48FB-8952-0CE90D883CD3}"/>
+              </a:ext>
+            </a:extLst>
+          </p:cNvPr>
+          <p:cNvSpPr>
+            <a:spLocks noGrp="1"/>
+          </p:cNvSpPr>
+          <p:nvPr>
+            <p:ph type="body" idx="1"/>
+          </p:nvPr>
+        </p:nvSpPr>
+        <p:spPr/>
+        <p:txBody>
+          <a:bodyPr/>
+          <a:lstStyle/>
+          <a:p>
+            <a:endParaRPr lang="en-US"/>
+          </a:p>
+        </p:txBody>
+      </p:sp>
+      <p:pic>
+        <p:nvPicPr>
+          <p:cNvPr id="4" name="Picture 4" descr="Chart, bar chart, histogram&#10;&#10;Description automatically generated">
+            <a:extLst>
+              <a:ext uri="{FF2B5EF4-FFF2-40B4-BE49-F238E27FC236}">
+                <a16:creationId xmlns:a16="http://schemas.microsoft.com/office/drawing/2014/main" xmlns="" id="{554D4D53-4C00-4509-9A55-78AAB913D56B}"/>
+              </a:ext>
+            </a:extLst>
+          </p:cNvPr>
+          <p:cNvPicPr>
+            <a:picLocks noChangeAspect="1"/>
+          </p:cNvPicPr>
+          <p:nvPr/>
+        </p:nvPicPr>
+        <p:blipFill>
+          <a:blip r:embed="rId2"/>
+          <a:stretch>
+            <a:fillRect/>
+          </a:stretch>
+        </p:blipFill>
+        <p:spPr>
+          <a:xfrm>
+            <a:off x="711368" y="1044667"/>
+            <a:ext cx="7285120" cy="3753501"/>
+          </a:xfrm>
+          <a:prstGeom prst="rect">
+            <a:avLst/>
+          </a:prstGeom>
+        </p:spPr>
+      </p:pic>
+    </p:spTree>
+    <p:extLst>
+      <p:ext uri="{BB962C8B-B14F-4D97-AF65-F5344CB8AC3E}">
+        <p14:creationId xmlns:p14="http://schemas.microsoft.com/office/powerpoint/2010/main" val="2488093890"/>
+      </p:ext>
+    </p:extLst>
+  </p:cSld>
+  <p:clrMapOvr>
+    <a:masterClrMapping/>
+  </p:clrMapOvr>
+</p:sld>
+</file>
+
+<file path=ppt/slides/slide17.xml><?xml version="1.0" encoding="utf-8"?>
+<p:sld xmlns:a="http://schemas.openxmlformats.org/drawingml/2006/main" xmlns:r="http://schemas.openxmlformats.org/officeDocument/2006/relationships" xmlns:p="http://schemas.openxmlformats.org/presentationml/2006/main">
+  <p:cSld>
+    <p:spTree>
+      <p:nvGrpSpPr>
+        <p:cNvPr id="1" name=""/>
+        <p:cNvGrpSpPr/>
+        <p:nvPr/>
+      </p:nvGrpSpPr>
+      <p:grpSpPr>
+        <a:xfrm>
+          <a:off x="0" y="0"/>
+          <a:ext cx="0" cy="0"/>
+          <a:chOff x="0" y="0"/>
+          <a:chExt cx="0" cy="0"/>
+        </a:xfrm>
+      </p:grpSpPr>
+      <p:sp>
+        <p:nvSpPr>
+          <p:cNvPr id="2" name="Title 1">
+            <a:extLst>
+              <a:ext uri="{FF2B5EF4-FFF2-40B4-BE49-F238E27FC236}">
+                <a16:creationId xmlns:a16="http://schemas.microsoft.com/office/drawing/2014/main" xmlns="" id="{4C2E2AC0-6860-47A6-8020-E64827DC7AF1}"/>
+              </a:ext>
+            </a:extLst>
+          </p:cNvPr>
+          <p:cNvSpPr>
+            <a:spLocks noGrp="1"/>
+          </p:cNvSpPr>
+          <p:nvPr>
+            <p:ph type="title"/>
+          </p:nvPr>
+        </p:nvSpPr>
+        <p:spPr/>
+        <p:txBody>
+          <a:bodyPr/>
+          <a:lstStyle/>
+          <a:p>
+            <a:r>
+              <a:rPr lang="en-US" dirty="0"/>
+              <a:t>Who </a:t>
+            </a:r>
+            <a:r>
+              <a:rPr lang="en-US" dirty="0" smtClean="0"/>
+              <a:t>won </a:t>
+            </a:r>
+            <a:r>
+              <a:rPr lang="en-US" dirty="0"/>
+              <a:t>most matches?</a:t>
+            </a:r>
+          </a:p>
+          <a:p>
+            <a:endParaRPr lang="en-US" dirty="0"/>
+          </a:p>
+        </p:txBody>
+      </p:sp>
+      <p:sp>
+        <p:nvSpPr>
+          <p:cNvPr id="3" name="Text Placeholder 2">
+            <a:extLst>
+              <a:ext uri="{FF2B5EF4-FFF2-40B4-BE49-F238E27FC236}">
+                <a16:creationId xmlns:a16="http://schemas.microsoft.com/office/drawing/2014/main" xmlns="" id="{D57382FF-86EA-4479-9381-E39AA3837A33}"/>
+              </a:ext>
+            </a:extLst>
+          </p:cNvPr>
+          <p:cNvSpPr>
+            <a:spLocks noGrp="1"/>
+          </p:cNvSpPr>
+          <p:nvPr>
+            <p:ph type="body" idx="1"/>
+          </p:nvPr>
+        </p:nvSpPr>
+        <p:spPr/>
+        <p:txBody>
+          <a:bodyPr/>
+          <a:lstStyle/>
+          <a:p>
+            <a:endParaRPr lang="en-US"/>
+          </a:p>
+        </p:txBody>
+      </p:sp>
+      <p:pic>
+        <p:nvPicPr>
+          <p:cNvPr id="4" name="Picture 4" descr="Chart, bar chart&#10;&#10;Description automatically generated">
+            <a:extLst>
+              <a:ext uri="{FF2B5EF4-FFF2-40B4-BE49-F238E27FC236}">
+                <a16:creationId xmlns:a16="http://schemas.microsoft.com/office/drawing/2014/main" xmlns="" id="{9DDA8146-5A3A-4832-86CE-95321A83B411}"/>
+              </a:ext>
+            </a:extLst>
+          </p:cNvPr>
+          <p:cNvPicPr>
+            <a:picLocks noChangeAspect="1"/>
+          </p:cNvPicPr>
+          <p:nvPr/>
+        </p:nvPicPr>
+        <p:blipFill>
+          <a:blip r:embed="rId2"/>
+          <a:stretch>
+            <a:fillRect/>
+          </a:stretch>
+        </p:blipFill>
+        <p:spPr>
+          <a:xfrm>
+            <a:off x="312822" y="1201871"/>
+            <a:ext cx="7999495" cy="3559408"/>
+          </a:xfrm>
+          <a:prstGeom prst="rect">
+            <a:avLst/>
+          </a:prstGeom>
+        </p:spPr>
+      </p:pic>
+    </p:spTree>
+    <p:extLst>
+      <p:ext uri="{BB962C8B-B14F-4D97-AF65-F5344CB8AC3E}">
+        <p14:creationId xmlns:p14="http://schemas.microsoft.com/office/powerpoint/2010/main" val="2155405735"/>
+      </p:ext>
+    </p:extLst>
+  </p:cSld>
+  <p:clrMapOvr>
+    <a:masterClrMapping/>
+  </p:clrMapOvr>
+</p:sld>
+</file>
+
+<file path=ppt/slides/slide18.xml><?xml version="1.0" encoding="utf-8"?>
+<p:sld xmlns:a="http://schemas.openxmlformats.org/drawingml/2006/main" xmlns:r="http://schemas.openxmlformats.org/officeDocument/2006/relationships" xmlns:p="http://schemas.openxmlformats.org/presentationml/2006/main">
+  <p:cSld>
+    <p:spTree>
+      <p:nvGrpSpPr>
+        <p:cNvPr id="1" name=""/>
+        <p:cNvGrpSpPr/>
+        <p:nvPr/>
+      </p:nvGrpSpPr>
+      <p:grpSpPr>
+        <a:xfrm>
+          <a:off x="0" y="0"/>
+          <a:ext cx="0" cy="0"/>
+          <a:chOff x="0" y="0"/>
+          <a:chExt cx="0" cy="0"/>
+        </a:xfrm>
+      </p:grpSpPr>
+      <p:sp>
+        <p:nvSpPr>
+          <p:cNvPr id="2" name="Title 1">
+            <a:extLst>
+              <a:ext uri="{FF2B5EF4-FFF2-40B4-BE49-F238E27FC236}">
+                <a16:creationId xmlns:a16="http://schemas.microsoft.com/office/drawing/2014/main" xmlns="" id="{22BDC74F-507E-401E-8346-360158133F76}"/>
               </a:ext>
             </a:extLst>
           </p:cNvPr>
@@ -9108,7 +9880,7 @@
           <p:cNvPr id="3" name="Text Placeholder 2">
             <a:extLst>
               <a:ext uri="{FF2B5EF4-FFF2-40B4-BE49-F238E27FC236}">
-                <a16:creationId xmlns:a16="http://schemas.microsoft.com/office/drawing/2014/main" id="{C5910883-3B76-4512-BAC3-D9621EB8AD63}"/>
+                <a16:creationId xmlns:a16="http://schemas.microsoft.com/office/drawing/2014/main" xmlns="" id="{C5910883-3B76-4512-BAC3-D9621EB8AD63}"/>
               </a:ext>
             </a:extLst>
           </p:cNvPr>
@@ -9133,7 +9905,7 @@
           <p:cNvPr id="4" name="Picture 4" descr="Chart, scatter chart&#10;&#10;Description automatically generated">
             <a:extLst>
               <a:ext uri="{FF2B5EF4-FFF2-40B4-BE49-F238E27FC236}">
-                <a16:creationId xmlns:a16="http://schemas.microsoft.com/office/drawing/2014/main" id="{8887131D-D780-4C6E-843E-250D72F82CAE}"/>
+                <a16:creationId xmlns:a16="http://schemas.microsoft.com/office/drawing/2014/main" xmlns="" id="{8887131D-D780-4C6E-843E-250D72F82CAE}"/>
               </a:ext>
             </a:extLst>
           </p:cNvPr>
@@ -9171,7 +9943,7 @@
 </p:sld>
 </file>
 
-<file path=ppt/slides/slide11.xml><?xml version="1.0" encoding="utf-8"?>
+<file path=ppt/slides/slide19.xml><?xml version="1.0" encoding="utf-8"?>
 <p:sld xmlns:a="http://schemas.openxmlformats.org/drawingml/2006/main" xmlns:r="http://schemas.openxmlformats.org/officeDocument/2006/relationships" xmlns:p="http://schemas.openxmlformats.org/presentationml/2006/main">
   <p:cSld>
     <p:spTree>
@@ -9193,7 +9965,7 @@
           <p:cNvPr id="2" name="Picture 2" descr="Chart, bar chart, histogram&#10;&#10;Description automatically generated">
             <a:extLst>
               <a:ext uri="{FF2B5EF4-FFF2-40B4-BE49-F238E27FC236}">
-                <a16:creationId xmlns:a16="http://schemas.microsoft.com/office/drawing/2014/main" id="{F7E9C9EC-C628-4138-BF05-281D7CC354F5}"/>
+                <a16:creationId xmlns:a16="http://schemas.microsoft.com/office/drawing/2014/main" xmlns="" id="{F7E9C9EC-C628-4138-BF05-281D7CC354F5}"/>
               </a:ext>
             </a:extLst>
           </p:cNvPr>
@@ -9231,7 +10003,185 @@
 </p:sld>
 </file>
 
-<file path=ppt/slides/slide12.xml><?xml version="1.0" encoding="utf-8"?>
+<file path=ppt/slides/slide2.xml><?xml version="1.0" encoding="utf-8"?>
+<p:sld xmlns:a="http://schemas.openxmlformats.org/drawingml/2006/main" xmlns:r="http://schemas.openxmlformats.org/officeDocument/2006/relationships" xmlns:p="http://schemas.openxmlformats.org/presentationml/2006/main">
+  <p:cSld>
+    <p:spTree>
+      <p:nvGrpSpPr>
+        <p:cNvPr id="1" name=""/>
+        <p:cNvGrpSpPr/>
+        <p:nvPr/>
+      </p:nvGrpSpPr>
+      <p:grpSpPr>
+        <a:xfrm>
+          <a:off x="0" y="0"/>
+          <a:ext cx="0" cy="0"/>
+          <a:chOff x="0" y="0"/>
+          <a:chExt cx="0" cy="0"/>
+        </a:xfrm>
+      </p:grpSpPr>
+      <p:sp>
+        <p:nvSpPr>
+          <p:cNvPr id="2" name="Title 1">
+            <a:extLst>
+              <a:ext uri="{FF2B5EF4-FFF2-40B4-BE49-F238E27FC236}">
+                <a16:creationId xmlns:a16="http://schemas.microsoft.com/office/drawing/2014/main" xmlns="" id="{6D2D6FC1-280B-460A-A86B-AA111A47F5A6}"/>
+              </a:ext>
+            </a:extLst>
+          </p:cNvPr>
+          <p:cNvSpPr>
+            <a:spLocks noGrp="1"/>
+          </p:cNvSpPr>
+          <p:nvPr>
+            <p:ph type="title"/>
+          </p:nvPr>
+        </p:nvSpPr>
+        <p:spPr>
+          <a:xfrm>
+            <a:off x="116491" y="1797977"/>
+            <a:ext cx="8520600" cy="143839"/>
+          </a:xfrm>
+        </p:spPr>
+        <p:txBody>
+          <a:bodyPr/>
+          <a:lstStyle/>
+          <a:p>
+            <a:pPr algn="l">
+              <a:lnSpc>
+                <a:spcPct val="150000"/>
+              </a:lnSpc>
+            </a:pPr>
+            <a:r>
+              <a:rPr lang="en-US" dirty="0" smtClean="0"/>
+              <a:t/>
+            </a:r>
+            <a:br>
+              <a:rPr lang="en-US" dirty="0" smtClean="0"/>
+            </a:br>
+            <a:r>
+              <a:rPr lang="en-US" dirty="0" smtClean="0">
+                <a:solidFill>
+                  <a:schemeClr val="bg1"/>
+                </a:solidFill>
+              </a:rPr>
+              <a:t>Team Consists of :</a:t>
+            </a:r>
+            <a:br>
+              <a:rPr lang="en-US" dirty="0" smtClean="0">
+                <a:solidFill>
+                  <a:schemeClr val="bg1"/>
+                </a:solidFill>
+              </a:rPr>
+            </a:br>
+            <a:r>
+              <a:rPr lang="en-US" dirty="0" smtClean="0">
+                <a:solidFill>
+                  <a:schemeClr val="bg1"/>
+                </a:solidFill>
+              </a:rPr>
+              <a:t/>
+            </a:r>
+            <a:br>
+              <a:rPr lang="en-US" dirty="0" smtClean="0">
+                <a:solidFill>
+                  <a:schemeClr val="bg1"/>
+                </a:solidFill>
+              </a:rPr>
+            </a:br>
+            <a:r>
+              <a:rPr lang="en-US" sz="2400" dirty="0" smtClean="0"/>
+              <a:t>1. </a:t>
+            </a:r>
+            <a:r>
+              <a:rPr lang="en-US" sz="2400" dirty="0" err="1"/>
+              <a:t>P</a:t>
+            </a:r>
+            <a:r>
+              <a:rPr lang="en-US" sz="2400" dirty="0" err="1" smtClean="0"/>
+              <a:t>radip</a:t>
+            </a:r>
+            <a:r>
+              <a:rPr lang="en-US" sz="2400" dirty="0" smtClean="0"/>
+              <a:t> Solanki</a:t>
+            </a:r>
+            <a:br>
+              <a:rPr lang="en-US" sz="2400" dirty="0" smtClean="0"/>
+            </a:br>
+            <a:r>
+              <a:rPr lang="en-US" sz="2400" dirty="0" smtClean="0"/>
+              <a:t>2. </a:t>
+            </a:r>
+            <a:r>
+              <a:rPr lang="en-US" sz="2400" dirty="0" err="1" smtClean="0"/>
+              <a:t>Hrithik</a:t>
+            </a:r>
+            <a:r>
+              <a:rPr lang="en-US" sz="2400" dirty="0" smtClean="0"/>
+              <a:t> </a:t>
+            </a:r>
+            <a:r>
+              <a:rPr lang="en-US" sz="2400" dirty="0" err="1" smtClean="0"/>
+              <a:t>Chourasia</a:t>
+            </a:r>
+            <a:r>
+              <a:rPr lang="en-US" sz="2400" dirty="0" smtClean="0"/>
+              <a:t/>
+            </a:r>
+            <a:br>
+              <a:rPr lang="en-US" sz="2400" dirty="0" smtClean="0"/>
+            </a:br>
+            <a:r>
+              <a:rPr lang="en-US" sz="2400" dirty="0" smtClean="0"/>
+              <a:t>3. </a:t>
+            </a:r>
+            <a:r>
+              <a:rPr lang="en-US" sz="2400" dirty="0" err="1" smtClean="0"/>
+              <a:t>Vridhi</a:t>
+            </a:r>
+            <a:r>
+              <a:rPr lang="en-US" sz="2400" dirty="0" smtClean="0"/>
+              <a:t> </a:t>
+            </a:r>
+            <a:r>
+              <a:rPr lang="en-US" sz="2400" dirty="0" err="1" smtClean="0"/>
+              <a:t>Parmar</a:t>
+            </a:r>
+            <a:r>
+              <a:rPr lang="en-US" sz="2400" dirty="0" smtClean="0"/>
+              <a:t/>
+            </a:r>
+            <a:br>
+              <a:rPr lang="en-US" sz="2400" dirty="0" smtClean="0"/>
+            </a:br>
+            <a:r>
+              <a:rPr lang="en-US" sz="2400" dirty="0" smtClean="0"/>
+              <a:t>4. Ameen Attar</a:t>
+            </a:r>
+            <a:r>
+              <a:rPr lang="en-US" sz="2400" dirty="0" smtClean="0"/>
+              <a:t/>
+            </a:r>
+            <a:br>
+              <a:rPr lang="en-US" sz="2400" dirty="0" smtClean="0"/>
+            </a:br>
+            <a:endParaRPr lang="en-US" sz="2400" dirty="0"/>
+          </a:p>
+        </p:txBody>
+      </p:sp>
+    </p:spTree>
+    <p:extLst>
+      <p:ext uri="{BB962C8B-B14F-4D97-AF65-F5344CB8AC3E}">
+        <p14:creationId xmlns:p14="http://schemas.microsoft.com/office/powerpoint/2010/main" val="2831947907"/>
+      </p:ext>
+    </p:extLst>
+  </p:cSld>
+  <p:clrMapOvr>
+    <a:masterClrMapping/>
+  </p:clrMapOvr>
+</p:sld>
+</file>
+
+<file path=ppt/slides/slide20.xml><?xml version="1.0" encoding="utf-8"?>
 <p:sld xmlns:a="http://schemas.openxmlformats.org/drawingml/2006/main" xmlns:r="http://schemas.openxmlformats.org/officeDocument/2006/relationships" xmlns:p="http://schemas.openxmlformats.org/presentationml/2006/main">
   <p:cSld>
     <p:spTree>
@@ -9253,7 +10203,7 @@
           <p:cNvPr id="2" name="Picture 2" descr="Chart, bar chart, histogram&#10;&#10;Description automatically generated">
             <a:extLst>
               <a:ext uri="{FF2B5EF4-FFF2-40B4-BE49-F238E27FC236}">
-                <a16:creationId xmlns:a16="http://schemas.microsoft.com/office/drawing/2014/main" id="{9DAF4B89-B15E-4030-93FF-DB04511B9D1A}"/>
+                <a16:creationId xmlns:a16="http://schemas.microsoft.com/office/drawing/2014/main" xmlns="" id="{9DAF4B89-B15E-4030-93FF-DB04511B9D1A}"/>
               </a:ext>
             </a:extLst>
           </p:cNvPr>
@@ -9291,7 +10241,7 @@
 </p:sld>
 </file>
 
-<file path=ppt/slides/slide13.xml><?xml version="1.0" encoding="utf-8"?>
+<file path=ppt/slides/slide21.xml><?xml version="1.0" encoding="utf-8"?>
 <p:sld xmlns:a="http://schemas.openxmlformats.org/drawingml/2006/main" xmlns:r="http://schemas.openxmlformats.org/officeDocument/2006/relationships" xmlns:p="http://schemas.openxmlformats.org/presentationml/2006/main">
   <p:cSld>
     <p:spTree>
@@ -9367,7 +10317,7 @@
           <p:cNvPr id="3" name="Picture 2">
             <a:extLst>
               <a:ext uri="{FF2B5EF4-FFF2-40B4-BE49-F238E27FC236}">
-                <a16:creationId xmlns:a16="http://schemas.microsoft.com/office/drawing/2014/main" id="{F0C1BEAD-E90B-42DA-B3A3-75F592E6C053}"/>
+                <a16:creationId xmlns:a16="http://schemas.microsoft.com/office/drawing/2014/main" xmlns="" id="{F0C1BEAD-E90B-42DA-B3A3-75F592E6C053}"/>
               </a:ext>
             </a:extLst>
           </p:cNvPr>
@@ -9400,7 +10350,7 @@
 </p:sld>
 </file>
 
-<file path=ppt/slides/slide14.xml><?xml version="1.0" encoding="utf-8"?>
+<file path=ppt/slides/slide22.xml><?xml version="1.0" encoding="utf-8"?>
 <p:sld xmlns:a="http://schemas.openxmlformats.org/drawingml/2006/main" xmlns:r="http://schemas.openxmlformats.org/officeDocument/2006/relationships" xmlns:p="http://schemas.openxmlformats.org/presentationml/2006/main">
   <p:cSld>
     <p:spTree>
@@ -9422,7 +10372,7 @@
           <p:cNvPr id="2" name="Title 1">
             <a:extLst>
               <a:ext uri="{FF2B5EF4-FFF2-40B4-BE49-F238E27FC236}">
-                <a16:creationId xmlns:a16="http://schemas.microsoft.com/office/drawing/2014/main" id="{0F3E9C90-07AD-4A01-8207-E8040077CF8E}"/>
+                <a16:creationId xmlns:a16="http://schemas.microsoft.com/office/drawing/2014/main" xmlns="" id="{0F3E9C90-07AD-4A01-8207-E8040077CF8E}"/>
               </a:ext>
             </a:extLst>
           </p:cNvPr>
@@ -9457,7 +10407,7 @@
           <p:cNvPr id="4" name="Picture 3">
             <a:extLst>
               <a:ext uri="{FF2B5EF4-FFF2-40B4-BE49-F238E27FC236}">
-                <a16:creationId xmlns:a16="http://schemas.microsoft.com/office/drawing/2014/main" id="{F86655DA-294F-4196-94C9-7B6883CB5A66}"/>
+                <a16:creationId xmlns:a16="http://schemas.microsoft.com/office/drawing/2014/main" xmlns="" id="{F86655DA-294F-4196-94C9-7B6883CB5A66}"/>
               </a:ext>
             </a:extLst>
           </p:cNvPr>
@@ -9495,7 +10445,7 @@
 </p:sld>
 </file>
 
-<file path=ppt/slides/slide15.xml><?xml version="1.0" encoding="utf-8"?>
+<file path=ppt/slides/slide23.xml><?xml version="1.0" encoding="utf-8"?>
 <p:sld xmlns:a="http://schemas.openxmlformats.org/drawingml/2006/main" xmlns:r="http://schemas.openxmlformats.org/officeDocument/2006/relationships" xmlns:p="http://schemas.openxmlformats.org/presentationml/2006/main">
   <p:cSld>
     <p:spTree>
@@ -9517,7 +10467,7 @@
           <p:cNvPr id="2" name="Title 1">
             <a:extLst>
               <a:ext uri="{FF2B5EF4-FFF2-40B4-BE49-F238E27FC236}">
-                <a16:creationId xmlns:a16="http://schemas.microsoft.com/office/drawing/2014/main" id="{490567E6-9C39-4F62-A5B0-927B6C66847F}"/>
+                <a16:creationId xmlns:a16="http://schemas.microsoft.com/office/drawing/2014/main" xmlns="" id="{490567E6-9C39-4F62-A5B0-927B6C66847F}"/>
               </a:ext>
             </a:extLst>
           </p:cNvPr>
@@ -9552,7 +10502,7 @@
           <p:cNvPr id="4" name="Picture 3">
             <a:extLst>
               <a:ext uri="{FF2B5EF4-FFF2-40B4-BE49-F238E27FC236}">
-                <a16:creationId xmlns:a16="http://schemas.microsoft.com/office/drawing/2014/main" id="{4B354421-F7ED-4B53-8249-4610357F3586}"/>
+                <a16:creationId xmlns:a16="http://schemas.microsoft.com/office/drawing/2014/main" xmlns="" id="{4B354421-F7ED-4B53-8249-4610357F3586}"/>
               </a:ext>
             </a:extLst>
           </p:cNvPr>
@@ -9590,7 +10540,7 @@
 </p:sld>
 </file>
 
-<file path=ppt/slides/slide16.xml><?xml version="1.0" encoding="utf-8"?>
+<file path=ppt/slides/slide24.xml><?xml version="1.0" encoding="utf-8"?>
 <p:sld xmlns:a="http://schemas.openxmlformats.org/drawingml/2006/main" xmlns:r="http://schemas.openxmlformats.org/officeDocument/2006/relationships" xmlns:p="http://schemas.openxmlformats.org/presentationml/2006/main">
   <p:cSld>
     <p:spTree>
@@ -9612,7 +10562,7 @@
           <p:cNvPr id="2" name="Title 1">
             <a:extLst>
               <a:ext uri="{FF2B5EF4-FFF2-40B4-BE49-F238E27FC236}">
-                <a16:creationId xmlns:a16="http://schemas.microsoft.com/office/drawing/2014/main" id="{1F7231BC-2710-418C-A254-7F48AB195DD5}"/>
+                <a16:creationId xmlns:a16="http://schemas.microsoft.com/office/drawing/2014/main" xmlns="" id="{1F7231BC-2710-418C-A254-7F48AB195DD5}"/>
               </a:ext>
             </a:extLst>
           </p:cNvPr>
@@ -9647,7 +10597,7 @@
           <p:cNvPr id="4" name="Picture 3">
             <a:extLst>
               <a:ext uri="{FF2B5EF4-FFF2-40B4-BE49-F238E27FC236}">
-                <a16:creationId xmlns:a16="http://schemas.microsoft.com/office/drawing/2014/main" id="{90EB7C1D-76B1-46AA-A607-83EC3B9BBEAA}"/>
+                <a16:creationId xmlns:a16="http://schemas.microsoft.com/office/drawing/2014/main" xmlns="" id="{90EB7C1D-76B1-46AA-A607-83EC3B9BBEAA}"/>
               </a:ext>
             </a:extLst>
           </p:cNvPr>
@@ -9685,7 +10635,7 @@
 </p:sld>
 </file>
 
-<file path=ppt/slides/slide17.xml><?xml version="1.0" encoding="utf-8"?>
+<file path=ppt/slides/slide25.xml><?xml version="1.0" encoding="utf-8"?>
 <p:sld xmlns:a="http://schemas.openxmlformats.org/drawingml/2006/main" xmlns:r="http://schemas.openxmlformats.org/officeDocument/2006/relationships" xmlns:p="http://schemas.openxmlformats.org/presentationml/2006/main">
   <p:cSld>
     <p:spTree>
@@ -9707,7 +10657,7 @@
           <p:cNvPr id="2" name="Title 1">
             <a:extLst>
               <a:ext uri="{FF2B5EF4-FFF2-40B4-BE49-F238E27FC236}">
-                <a16:creationId xmlns:a16="http://schemas.microsoft.com/office/drawing/2014/main" id="{4EB928C6-0FFF-4C7C-AA8B-D77B3BE1912A}"/>
+                <a16:creationId xmlns:a16="http://schemas.microsoft.com/office/drawing/2014/main" xmlns="" id="{4EB928C6-0FFF-4C7C-AA8B-D77B3BE1912A}"/>
               </a:ext>
             </a:extLst>
           </p:cNvPr>
@@ -9742,7 +10692,7 @@
           <p:cNvPr id="4" name="Picture 3">
             <a:extLst>
               <a:ext uri="{FF2B5EF4-FFF2-40B4-BE49-F238E27FC236}">
-                <a16:creationId xmlns:a16="http://schemas.microsoft.com/office/drawing/2014/main" id="{ADD59A65-3D38-4EC7-B0A2-4401E71A5A50}"/>
+                <a16:creationId xmlns:a16="http://schemas.microsoft.com/office/drawing/2014/main" xmlns="" id="{ADD59A65-3D38-4EC7-B0A2-4401E71A5A50}"/>
               </a:ext>
             </a:extLst>
           </p:cNvPr>
@@ -9780,7 +10730,7 @@
 </p:sld>
 </file>
 
-<file path=ppt/slides/slide18.xml><?xml version="1.0" encoding="utf-8"?>
+<file path=ppt/slides/slide26.xml><?xml version="1.0" encoding="utf-8"?>
 <p:sld xmlns:a="http://schemas.openxmlformats.org/drawingml/2006/main" xmlns:r="http://schemas.openxmlformats.org/officeDocument/2006/relationships" xmlns:p="http://schemas.openxmlformats.org/presentationml/2006/main">
   <p:cSld>
     <p:spTree>
@@ -9802,7 +10752,7 @@
           <p:cNvPr id="2" name="Title 1">
             <a:extLst>
               <a:ext uri="{FF2B5EF4-FFF2-40B4-BE49-F238E27FC236}">
-                <a16:creationId xmlns:a16="http://schemas.microsoft.com/office/drawing/2014/main" id="{7ED710F6-DF6B-47D6-8CF2-11A122427C79}"/>
+                <a16:creationId xmlns:a16="http://schemas.microsoft.com/office/drawing/2014/main" xmlns="" id="{7ED710F6-DF6B-47D6-8CF2-11A122427C79}"/>
               </a:ext>
             </a:extLst>
           </p:cNvPr>
@@ -9837,7 +10787,7 @@
           <p:cNvPr id="4" name="Picture 3">
             <a:extLst>
               <a:ext uri="{FF2B5EF4-FFF2-40B4-BE49-F238E27FC236}">
-                <a16:creationId xmlns:a16="http://schemas.microsoft.com/office/drawing/2014/main" id="{62097BBA-0EE2-4959-82D2-A5627CF8FF4A}"/>
+                <a16:creationId xmlns:a16="http://schemas.microsoft.com/office/drawing/2014/main" xmlns="" id="{62097BBA-0EE2-4959-82D2-A5627CF8FF4A}"/>
               </a:ext>
             </a:extLst>
           </p:cNvPr>
@@ -9875,7 +10825,7 @@
 </p:sld>
 </file>
 
-<file path=ppt/slides/slide19.xml><?xml version="1.0" encoding="utf-8"?>
+<file path=ppt/slides/slide27.xml><?xml version="1.0" encoding="utf-8"?>
 <p:sld xmlns:a="http://schemas.openxmlformats.org/drawingml/2006/main" xmlns:r="http://schemas.openxmlformats.org/officeDocument/2006/relationships" xmlns:p="http://schemas.openxmlformats.org/presentationml/2006/main">
   <p:cSld>
     <p:spTree>
@@ -9897,7 +10847,7 @@
           <p:cNvPr id="2" name="Title 1">
             <a:extLst>
               <a:ext uri="{FF2B5EF4-FFF2-40B4-BE49-F238E27FC236}">
-                <a16:creationId xmlns:a16="http://schemas.microsoft.com/office/drawing/2014/main" id="{AC9149E9-E6A4-4E9C-8E93-ACDF96CC0437}"/>
+                <a16:creationId xmlns:a16="http://schemas.microsoft.com/office/drawing/2014/main" xmlns="" id="{AC9149E9-E6A4-4E9C-8E93-ACDF96CC0437}"/>
               </a:ext>
             </a:extLst>
           </p:cNvPr>
@@ -9932,7 +10882,7 @@
           <p:cNvPr id="4" name="Picture 3">
             <a:extLst>
               <a:ext uri="{FF2B5EF4-FFF2-40B4-BE49-F238E27FC236}">
-                <a16:creationId xmlns:a16="http://schemas.microsoft.com/office/drawing/2014/main" id="{26C45BB7-E0F9-4486-B7E0-EEC1B53EAC89}"/>
+                <a16:creationId xmlns:a16="http://schemas.microsoft.com/office/drawing/2014/main" xmlns="" id="{26C45BB7-E0F9-4486-B7E0-EEC1B53EAC89}"/>
               </a:ext>
             </a:extLst>
           </p:cNvPr>
@@ -9970,7 +10920,7 @@
 </p:sld>
 </file>
 
-<file path=ppt/slides/slide2.xml><?xml version="1.0" encoding="utf-8"?>
+<file path=ppt/slides/slide28.xml><?xml version="1.0" encoding="utf-8"?>
 <p:sld xmlns:a="http://schemas.openxmlformats.org/drawingml/2006/main" xmlns:r="http://schemas.openxmlformats.org/officeDocument/2006/relationships" xmlns:p="http://schemas.openxmlformats.org/presentationml/2006/main">
   <p:cSld>
     <p:spTree>
@@ -9992,75 +10942,7 @@
           <p:cNvPr id="2" name="Title 1">
             <a:extLst>
               <a:ext uri="{FF2B5EF4-FFF2-40B4-BE49-F238E27FC236}">
-                <a16:creationId xmlns:a16="http://schemas.microsoft.com/office/drawing/2014/main" id="{6D2D6FC1-280B-460A-A86B-AA111A47F5A6}"/>
-              </a:ext>
-            </a:extLst>
-          </p:cNvPr>
-          <p:cNvSpPr>
-            <a:spLocks noGrp="1"/>
-          </p:cNvSpPr>
-          <p:nvPr>
-            <p:ph type="title"/>
-          </p:nvPr>
-        </p:nvSpPr>
-        <p:spPr/>
-        <p:txBody>
-          <a:bodyPr/>
-          <a:lstStyle/>
-          <a:p>
-            <a:r>
-              <a:rPr lang="en-US" dirty="0"/>
-              <a:t>Ameen's part goes here</a:t>
-            </a:r>
-            <a:br>
-              <a:rPr lang="en-US" dirty="0"/>
-            </a:br>
-            <a:br>
-              <a:rPr lang="en-US" dirty="0"/>
-            </a:br>
-            <a:r>
-              <a:rPr lang="en-US" dirty="0"/>
-              <a:t>ameen add our names in first slide please</a:t>
-            </a:r>
-          </a:p>
-        </p:txBody>
-      </p:sp>
-    </p:spTree>
-    <p:extLst>
-      <p:ext uri="{BB962C8B-B14F-4D97-AF65-F5344CB8AC3E}">
-        <p14:creationId xmlns:p14="http://schemas.microsoft.com/office/powerpoint/2010/main" val="2831947907"/>
-      </p:ext>
-    </p:extLst>
-  </p:cSld>
-  <p:clrMapOvr>
-    <a:masterClrMapping/>
-  </p:clrMapOvr>
-</p:sld>
-</file>
-
-<file path=ppt/slides/slide20.xml><?xml version="1.0" encoding="utf-8"?>
-<p:sld xmlns:a="http://schemas.openxmlformats.org/drawingml/2006/main" xmlns:r="http://schemas.openxmlformats.org/officeDocument/2006/relationships" xmlns:p="http://schemas.openxmlformats.org/presentationml/2006/main">
-  <p:cSld>
-    <p:spTree>
-      <p:nvGrpSpPr>
-        <p:cNvPr id="1" name=""/>
-        <p:cNvGrpSpPr/>
-        <p:nvPr/>
-      </p:nvGrpSpPr>
-      <p:grpSpPr>
-        <a:xfrm>
-          <a:off x="0" y="0"/>
-          <a:ext cx="0" cy="0"/>
-          <a:chOff x="0" y="0"/>
-          <a:chExt cx="0" cy="0"/>
-        </a:xfrm>
-      </p:grpSpPr>
-      <p:sp>
-        <p:nvSpPr>
-          <p:cNvPr id="2" name="Title 1">
-            <a:extLst>
-              <a:ext uri="{FF2B5EF4-FFF2-40B4-BE49-F238E27FC236}">
-                <a16:creationId xmlns:a16="http://schemas.microsoft.com/office/drawing/2014/main" id="{D5F0FC81-604E-4C1A-91FA-1F49427F5106}"/>
+                <a16:creationId xmlns:a16="http://schemas.microsoft.com/office/drawing/2014/main" xmlns="" id="{D5F0FC81-604E-4C1A-91FA-1F49427F5106}"/>
               </a:ext>
             </a:extLst>
           </p:cNvPr>
@@ -10115,13 +10997,7 @@
       </p:grpSpPr>
       <p:sp>
         <p:nvSpPr>
-          <p:cNvPr id="2" name="Title 1">
-            <a:extLst>
-              <a:ext uri="{FF2B5EF4-FFF2-40B4-BE49-F238E27FC236}">
-                <a16:creationId xmlns:a16="http://schemas.microsoft.com/office/drawing/2014/main" id="{609D0266-ABC3-4C94-8893-AADBB651F64D}"/>
-              </a:ext>
-            </a:extLst>
-          </p:cNvPr>
+          <p:cNvPr id="2" name="Title 1"/>
           <p:cNvSpPr>
             <a:spLocks noGrp="1"/>
           </p:cNvSpPr>
@@ -10129,22 +11005,62 @@
             <p:ph type="title"/>
           </p:nvPr>
         </p:nvSpPr>
-        <p:spPr/>
+        <p:spPr>
+          <a:xfrm>
+            <a:off x="178136" y="75471"/>
+            <a:ext cx="8520600" cy="592350"/>
+          </a:xfrm>
+        </p:spPr>
         <p:txBody>
           <a:bodyPr/>
           <a:lstStyle/>
           <a:p>
             <a:r>
-              <a:rPr lang="en-US" dirty="0"/>
-              <a:t>Expectations goes here</a:t>
+              <a:rPr lang="en-US" sz="2400" dirty="0" smtClean="0"/>
+              <a:t>Heat map for missing values in matches datase</a:t>
             </a:r>
+            <a:r>
+              <a:rPr lang="en-US" sz="2000" dirty="0" smtClean="0"/>
+              <a:t>t</a:t>
+            </a:r>
+            <a:endParaRPr lang="hi-IN" sz="2000" dirty="0"/>
           </a:p>
         </p:txBody>
       </p:sp>
+      <p:pic>
+        <p:nvPicPr>
+          <p:cNvPr id="3" name="Picture 2"/>
+          <p:cNvPicPr>
+            <a:picLocks noChangeAspect="1"/>
+          </p:cNvPicPr>
+          <p:nvPr/>
+        </p:nvPicPr>
+        <p:blipFill>
+          <a:blip r:embed="rId2">
+            <a:extLst>
+              <a:ext uri="{28A0092B-C50C-407E-A947-70E740481C1C}">
+                <a14:useLocalDpi xmlns:a14="http://schemas.microsoft.com/office/drawing/2010/main" val="0"/>
+              </a:ext>
+            </a:extLst>
+          </a:blip>
+          <a:stretch>
+            <a:fillRect/>
+          </a:stretch>
+        </p:blipFill>
+        <p:spPr>
+          <a:xfrm>
+            <a:off x="606175" y="667821"/>
+            <a:ext cx="7900827" cy="4444857"/>
+          </a:xfrm>
+          <a:prstGeom prst="rect">
+            <a:avLst/>
+          </a:prstGeom>
+        </p:spPr>
+      </p:pic>
     </p:spTree>
     <p:extLst>
       <p:ext uri="{BB962C8B-B14F-4D97-AF65-F5344CB8AC3E}">
-        <p14:creationId xmlns:p14="http://schemas.microsoft.com/office/powerpoint/2010/main" val="681361116"/>
+        <p14:creationId xmlns:p14="http://schemas.microsoft.com/office/powerpoint/2010/main" val="3332991192"/>
       </p:ext>
     </p:extLst>
   </p:cSld>
@@ -10173,13 +11089,7 @@
       </p:grpSpPr>
       <p:sp>
         <p:nvSpPr>
-          <p:cNvPr id="2" name="Title 1">
-            <a:extLst>
-              <a:ext uri="{FF2B5EF4-FFF2-40B4-BE49-F238E27FC236}">
-                <a16:creationId xmlns:a16="http://schemas.microsoft.com/office/drawing/2014/main" id="{F445497F-B4CE-48E1-9CF0-3402D514F4E7}"/>
-              </a:ext>
-            </a:extLst>
-          </p:cNvPr>
+          <p:cNvPr id="2" name="Title 1"/>
           <p:cNvSpPr>
             <a:spLocks noGrp="1"/>
           </p:cNvSpPr>
@@ -10187,67 +11097,56 @@
             <p:ph type="title"/>
           </p:nvPr>
         </p:nvSpPr>
-        <p:spPr/>
+        <p:spPr>
+          <a:xfrm>
+            <a:off x="0" y="126841"/>
+            <a:ext cx="8520600" cy="841800"/>
+          </a:xfrm>
+        </p:spPr>
         <p:txBody>
           <a:bodyPr/>
           <a:lstStyle/>
           <a:p>
             <a:r>
-              <a:rPr lang="en-US" dirty="0"/>
-              <a:t>Number of Players from different Country</a:t>
+              <a:rPr lang="en-US" sz="2400" dirty="0"/>
+              <a:t>Heat map </a:t>
             </a:r>
-          </a:p>
-        </p:txBody>
-      </p:sp>
-      <p:sp>
-        <p:nvSpPr>
-          <p:cNvPr id="3" name="Text Placeholder 2">
-            <a:extLst>
-              <a:ext uri="{FF2B5EF4-FFF2-40B4-BE49-F238E27FC236}">
-                <a16:creationId xmlns:a16="http://schemas.microsoft.com/office/drawing/2014/main" id="{0B17D8DF-3203-46AD-94ED-9E8FA2DADC38}"/>
-              </a:ext>
-            </a:extLst>
-          </p:cNvPr>
-          <p:cNvSpPr>
-            <a:spLocks noGrp="1"/>
-          </p:cNvSpPr>
-          <p:nvPr>
-            <p:ph type="body" idx="1"/>
-          </p:nvPr>
-        </p:nvSpPr>
-        <p:spPr/>
-        <p:txBody>
-          <a:bodyPr/>
-          <a:lstStyle/>
-          <a:p>
-            <a:endParaRPr lang="en-US"/>
+            <a:r>
+              <a:rPr lang="en-US" sz="2400" dirty="0" smtClean="0"/>
+              <a:t>after filling up the missing </a:t>
+            </a:r>
+            <a:r>
+              <a:rPr lang="en-US" sz="2400" dirty="0"/>
+              <a:t>values in matches dataset</a:t>
+            </a:r>
+            <a:endParaRPr lang="hi-IN" sz="2400" dirty="0"/>
           </a:p>
         </p:txBody>
       </p:sp>
       <p:pic>
         <p:nvPicPr>
-          <p:cNvPr id="5" name="Picture 5" descr="Chart, bar chart&#10;&#10;Description automatically generated">
-            <a:extLst>
-              <a:ext uri="{FF2B5EF4-FFF2-40B4-BE49-F238E27FC236}">
-                <a16:creationId xmlns:a16="http://schemas.microsoft.com/office/drawing/2014/main" id="{CD38806B-1D2A-49B6-A538-2F3BEBE33D51}"/>
-              </a:ext>
-            </a:extLst>
-          </p:cNvPr>
+          <p:cNvPr id="3" name="Picture 2"/>
           <p:cNvPicPr>
             <a:picLocks noChangeAspect="1"/>
           </p:cNvPicPr>
           <p:nvPr/>
         </p:nvPicPr>
         <p:blipFill>
-          <a:blip r:embed="rId2"/>
+          <a:blip r:embed="rId2">
+            <a:extLst>
+              <a:ext uri="{28A0092B-C50C-407E-A947-70E740481C1C}">
+                <a14:useLocalDpi xmlns:a14="http://schemas.microsoft.com/office/drawing/2010/main" val="0"/>
+              </a:ext>
+            </a:extLst>
+          </a:blip>
           <a:stretch>
             <a:fillRect/>
           </a:stretch>
         </p:blipFill>
         <p:spPr>
           <a:xfrm>
-            <a:off x="448176" y="1046509"/>
-            <a:ext cx="7285120" cy="3945331"/>
+            <a:off x="1078787" y="873303"/>
+            <a:ext cx="7130265" cy="4270197"/>
           </a:xfrm>
           <a:prstGeom prst="rect">
             <a:avLst/>
@@ -10257,7 +11156,7 @@
     </p:spTree>
     <p:extLst>
       <p:ext uri="{BB962C8B-B14F-4D97-AF65-F5344CB8AC3E}">
-        <p14:creationId xmlns:p14="http://schemas.microsoft.com/office/powerpoint/2010/main" val="3416165708"/>
+        <p14:creationId xmlns:p14="http://schemas.microsoft.com/office/powerpoint/2010/main" val="3201913734"/>
       </p:ext>
     </p:extLst>
   </p:cSld>
@@ -10286,13 +11185,7 @@
       </p:grpSpPr>
       <p:sp>
         <p:nvSpPr>
-          <p:cNvPr id="2" name="Title 1">
-            <a:extLst>
-              <a:ext uri="{FF2B5EF4-FFF2-40B4-BE49-F238E27FC236}">
-                <a16:creationId xmlns:a16="http://schemas.microsoft.com/office/drawing/2014/main" id="{073A2C84-C4D9-4A37-AA67-EEF5947BDB7F}"/>
-              </a:ext>
-            </a:extLst>
-          </p:cNvPr>
+          <p:cNvPr id="2" name="Title 1"/>
           <p:cNvSpPr>
             <a:spLocks noGrp="1"/>
           </p:cNvSpPr>
@@ -10300,67 +11193,56 @@
             <p:ph type="title"/>
           </p:nvPr>
         </p:nvSpPr>
-        <p:spPr/>
+        <p:spPr>
+          <a:xfrm>
+            <a:off x="92467" y="82192"/>
+            <a:ext cx="8424809" cy="547401"/>
+          </a:xfrm>
+        </p:spPr>
         <p:txBody>
           <a:bodyPr/>
           <a:lstStyle/>
           <a:p>
             <a:r>
-              <a:rPr lang="en-US" dirty="0"/>
-              <a:t>Which city have hosted most matches?</a:t>
+              <a:rPr lang="en-US" sz="2400" dirty="0"/>
+              <a:t>Heat map for missing values in </a:t>
             </a:r>
-          </a:p>
-        </p:txBody>
-      </p:sp>
-      <p:sp>
-        <p:nvSpPr>
-          <p:cNvPr id="3" name="Text Placeholder 2">
-            <a:extLst>
-              <a:ext uri="{FF2B5EF4-FFF2-40B4-BE49-F238E27FC236}">
-                <a16:creationId xmlns:a16="http://schemas.microsoft.com/office/drawing/2014/main" id="{88F7E1A4-AB90-43FA-9284-78E299F564E7}"/>
-              </a:ext>
-            </a:extLst>
-          </p:cNvPr>
-          <p:cNvSpPr>
-            <a:spLocks noGrp="1"/>
-          </p:cNvSpPr>
-          <p:nvPr>
-            <p:ph type="body" idx="1"/>
-          </p:nvPr>
-        </p:nvSpPr>
-        <p:spPr/>
-        <p:txBody>
-          <a:bodyPr/>
-          <a:lstStyle/>
-          <a:p>
-            <a:endParaRPr lang="en-US"/>
+            <a:r>
+              <a:rPr lang="en-US" sz="2400" dirty="0" smtClean="0"/>
+              <a:t>players </a:t>
+            </a:r>
+            <a:r>
+              <a:rPr lang="en-US" sz="2400" dirty="0"/>
+              <a:t>dataset</a:t>
+            </a:r>
+            <a:endParaRPr lang="hi-IN" sz="2400" dirty="0"/>
           </a:p>
         </p:txBody>
       </p:sp>
       <p:pic>
         <p:nvPicPr>
-          <p:cNvPr id="4" name="Picture 4" descr="Chart, bar chart, histogram&#10;&#10;Description automatically generated">
-            <a:extLst>
-              <a:ext uri="{FF2B5EF4-FFF2-40B4-BE49-F238E27FC236}">
-                <a16:creationId xmlns:a16="http://schemas.microsoft.com/office/drawing/2014/main" id="{C06A6C3C-2A79-4BBA-8AEC-39DC04AD7F96}"/>
-              </a:ext>
-            </a:extLst>
-          </p:cNvPr>
+          <p:cNvPr id="3" name="Picture 2"/>
           <p:cNvPicPr>
             <a:picLocks noChangeAspect="1"/>
           </p:cNvPicPr>
           <p:nvPr/>
         </p:nvPicPr>
         <p:blipFill>
-          <a:blip r:embed="rId2"/>
+          <a:blip r:embed="rId2">
+            <a:extLst>
+              <a:ext uri="{28A0092B-C50C-407E-A947-70E740481C1C}">
+                <a14:useLocalDpi xmlns:a14="http://schemas.microsoft.com/office/drawing/2010/main" val="0"/>
+              </a:ext>
+            </a:extLst>
+          </a:blip>
           <a:stretch>
             <a:fillRect/>
           </a:stretch>
         </p:blipFill>
         <p:spPr>
           <a:xfrm>
-            <a:off x="854242" y="987982"/>
-            <a:ext cx="6638422" cy="4084946"/>
+            <a:off x="1304818" y="544530"/>
+            <a:ext cx="6390526" cy="4598970"/>
           </a:xfrm>
           <a:prstGeom prst="rect">
             <a:avLst/>
@@ -10370,7 +11252,7 @@
     </p:spTree>
     <p:extLst>
       <p:ext uri="{BB962C8B-B14F-4D97-AF65-F5344CB8AC3E}">
-        <p14:creationId xmlns:p14="http://schemas.microsoft.com/office/powerpoint/2010/main" val="3824472123"/>
+        <p14:creationId xmlns:p14="http://schemas.microsoft.com/office/powerpoint/2010/main" val="4014135229"/>
       </p:ext>
     </p:extLst>
   </p:cSld>
@@ -10397,30 +11279,66 @@
           <a:chExt cx="0" cy="0"/>
         </a:xfrm>
       </p:grpSpPr>
+      <p:sp>
+        <p:nvSpPr>
+          <p:cNvPr id="2" name="Title 1"/>
+          <p:cNvSpPr>
+            <a:spLocks noGrp="1"/>
+          </p:cNvSpPr>
+          <p:nvPr>
+            <p:ph type="title"/>
+          </p:nvPr>
+        </p:nvSpPr>
+        <p:spPr>
+          <a:xfrm>
+            <a:off x="44572" y="0"/>
+            <a:ext cx="8520600" cy="841800"/>
+          </a:xfrm>
+        </p:spPr>
+        <p:txBody>
+          <a:bodyPr/>
+          <a:lstStyle/>
+          <a:p>
+            <a:r>
+              <a:rPr lang="en-US" sz="2400" dirty="0"/>
+              <a:t>Heat map after filling up the missing values </a:t>
+            </a:r>
+            <a:r>
+              <a:rPr lang="en-US" sz="2400" dirty="0" smtClean="0"/>
+              <a:t>in players </a:t>
+            </a:r>
+            <a:r>
+              <a:rPr lang="en-US" sz="2400" dirty="0"/>
+              <a:t>dataset</a:t>
+            </a:r>
+            <a:endParaRPr lang="hi-IN" sz="2400" dirty="0"/>
+          </a:p>
+        </p:txBody>
+      </p:sp>
       <p:pic>
         <p:nvPicPr>
-          <p:cNvPr id="2" name="Picture 2" descr="Chart, bar chart&#10;&#10;Description automatically generated">
-            <a:extLst>
-              <a:ext uri="{FF2B5EF4-FFF2-40B4-BE49-F238E27FC236}">
-                <a16:creationId xmlns:a16="http://schemas.microsoft.com/office/drawing/2014/main" id="{7C42FC6E-A828-4482-9937-B92E91375CDD}"/>
-              </a:ext>
-            </a:extLst>
-          </p:cNvPr>
+          <p:cNvPr id="3" name="Picture 2"/>
           <p:cNvPicPr>
             <a:picLocks noChangeAspect="1"/>
           </p:cNvPicPr>
           <p:nvPr/>
         </p:nvPicPr>
         <p:blipFill>
-          <a:blip r:embed="rId2"/>
+          <a:blip r:embed="rId2">
+            <a:extLst>
+              <a:ext uri="{28A0092B-C50C-407E-A947-70E740481C1C}">
+                <a14:useLocalDpi xmlns:a14="http://schemas.microsoft.com/office/drawing/2010/main" val="0"/>
+              </a:ext>
+            </a:extLst>
+          </a:blip>
           <a:stretch>
             <a:fillRect/>
           </a:stretch>
         </p:blipFill>
         <p:spPr>
           <a:xfrm>
-            <a:off x="207545" y="435705"/>
-            <a:ext cx="8300285" cy="4505202"/>
+            <a:off x="1273996" y="708916"/>
+            <a:ext cx="6709024" cy="4434583"/>
           </a:xfrm>
           <a:prstGeom prst="rect">
             <a:avLst/>
@@ -10430,7 +11348,7 @@
     </p:spTree>
     <p:extLst>
       <p:ext uri="{BB962C8B-B14F-4D97-AF65-F5344CB8AC3E}">
-        <p14:creationId xmlns:p14="http://schemas.microsoft.com/office/powerpoint/2010/main" val="2570033691"/>
+        <p14:creationId xmlns:p14="http://schemas.microsoft.com/office/powerpoint/2010/main" val="3805013676"/>
       </p:ext>
     </p:extLst>
   </p:cSld>
@@ -10457,30 +11375,62 @@
           <a:chExt cx="0" cy="0"/>
         </a:xfrm>
       </p:grpSpPr>
+      <p:sp>
+        <p:nvSpPr>
+          <p:cNvPr id="2" name="Title 1"/>
+          <p:cNvSpPr>
+            <a:spLocks noGrp="1"/>
+          </p:cNvSpPr>
+          <p:nvPr>
+            <p:ph type="title"/>
+          </p:nvPr>
+        </p:nvSpPr>
+        <p:spPr>
+          <a:xfrm>
+            <a:off x="0" y="13825"/>
+            <a:ext cx="8520600" cy="841800"/>
+          </a:xfrm>
+        </p:spPr>
+        <p:txBody>
+          <a:bodyPr/>
+          <a:lstStyle/>
+          <a:p>
+            <a:r>
+              <a:rPr lang="en-US" sz="2400" dirty="0"/>
+              <a:t>Heat map for missing values in </a:t>
+            </a:r>
+            <a:r>
+              <a:rPr lang="en-US" sz="2400" dirty="0" smtClean="0"/>
+              <a:t>deliveries dataset</a:t>
+            </a:r>
+            <a:endParaRPr lang="hi-IN" sz="2400" dirty="0"/>
+          </a:p>
+        </p:txBody>
+      </p:sp>
       <p:pic>
         <p:nvPicPr>
-          <p:cNvPr id="2" name="Picture 2" descr="Chart, bar chart&#10;&#10;Description automatically generated">
-            <a:extLst>
-              <a:ext uri="{FF2B5EF4-FFF2-40B4-BE49-F238E27FC236}">
-                <a16:creationId xmlns:a16="http://schemas.microsoft.com/office/drawing/2014/main" id="{77F0666C-4530-4416-A9FF-BDF15AC5939E}"/>
-              </a:ext>
-            </a:extLst>
-          </p:cNvPr>
+          <p:cNvPr id="3" name="Picture 2"/>
           <p:cNvPicPr>
             <a:picLocks noChangeAspect="1"/>
           </p:cNvPicPr>
           <p:nvPr/>
         </p:nvPicPr>
         <p:blipFill>
-          <a:blip r:embed="rId2"/>
+          <a:blip r:embed="rId2">
+            <a:extLst>
+              <a:ext uri="{28A0092B-C50C-407E-A947-70E740481C1C}">
+                <a14:useLocalDpi xmlns:a14="http://schemas.microsoft.com/office/drawing/2010/main" val="0"/>
+              </a:ext>
+            </a:extLst>
+          </a:blip>
           <a:stretch>
             <a:fillRect/>
           </a:stretch>
         </p:blipFill>
         <p:spPr>
           <a:xfrm>
-            <a:off x="365459" y="607479"/>
-            <a:ext cx="8270206" cy="4454924"/>
+            <a:off x="1068513" y="616449"/>
+            <a:ext cx="6143946" cy="4527051"/>
           </a:xfrm>
           <a:prstGeom prst="rect">
             <a:avLst/>
@@ -10490,7 +11440,7 @@
     </p:spTree>
     <p:extLst>
       <p:ext uri="{BB962C8B-B14F-4D97-AF65-F5344CB8AC3E}">
-        <p14:creationId xmlns:p14="http://schemas.microsoft.com/office/powerpoint/2010/main" val="220867144"/>
+        <p14:creationId xmlns:p14="http://schemas.microsoft.com/office/powerpoint/2010/main" val="2904984046"/>
       </p:ext>
     </p:extLst>
   </p:cSld>
@@ -10519,13 +11469,7 @@
       </p:grpSpPr>
       <p:sp>
         <p:nvSpPr>
-          <p:cNvPr id="2" name="Title 1">
-            <a:extLst>
-              <a:ext uri="{FF2B5EF4-FFF2-40B4-BE49-F238E27FC236}">
-                <a16:creationId xmlns:a16="http://schemas.microsoft.com/office/drawing/2014/main" id="{BA78454C-F654-48CB-89F9-9192E0780026}"/>
-              </a:ext>
-            </a:extLst>
-          </p:cNvPr>
+          <p:cNvPr id="2" name="Title 1"/>
           <p:cNvSpPr>
             <a:spLocks noGrp="1"/>
           </p:cNvSpPr>
@@ -10533,67 +11477,56 @@
             <p:ph type="title"/>
           </p:nvPr>
         </p:nvSpPr>
-        <p:spPr/>
+        <p:spPr>
+          <a:xfrm>
+            <a:off x="143839" y="0"/>
+            <a:ext cx="8452156" cy="783706"/>
+          </a:xfrm>
+        </p:spPr>
         <p:txBody>
           <a:bodyPr/>
           <a:lstStyle/>
           <a:p>
             <a:r>
               <a:rPr lang="en-US" sz="2400" dirty="0"/>
-              <a:t>Who won player of the match award most frequently?</a:t>
+              <a:t>Heat map after </a:t>
             </a:r>
-          </a:p>
-        </p:txBody>
-      </p:sp>
-      <p:sp>
-        <p:nvSpPr>
-          <p:cNvPr id="3" name="Text Placeholder 2">
-            <a:extLst>
-              <a:ext uri="{FF2B5EF4-FFF2-40B4-BE49-F238E27FC236}">
-                <a16:creationId xmlns:a16="http://schemas.microsoft.com/office/drawing/2014/main" id="{E8803031-360A-48FB-8952-0CE90D883CD3}"/>
-              </a:ext>
-            </a:extLst>
-          </p:cNvPr>
-          <p:cNvSpPr>
-            <a:spLocks noGrp="1"/>
-          </p:cNvSpPr>
-          <p:nvPr>
-            <p:ph type="body" idx="1"/>
-          </p:nvPr>
-        </p:nvSpPr>
-        <p:spPr/>
-        <p:txBody>
-          <a:bodyPr/>
-          <a:lstStyle/>
-          <a:p>
-            <a:endParaRPr lang="en-US"/>
+            <a:r>
+              <a:rPr lang="en-US" sz="2400" dirty="0" smtClean="0"/>
+              <a:t>dropping off the fielders column from deliveries </a:t>
+            </a:r>
+            <a:r>
+              <a:rPr lang="en-US" sz="2400" dirty="0"/>
+              <a:t>dataset</a:t>
+            </a:r>
+            <a:endParaRPr lang="hi-IN" sz="2400" dirty="0"/>
           </a:p>
         </p:txBody>
       </p:sp>
       <p:pic>
         <p:nvPicPr>
-          <p:cNvPr id="4" name="Picture 4" descr="Chart, bar chart, histogram&#10;&#10;Description automatically generated">
-            <a:extLst>
-              <a:ext uri="{FF2B5EF4-FFF2-40B4-BE49-F238E27FC236}">
-                <a16:creationId xmlns:a16="http://schemas.microsoft.com/office/drawing/2014/main" id="{554D4D53-4C00-4509-9A55-78AAB913D56B}"/>
-              </a:ext>
-            </a:extLst>
-          </p:cNvPr>
+          <p:cNvPr id="3" name="Picture 2"/>
           <p:cNvPicPr>
             <a:picLocks noChangeAspect="1"/>
           </p:cNvPicPr>
           <p:nvPr/>
         </p:nvPicPr>
         <p:blipFill>
-          <a:blip r:embed="rId2"/>
+          <a:blip r:embed="rId2">
+            <a:extLst>
+              <a:ext uri="{28A0092B-C50C-407E-A947-70E740481C1C}">
+                <a14:useLocalDpi xmlns:a14="http://schemas.microsoft.com/office/drawing/2010/main" val="0"/>
+              </a:ext>
+            </a:extLst>
+          </a:blip>
           <a:stretch>
             <a:fillRect/>
           </a:stretch>
         </p:blipFill>
         <p:spPr>
           <a:xfrm>
-            <a:off x="711368" y="1044667"/>
-            <a:ext cx="7285120" cy="3753501"/>
+            <a:off x="976045" y="667820"/>
+            <a:ext cx="6544638" cy="4475680"/>
           </a:xfrm>
           <a:prstGeom prst="rect">
             <a:avLst/>
@@ -10603,7 +11536,7 @@
     </p:spTree>
     <p:extLst>
       <p:ext uri="{BB962C8B-B14F-4D97-AF65-F5344CB8AC3E}">
-        <p14:creationId xmlns:p14="http://schemas.microsoft.com/office/powerpoint/2010/main" val="2488093890"/>
+        <p14:creationId xmlns:p14="http://schemas.microsoft.com/office/powerpoint/2010/main" val="83661046"/>
       </p:ext>
     </p:extLst>
   </p:cSld>
@@ -10632,13 +11565,7 @@
       </p:grpSpPr>
       <p:sp>
         <p:nvSpPr>
-          <p:cNvPr id="2" name="Title 1">
-            <a:extLst>
-              <a:ext uri="{FF2B5EF4-FFF2-40B4-BE49-F238E27FC236}">
-                <a16:creationId xmlns:a16="http://schemas.microsoft.com/office/drawing/2014/main" id="{4C2E2AC0-6860-47A6-8020-E64827DC7AF1}"/>
-              </a:ext>
-            </a:extLst>
-          </p:cNvPr>
+          <p:cNvPr id="2" name="Title 1"/>
           <p:cNvSpPr>
             <a:spLocks noGrp="1"/>
           </p:cNvSpPr>
@@ -10646,70 +11573,56 @@
             <p:ph type="title"/>
           </p:nvPr>
         </p:nvSpPr>
-        <p:spPr/>
+        <p:spPr>
+          <a:xfrm>
+            <a:off x="0" y="0"/>
+            <a:ext cx="8544623" cy="749333"/>
+          </a:xfrm>
+        </p:spPr>
         <p:txBody>
           <a:bodyPr/>
           <a:lstStyle/>
           <a:p>
             <a:r>
-              <a:rPr lang="en-US" dirty="0"/>
-              <a:t>Who win most matches?</a:t>
+              <a:rPr lang="en-US" sz="2400" dirty="0" smtClean="0"/>
+              <a:t>Heat map for missing values in most runs average </a:t>
             </a:r>
-          </a:p>
-          <a:p>
-            <a:endParaRPr lang="en-US" dirty="0"/>
-          </a:p>
-        </p:txBody>
-      </p:sp>
-      <p:sp>
-        <p:nvSpPr>
-          <p:cNvPr id="3" name="Text Placeholder 2">
-            <a:extLst>
-              <a:ext uri="{FF2B5EF4-FFF2-40B4-BE49-F238E27FC236}">
-                <a16:creationId xmlns:a16="http://schemas.microsoft.com/office/drawing/2014/main" id="{D57382FF-86EA-4479-9381-E39AA3837A33}"/>
-              </a:ext>
-            </a:extLst>
-          </p:cNvPr>
-          <p:cNvSpPr>
-            <a:spLocks noGrp="1"/>
-          </p:cNvSpPr>
-          <p:nvPr>
-            <p:ph type="body" idx="1"/>
-          </p:nvPr>
-        </p:nvSpPr>
-        <p:spPr/>
-        <p:txBody>
-          <a:bodyPr/>
-          <a:lstStyle/>
-          <a:p>
-            <a:endParaRPr lang="en-US"/>
+            <a:r>
+              <a:rPr lang="en-US" sz="2400" dirty="0" err="1" smtClean="0"/>
+              <a:t>strikerate</a:t>
+            </a:r>
+            <a:r>
+              <a:rPr lang="en-US" sz="2400" dirty="0" smtClean="0"/>
+              <a:t> dataset</a:t>
+            </a:r>
+            <a:endParaRPr lang="hi-IN" sz="2400" dirty="0"/>
           </a:p>
         </p:txBody>
       </p:sp>
       <p:pic>
         <p:nvPicPr>
-          <p:cNvPr id="4" name="Picture 4" descr="Chart, bar chart&#10;&#10;Description automatically generated">
-            <a:extLst>
-              <a:ext uri="{FF2B5EF4-FFF2-40B4-BE49-F238E27FC236}">
-                <a16:creationId xmlns:a16="http://schemas.microsoft.com/office/drawing/2014/main" id="{9DDA8146-5A3A-4832-86CE-95321A83B411}"/>
-              </a:ext>
-            </a:extLst>
-          </p:cNvPr>
+          <p:cNvPr id="3" name="Picture 2"/>
           <p:cNvPicPr>
             <a:picLocks noChangeAspect="1"/>
           </p:cNvPicPr>
           <p:nvPr/>
         </p:nvPicPr>
         <p:blipFill>
-          <a:blip r:embed="rId2"/>
+          <a:blip r:embed="rId2">
+            <a:extLst>
+              <a:ext uri="{28A0092B-C50C-407E-A947-70E740481C1C}">
+                <a14:useLocalDpi xmlns:a14="http://schemas.microsoft.com/office/drawing/2010/main" val="0"/>
+              </a:ext>
+            </a:extLst>
+          </a:blip>
           <a:stretch>
             <a:fillRect/>
           </a:stretch>
         </p:blipFill>
         <p:spPr>
           <a:xfrm>
-            <a:off x="312822" y="1201871"/>
-            <a:ext cx="7999495" cy="3559408"/>
+            <a:off x="1020981" y="749333"/>
+            <a:ext cx="6999295" cy="3912491"/>
           </a:xfrm>
           <a:prstGeom prst="rect">
             <a:avLst/>
@@ -10719,7 +11632,7 @@
     </p:spTree>
     <p:extLst>
       <p:ext uri="{BB962C8B-B14F-4D97-AF65-F5344CB8AC3E}">
-        <p14:creationId xmlns:p14="http://schemas.microsoft.com/office/powerpoint/2010/main" val="2155405735"/>
+        <p14:creationId xmlns:p14="http://schemas.microsoft.com/office/powerpoint/2010/main" val="278802855"/>
       </p:ext>
     </p:extLst>
   </p:cSld>

--- a/CapstoneProjectPresentation.pptx
+++ b/CapstoneProjectPresentation.pptx
@@ -5,47 +5,54 @@
     <p:sldMasterId id="2147483659" r:id="rId1"/>
   </p:sldMasterIdLst>
   <p:notesMasterIdLst>
-    <p:notesMasterId r:id="rId30"/>
+    <p:notesMasterId r:id="rId37"/>
   </p:notesMasterIdLst>
   <p:sldIdLst>
     <p:sldId id="256" r:id="rId2"/>
     <p:sldId id="264" r:id="rId3"/>
-    <p:sldId id="277" r:id="rId4"/>
-    <p:sldId id="276" r:id="rId5"/>
-    <p:sldId id="278" r:id="rId6"/>
-    <p:sldId id="279" r:id="rId7"/>
-    <p:sldId id="280" r:id="rId8"/>
-    <p:sldId id="281" r:id="rId9"/>
-    <p:sldId id="282" r:id="rId10"/>
-    <p:sldId id="283" r:id="rId11"/>
-    <p:sldId id="265" r:id="rId12"/>
-    <p:sldId id="274" r:id="rId13"/>
-    <p:sldId id="273" r:id="rId14"/>
-    <p:sldId id="272" r:id="rId15"/>
-    <p:sldId id="271" r:id="rId16"/>
-    <p:sldId id="270" r:id="rId17"/>
-    <p:sldId id="269" r:id="rId18"/>
-    <p:sldId id="268" r:id="rId19"/>
-    <p:sldId id="267" r:id="rId20"/>
-    <p:sldId id="266" r:id="rId21"/>
-    <p:sldId id="257" r:id="rId22"/>
-    <p:sldId id="258" r:id="rId23"/>
-    <p:sldId id="259" r:id="rId24"/>
-    <p:sldId id="260" r:id="rId25"/>
-    <p:sldId id="261" r:id="rId26"/>
-    <p:sldId id="262" r:id="rId27"/>
-    <p:sldId id="263" r:id="rId28"/>
-    <p:sldId id="275" r:id="rId29"/>
+    <p:sldId id="284" r:id="rId4"/>
+    <p:sldId id="286" r:id="rId5"/>
+    <p:sldId id="285" r:id="rId6"/>
+    <p:sldId id="287" r:id="rId7"/>
+    <p:sldId id="277" r:id="rId8"/>
+    <p:sldId id="276" r:id="rId9"/>
+    <p:sldId id="288" r:id="rId10"/>
+    <p:sldId id="278" r:id="rId11"/>
+    <p:sldId id="279" r:id="rId12"/>
+    <p:sldId id="289" r:id="rId13"/>
+    <p:sldId id="280" r:id="rId14"/>
+    <p:sldId id="281" r:id="rId15"/>
+    <p:sldId id="290" r:id="rId16"/>
+    <p:sldId id="282" r:id="rId17"/>
+    <p:sldId id="283" r:id="rId18"/>
+    <p:sldId id="265" r:id="rId19"/>
+    <p:sldId id="274" r:id="rId20"/>
+    <p:sldId id="273" r:id="rId21"/>
+    <p:sldId id="272" r:id="rId22"/>
+    <p:sldId id="271" r:id="rId23"/>
+    <p:sldId id="270" r:id="rId24"/>
+    <p:sldId id="269" r:id="rId25"/>
+    <p:sldId id="268" r:id="rId26"/>
+    <p:sldId id="267" r:id="rId27"/>
+    <p:sldId id="266" r:id="rId28"/>
+    <p:sldId id="257" r:id="rId29"/>
+    <p:sldId id="258" r:id="rId30"/>
+    <p:sldId id="259" r:id="rId31"/>
+    <p:sldId id="260" r:id="rId32"/>
+    <p:sldId id="261" r:id="rId33"/>
+    <p:sldId id="262" r:id="rId34"/>
+    <p:sldId id="263" r:id="rId35"/>
+    <p:sldId id="275" r:id="rId36"/>
   </p:sldIdLst>
   <p:sldSz cx="9144000" cy="5143500" type="screen16x9"/>
   <p:notesSz cx="6858000" cy="9144000"/>
   <p:embeddedFontLst>
     <p:embeddedFont>
       <p:font typeface="Montserrat" panose="020B0604020202020204" charset="0"/>
-      <p:regular r:id="rId31"/>
-      <p:bold r:id="rId32"/>
-      <p:italic r:id="rId33"/>
-      <p:boldItalic r:id="rId34"/>
+      <p:regular r:id="rId38"/>
+      <p:bold r:id="rId39"/>
+      <p:italic r:id="rId40"/>
+      <p:boldItalic r:id="rId41"/>
     </p:embeddedFont>
   </p:embeddedFontLst>
   <p:defaultTextStyle>
@@ -294,6 +301,18 @@
     </p:ext>
   </p:extLst>
 </p:presentation>
+</file>
+
+<file path=ppt/commentAuthors.xml><?xml version="1.0" encoding="utf-8"?>
+<p:cmAuthorLst xmlns:a="http://schemas.openxmlformats.org/drawingml/2006/main" xmlns:r="http://schemas.openxmlformats.org/officeDocument/2006/relationships" xmlns:p="http://schemas.openxmlformats.org/presentationml/2006/main">
+  <p:cmAuthor id="1" name="AminPC" initials="A" lastIdx="1" clrIdx="0">
+    <p:extLst>
+      <p:ext uri="{19B8F6BF-5375-455C-9EA6-DF929625EA0E}">
+        <p15:presenceInfo xmlns:p15="http://schemas.microsoft.com/office/powerpoint/2012/main" userId="AminPC" providerId="None"/>
+      </p:ext>
+    </p:extLst>
+  </p:cmAuthor>
+</p:cmAuthorLst>
 </file>
 
 <file path=ppt/revisionInfo.xml><?xml version="1.0" encoding="utf-8"?>
@@ -1013,6 +1032,72 @@
 </file>
 
 <file path=ppt/notesSlides/notesSlide2.xml><?xml version="1.0" encoding="utf-8"?>
+<p:notes xmlns:a="http://schemas.openxmlformats.org/drawingml/2006/main" xmlns:r="http://schemas.openxmlformats.org/officeDocument/2006/relationships" xmlns:p="http://schemas.openxmlformats.org/presentationml/2006/main">
+  <p:cSld>
+    <p:spTree>
+      <p:nvGrpSpPr>
+        <p:cNvPr id="1" name=""/>
+        <p:cNvGrpSpPr/>
+        <p:nvPr/>
+      </p:nvGrpSpPr>
+      <p:grpSpPr>
+        <a:xfrm>
+          <a:off x="0" y="0"/>
+          <a:ext cx="0" cy="0"/>
+          <a:chOff x="0" y="0"/>
+          <a:chExt cx="0" cy="0"/>
+        </a:xfrm>
+      </p:grpSpPr>
+      <p:sp>
+        <p:nvSpPr>
+          <p:cNvPr id="2" name="Slide Image Placeholder 1"/>
+          <p:cNvSpPr>
+            <a:spLocks noGrp="1" noRot="1" noChangeAspect="1"/>
+          </p:cNvSpPr>
+          <p:nvPr>
+            <p:ph type="sldImg"/>
+          </p:nvPr>
+        </p:nvSpPr>
+        <p:spPr>
+          <a:xfrm>
+            <a:off x="381000" y="685800"/>
+            <a:ext cx="6096000" cy="3429000"/>
+          </a:xfrm>
+        </p:spPr>
+      </p:sp>
+      <p:sp>
+        <p:nvSpPr>
+          <p:cNvPr id="3" name="Notes Placeholder 2"/>
+          <p:cNvSpPr>
+            <a:spLocks noGrp="1"/>
+          </p:cNvSpPr>
+          <p:nvPr>
+            <p:ph type="body" idx="1"/>
+          </p:nvPr>
+        </p:nvSpPr>
+        <p:spPr/>
+        <p:txBody>
+          <a:bodyPr/>
+          <a:lstStyle/>
+          <a:p>
+            <a:endParaRPr lang="hi-IN"/>
+          </a:p>
+        </p:txBody>
+      </p:sp>
+    </p:spTree>
+    <p:extLst>
+      <p:ext uri="{BB962C8B-B14F-4D97-AF65-F5344CB8AC3E}">
+        <p14:creationId xmlns:p14="http://schemas.microsoft.com/office/powerpoint/2010/main" val="123242374"/>
+      </p:ext>
+    </p:extLst>
+  </p:cSld>
+  <p:clrMapOvr>
+    <a:masterClrMapping/>
+  </p:clrMapOvr>
+</p:notes>
+</file>
+
+<file path=ppt/notesSlides/notesSlide3.xml><?xml version="1.0" encoding="utf-8"?>
 <p:notes xmlns:a="http://schemas.openxmlformats.org/drawingml/2006/main" xmlns:r="http://schemas.openxmlformats.org/officeDocument/2006/relationships" xmlns:p="http://schemas.openxmlformats.org/presentationml/2006/main" showMasterSp="0" showMasterPhAnim="0">
   <p:cSld>
     <p:spTree>
@@ -9107,6 +9192,939 @@
         </p:nvSpPr>
         <p:spPr>
           <a:xfrm>
+            <a:off x="92467" y="82192"/>
+            <a:ext cx="8424809" cy="547401"/>
+          </a:xfrm>
+        </p:spPr>
+        <p:txBody>
+          <a:bodyPr/>
+          <a:lstStyle/>
+          <a:p>
+            <a:r>
+              <a:rPr lang="en-US" sz="2400" dirty="0"/>
+              <a:t>Heat map for missing values in </a:t>
+            </a:r>
+            <a:r>
+              <a:rPr lang="en-US" sz="2400" dirty="0" smtClean="0"/>
+              <a:t>players </a:t>
+            </a:r>
+            <a:r>
+              <a:rPr lang="en-US" sz="2400" dirty="0"/>
+              <a:t>dataset</a:t>
+            </a:r>
+            <a:endParaRPr lang="hi-IN" sz="2400" dirty="0"/>
+          </a:p>
+        </p:txBody>
+      </p:sp>
+      <p:pic>
+        <p:nvPicPr>
+          <p:cNvPr id="3" name="Picture 2"/>
+          <p:cNvPicPr>
+            <a:picLocks noChangeAspect="1"/>
+          </p:cNvPicPr>
+          <p:nvPr/>
+        </p:nvPicPr>
+        <p:blipFill>
+          <a:blip r:embed="rId2">
+            <a:extLst>
+              <a:ext uri="{28A0092B-C50C-407E-A947-70E740481C1C}">
+                <a14:useLocalDpi xmlns:a14="http://schemas.microsoft.com/office/drawing/2010/main" val="0"/>
+              </a:ext>
+            </a:extLst>
+          </a:blip>
+          <a:stretch>
+            <a:fillRect/>
+          </a:stretch>
+        </p:blipFill>
+        <p:spPr>
+          <a:xfrm>
+            <a:off x="1304818" y="544530"/>
+            <a:ext cx="6390526" cy="4598970"/>
+          </a:xfrm>
+          <a:prstGeom prst="rect">
+            <a:avLst/>
+          </a:prstGeom>
+        </p:spPr>
+      </p:pic>
+    </p:spTree>
+    <p:extLst>
+      <p:ext uri="{BB962C8B-B14F-4D97-AF65-F5344CB8AC3E}">
+        <p14:creationId xmlns:p14="http://schemas.microsoft.com/office/powerpoint/2010/main" val="4014135229"/>
+      </p:ext>
+    </p:extLst>
+  </p:cSld>
+  <p:clrMapOvr>
+    <a:masterClrMapping/>
+  </p:clrMapOvr>
+  <p:timing>
+    <p:tnLst>
+      <p:par>
+        <p:cTn id="1" dur="indefinite" restart="never" nodeType="tmRoot"/>
+      </p:par>
+    </p:tnLst>
+  </p:timing>
+</p:sld>
+</file>
+
+<file path=ppt/slides/slide11.xml><?xml version="1.0" encoding="utf-8"?>
+<p:sld xmlns:a="http://schemas.openxmlformats.org/drawingml/2006/main" xmlns:r="http://schemas.openxmlformats.org/officeDocument/2006/relationships" xmlns:p="http://schemas.openxmlformats.org/presentationml/2006/main">
+  <p:cSld>
+    <p:spTree>
+      <p:nvGrpSpPr>
+        <p:cNvPr id="1" name=""/>
+        <p:cNvGrpSpPr/>
+        <p:nvPr/>
+      </p:nvGrpSpPr>
+      <p:grpSpPr>
+        <a:xfrm>
+          <a:off x="0" y="0"/>
+          <a:ext cx="0" cy="0"/>
+          <a:chOff x="0" y="0"/>
+          <a:chExt cx="0" cy="0"/>
+        </a:xfrm>
+      </p:grpSpPr>
+      <p:sp>
+        <p:nvSpPr>
+          <p:cNvPr id="2" name="Title 1"/>
+          <p:cNvSpPr>
+            <a:spLocks noGrp="1"/>
+          </p:cNvSpPr>
+          <p:nvPr>
+            <p:ph type="title"/>
+          </p:nvPr>
+        </p:nvSpPr>
+        <p:spPr>
+          <a:xfrm>
+            <a:off x="44572" y="0"/>
+            <a:ext cx="8520600" cy="841800"/>
+          </a:xfrm>
+        </p:spPr>
+        <p:txBody>
+          <a:bodyPr/>
+          <a:lstStyle/>
+          <a:p>
+            <a:r>
+              <a:rPr lang="en-US" sz="2400" dirty="0"/>
+              <a:t>Heat map after filling up the missing values </a:t>
+            </a:r>
+            <a:r>
+              <a:rPr lang="en-US" sz="2400" dirty="0" smtClean="0"/>
+              <a:t>in players </a:t>
+            </a:r>
+            <a:r>
+              <a:rPr lang="en-US" sz="2400" dirty="0"/>
+              <a:t>dataset</a:t>
+            </a:r>
+            <a:endParaRPr lang="hi-IN" sz="2400" dirty="0"/>
+          </a:p>
+        </p:txBody>
+      </p:sp>
+      <p:pic>
+        <p:nvPicPr>
+          <p:cNvPr id="3" name="Picture 2"/>
+          <p:cNvPicPr>
+            <a:picLocks noChangeAspect="1"/>
+          </p:cNvPicPr>
+          <p:nvPr/>
+        </p:nvPicPr>
+        <p:blipFill>
+          <a:blip r:embed="rId2">
+            <a:extLst>
+              <a:ext uri="{28A0092B-C50C-407E-A947-70E740481C1C}">
+                <a14:useLocalDpi xmlns:a14="http://schemas.microsoft.com/office/drawing/2010/main" val="0"/>
+              </a:ext>
+            </a:extLst>
+          </a:blip>
+          <a:stretch>
+            <a:fillRect/>
+          </a:stretch>
+        </p:blipFill>
+        <p:spPr>
+          <a:xfrm>
+            <a:off x="1273996" y="708916"/>
+            <a:ext cx="6709024" cy="4434583"/>
+          </a:xfrm>
+          <a:prstGeom prst="rect">
+            <a:avLst/>
+          </a:prstGeom>
+        </p:spPr>
+      </p:pic>
+    </p:spTree>
+    <p:extLst>
+      <p:ext uri="{BB962C8B-B14F-4D97-AF65-F5344CB8AC3E}">
+        <p14:creationId xmlns:p14="http://schemas.microsoft.com/office/powerpoint/2010/main" val="3805013676"/>
+      </p:ext>
+    </p:extLst>
+  </p:cSld>
+  <p:clrMapOvr>
+    <a:masterClrMapping/>
+  </p:clrMapOvr>
+  <p:timing>
+    <p:tnLst>
+      <p:par>
+        <p:cTn id="1" dur="indefinite" restart="never" nodeType="tmRoot"/>
+      </p:par>
+    </p:tnLst>
+  </p:timing>
+</p:sld>
+</file>
+
+<file path=ppt/slides/slide12.xml><?xml version="1.0" encoding="utf-8"?>
+<p:sld xmlns:a="http://schemas.openxmlformats.org/drawingml/2006/main" xmlns:r="http://schemas.openxmlformats.org/officeDocument/2006/relationships" xmlns:p="http://schemas.openxmlformats.org/presentationml/2006/main">
+  <p:cSld>
+    <p:spTree>
+      <p:nvGrpSpPr>
+        <p:cNvPr id="1" name=""/>
+        <p:cNvGrpSpPr/>
+        <p:nvPr/>
+      </p:nvGrpSpPr>
+      <p:grpSpPr>
+        <a:xfrm>
+          <a:off x="0" y="0"/>
+          <a:ext cx="0" cy="0"/>
+          <a:chOff x="0" y="0"/>
+          <a:chExt cx="0" cy="0"/>
+        </a:xfrm>
+      </p:grpSpPr>
+      <p:sp>
+        <p:nvSpPr>
+          <p:cNvPr id="3" name="Title 2"/>
+          <p:cNvSpPr>
+            <a:spLocks noGrp="1"/>
+          </p:cNvSpPr>
+          <p:nvPr>
+            <p:ph type="title"/>
+          </p:nvPr>
+        </p:nvSpPr>
+        <p:spPr/>
+        <p:txBody>
+          <a:bodyPr/>
+          <a:lstStyle/>
+          <a:p>
+            <a:pPr algn="ctr"/>
+            <a:r>
+              <a:rPr lang="en-US" sz="2000" dirty="0" smtClean="0"/>
+              <a:t>DATASET SUMMARY</a:t>
+            </a:r>
+            <a:endParaRPr lang="hi-IN" sz="2000" dirty="0"/>
+          </a:p>
+        </p:txBody>
+      </p:sp>
+      <p:sp>
+        <p:nvSpPr>
+          <p:cNvPr id="4" name="Text Placeholder 3"/>
+          <p:cNvSpPr>
+            <a:spLocks noGrp="1"/>
+          </p:cNvSpPr>
+          <p:nvPr>
+            <p:ph type="body" idx="1"/>
+          </p:nvPr>
+        </p:nvSpPr>
+        <p:spPr/>
+        <p:txBody>
+          <a:bodyPr/>
+          <a:lstStyle/>
+          <a:p>
+            <a:pPr marL="114300" indent="0">
+              <a:buNone/>
+            </a:pPr>
+            <a:r>
+              <a:rPr lang="en-US" dirty="0">
+                <a:solidFill>
+                  <a:schemeClr val="tx1"/>
+                </a:solidFill>
+              </a:rPr>
+              <a:t>Dataset name</a:t>
+            </a:r>
+            <a:r>
+              <a:rPr lang="en-US" dirty="0" smtClean="0">
+                <a:solidFill>
+                  <a:schemeClr val="tx1"/>
+                </a:solidFill>
+              </a:rPr>
+              <a:t>:  </a:t>
+            </a:r>
+            <a:r>
+              <a:rPr lang="en-US" dirty="0" smtClean="0">
+                <a:solidFill>
+                  <a:schemeClr val="bg1"/>
+                </a:solidFill>
+              </a:rPr>
+              <a:t>Deliveries </a:t>
+            </a:r>
+            <a:r>
+              <a:rPr lang="en-US" dirty="0">
+                <a:solidFill>
+                  <a:schemeClr val="bg1"/>
+                </a:solidFill>
+              </a:rPr>
+              <a:t>Dataset</a:t>
+            </a:r>
+          </a:p>
+          <a:p>
+            <a:pPr marL="114300" indent="0">
+              <a:buNone/>
+            </a:pPr>
+            <a:endParaRPr lang="en-US" dirty="0">
+              <a:solidFill>
+                <a:schemeClr val="bg1"/>
+              </a:solidFill>
+            </a:endParaRPr>
+          </a:p>
+          <a:p>
+            <a:pPr marL="114300" indent="0">
+              <a:buNone/>
+            </a:pPr>
+            <a:r>
+              <a:rPr lang="en-US" dirty="0">
+                <a:solidFill>
+                  <a:schemeClr val="tx1"/>
+                </a:solidFill>
+              </a:rPr>
+              <a:t>Shape: </a:t>
+            </a:r>
+            <a:r>
+              <a:rPr lang="en-US" dirty="0">
+                <a:solidFill>
+                  <a:schemeClr val="bg1"/>
+                </a:solidFill>
+              </a:rPr>
+              <a:t>Rows- </a:t>
+            </a:r>
+            <a:r>
+              <a:rPr lang="en-US" dirty="0" smtClean="0">
+                <a:solidFill>
+                  <a:schemeClr val="bg1"/>
+                </a:solidFill>
+              </a:rPr>
+              <a:t>179078</a:t>
+            </a:r>
+            <a:endParaRPr lang="en-US" dirty="0">
+              <a:solidFill>
+                <a:schemeClr val="bg1"/>
+              </a:solidFill>
+            </a:endParaRPr>
+          </a:p>
+          <a:p>
+            <a:pPr marL="114300" indent="0">
+              <a:buNone/>
+            </a:pPr>
+            <a:r>
+              <a:rPr lang="en-US" dirty="0">
+                <a:solidFill>
+                  <a:schemeClr val="bg1"/>
+                </a:solidFill>
+              </a:rPr>
+              <a:t>	Columns- </a:t>
+            </a:r>
+            <a:r>
+              <a:rPr lang="en-US" dirty="0" smtClean="0">
+                <a:solidFill>
+                  <a:schemeClr val="bg1"/>
+                </a:solidFill>
+              </a:rPr>
+              <a:t>21</a:t>
+            </a:r>
+            <a:endParaRPr lang="en-US" dirty="0">
+              <a:solidFill>
+                <a:schemeClr val="bg1"/>
+              </a:solidFill>
+            </a:endParaRPr>
+          </a:p>
+          <a:p>
+            <a:pPr marL="114300" indent="0">
+              <a:buNone/>
+            </a:pPr>
+            <a:endParaRPr lang="en-US" dirty="0">
+              <a:solidFill>
+                <a:schemeClr val="bg1"/>
+              </a:solidFill>
+            </a:endParaRPr>
+          </a:p>
+          <a:p>
+            <a:pPr marL="114300" indent="0">
+              <a:buNone/>
+            </a:pPr>
+            <a:r>
+              <a:rPr lang="en-US" dirty="0">
+                <a:solidFill>
+                  <a:schemeClr val="tx1"/>
+                </a:solidFill>
+              </a:rPr>
+              <a:t>Important columns: </a:t>
+            </a:r>
+            <a:r>
+              <a:rPr lang="en-US" dirty="0" smtClean="0">
+                <a:solidFill>
+                  <a:schemeClr val="bg1"/>
+                </a:solidFill>
+              </a:rPr>
+              <a:t>match-id, inning, batting-team, bowling-team, over, ball, batsman, non-striker, bowler, is-super-over, wide-runs, bye-runs, leg-bye-runs, no-ball-runs, penalty-runs, batsman-runs, extra-runs, total-runs,                   player-dismissed, dismissal-kind, fielder.</a:t>
+            </a:r>
+            <a:endParaRPr lang="hi-IN" dirty="0">
+              <a:solidFill>
+                <a:schemeClr val="bg1"/>
+              </a:solidFill>
+            </a:endParaRPr>
+          </a:p>
+        </p:txBody>
+      </p:sp>
+    </p:spTree>
+    <p:extLst>
+      <p:ext uri="{BB962C8B-B14F-4D97-AF65-F5344CB8AC3E}">
+        <p14:creationId xmlns:p14="http://schemas.microsoft.com/office/powerpoint/2010/main" val="3944936855"/>
+      </p:ext>
+    </p:extLst>
+  </p:cSld>
+  <p:clrMapOvr>
+    <a:masterClrMapping/>
+  </p:clrMapOvr>
+  <p:timing>
+    <p:tnLst>
+      <p:par>
+        <p:cTn id="1" dur="indefinite" restart="never" nodeType="tmRoot"/>
+      </p:par>
+    </p:tnLst>
+  </p:timing>
+</p:sld>
+</file>
+
+<file path=ppt/slides/slide13.xml><?xml version="1.0" encoding="utf-8"?>
+<p:sld xmlns:a="http://schemas.openxmlformats.org/drawingml/2006/main" xmlns:r="http://schemas.openxmlformats.org/officeDocument/2006/relationships" xmlns:p="http://schemas.openxmlformats.org/presentationml/2006/main">
+  <p:cSld>
+    <p:spTree>
+      <p:nvGrpSpPr>
+        <p:cNvPr id="1" name=""/>
+        <p:cNvGrpSpPr/>
+        <p:nvPr/>
+      </p:nvGrpSpPr>
+      <p:grpSpPr>
+        <a:xfrm>
+          <a:off x="0" y="0"/>
+          <a:ext cx="0" cy="0"/>
+          <a:chOff x="0" y="0"/>
+          <a:chExt cx="0" cy="0"/>
+        </a:xfrm>
+      </p:grpSpPr>
+      <p:sp>
+        <p:nvSpPr>
+          <p:cNvPr id="2" name="Title 1"/>
+          <p:cNvSpPr>
+            <a:spLocks noGrp="1"/>
+          </p:cNvSpPr>
+          <p:nvPr>
+            <p:ph type="title"/>
+          </p:nvPr>
+        </p:nvSpPr>
+        <p:spPr>
+          <a:xfrm>
+            <a:off x="0" y="13825"/>
+            <a:ext cx="8520600" cy="841800"/>
+          </a:xfrm>
+        </p:spPr>
+        <p:txBody>
+          <a:bodyPr/>
+          <a:lstStyle/>
+          <a:p>
+            <a:r>
+              <a:rPr lang="en-US" sz="2400" dirty="0"/>
+              <a:t>Heat map for missing values in </a:t>
+            </a:r>
+            <a:r>
+              <a:rPr lang="en-US" sz="2400" dirty="0" smtClean="0"/>
+              <a:t>deliveries dataset</a:t>
+            </a:r>
+            <a:endParaRPr lang="hi-IN" sz="2400" dirty="0"/>
+          </a:p>
+        </p:txBody>
+      </p:sp>
+      <p:pic>
+        <p:nvPicPr>
+          <p:cNvPr id="3" name="Picture 2"/>
+          <p:cNvPicPr>
+            <a:picLocks noChangeAspect="1"/>
+          </p:cNvPicPr>
+          <p:nvPr/>
+        </p:nvPicPr>
+        <p:blipFill>
+          <a:blip r:embed="rId2">
+            <a:extLst>
+              <a:ext uri="{28A0092B-C50C-407E-A947-70E740481C1C}">
+                <a14:useLocalDpi xmlns:a14="http://schemas.microsoft.com/office/drawing/2010/main" val="0"/>
+              </a:ext>
+            </a:extLst>
+          </a:blip>
+          <a:stretch>
+            <a:fillRect/>
+          </a:stretch>
+        </p:blipFill>
+        <p:spPr>
+          <a:xfrm>
+            <a:off x="1068513" y="616449"/>
+            <a:ext cx="6143946" cy="4527051"/>
+          </a:xfrm>
+          <a:prstGeom prst="rect">
+            <a:avLst/>
+          </a:prstGeom>
+        </p:spPr>
+      </p:pic>
+    </p:spTree>
+    <p:extLst>
+      <p:ext uri="{BB962C8B-B14F-4D97-AF65-F5344CB8AC3E}">
+        <p14:creationId xmlns:p14="http://schemas.microsoft.com/office/powerpoint/2010/main" val="2904984046"/>
+      </p:ext>
+    </p:extLst>
+  </p:cSld>
+  <p:clrMapOvr>
+    <a:masterClrMapping/>
+  </p:clrMapOvr>
+  <p:timing>
+    <p:tnLst>
+      <p:par>
+        <p:cTn id="1" dur="indefinite" restart="never" nodeType="tmRoot"/>
+      </p:par>
+    </p:tnLst>
+  </p:timing>
+</p:sld>
+</file>
+
+<file path=ppt/slides/slide14.xml><?xml version="1.0" encoding="utf-8"?>
+<p:sld xmlns:a="http://schemas.openxmlformats.org/drawingml/2006/main" xmlns:r="http://schemas.openxmlformats.org/officeDocument/2006/relationships" xmlns:p="http://schemas.openxmlformats.org/presentationml/2006/main">
+  <p:cSld>
+    <p:spTree>
+      <p:nvGrpSpPr>
+        <p:cNvPr id="1" name=""/>
+        <p:cNvGrpSpPr/>
+        <p:nvPr/>
+      </p:nvGrpSpPr>
+      <p:grpSpPr>
+        <a:xfrm>
+          <a:off x="0" y="0"/>
+          <a:ext cx="0" cy="0"/>
+          <a:chOff x="0" y="0"/>
+          <a:chExt cx="0" cy="0"/>
+        </a:xfrm>
+      </p:grpSpPr>
+      <p:sp>
+        <p:nvSpPr>
+          <p:cNvPr id="2" name="Title 1"/>
+          <p:cNvSpPr>
+            <a:spLocks noGrp="1"/>
+          </p:cNvSpPr>
+          <p:nvPr>
+            <p:ph type="title"/>
+          </p:nvPr>
+        </p:nvSpPr>
+        <p:spPr>
+          <a:xfrm>
+            <a:off x="143839" y="0"/>
+            <a:ext cx="8452156" cy="783706"/>
+          </a:xfrm>
+        </p:spPr>
+        <p:txBody>
+          <a:bodyPr/>
+          <a:lstStyle/>
+          <a:p>
+            <a:r>
+              <a:rPr lang="en-US" sz="2400" dirty="0"/>
+              <a:t>Heat map after </a:t>
+            </a:r>
+            <a:r>
+              <a:rPr lang="en-US" sz="2400" dirty="0" smtClean="0"/>
+              <a:t>dropping off the fielders column from deliveries </a:t>
+            </a:r>
+            <a:r>
+              <a:rPr lang="en-US" sz="2400" dirty="0"/>
+              <a:t>dataset</a:t>
+            </a:r>
+            <a:endParaRPr lang="hi-IN" sz="2400" dirty="0"/>
+          </a:p>
+        </p:txBody>
+      </p:sp>
+      <p:pic>
+        <p:nvPicPr>
+          <p:cNvPr id="3" name="Picture 2"/>
+          <p:cNvPicPr>
+            <a:picLocks noChangeAspect="1"/>
+          </p:cNvPicPr>
+          <p:nvPr/>
+        </p:nvPicPr>
+        <p:blipFill>
+          <a:blip r:embed="rId2">
+            <a:extLst>
+              <a:ext uri="{28A0092B-C50C-407E-A947-70E740481C1C}">
+                <a14:useLocalDpi xmlns:a14="http://schemas.microsoft.com/office/drawing/2010/main" val="0"/>
+              </a:ext>
+            </a:extLst>
+          </a:blip>
+          <a:stretch>
+            <a:fillRect/>
+          </a:stretch>
+        </p:blipFill>
+        <p:spPr>
+          <a:xfrm>
+            <a:off x="976045" y="667820"/>
+            <a:ext cx="6544638" cy="4475680"/>
+          </a:xfrm>
+          <a:prstGeom prst="rect">
+            <a:avLst/>
+          </a:prstGeom>
+        </p:spPr>
+      </p:pic>
+    </p:spTree>
+    <p:extLst>
+      <p:ext uri="{BB962C8B-B14F-4D97-AF65-F5344CB8AC3E}">
+        <p14:creationId xmlns:p14="http://schemas.microsoft.com/office/powerpoint/2010/main" val="83661046"/>
+      </p:ext>
+    </p:extLst>
+  </p:cSld>
+  <p:clrMapOvr>
+    <a:masterClrMapping/>
+  </p:clrMapOvr>
+  <p:timing>
+    <p:tnLst>
+      <p:par>
+        <p:cTn id="1" dur="indefinite" restart="never" nodeType="tmRoot"/>
+      </p:par>
+    </p:tnLst>
+  </p:timing>
+</p:sld>
+</file>
+
+<file path=ppt/slides/slide15.xml><?xml version="1.0" encoding="utf-8"?>
+<p:sld xmlns:a="http://schemas.openxmlformats.org/drawingml/2006/main" xmlns:r="http://schemas.openxmlformats.org/officeDocument/2006/relationships" xmlns:p="http://schemas.openxmlformats.org/presentationml/2006/main">
+  <p:cSld>
+    <p:spTree>
+      <p:nvGrpSpPr>
+        <p:cNvPr id="1" name=""/>
+        <p:cNvGrpSpPr/>
+        <p:nvPr/>
+      </p:nvGrpSpPr>
+      <p:grpSpPr>
+        <a:xfrm>
+          <a:off x="0" y="0"/>
+          <a:ext cx="0" cy="0"/>
+          <a:chOff x="0" y="0"/>
+          <a:chExt cx="0" cy="0"/>
+        </a:xfrm>
+      </p:grpSpPr>
+      <p:sp>
+        <p:nvSpPr>
+          <p:cNvPr id="3" name="Title 2"/>
+          <p:cNvSpPr>
+            <a:spLocks noGrp="1"/>
+          </p:cNvSpPr>
+          <p:nvPr>
+            <p:ph type="title"/>
+          </p:nvPr>
+        </p:nvSpPr>
+        <p:spPr/>
+        <p:txBody>
+          <a:bodyPr/>
+          <a:lstStyle/>
+          <a:p>
+            <a:pPr algn="ctr"/>
+            <a:r>
+              <a:rPr lang="en-US" sz="2000" dirty="0" smtClean="0"/>
+              <a:t>DATASET SUMMARY</a:t>
+            </a:r>
+            <a:endParaRPr lang="hi-IN" sz="2000" dirty="0"/>
+          </a:p>
+        </p:txBody>
+      </p:sp>
+      <p:sp>
+        <p:nvSpPr>
+          <p:cNvPr id="4" name="Text Placeholder 3"/>
+          <p:cNvSpPr>
+            <a:spLocks noGrp="1"/>
+          </p:cNvSpPr>
+          <p:nvPr>
+            <p:ph type="body" idx="1"/>
+          </p:nvPr>
+        </p:nvSpPr>
+        <p:spPr/>
+        <p:txBody>
+          <a:bodyPr/>
+          <a:lstStyle/>
+          <a:p>
+            <a:pPr marL="114300" indent="0">
+              <a:buNone/>
+            </a:pPr>
+            <a:r>
+              <a:rPr lang="en-US" dirty="0">
+                <a:solidFill>
+                  <a:schemeClr val="tx1"/>
+                </a:solidFill>
+              </a:rPr>
+              <a:t>Dataset name:  </a:t>
+            </a:r>
+            <a:r>
+              <a:rPr lang="en-US" dirty="0" smtClean="0">
+                <a:solidFill>
+                  <a:schemeClr val="bg1"/>
+                </a:solidFill>
+              </a:rPr>
+              <a:t>Most Runs Average Strike-rate </a:t>
+            </a:r>
+            <a:r>
+              <a:rPr lang="en-US" dirty="0">
+                <a:solidFill>
+                  <a:schemeClr val="bg1"/>
+                </a:solidFill>
+              </a:rPr>
+              <a:t>Dataset</a:t>
+            </a:r>
+          </a:p>
+          <a:p>
+            <a:pPr marL="114300" indent="0">
+              <a:buNone/>
+            </a:pPr>
+            <a:endParaRPr lang="en-US" dirty="0">
+              <a:solidFill>
+                <a:schemeClr val="bg1"/>
+              </a:solidFill>
+            </a:endParaRPr>
+          </a:p>
+          <a:p>
+            <a:pPr marL="114300" indent="0">
+              <a:buNone/>
+            </a:pPr>
+            <a:r>
+              <a:rPr lang="en-US" dirty="0">
+                <a:solidFill>
+                  <a:schemeClr val="tx1"/>
+                </a:solidFill>
+              </a:rPr>
+              <a:t>Shape: </a:t>
+            </a:r>
+            <a:r>
+              <a:rPr lang="en-US" dirty="0">
+                <a:solidFill>
+                  <a:schemeClr val="bg1"/>
+                </a:solidFill>
+              </a:rPr>
+              <a:t>Rows- </a:t>
+            </a:r>
+            <a:r>
+              <a:rPr lang="en-US" dirty="0" smtClean="0">
+                <a:solidFill>
+                  <a:schemeClr val="bg1"/>
+                </a:solidFill>
+              </a:rPr>
+              <a:t>516</a:t>
+            </a:r>
+            <a:endParaRPr lang="en-US" dirty="0">
+              <a:solidFill>
+                <a:schemeClr val="bg1"/>
+              </a:solidFill>
+            </a:endParaRPr>
+          </a:p>
+          <a:p>
+            <a:pPr marL="114300" indent="0">
+              <a:buNone/>
+            </a:pPr>
+            <a:r>
+              <a:rPr lang="en-US" dirty="0">
+                <a:solidFill>
+                  <a:schemeClr val="bg1"/>
+                </a:solidFill>
+              </a:rPr>
+              <a:t>	Columns- 6</a:t>
+            </a:r>
+          </a:p>
+          <a:p>
+            <a:pPr marL="114300" indent="0">
+              <a:buNone/>
+            </a:pPr>
+            <a:endParaRPr lang="en-US" dirty="0">
+              <a:solidFill>
+                <a:schemeClr val="bg1"/>
+              </a:solidFill>
+            </a:endParaRPr>
+          </a:p>
+          <a:p>
+            <a:pPr marL="114300" indent="0">
+              <a:buNone/>
+            </a:pPr>
+            <a:r>
+              <a:rPr lang="en-US" dirty="0">
+                <a:solidFill>
+                  <a:schemeClr val="tx1"/>
+                </a:solidFill>
+              </a:rPr>
+              <a:t>Important columns: </a:t>
+            </a:r>
+            <a:r>
+              <a:rPr lang="en-US" dirty="0" smtClean="0">
+                <a:solidFill>
+                  <a:schemeClr val="bg1"/>
+                </a:solidFill>
+              </a:rPr>
+              <a:t>Batsman, total-runs, out, number-of-balls, average,        strike-rate.</a:t>
+            </a:r>
+            <a:endParaRPr lang="hi-IN" dirty="0">
+              <a:solidFill>
+                <a:schemeClr val="bg1"/>
+              </a:solidFill>
+            </a:endParaRPr>
+          </a:p>
+          <a:p>
+            <a:endParaRPr lang="hi-IN" dirty="0"/>
+          </a:p>
+        </p:txBody>
+      </p:sp>
+    </p:spTree>
+    <p:extLst>
+      <p:ext uri="{BB962C8B-B14F-4D97-AF65-F5344CB8AC3E}">
+        <p14:creationId xmlns:p14="http://schemas.microsoft.com/office/powerpoint/2010/main" val="2824057423"/>
+      </p:ext>
+    </p:extLst>
+  </p:cSld>
+  <p:clrMapOvr>
+    <a:masterClrMapping/>
+  </p:clrMapOvr>
+  <p:timing>
+    <p:tnLst>
+      <p:par>
+        <p:cTn id="1" dur="indefinite" restart="never" nodeType="tmRoot"/>
+      </p:par>
+    </p:tnLst>
+  </p:timing>
+</p:sld>
+</file>
+
+<file path=ppt/slides/slide16.xml><?xml version="1.0" encoding="utf-8"?>
+<p:sld xmlns:a="http://schemas.openxmlformats.org/drawingml/2006/main" xmlns:r="http://schemas.openxmlformats.org/officeDocument/2006/relationships" xmlns:p="http://schemas.openxmlformats.org/presentationml/2006/main">
+  <p:cSld>
+    <p:spTree>
+      <p:nvGrpSpPr>
+        <p:cNvPr id="1" name=""/>
+        <p:cNvGrpSpPr/>
+        <p:nvPr/>
+      </p:nvGrpSpPr>
+      <p:grpSpPr>
+        <a:xfrm>
+          <a:off x="0" y="0"/>
+          <a:ext cx="0" cy="0"/>
+          <a:chOff x="0" y="0"/>
+          <a:chExt cx="0" cy="0"/>
+        </a:xfrm>
+      </p:grpSpPr>
+      <p:sp>
+        <p:nvSpPr>
+          <p:cNvPr id="2" name="Title 1"/>
+          <p:cNvSpPr>
+            <a:spLocks noGrp="1"/>
+          </p:cNvSpPr>
+          <p:nvPr>
+            <p:ph type="title"/>
+          </p:nvPr>
+        </p:nvSpPr>
+        <p:spPr>
+          <a:xfrm>
+            <a:off x="0" y="0"/>
+            <a:ext cx="8544623" cy="749333"/>
+          </a:xfrm>
+        </p:spPr>
+        <p:txBody>
+          <a:bodyPr/>
+          <a:lstStyle/>
+          <a:p>
+            <a:r>
+              <a:rPr lang="en-US" sz="2400" dirty="0" smtClean="0"/>
+              <a:t>Heat map for missing values in most runs average </a:t>
+            </a:r>
+            <a:r>
+              <a:rPr lang="en-US" sz="2400" dirty="0" smtClean="0"/>
+              <a:t>strike-rate </a:t>
+            </a:r>
+            <a:r>
+              <a:rPr lang="en-US" sz="2400" dirty="0" smtClean="0"/>
+              <a:t>dataset</a:t>
+            </a:r>
+            <a:endParaRPr lang="hi-IN" sz="2400" dirty="0"/>
+          </a:p>
+        </p:txBody>
+      </p:sp>
+      <p:pic>
+        <p:nvPicPr>
+          <p:cNvPr id="3" name="Picture 2"/>
+          <p:cNvPicPr>
+            <a:picLocks noChangeAspect="1"/>
+          </p:cNvPicPr>
+          <p:nvPr/>
+        </p:nvPicPr>
+        <p:blipFill>
+          <a:blip r:embed="rId2">
+            <a:extLst>
+              <a:ext uri="{28A0092B-C50C-407E-A947-70E740481C1C}">
+                <a14:useLocalDpi xmlns:a14="http://schemas.microsoft.com/office/drawing/2010/main" val="0"/>
+              </a:ext>
+            </a:extLst>
+          </a:blip>
+          <a:stretch>
+            <a:fillRect/>
+          </a:stretch>
+        </p:blipFill>
+        <p:spPr>
+          <a:xfrm>
+            <a:off x="1020981" y="749333"/>
+            <a:ext cx="6999295" cy="3912491"/>
+          </a:xfrm>
+          <a:prstGeom prst="rect">
+            <a:avLst/>
+          </a:prstGeom>
+        </p:spPr>
+      </p:pic>
+    </p:spTree>
+    <p:extLst>
+      <p:ext uri="{BB962C8B-B14F-4D97-AF65-F5344CB8AC3E}">
+        <p14:creationId xmlns:p14="http://schemas.microsoft.com/office/powerpoint/2010/main" val="278802855"/>
+      </p:ext>
+    </p:extLst>
+  </p:cSld>
+  <p:clrMapOvr>
+    <a:masterClrMapping/>
+  </p:clrMapOvr>
+  <p:timing>
+    <p:tnLst>
+      <p:par>
+        <p:cTn id="1" dur="indefinite" restart="never" nodeType="tmRoot"/>
+      </p:par>
+    </p:tnLst>
+  </p:timing>
+</p:sld>
+</file>
+
+<file path=ppt/slides/slide17.xml><?xml version="1.0" encoding="utf-8"?>
+<p:sld xmlns:a="http://schemas.openxmlformats.org/drawingml/2006/main" xmlns:r="http://schemas.openxmlformats.org/officeDocument/2006/relationships" xmlns:p="http://schemas.openxmlformats.org/presentationml/2006/main">
+  <p:cSld>
+    <p:spTree>
+      <p:nvGrpSpPr>
+        <p:cNvPr id="1" name=""/>
+        <p:cNvGrpSpPr/>
+        <p:nvPr/>
+      </p:nvGrpSpPr>
+      <p:grpSpPr>
+        <a:xfrm>
+          <a:off x="0" y="0"/>
+          <a:ext cx="0" cy="0"/>
+          <a:chOff x="0" y="0"/>
+          <a:chExt cx="0" cy="0"/>
+        </a:xfrm>
+      </p:grpSpPr>
+      <p:sp>
+        <p:nvSpPr>
+          <p:cNvPr id="2" name="Title 1"/>
+          <p:cNvSpPr>
+            <a:spLocks noGrp="1"/>
+          </p:cNvSpPr>
+          <p:nvPr>
+            <p:ph type="title"/>
+          </p:nvPr>
+        </p:nvSpPr>
+        <p:spPr>
+          <a:xfrm>
             <a:off x="34298" y="0"/>
             <a:ext cx="8520600" cy="841800"/>
           </a:xfrm>
@@ -9128,12 +10146,8 @@
               <a:t>values in most runs average </a:t>
             </a:r>
             <a:r>
-              <a:rPr lang="en-US" sz="2400" dirty="0" err="1" smtClean="0"/>
-              <a:t>strikerate</a:t>
-            </a:r>
-            <a:r>
               <a:rPr lang="en-US" sz="2400" dirty="0" smtClean="0"/>
-              <a:t> </a:t>
+              <a:t>strike-rate </a:t>
             </a:r>
             <a:r>
               <a:rPr lang="en-US" sz="2400" dirty="0"/>
@@ -9183,10 +10197,17 @@
   <p:clrMapOvr>
     <a:masterClrMapping/>
   </p:clrMapOvr>
+  <p:timing>
+    <p:tnLst>
+      <p:par>
+        <p:cTn id="1" dur="indefinite" restart="never" nodeType="tmRoot"/>
+      </p:par>
+    </p:tnLst>
+  </p:timing>
 </p:sld>
 </file>
 
-<file path=ppt/slides/slide11.xml><?xml version="1.0" encoding="utf-8"?>
+<file path=ppt/slides/slide18.xml><?xml version="1.0" encoding="utf-8"?>
 <p:sld xmlns:a="http://schemas.openxmlformats.org/drawingml/2006/main" xmlns:r="http://schemas.openxmlformats.org/officeDocument/2006/relationships" xmlns:p="http://schemas.openxmlformats.org/presentationml/2006/main">
   <p:cSld>
     <p:spTree>
@@ -9208,7 +10229,7 @@
           <p:cNvPr id="2" name="Title 1">
             <a:extLst>
               <a:ext uri="{FF2B5EF4-FFF2-40B4-BE49-F238E27FC236}">
-                <a16:creationId xmlns:a16="http://schemas.microsoft.com/office/drawing/2014/main" xmlns="" id="{609D0266-ABC3-4C94-8893-AADBB651F64D}"/>
+                <a16:creationId xmlns="" xmlns:a16="http://schemas.microsoft.com/office/drawing/2014/main" id="{609D0266-ABC3-4C94-8893-AADBB651F64D}"/>
               </a:ext>
             </a:extLst>
           </p:cNvPr>
@@ -9241,10 +10262,17 @@
   <p:clrMapOvr>
     <a:masterClrMapping/>
   </p:clrMapOvr>
+  <p:timing>
+    <p:tnLst>
+      <p:par>
+        <p:cTn id="1" dur="indefinite" restart="never" nodeType="tmRoot"/>
+      </p:par>
+    </p:tnLst>
+  </p:timing>
 </p:sld>
 </file>
 
-<file path=ppt/slides/slide12.xml><?xml version="1.0" encoding="utf-8"?>
+<file path=ppt/slides/slide19.xml><?xml version="1.0" encoding="utf-8"?>
 <p:sld xmlns:a="http://schemas.openxmlformats.org/drawingml/2006/main" xmlns:r="http://schemas.openxmlformats.org/officeDocument/2006/relationships" xmlns:p="http://schemas.openxmlformats.org/presentationml/2006/main">
   <p:cSld>
     <p:spTree>
@@ -9266,7 +10294,7 @@
           <p:cNvPr id="2" name="Title 1">
             <a:extLst>
               <a:ext uri="{FF2B5EF4-FFF2-40B4-BE49-F238E27FC236}">
-                <a16:creationId xmlns:a16="http://schemas.microsoft.com/office/drawing/2014/main" xmlns="" id="{F445497F-B4CE-48E1-9CF0-3402D514F4E7}"/>
+                <a16:creationId xmlns="" xmlns:a16="http://schemas.microsoft.com/office/drawing/2014/main" id="{F445497F-B4CE-48E1-9CF0-3402D514F4E7}"/>
               </a:ext>
             </a:extLst>
           </p:cNvPr>
@@ -9294,7 +10322,7 @@
           <p:cNvPr id="3" name="Text Placeholder 2">
             <a:extLst>
               <a:ext uri="{FF2B5EF4-FFF2-40B4-BE49-F238E27FC236}">
-                <a16:creationId xmlns:a16="http://schemas.microsoft.com/office/drawing/2014/main" xmlns="" id="{0B17D8DF-3203-46AD-94ED-9E8FA2DADC38}"/>
+                <a16:creationId xmlns="" xmlns:a16="http://schemas.microsoft.com/office/drawing/2014/main" id="{0B17D8DF-3203-46AD-94ED-9E8FA2DADC38}"/>
               </a:ext>
             </a:extLst>
           </p:cNvPr>
@@ -9319,7 +10347,7 @@
           <p:cNvPr id="5" name="Picture 5" descr="Chart, bar chart&#10;&#10;Description automatically generated">
             <a:extLst>
               <a:ext uri="{FF2B5EF4-FFF2-40B4-BE49-F238E27FC236}">
-                <a16:creationId xmlns:a16="http://schemas.microsoft.com/office/drawing/2014/main" xmlns="" id="{CD38806B-1D2A-49B6-A538-2F3BEBE33D51}"/>
+                <a16:creationId xmlns="" xmlns:a16="http://schemas.microsoft.com/office/drawing/2014/main" id="{CD38806B-1D2A-49B6-A538-2F3BEBE33D51}"/>
               </a:ext>
             </a:extLst>
           </p:cNvPr>
@@ -9357,652 +10385,6 @@
 </p:sld>
 </file>
 
-<file path=ppt/slides/slide13.xml><?xml version="1.0" encoding="utf-8"?>
-<p:sld xmlns:a="http://schemas.openxmlformats.org/drawingml/2006/main" xmlns:r="http://schemas.openxmlformats.org/officeDocument/2006/relationships" xmlns:p="http://schemas.openxmlformats.org/presentationml/2006/main">
-  <p:cSld>
-    <p:spTree>
-      <p:nvGrpSpPr>
-        <p:cNvPr id="1" name=""/>
-        <p:cNvGrpSpPr/>
-        <p:nvPr/>
-      </p:nvGrpSpPr>
-      <p:grpSpPr>
-        <a:xfrm>
-          <a:off x="0" y="0"/>
-          <a:ext cx="0" cy="0"/>
-          <a:chOff x="0" y="0"/>
-          <a:chExt cx="0" cy="0"/>
-        </a:xfrm>
-      </p:grpSpPr>
-      <p:sp>
-        <p:nvSpPr>
-          <p:cNvPr id="2" name="Title 1">
-            <a:extLst>
-              <a:ext uri="{FF2B5EF4-FFF2-40B4-BE49-F238E27FC236}">
-                <a16:creationId xmlns:a16="http://schemas.microsoft.com/office/drawing/2014/main" xmlns="" id="{073A2C84-C4D9-4A37-AA67-EEF5947BDB7F}"/>
-              </a:ext>
-            </a:extLst>
-          </p:cNvPr>
-          <p:cNvSpPr>
-            <a:spLocks noGrp="1"/>
-          </p:cNvSpPr>
-          <p:nvPr>
-            <p:ph type="title"/>
-          </p:nvPr>
-        </p:nvSpPr>
-        <p:spPr/>
-        <p:txBody>
-          <a:bodyPr/>
-          <a:lstStyle/>
-          <a:p>
-            <a:r>
-              <a:rPr lang="en-US" dirty="0"/>
-              <a:t>Which city have hosted most matches?</a:t>
-            </a:r>
-          </a:p>
-        </p:txBody>
-      </p:sp>
-      <p:sp>
-        <p:nvSpPr>
-          <p:cNvPr id="3" name="Text Placeholder 2">
-            <a:extLst>
-              <a:ext uri="{FF2B5EF4-FFF2-40B4-BE49-F238E27FC236}">
-                <a16:creationId xmlns:a16="http://schemas.microsoft.com/office/drawing/2014/main" xmlns="" id="{88F7E1A4-AB90-43FA-9284-78E299F564E7}"/>
-              </a:ext>
-            </a:extLst>
-          </p:cNvPr>
-          <p:cNvSpPr>
-            <a:spLocks noGrp="1"/>
-          </p:cNvSpPr>
-          <p:nvPr>
-            <p:ph type="body" idx="1"/>
-          </p:nvPr>
-        </p:nvSpPr>
-        <p:spPr/>
-        <p:txBody>
-          <a:bodyPr/>
-          <a:lstStyle/>
-          <a:p>
-            <a:endParaRPr lang="en-US"/>
-          </a:p>
-        </p:txBody>
-      </p:sp>
-      <p:pic>
-        <p:nvPicPr>
-          <p:cNvPr id="4" name="Picture 4" descr="Chart, bar chart, histogram&#10;&#10;Description automatically generated">
-            <a:extLst>
-              <a:ext uri="{FF2B5EF4-FFF2-40B4-BE49-F238E27FC236}">
-                <a16:creationId xmlns:a16="http://schemas.microsoft.com/office/drawing/2014/main" xmlns="" id="{C06A6C3C-2A79-4BBA-8AEC-39DC04AD7F96}"/>
-              </a:ext>
-            </a:extLst>
-          </p:cNvPr>
-          <p:cNvPicPr>
-            <a:picLocks noChangeAspect="1"/>
-          </p:cNvPicPr>
-          <p:nvPr/>
-        </p:nvPicPr>
-        <p:blipFill>
-          <a:blip r:embed="rId2"/>
-          <a:stretch>
-            <a:fillRect/>
-          </a:stretch>
-        </p:blipFill>
-        <p:spPr>
-          <a:xfrm>
-            <a:off x="854242" y="987982"/>
-            <a:ext cx="6638422" cy="4084946"/>
-          </a:xfrm>
-          <a:prstGeom prst="rect">
-            <a:avLst/>
-          </a:prstGeom>
-        </p:spPr>
-      </p:pic>
-    </p:spTree>
-    <p:extLst>
-      <p:ext uri="{BB962C8B-B14F-4D97-AF65-F5344CB8AC3E}">
-        <p14:creationId xmlns:p14="http://schemas.microsoft.com/office/powerpoint/2010/main" val="3824472123"/>
-      </p:ext>
-    </p:extLst>
-  </p:cSld>
-  <p:clrMapOvr>
-    <a:masterClrMapping/>
-  </p:clrMapOvr>
-</p:sld>
-</file>
-
-<file path=ppt/slides/slide14.xml><?xml version="1.0" encoding="utf-8"?>
-<p:sld xmlns:a="http://schemas.openxmlformats.org/drawingml/2006/main" xmlns:r="http://schemas.openxmlformats.org/officeDocument/2006/relationships" xmlns:p="http://schemas.openxmlformats.org/presentationml/2006/main">
-  <p:cSld>
-    <p:spTree>
-      <p:nvGrpSpPr>
-        <p:cNvPr id="1" name=""/>
-        <p:cNvGrpSpPr/>
-        <p:nvPr/>
-      </p:nvGrpSpPr>
-      <p:grpSpPr>
-        <a:xfrm>
-          <a:off x="0" y="0"/>
-          <a:ext cx="0" cy="0"/>
-          <a:chOff x="0" y="0"/>
-          <a:chExt cx="0" cy="0"/>
-        </a:xfrm>
-      </p:grpSpPr>
-      <p:pic>
-        <p:nvPicPr>
-          <p:cNvPr id="2" name="Picture 2" descr="Chart, bar chart&#10;&#10;Description automatically generated">
-            <a:extLst>
-              <a:ext uri="{FF2B5EF4-FFF2-40B4-BE49-F238E27FC236}">
-                <a16:creationId xmlns:a16="http://schemas.microsoft.com/office/drawing/2014/main" xmlns="" id="{7C42FC6E-A828-4482-9937-B92E91375CDD}"/>
-              </a:ext>
-            </a:extLst>
-          </p:cNvPr>
-          <p:cNvPicPr>
-            <a:picLocks noChangeAspect="1"/>
-          </p:cNvPicPr>
-          <p:nvPr/>
-        </p:nvPicPr>
-        <p:blipFill>
-          <a:blip r:embed="rId2"/>
-          <a:stretch>
-            <a:fillRect/>
-          </a:stretch>
-        </p:blipFill>
-        <p:spPr>
-          <a:xfrm>
-            <a:off x="207545" y="435705"/>
-            <a:ext cx="8300285" cy="4505202"/>
-          </a:xfrm>
-          <a:prstGeom prst="rect">
-            <a:avLst/>
-          </a:prstGeom>
-        </p:spPr>
-      </p:pic>
-    </p:spTree>
-    <p:extLst>
-      <p:ext uri="{BB962C8B-B14F-4D97-AF65-F5344CB8AC3E}">
-        <p14:creationId xmlns:p14="http://schemas.microsoft.com/office/powerpoint/2010/main" val="2570033691"/>
-      </p:ext>
-    </p:extLst>
-  </p:cSld>
-  <p:clrMapOvr>
-    <a:masterClrMapping/>
-  </p:clrMapOvr>
-</p:sld>
-</file>
-
-<file path=ppt/slides/slide15.xml><?xml version="1.0" encoding="utf-8"?>
-<p:sld xmlns:a="http://schemas.openxmlformats.org/drawingml/2006/main" xmlns:r="http://schemas.openxmlformats.org/officeDocument/2006/relationships" xmlns:p="http://schemas.openxmlformats.org/presentationml/2006/main">
-  <p:cSld>
-    <p:spTree>
-      <p:nvGrpSpPr>
-        <p:cNvPr id="1" name=""/>
-        <p:cNvGrpSpPr/>
-        <p:nvPr/>
-      </p:nvGrpSpPr>
-      <p:grpSpPr>
-        <a:xfrm>
-          <a:off x="0" y="0"/>
-          <a:ext cx="0" cy="0"/>
-          <a:chOff x="0" y="0"/>
-          <a:chExt cx="0" cy="0"/>
-        </a:xfrm>
-      </p:grpSpPr>
-      <p:pic>
-        <p:nvPicPr>
-          <p:cNvPr id="2" name="Picture 2" descr="Chart, bar chart&#10;&#10;Description automatically generated">
-            <a:extLst>
-              <a:ext uri="{FF2B5EF4-FFF2-40B4-BE49-F238E27FC236}">
-                <a16:creationId xmlns:a16="http://schemas.microsoft.com/office/drawing/2014/main" xmlns="" id="{77F0666C-4530-4416-A9FF-BDF15AC5939E}"/>
-              </a:ext>
-            </a:extLst>
-          </p:cNvPr>
-          <p:cNvPicPr>
-            <a:picLocks noChangeAspect="1"/>
-          </p:cNvPicPr>
-          <p:nvPr/>
-        </p:nvPicPr>
-        <p:blipFill>
-          <a:blip r:embed="rId2"/>
-          <a:stretch>
-            <a:fillRect/>
-          </a:stretch>
-        </p:blipFill>
-        <p:spPr>
-          <a:xfrm>
-            <a:off x="365459" y="607479"/>
-            <a:ext cx="8270206" cy="4454924"/>
-          </a:xfrm>
-          <a:prstGeom prst="rect">
-            <a:avLst/>
-          </a:prstGeom>
-        </p:spPr>
-      </p:pic>
-    </p:spTree>
-    <p:extLst>
-      <p:ext uri="{BB962C8B-B14F-4D97-AF65-F5344CB8AC3E}">
-        <p14:creationId xmlns:p14="http://schemas.microsoft.com/office/powerpoint/2010/main" val="220867144"/>
-      </p:ext>
-    </p:extLst>
-  </p:cSld>
-  <p:clrMapOvr>
-    <a:masterClrMapping/>
-  </p:clrMapOvr>
-</p:sld>
-</file>
-
-<file path=ppt/slides/slide16.xml><?xml version="1.0" encoding="utf-8"?>
-<p:sld xmlns:a="http://schemas.openxmlformats.org/drawingml/2006/main" xmlns:r="http://schemas.openxmlformats.org/officeDocument/2006/relationships" xmlns:p="http://schemas.openxmlformats.org/presentationml/2006/main">
-  <p:cSld>
-    <p:spTree>
-      <p:nvGrpSpPr>
-        <p:cNvPr id="1" name=""/>
-        <p:cNvGrpSpPr/>
-        <p:nvPr/>
-      </p:nvGrpSpPr>
-      <p:grpSpPr>
-        <a:xfrm>
-          <a:off x="0" y="0"/>
-          <a:ext cx="0" cy="0"/>
-          <a:chOff x="0" y="0"/>
-          <a:chExt cx="0" cy="0"/>
-        </a:xfrm>
-      </p:grpSpPr>
-      <p:sp>
-        <p:nvSpPr>
-          <p:cNvPr id="2" name="Title 1">
-            <a:extLst>
-              <a:ext uri="{FF2B5EF4-FFF2-40B4-BE49-F238E27FC236}">
-                <a16:creationId xmlns:a16="http://schemas.microsoft.com/office/drawing/2014/main" xmlns="" id="{BA78454C-F654-48CB-89F9-9192E0780026}"/>
-              </a:ext>
-            </a:extLst>
-          </p:cNvPr>
-          <p:cNvSpPr>
-            <a:spLocks noGrp="1"/>
-          </p:cNvSpPr>
-          <p:nvPr>
-            <p:ph type="title"/>
-          </p:nvPr>
-        </p:nvSpPr>
-        <p:spPr/>
-        <p:txBody>
-          <a:bodyPr/>
-          <a:lstStyle/>
-          <a:p>
-            <a:r>
-              <a:rPr lang="en-US" sz="2400" dirty="0"/>
-              <a:t>Who won player of the match award most frequently?</a:t>
-            </a:r>
-          </a:p>
-        </p:txBody>
-      </p:sp>
-      <p:sp>
-        <p:nvSpPr>
-          <p:cNvPr id="3" name="Text Placeholder 2">
-            <a:extLst>
-              <a:ext uri="{FF2B5EF4-FFF2-40B4-BE49-F238E27FC236}">
-                <a16:creationId xmlns:a16="http://schemas.microsoft.com/office/drawing/2014/main" xmlns="" id="{E8803031-360A-48FB-8952-0CE90D883CD3}"/>
-              </a:ext>
-            </a:extLst>
-          </p:cNvPr>
-          <p:cNvSpPr>
-            <a:spLocks noGrp="1"/>
-          </p:cNvSpPr>
-          <p:nvPr>
-            <p:ph type="body" idx="1"/>
-          </p:nvPr>
-        </p:nvSpPr>
-        <p:spPr/>
-        <p:txBody>
-          <a:bodyPr/>
-          <a:lstStyle/>
-          <a:p>
-            <a:endParaRPr lang="en-US"/>
-          </a:p>
-        </p:txBody>
-      </p:sp>
-      <p:pic>
-        <p:nvPicPr>
-          <p:cNvPr id="4" name="Picture 4" descr="Chart, bar chart, histogram&#10;&#10;Description automatically generated">
-            <a:extLst>
-              <a:ext uri="{FF2B5EF4-FFF2-40B4-BE49-F238E27FC236}">
-                <a16:creationId xmlns:a16="http://schemas.microsoft.com/office/drawing/2014/main" xmlns="" id="{554D4D53-4C00-4509-9A55-78AAB913D56B}"/>
-              </a:ext>
-            </a:extLst>
-          </p:cNvPr>
-          <p:cNvPicPr>
-            <a:picLocks noChangeAspect="1"/>
-          </p:cNvPicPr>
-          <p:nvPr/>
-        </p:nvPicPr>
-        <p:blipFill>
-          <a:blip r:embed="rId2"/>
-          <a:stretch>
-            <a:fillRect/>
-          </a:stretch>
-        </p:blipFill>
-        <p:spPr>
-          <a:xfrm>
-            <a:off x="711368" y="1044667"/>
-            <a:ext cx="7285120" cy="3753501"/>
-          </a:xfrm>
-          <a:prstGeom prst="rect">
-            <a:avLst/>
-          </a:prstGeom>
-        </p:spPr>
-      </p:pic>
-    </p:spTree>
-    <p:extLst>
-      <p:ext uri="{BB962C8B-B14F-4D97-AF65-F5344CB8AC3E}">
-        <p14:creationId xmlns:p14="http://schemas.microsoft.com/office/powerpoint/2010/main" val="2488093890"/>
-      </p:ext>
-    </p:extLst>
-  </p:cSld>
-  <p:clrMapOvr>
-    <a:masterClrMapping/>
-  </p:clrMapOvr>
-</p:sld>
-</file>
-
-<file path=ppt/slides/slide17.xml><?xml version="1.0" encoding="utf-8"?>
-<p:sld xmlns:a="http://schemas.openxmlformats.org/drawingml/2006/main" xmlns:r="http://schemas.openxmlformats.org/officeDocument/2006/relationships" xmlns:p="http://schemas.openxmlformats.org/presentationml/2006/main">
-  <p:cSld>
-    <p:spTree>
-      <p:nvGrpSpPr>
-        <p:cNvPr id="1" name=""/>
-        <p:cNvGrpSpPr/>
-        <p:nvPr/>
-      </p:nvGrpSpPr>
-      <p:grpSpPr>
-        <a:xfrm>
-          <a:off x="0" y="0"/>
-          <a:ext cx="0" cy="0"/>
-          <a:chOff x="0" y="0"/>
-          <a:chExt cx="0" cy="0"/>
-        </a:xfrm>
-      </p:grpSpPr>
-      <p:sp>
-        <p:nvSpPr>
-          <p:cNvPr id="2" name="Title 1">
-            <a:extLst>
-              <a:ext uri="{FF2B5EF4-FFF2-40B4-BE49-F238E27FC236}">
-                <a16:creationId xmlns:a16="http://schemas.microsoft.com/office/drawing/2014/main" xmlns="" id="{4C2E2AC0-6860-47A6-8020-E64827DC7AF1}"/>
-              </a:ext>
-            </a:extLst>
-          </p:cNvPr>
-          <p:cNvSpPr>
-            <a:spLocks noGrp="1"/>
-          </p:cNvSpPr>
-          <p:nvPr>
-            <p:ph type="title"/>
-          </p:nvPr>
-        </p:nvSpPr>
-        <p:spPr/>
-        <p:txBody>
-          <a:bodyPr/>
-          <a:lstStyle/>
-          <a:p>
-            <a:r>
-              <a:rPr lang="en-US" dirty="0"/>
-              <a:t>Who </a:t>
-            </a:r>
-            <a:r>
-              <a:rPr lang="en-US" dirty="0" smtClean="0"/>
-              <a:t>won </a:t>
-            </a:r>
-            <a:r>
-              <a:rPr lang="en-US" dirty="0"/>
-              <a:t>most matches?</a:t>
-            </a:r>
-          </a:p>
-          <a:p>
-            <a:endParaRPr lang="en-US" dirty="0"/>
-          </a:p>
-        </p:txBody>
-      </p:sp>
-      <p:sp>
-        <p:nvSpPr>
-          <p:cNvPr id="3" name="Text Placeholder 2">
-            <a:extLst>
-              <a:ext uri="{FF2B5EF4-FFF2-40B4-BE49-F238E27FC236}">
-                <a16:creationId xmlns:a16="http://schemas.microsoft.com/office/drawing/2014/main" xmlns="" id="{D57382FF-86EA-4479-9381-E39AA3837A33}"/>
-              </a:ext>
-            </a:extLst>
-          </p:cNvPr>
-          <p:cNvSpPr>
-            <a:spLocks noGrp="1"/>
-          </p:cNvSpPr>
-          <p:nvPr>
-            <p:ph type="body" idx="1"/>
-          </p:nvPr>
-        </p:nvSpPr>
-        <p:spPr/>
-        <p:txBody>
-          <a:bodyPr/>
-          <a:lstStyle/>
-          <a:p>
-            <a:endParaRPr lang="en-US"/>
-          </a:p>
-        </p:txBody>
-      </p:sp>
-      <p:pic>
-        <p:nvPicPr>
-          <p:cNvPr id="4" name="Picture 4" descr="Chart, bar chart&#10;&#10;Description automatically generated">
-            <a:extLst>
-              <a:ext uri="{FF2B5EF4-FFF2-40B4-BE49-F238E27FC236}">
-                <a16:creationId xmlns:a16="http://schemas.microsoft.com/office/drawing/2014/main" xmlns="" id="{9DDA8146-5A3A-4832-86CE-95321A83B411}"/>
-              </a:ext>
-            </a:extLst>
-          </p:cNvPr>
-          <p:cNvPicPr>
-            <a:picLocks noChangeAspect="1"/>
-          </p:cNvPicPr>
-          <p:nvPr/>
-        </p:nvPicPr>
-        <p:blipFill>
-          <a:blip r:embed="rId2"/>
-          <a:stretch>
-            <a:fillRect/>
-          </a:stretch>
-        </p:blipFill>
-        <p:spPr>
-          <a:xfrm>
-            <a:off x="312822" y="1201871"/>
-            <a:ext cx="7999495" cy="3559408"/>
-          </a:xfrm>
-          <a:prstGeom prst="rect">
-            <a:avLst/>
-          </a:prstGeom>
-        </p:spPr>
-      </p:pic>
-    </p:spTree>
-    <p:extLst>
-      <p:ext uri="{BB962C8B-B14F-4D97-AF65-F5344CB8AC3E}">
-        <p14:creationId xmlns:p14="http://schemas.microsoft.com/office/powerpoint/2010/main" val="2155405735"/>
-      </p:ext>
-    </p:extLst>
-  </p:cSld>
-  <p:clrMapOvr>
-    <a:masterClrMapping/>
-  </p:clrMapOvr>
-</p:sld>
-</file>
-
-<file path=ppt/slides/slide18.xml><?xml version="1.0" encoding="utf-8"?>
-<p:sld xmlns:a="http://schemas.openxmlformats.org/drawingml/2006/main" xmlns:r="http://schemas.openxmlformats.org/officeDocument/2006/relationships" xmlns:p="http://schemas.openxmlformats.org/presentationml/2006/main">
-  <p:cSld>
-    <p:spTree>
-      <p:nvGrpSpPr>
-        <p:cNvPr id="1" name=""/>
-        <p:cNvGrpSpPr/>
-        <p:nvPr/>
-      </p:nvGrpSpPr>
-      <p:grpSpPr>
-        <a:xfrm>
-          <a:off x="0" y="0"/>
-          <a:ext cx="0" cy="0"/>
-          <a:chOff x="0" y="0"/>
-          <a:chExt cx="0" cy="0"/>
-        </a:xfrm>
-      </p:grpSpPr>
-      <p:sp>
-        <p:nvSpPr>
-          <p:cNvPr id="2" name="Title 1">
-            <a:extLst>
-              <a:ext uri="{FF2B5EF4-FFF2-40B4-BE49-F238E27FC236}">
-                <a16:creationId xmlns:a16="http://schemas.microsoft.com/office/drawing/2014/main" xmlns="" id="{22BDC74F-507E-401E-8346-360158133F76}"/>
-              </a:ext>
-            </a:extLst>
-          </p:cNvPr>
-          <p:cNvSpPr>
-            <a:spLocks noGrp="1"/>
-          </p:cNvSpPr>
-          <p:nvPr>
-            <p:ph type="title"/>
-          </p:nvPr>
-        </p:nvSpPr>
-        <p:spPr/>
-        <p:txBody>
-          <a:bodyPr/>
-          <a:lstStyle/>
-          <a:p>
-            <a:r>
-              <a:rPr lang="en-US" sz="2300" dirty="0"/>
-              <a:t>Does winning  the toss increases chance of winning the game?</a:t>
-            </a:r>
-          </a:p>
-          <a:p>
-            <a:endParaRPr lang="en-US" sz="2300" dirty="0"/>
-          </a:p>
-        </p:txBody>
-      </p:sp>
-      <p:sp>
-        <p:nvSpPr>
-          <p:cNvPr id="3" name="Text Placeholder 2">
-            <a:extLst>
-              <a:ext uri="{FF2B5EF4-FFF2-40B4-BE49-F238E27FC236}">
-                <a16:creationId xmlns:a16="http://schemas.microsoft.com/office/drawing/2014/main" xmlns="" id="{C5910883-3B76-4512-BAC3-D9621EB8AD63}"/>
-              </a:ext>
-            </a:extLst>
-          </p:cNvPr>
-          <p:cNvSpPr>
-            <a:spLocks noGrp="1"/>
-          </p:cNvSpPr>
-          <p:nvPr>
-            <p:ph type="body" idx="1"/>
-          </p:nvPr>
-        </p:nvSpPr>
-        <p:spPr/>
-        <p:txBody>
-          <a:bodyPr/>
-          <a:lstStyle/>
-          <a:p>
-            <a:endParaRPr lang="en-US"/>
-          </a:p>
-        </p:txBody>
-      </p:sp>
-      <p:pic>
-        <p:nvPicPr>
-          <p:cNvPr id="4" name="Picture 4" descr="Chart, scatter chart&#10;&#10;Description automatically generated">
-            <a:extLst>
-              <a:ext uri="{FF2B5EF4-FFF2-40B4-BE49-F238E27FC236}">
-                <a16:creationId xmlns:a16="http://schemas.microsoft.com/office/drawing/2014/main" xmlns="" id="{8887131D-D780-4C6E-843E-250D72F82CAE}"/>
-              </a:ext>
-            </a:extLst>
-          </p:cNvPr>
-          <p:cNvPicPr>
-            <a:picLocks noChangeAspect="1"/>
-          </p:cNvPicPr>
-          <p:nvPr/>
-        </p:nvPicPr>
-        <p:blipFill>
-          <a:blip r:embed="rId2"/>
-          <a:stretch>
-            <a:fillRect/>
-          </a:stretch>
-        </p:blipFill>
-        <p:spPr>
-          <a:xfrm>
-            <a:off x="741446" y="976257"/>
-            <a:ext cx="7059528" cy="4033195"/>
-          </a:xfrm>
-          <a:prstGeom prst="rect">
-            <a:avLst/>
-          </a:prstGeom>
-        </p:spPr>
-      </p:pic>
-    </p:spTree>
-    <p:extLst>
-      <p:ext uri="{BB962C8B-B14F-4D97-AF65-F5344CB8AC3E}">
-        <p14:creationId xmlns:p14="http://schemas.microsoft.com/office/powerpoint/2010/main" val="919327675"/>
-      </p:ext>
-    </p:extLst>
-  </p:cSld>
-  <p:clrMapOvr>
-    <a:masterClrMapping/>
-  </p:clrMapOvr>
-</p:sld>
-</file>
-
-<file path=ppt/slides/slide19.xml><?xml version="1.0" encoding="utf-8"?>
-<p:sld xmlns:a="http://schemas.openxmlformats.org/drawingml/2006/main" xmlns:r="http://schemas.openxmlformats.org/officeDocument/2006/relationships" xmlns:p="http://schemas.openxmlformats.org/presentationml/2006/main">
-  <p:cSld>
-    <p:spTree>
-      <p:nvGrpSpPr>
-        <p:cNvPr id="1" name=""/>
-        <p:cNvGrpSpPr/>
-        <p:nvPr/>
-      </p:nvGrpSpPr>
-      <p:grpSpPr>
-        <a:xfrm>
-          <a:off x="0" y="0"/>
-          <a:ext cx="0" cy="0"/>
-          <a:chOff x="0" y="0"/>
-          <a:chExt cx="0" cy="0"/>
-        </a:xfrm>
-      </p:grpSpPr>
-      <p:pic>
-        <p:nvPicPr>
-          <p:cNvPr id="2" name="Picture 2" descr="Chart, bar chart, histogram&#10;&#10;Description automatically generated">
-            <a:extLst>
-              <a:ext uri="{FF2B5EF4-FFF2-40B4-BE49-F238E27FC236}">
-                <a16:creationId xmlns:a16="http://schemas.microsoft.com/office/drawing/2014/main" xmlns="" id="{F7E9C9EC-C628-4138-BF05-281D7CC354F5}"/>
-              </a:ext>
-            </a:extLst>
-          </p:cNvPr>
-          <p:cNvPicPr>
-            <a:picLocks noChangeAspect="1"/>
-          </p:cNvPicPr>
-          <p:nvPr/>
-        </p:nvPicPr>
-        <p:blipFill>
-          <a:blip r:embed="rId2"/>
-          <a:stretch>
-            <a:fillRect/>
-          </a:stretch>
-        </p:blipFill>
-        <p:spPr>
-          <a:xfrm>
-            <a:off x="560973" y="363908"/>
-            <a:ext cx="7608469" cy="4671356"/>
-          </a:xfrm>
-          <a:prstGeom prst="rect">
-            <a:avLst/>
-          </a:prstGeom>
-        </p:spPr>
-      </p:pic>
-    </p:spTree>
-    <p:extLst>
-      <p:ext uri="{BB962C8B-B14F-4D97-AF65-F5344CB8AC3E}">
-        <p14:creationId xmlns:p14="http://schemas.microsoft.com/office/powerpoint/2010/main" val="3966269476"/>
-      </p:ext>
-    </p:extLst>
-  </p:cSld>
-  <p:clrMapOvr>
-    <a:masterClrMapping/>
-  </p:clrMapOvr>
-</p:sld>
-</file>
-
 <file path=ppt/slides/slide2.xml><?xml version="1.0" encoding="utf-8"?>
 <p:sld xmlns:a="http://schemas.openxmlformats.org/drawingml/2006/main" xmlns:r="http://schemas.openxmlformats.org/officeDocument/2006/relationships" xmlns:p="http://schemas.openxmlformats.org/presentationml/2006/main">
   <p:cSld>
@@ -10025,7 +10407,7 @@
           <p:cNvPr id="2" name="Title 1">
             <a:extLst>
               <a:ext uri="{FF2B5EF4-FFF2-40B4-BE49-F238E27FC236}">
-                <a16:creationId xmlns:a16="http://schemas.microsoft.com/office/drawing/2014/main" xmlns="" id="{6D2D6FC1-280B-460A-A86B-AA111A47F5A6}"/>
+                <a16:creationId xmlns="" xmlns:a16="http://schemas.microsoft.com/office/drawing/2014/main" id="{6D2D6FC1-280B-460A-A86B-AA111A47F5A6}"/>
               </a:ext>
             </a:extLst>
           </p:cNvPr>
@@ -10157,10 +10539,6 @@
               <a:rPr lang="en-US" sz="2400" dirty="0" smtClean="0"/>
               <a:t>4. Ameen Attar</a:t>
             </a:r>
-            <a:r>
-              <a:rPr lang="en-US" sz="2400" dirty="0" smtClean="0"/>
-              <a:t/>
-            </a:r>
             <a:br>
               <a:rPr lang="en-US" sz="2400" dirty="0" smtClean="0"/>
             </a:br>
@@ -10168,6 +10546,36 @@
           </a:p>
         </p:txBody>
       </p:sp>
+      <p:pic>
+        <p:nvPicPr>
+          <p:cNvPr id="7" name="Picture 6"/>
+          <p:cNvPicPr>
+            <a:picLocks noChangeAspect="1"/>
+          </p:cNvPicPr>
+          <p:nvPr/>
+        </p:nvPicPr>
+        <p:blipFill>
+          <a:blip r:embed="rId2">
+            <a:extLst>
+              <a:ext uri="{28A0092B-C50C-407E-A947-70E740481C1C}">
+                <a14:useLocalDpi xmlns:a14="http://schemas.microsoft.com/office/drawing/2010/main" val="0"/>
+              </a:ext>
+            </a:extLst>
+          </a:blip>
+          <a:stretch>
+            <a:fillRect/>
+          </a:stretch>
+        </p:blipFill>
+        <p:spPr>
+          <a:xfrm>
+            <a:off x="2938408" y="1510622"/>
+            <a:ext cx="6113125" cy="2800350"/>
+          </a:xfrm>
+          <a:prstGeom prst="rect">
+            <a:avLst/>
+          </a:prstGeom>
+        </p:spPr>
+      </p:pic>
     </p:spTree>
     <p:extLst>
       <p:ext uri="{BB962C8B-B14F-4D97-AF65-F5344CB8AC3E}">
@@ -10178,10 +10586,603 @@
   <p:clrMapOvr>
     <a:masterClrMapping/>
   </p:clrMapOvr>
+  <p:timing>
+    <p:tnLst>
+      <p:par>
+        <p:cTn id="1" dur="indefinite" restart="never" nodeType="tmRoot"/>
+      </p:par>
+    </p:tnLst>
+  </p:timing>
 </p:sld>
 </file>
 
 <file path=ppt/slides/slide20.xml><?xml version="1.0" encoding="utf-8"?>
+<p:sld xmlns:a="http://schemas.openxmlformats.org/drawingml/2006/main" xmlns:r="http://schemas.openxmlformats.org/officeDocument/2006/relationships" xmlns:p="http://schemas.openxmlformats.org/presentationml/2006/main">
+  <p:cSld>
+    <p:spTree>
+      <p:nvGrpSpPr>
+        <p:cNvPr id="1" name=""/>
+        <p:cNvGrpSpPr/>
+        <p:nvPr/>
+      </p:nvGrpSpPr>
+      <p:grpSpPr>
+        <a:xfrm>
+          <a:off x="0" y="0"/>
+          <a:ext cx="0" cy="0"/>
+          <a:chOff x="0" y="0"/>
+          <a:chExt cx="0" cy="0"/>
+        </a:xfrm>
+      </p:grpSpPr>
+      <p:sp>
+        <p:nvSpPr>
+          <p:cNvPr id="2" name="Title 1">
+            <a:extLst>
+              <a:ext uri="{FF2B5EF4-FFF2-40B4-BE49-F238E27FC236}">
+                <a16:creationId xmlns="" xmlns:a16="http://schemas.microsoft.com/office/drawing/2014/main" id="{073A2C84-C4D9-4A37-AA67-EEF5947BDB7F}"/>
+              </a:ext>
+            </a:extLst>
+          </p:cNvPr>
+          <p:cNvSpPr>
+            <a:spLocks noGrp="1"/>
+          </p:cNvSpPr>
+          <p:nvPr>
+            <p:ph type="title"/>
+          </p:nvPr>
+        </p:nvSpPr>
+        <p:spPr/>
+        <p:txBody>
+          <a:bodyPr/>
+          <a:lstStyle/>
+          <a:p>
+            <a:r>
+              <a:rPr lang="en-US" dirty="0"/>
+              <a:t>Which city have hosted most matches?</a:t>
+            </a:r>
+          </a:p>
+        </p:txBody>
+      </p:sp>
+      <p:sp>
+        <p:nvSpPr>
+          <p:cNvPr id="3" name="Text Placeholder 2">
+            <a:extLst>
+              <a:ext uri="{FF2B5EF4-FFF2-40B4-BE49-F238E27FC236}">
+                <a16:creationId xmlns="" xmlns:a16="http://schemas.microsoft.com/office/drawing/2014/main" id="{88F7E1A4-AB90-43FA-9284-78E299F564E7}"/>
+              </a:ext>
+            </a:extLst>
+          </p:cNvPr>
+          <p:cNvSpPr>
+            <a:spLocks noGrp="1"/>
+          </p:cNvSpPr>
+          <p:nvPr>
+            <p:ph type="body" idx="1"/>
+          </p:nvPr>
+        </p:nvSpPr>
+        <p:spPr/>
+        <p:txBody>
+          <a:bodyPr/>
+          <a:lstStyle/>
+          <a:p>
+            <a:endParaRPr lang="en-US"/>
+          </a:p>
+        </p:txBody>
+      </p:sp>
+      <p:pic>
+        <p:nvPicPr>
+          <p:cNvPr id="4" name="Picture 4" descr="Chart, bar chart, histogram&#10;&#10;Description automatically generated">
+            <a:extLst>
+              <a:ext uri="{FF2B5EF4-FFF2-40B4-BE49-F238E27FC236}">
+                <a16:creationId xmlns="" xmlns:a16="http://schemas.microsoft.com/office/drawing/2014/main" id="{C06A6C3C-2A79-4BBA-8AEC-39DC04AD7F96}"/>
+              </a:ext>
+            </a:extLst>
+          </p:cNvPr>
+          <p:cNvPicPr>
+            <a:picLocks noChangeAspect="1"/>
+          </p:cNvPicPr>
+          <p:nvPr/>
+        </p:nvPicPr>
+        <p:blipFill>
+          <a:blip r:embed="rId2"/>
+          <a:stretch>
+            <a:fillRect/>
+          </a:stretch>
+        </p:blipFill>
+        <p:spPr>
+          <a:xfrm>
+            <a:off x="854242" y="987982"/>
+            <a:ext cx="6638422" cy="4084946"/>
+          </a:xfrm>
+          <a:prstGeom prst="rect">
+            <a:avLst/>
+          </a:prstGeom>
+        </p:spPr>
+      </p:pic>
+    </p:spTree>
+    <p:extLst>
+      <p:ext uri="{BB962C8B-B14F-4D97-AF65-F5344CB8AC3E}">
+        <p14:creationId xmlns:p14="http://schemas.microsoft.com/office/powerpoint/2010/main" val="3824472123"/>
+      </p:ext>
+    </p:extLst>
+  </p:cSld>
+  <p:clrMapOvr>
+    <a:masterClrMapping/>
+  </p:clrMapOvr>
+</p:sld>
+</file>
+
+<file path=ppt/slides/slide21.xml><?xml version="1.0" encoding="utf-8"?>
+<p:sld xmlns:a="http://schemas.openxmlformats.org/drawingml/2006/main" xmlns:r="http://schemas.openxmlformats.org/officeDocument/2006/relationships" xmlns:p="http://schemas.openxmlformats.org/presentationml/2006/main">
+  <p:cSld>
+    <p:spTree>
+      <p:nvGrpSpPr>
+        <p:cNvPr id="1" name=""/>
+        <p:cNvGrpSpPr/>
+        <p:nvPr/>
+      </p:nvGrpSpPr>
+      <p:grpSpPr>
+        <a:xfrm>
+          <a:off x="0" y="0"/>
+          <a:ext cx="0" cy="0"/>
+          <a:chOff x="0" y="0"/>
+          <a:chExt cx="0" cy="0"/>
+        </a:xfrm>
+      </p:grpSpPr>
+      <p:pic>
+        <p:nvPicPr>
+          <p:cNvPr id="2" name="Picture 2" descr="Chart, bar chart&#10;&#10;Description automatically generated">
+            <a:extLst>
+              <a:ext uri="{FF2B5EF4-FFF2-40B4-BE49-F238E27FC236}">
+                <a16:creationId xmlns="" xmlns:a16="http://schemas.microsoft.com/office/drawing/2014/main" id="{7C42FC6E-A828-4482-9937-B92E91375CDD}"/>
+              </a:ext>
+            </a:extLst>
+          </p:cNvPr>
+          <p:cNvPicPr>
+            <a:picLocks noChangeAspect="1"/>
+          </p:cNvPicPr>
+          <p:nvPr/>
+        </p:nvPicPr>
+        <p:blipFill>
+          <a:blip r:embed="rId2"/>
+          <a:stretch>
+            <a:fillRect/>
+          </a:stretch>
+        </p:blipFill>
+        <p:spPr>
+          <a:xfrm>
+            <a:off x="207545" y="435705"/>
+            <a:ext cx="8300285" cy="4505202"/>
+          </a:xfrm>
+          <a:prstGeom prst="rect">
+            <a:avLst/>
+          </a:prstGeom>
+        </p:spPr>
+      </p:pic>
+    </p:spTree>
+    <p:extLst>
+      <p:ext uri="{BB962C8B-B14F-4D97-AF65-F5344CB8AC3E}">
+        <p14:creationId xmlns:p14="http://schemas.microsoft.com/office/powerpoint/2010/main" val="2570033691"/>
+      </p:ext>
+    </p:extLst>
+  </p:cSld>
+  <p:clrMapOvr>
+    <a:masterClrMapping/>
+  </p:clrMapOvr>
+</p:sld>
+</file>
+
+<file path=ppt/slides/slide22.xml><?xml version="1.0" encoding="utf-8"?>
+<p:sld xmlns:a="http://schemas.openxmlformats.org/drawingml/2006/main" xmlns:r="http://schemas.openxmlformats.org/officeDocument/2006/relationships" xmlns:p="http://schemas.openxmlformats.org/presentationml/2006/main">
+  <p:cSld>
+    <p:spTree>
+      <p:nvGrpSpPr>
+        <p:cNvPr id="1" name=""/>
+        <p:cNvGrpSpPr/>
+        <p:nvPr/>
+      </p:nvGrpSpPr>
+      <p:grpSpPr>
+        <a:xfrm>
+          <a:off x="0" y="0"/>
+          <a:ext cx="0" cy="0"/>
+          <a:chOff x="0" y="0"/>
+          <a:chExt cx="0" cy="0"/>
+        </a:xfrm>
+      </p:grpSpPr>
+      <p:pic>
+        <p:nvPicPr>
+          <p:cNvPr id="2" name="Picture 2" descr="Chart, bar chart&#10;&#10;Description automatically generated">
+            <a:extLst>
+              <a:ext uri="{FF2B5EF4-FFF2-40B4-BE49-F238E27FC236}">
+                <a16:creationId xmlns="" xmlns:a16="http://schemas.microsoft.com/office/drawing/2014/main" id="{77F0666C-4530-4416-A9FF-BDF15AC5939E}"/>
+              </a:ext>
+            </a:extLst>
+          </p:cNvPr>
+          <p:cNvPicPr>
+            <a:picLocks noChangeAspect="1"/>
+          </p:cNvPicPr>
+          <p:nvPr/>
+        </p:nvPicPr>
+        <p:blipFill>
+          <a:blip r:embed="rId2"/>
+          <a:stretch>
+            <a:fillRect/>
+          </a:stretch>
+        </p:blipFill>
+        <p:spPr>
+          <a:xfrm>
+            <a:off x="365459" y="607479"/>
+            <a:ext cx="8270206" cy="4454924"/>
+          </a:xfrm>
+          <a:prstGeom prst="rect">
+            <a:avLst/>
+          </a:prstGeom>
+        </p:spPr>
+      </p:pic>
+    </p:spTree>
+    <p:extLst>
+      <p:ext uri="{BB962C8B-B14F-4D97-AF65-F5344CB8AC3E}">
+        <p14:creationId xmlns:p14="http://schemas.microsoft.com/office/powerpoint/2010/main" val="220867144"/>
+      </p:ext>
+    </p:extLst>
+  </p:cSld>
+  <p:clrMapOvr>
+    <a:masterClrMapping/>
+  </p:clrMapOvr>
+</p:sld>
+</file>
+
+<file path=ppt/slides/slide23.xml><?xml version="1.0" encoding="utf-8"?>
+<p:sld xmlns:a="http://schemas.openxmlformats.org/drawingml/2006/main" xmlns:r="http://schemas.openxmlformats.org/officeDocument/2006/relationships" xmlns:p="http://schemas.openxmlformats.org/presentationml/2006/main">
+  <p:cSld>
+    <p:spTree>
+      <p:nvGrpSpPr>
+        <p:cNvPr id="1" name=""/>
+        <p:cNvGrpSpPr/>
+        <p:nvPr/>
+      </p:nvGrpSpPr>
+      <p:grpSpPr>
+        <a:xfrm>
+          <a:off x="0" y="0"/>
+          <a:ext cx="0" cy="0"/>
+          <a:chOff x="0" y="0"/>
+          <a:chExt cx="0" cy="0"/>
+        </a:xfrm>
+      </p:grpSpPr>
+      <p:sp>
+        <p:nvSpPr>
+          <p:cNvPr id="2" name="Title 1">
+            <a:extLst>
+              <a:ext uri="{FF2B5EF4-FFF2-40B4-BE49-F238E27FC236}">
+                <a16:creationId xmlns="" xmlns:a16="http://schemas.microsoft.com/office/drawing/2014/main" id="{BA78454C-F654-48CB-89F9-9192E0780026}"/>
+              </a:ext>
+            </a:extLst>
+          </p:cNvPr>
+          <p:cNvSpPr>
+            <a:spLocks noGrp="1"/>
+          </p:cNvSpPr>
+          <p:nvPr>
+            <p:ph type="title"/>
+          </p:nvPr>
+        </p:nvSpPr>
+        <p:spPr/>
+        <p:txBody>
+          <a:bodyPr/>
+          <a:lstStyle/>
+          <a:p>
+            <a:r>
+              <a:rPr lang="en-US" sz="2400" dirty="0"/>
+              <a:t>Who won player of the match award most frequently?</a:t>
+            </a:r>
+          </a:p>
+        </p:txBody>
+      </p:sp>
+      <p:sp>
+        <p:nvSpPr>
+          <p:cNvPr id="3" name="Text Placeholder 2">
+            <a:extLst>
+              <a:ext uri="{FF2B5EF4-FFF2-40B4-BE49-F238E27FC236}">
+                <a16:creationId xmlns="" xmlns:a16="http://schemas.microsoft.com/office/drawing/2014/main" id="{E8803031-360A-48FB-8952-0CE90D883CD3}"/>
+              </a:ext>
+            </a:extLst>
+          </p:cNvPr>
+          <p:cNvSpPr>
+            <a:spLocks noGrp="1"/>
+          </p:cNvSpPr>
+          <p:nvPr>
+            <p:ph type="body" idx="1"/>
+          </p:nvPr>
+        </p:nvSpPr>
+        <p:spPr/>
+        <p:txBody>
+          <a:bodyPr/>
+          <a:lstStyle/>
+          <a:p>
+            <a:endParaRPr lang="en-US"/>
+          </a:p>
+        </p:txBody>
+      </p:sp>
+      <p:pic>
+        <p:nvPicPr>
+          <p:cNvPr id="4" name="Picture 4" descr="Chart, bar chart, histogram&#10;&#10;Description automatically generated">
+            <a:extLst>
+              <a:ext uri="{FF2B5EF4-FFF2-40B4-BE49-F238E27FC236}">
+                <a16:creationId xmlns="" xmlns:a16="http://schemas.microsoft.com/office/drawing/2014/main" id="{554D4D53-4C00-4509-9A55-78AAB913D56B}"/>
+              </a:ext>
+            </a:extLst>
+          </p:cNvPr>
+          <p:cNvPicPr>
+            <a:picLocks noChangeAspect="1"/>
+          </p:cNvPicPr>
+          <p:nvPr/>
+        </p:nvPicPr>
+        <p:blipFill>
+          <a:blip r:embed="rId2"/>
+          <a:stretch>
+            <a:fillRect/>
+          </a:stretch>
+        </p:blipFill>
+        <p:spPr>
+          <a:xfrm>
+            <a:off x="711368" y="1044667"/>
+            <a:ext cx="7285120" cy="3753501"/>
+          </a:xfrm>
+          <a:prstGeom prst="rect">
+            <a:avLst/>
+          </a:prstGeom>
+        </p:spPr>
+      </p:pic>
+    </p:spTree>
+    <p:extLst>
+      <p:ext uri="{BB962C8B-B14F-4D97-AF65-F5344CB8AC3E}">
+        <p14:creationId xmlns:p14="http://schemas.microsoft.com/office/powerpoint/2010/main" val="2488093890"/>
+      </p:ext>
+    </p:extLst>
+  </p:cSld>
+  <p:clrMapOvr>
+    <a:masterClrMapping/>
+  </p:clrMapOvr>
+</p:sld>
+</file>
+
+<file path=ppt/slides/slide24.xml><?xml version="1.0" encoding="utf-8"?>
+<p:sld xmlns:a="http://schemas.openxmlformats.org/drawingml/2006/main" xmlns:r="http://schemas.openxmlformats.org/officeDocument/2006/relationships" xmlns:p="http://schemas.openxmlformats.org/presentationml/2006/main">
+  <p:cSld>
+    <p:spTree>
+      <p:nvGrpSpPr>
+        <p:cNvPr id="1" name=""/>
+        <p:cNvGrpSpPr/>
+        <p:nvPr/>
+      </p:nvGrpSpPr>
+      <p:grpSpPr>
+        <a:xfrm>
+          <a:off x="0" y="0"/>
+          <a:ext cx="0" cy="0"/>
+          <a:chOff x="0" y="0"/>
+          <a:chExt cx="0" cy="0"/>
+        </a:xfrm>
+      </p:grpSpPr>
+      <p:sp>
+        <p:nvSpPr>
+          <p:cNvPr id="2" name="Title 1">
+            <a:extLst>
+              <a:ext uri="{FF2B5EF4-FFF2-40B4-BE49-F238E27FC236}">
+                <a16:creationId xmlns="" xmlns:a16="http://schemas.microsoft.com/office/drawing/2014/main" id="{4C2E2AC0-6860-47A6-8020-E64827DC7AF1}"/>
+              </a:ext>
+            </a:extLst>
+          </p:cNvPr>
+          <p:cNvSpPr>
+            <a:spLocks noGrp="1"/>
+          </p:cNvSpPr>
+          <p:nvPr>
+            <p:ph type="title"/>
+          </p:nvPr>
+        </p:nvSpPr>
+        <p:spPr/>
+        <p:txBody>
+          <a:bodyPr/>
+          <a:lstStyle/>
+          <a:p>
+            <a:r>
+              <a:rPr lang="en-US" dirty="0"/>
+              <a:t>Who </a:t>
+            </a:r>
+            <a:r>
+              <a:rPr lang="en-US" dirty="0" smtClean="0"/>
+              <a:t>won </a:t>
+            </a:r>
+            <a:r>
+              <a:rPr lang="en-US" dirty="0"/>
+              <a:t>most matches?</a:t>
+            </a:r>
+          </a:p>
+          <a:p>
+            <a:endParaRPr lang="en-US" dirty="0"/>
+          </a:p>
+        </p:txBody>
+      </p:sp>
+      <p:sp>
+        <p:nvSpPr>
+          <p:cNvPr id="3" name="Text Placeholder 2">
+            <a:extLst>
+              <a:ext uri="{FF2B5EF4-FFF2-40B4-BE49-F238E27FC236}">
+                <a16:creationId xmlns="" xmlns:a16="http://schemas.microsoft.com/office/drawing/2014/main" id="{D57382FF-86EA-4479-9381-E39AA3837A33}"/>
+              </a:ext>
+            </a:extLst>
+          </p:cNvPr>
+          <p:cNvSpPr>
+            <a:spLocks noGrp="1"/>
+          </p:cNvSpPr>
+          <p:nvPr>
+            <p:ph type="body" idx="1"/>
+          </p:nvPr>
+        </p:nvSpPr>
+        <p:spPr/>
+        <p:txBody>
+          <a:bodyPr/>
+          <a:lstStyle/>
+          <a:p>
+            <a:endParaRPr lang="en-US"/>
+          </a:p>
+        </p:txBody>
+      </p:sp>
+      <p:pic>
+        <p:nvPicPr>
+          <p:cNvPr id="4" name="Picture 4" descr="Chart, bar chart&#10;&#10;Description automatically generated">
+            <a:extLst>
+              <a:ext uri="{FF2B5EF4-FFF2-40B4-BE49-F238E27FC236}">
+                <a16:creationId xmlns="" xmlns:a16="http://schemas.microsoft.com/office/drawing/2014/main" id="{9DDA8146-5A3A-4832-86CE-95321A83B411}"/>
+              </a:ext>
+            </a:extLst>
+          </p:cNvPr>
+          <p:cNvPicPr>
+            <a:picLocks noChangeAspect="1"/>
+          </p:cNvPicPr>
+          <p:nvPr/>
+        </p:nvPicPr>
+        <p:blipFill>
+          <a:blip r:embed="rId2"/>
+          <a:stretch>
+            <a:fillRect/>
+          </a:stretch>
+        </p:blipFill>
+        <p:spPr>
+          <a:xfrm>
+            <a:off x="312822" y="1201871"/>
+            <a:ext cx="7999495" cy="3559408"/>
+          </a:xfrm>
+          <a:prstGeom prst="rect">
+            <a:avLst/>
+          </a:prstGeom>
+        </p:spPr>
+      </p:pic>
+    </p:spTree>
+    <p:extLst>
+      <p:ext uri="{BB962C8B-B14F-4D97-AF65-F5344CB8AC3E}">
+        <p14:creationId xmlns:p14="http://schemas.microsoft.com/office/powerpoint/2010/main" val="2155405735"/>
+      </p:ext>
+    </p:extLst>
+  </p:cSld>
+  <p:clrMapOvr>
+    <a:masterClrMapping/>
+  </p:clrMapOvr>
+</p:sld>
+</file>
+
+<file path=ppt/slides/slide25.xml><?xml version="1.0" encoding="utf-8"?>
+<p:sld xmlns:a="http://schemas.openxmlformats.org/drawingml/2006/main" xmlns:r="http://schemas.openxmlformats.org/officeDocument/2006/relationships" xmlns:p="http://schemas.openxmlformats.org/presentationml/2006/main">
+  <p:cSld>
+    <p:spTree>
+      <p:nvGrpSpPr>
+        <p:cNvPr id="1" name=""/>
+        <p:cNvGrpSpPr/>
+        <p:nvPr/>
+      </p:nvGrpSpPr>
+      <p:grpSpPr>
+        <a:xfrm>
+          <a:off x="0" y="0"/>
+          <a:ext cx="0" cy="0"/>
+          <a:chOff x="0" y="0"/>
+          <a:chExt cx="0" cy="0"/>
+        </a:xfrm>
+      </p:grpSpPr>
+      <p:sp>
+        <p:nvSpPr>
+          <p:cNvPr id="2" name="Title 1">
+            <a:extLst>
+              <a:ext uri="{FF2B5EF4-FFF2-40B4-BE49-F238E27FC236}">
+                <a16:creationId xmlns="" xmlns:a16="http://schemas.microsoft.com/office/drawing/2014/main" id="{22BDC74F-507E-401E-8346-360158133F76}"/>
+              </a:ext>
+            </a:extLst>
+          </p:cNvPr>
+          <p:cNvSpPr>
+            <a:spLocks noGrp="1"/>
+          </p:cNvSpPr>
+          <p:nvPr>
+            <p:ph type="title"/>
+          </p:nvPr>
+        </p:nvSpPr>
+        <p:spPr/>
+        <p:txBody>
+          <a:bodyPr/>
+          <a:lstStyle/>
+          <a:p>
+            <a:r>
+              <a:rPr lang="en-US" sz="2300" dirty="0"/>
+              <a:t>Does winning  the toss increases chance of winning the game?</a:t>
+            </a:r>
+          </a:p>
+          <a:p>
+            <a:endParaRPr lang="en-US" sz="2300" dirty="0"/>
+          </a:p>
+        </p:txBody>
+      </p:sp>
+      <p:sp>
+        <p:nvSpPr>
+          <p:cNvPr id="3" name="Text Placeholder 2">
+            <a:extLst>
+              <a:ext uri="{FF2B5EF4-FFF2-40B4-BE49-F238E27FC236}">
+                <a16:creationId xmlns="" xmlns:a16="http://schemas.microsoft.com/office/drawing/2014/main" id="{C5910883-3B76-4512-BAC3-D9621EB8AD63}"/>
+              </a:ext>
+            </a:extLst>
+          </p:cNvPr>
+          <p:cNvSpPr>
+            <a:spLocks noGrp="1"/>
+          </p:cNvSpPr>
+          <p:nvPr>
+            <p:ph type="body" idx="1"/>
+          </p:nvPr>
+        </p:nvSpPr>
+        <p:spPr/>
+        <p:txBody>
+          <a:bodyPr/>
+          <a:lstStyle/>
+          <a:p>
+            <a:endParaRPr lang="en-US"/>
+          </a:p>
+        </p:txBody>
+      </p:sp>
+      <p:pic>
+        <p:nvPicPr>
+          <p:cNvPr id="4" name="Picture 4" descr="Chart, scatter chart&#10;&#10;Description automatically generated">
+            <a:extLst>
+              <a:ext uri="{FF2B5EF4-FFF2-40B4-BE49-F238E27FC236}">
+                <a16:creationId xmlns="" xmlns:a16="http://schemas.microsoft.com/office/drawing/2014/main" id="{8887131D-D780-4C6E-843E-250D72F82CAE}"/>
+              </a:ext>
+            </a:extLst>
+          </p:cNvPr>
+          <p:cNvPicPr>
+            <a:picLocks noChangeAspect="1"/>
+          </p:cNvPicPr>
+          <p:nvPr/>
+        </p:nvPicPr>
+        <p:blipFill>
+          <a:blip r:embed="rId2"/>
+          <a:stretch>
+            <a:fillRect/>
+          </a:stretch>
+        </p:blipFill>
+        <p:spPr>
+          <a:xfrm>
+            <a:off x="741446" y="976257"/>
+            <a:ext cx="7059528" cy="4033195"/>
+          </a:xfrm>
+          <a:prstGeom prst="rect">
+            <a:avLst/>
+          </a:prstGeom>
+        </p:spPr>
+      </p:pic>
+    </p:spTree>
+    <p:extLst>
+      <p:ext uri="{BB962C8B-B14F-4D97-AF65-F5344CB8AC3E}">
+        <p14:creationId xmlns:p14="http://schemas.microsoft.com/office/powerpoint/2010/main" val="919327675"/>
+      </p:ext>
+    </p:extLst>
+  </p:cSld>
+  <p:clrMapOvr>
+    <a:masterClrMapping/>
+  </p:clrMapOvr>
+</p:sld>
+</file>
+
+<file path=ppt/slides/slide26.xml><?xml version="1.0" encoding="utf-8"?>
 <p:sld xmlns:a="http://schemas.openxmlformats.org/drawingml/2006/main" xmlns:r="http://schemas.openxmlformats.org/officeDocument/2006/relationships" xmlns:p="http://schemas.openxmlformats.org/presentationml/2006/main">
   <p:cSld>
     <p:spTree>
@@ -10203,7 +11204,67 @@
           <p:cNvPr id="2" name="Picture 2" descr="Chart, bar chart, histogram&#10;&#10;Description automatically generated">
             <a:extLst>
               <a:ext uri="{FF2B5EF4-FFF2-40B4-BE49-F238E27FC236}">
-                <a16:creationId xmlns:a16="http://schemas.microsoft.com/office/drawing/2014/main" xmlns="" id="{9DAF4B89-B15E-4030-93FF-DB04511B9D1A}"/>
+                <a16:creationId xmlns="" xmlns:a16="http://schemas.microsoft.com/office/drawing/2014/main" id="{F7E9C9EC-C628-4138-BF05-281D7CC354F5}"/>
+              </a:ext>
+            </a:extLst>
+          </p:cNvPr>
+          <p:cNvPicPr>
+            <a:picLocks noChangeAspect="1"/>
+          </p:cNvPicPr>
+          <p:nvPr/>
+        </p:nvPicPr>
+        <p:blipFill>
+          <a:blip r:embed="rId2"/>
+          <a:stretch>
+            <a:fillRect/>
+          </a:stretch>
+        </p:blipFill>
+        <p:spPr>
+          <a:xfrm>
+            <a:off x="560973" y="363908"/>
+            <a:ext cx="7608469" cy="4671356"/>
+          </a:xfrm>
+          <a:prstGeom prst="rect">
+            <a:avLst/>
+          </a:prstGeom>
+        </p:spPr>
+      </p:pic>
+    </p:spTree>
+    <p:extLst>
+      <p:ext uri="{BB962C8B-B14F-4D97-AF65-F5344CB8AC3E}">
+        <p14:creationId xmlns:p14="http://schemas.microsoft.com/office/powerpoint/2010/main" val="3966269476"/>
+      </p:ext>
+    </p:extLst>
+  </p:cSld>
+  <p:clrMapOvr>
+    <a:masterClrMapping/>
+  </p:clrMapOvr>
+</p:sld>
+</file>
+
+<file path=ppt/slides/slide27.xml><?xml version="1.0" encoding="utf-8"?>
+<p:sld xmlns:a="http://schemas.openxmlformats.org/drawingml/2006/main" xmlns:r="http://schemas.openxmlformats.org/officeDocument/2006/relationships" xmlns:p="http://schemas.openxmlformats.org/presentationml/2006/main">
+  <p:cSld>
+    <p:spTree>
+      <p:nvGrpSpPr>
+        <p:cNvPr id="1" name=""/>
+        <p:cNvGrpSpPr/>
+        <p:nvPr/>
+      </p:nvGrpSpPr>
+      <p:grpSpPr>
+        <a:xfrm>
+          <a:off x="0" y="0"/>
+          <a:ext cx="0" cy="0"/>
+          <a:chOff x="0" y="0"/>
+          <a:chExt cx="0" cy="0"/>
+        </a:xfrm>
+      </p:grpSpPr>
+      <p:pic>
+        <p:nvPicPr>
+          <p:cNvPr id="2" name="Picture 2" descr="Chart, bar chart, histogram&#10;&#10;Description automatically generated">
+            <a:extLst>
+              <a:ext uri="{FF2B5EF4-FFF2-40B4-BE49-F238E27FC236}">
+                <a16:creationId xmlns="" xmlns:a16="http://schemas.microsoft.com/office/drawing/2014/main" id="{9DAF4B89-B15E-4030-93FF-DB04511B9D1A}"/>
               </a:ext>
             </a:extLst>
           </p:cNvPr>
@@ -10241,7 +11302,7 @@
 </p:sld>
 </file>
 
-<file path=ppt/slides/slide21.xml><?xml version="1.0" encoding="utf-8"?>
+<file path=ppt/slides/slide28.xml><?xml version="1.0" encoding="utf-8"?>
 <p:sld xmlns:a="http://schemas.openxmlformats.org/drawingml/2006/main" xmlns:r="http://schemas.openxmlformats.org/officeDocument/2006/relationships" xmlns:p="http://schemas.openxmlformats.org/presentationml/2006/main">
   <p:cSld>
     <p:spTree>
@@ -10317,7 +11378,7 @@
           <p:cNvPr id="3" name="Picture 2">
             <a:extLst>
               <a:ext uri="{FF2B5EF4-FFF2-40B4-BE49-F238E27FC236}">
-                <a16:creationId xmlns:a16="http://schemas.microsoft.com/office/drawing/2014/main" xmlns="" id="{F0C1BEAD-E90B-42DA-B3A3-75F592E6C053}"/>
+                <a16:creationId xmlns="" xmlns:a16="http://schemas.microsoft.com/office/drawing/2014/main" id="{F0C1BEAD-E90B-42DA-B3A3-75F592E6C053}"/>
               </a:ext>
             </a:extLst>
           </p:cNvPr>
@@ -10350,7 +11411,7 @@
 </p:sld>
 </file>
 
-<file path=ppt/slides/slide22.xml><?xml version="1.0" encoding="utf-8"?>
+<file path=ppt/slides/slide29.xml><?xml version="1.0" encoding="utf-8"?>
 <p:sld xmlns:a="http://schemas.openxmlformats.org/drawingml/2006/main" xmlns:r="http://schemas.openxmlformats.org/officeDocument/2006/relationships" xmlns:p="http://schemas.openxmlformats.org/presentationml/2006/main">
   <p:cSld>
     <p:spTree>
@@ -10372,7 +11433,7 @@
           <p:cNvPr id="2" name="Title 1">
             <a:extLst>
               <a:ext uri="{FF2B5EF4-FFF2-40B4-BE49-F238E27FC236}">
-                <a16:creationId xmlns:a16="http://schemas.microsoft.com/office/drawing/2014/main" xmlns="" id="{0F3E9C90-07AD-4A01-8207-E8040077CF8E}"/>
+                <a16:creationId xmlns="" xmlns:a16="http://schemas.microsoft.com/office/drawing/2014/main" id="{0F3E9C90-07AD-4A01-8207-E8040077CF8E}"/>
               </a:ext>
             </a:extLst>
           </p:cNvPr>
@@ -10407,7 +11468,7 @@
           <p:cNvPr id="4" name="Picture 3">
             <a:extLst>
               <a:ext uri="{FF2B5EF4-FFF2-40B4-BE49-F238E27FC236}">
-                <a16:creationId xmlns:a16="http://schemas.microsoft.com/office/drawing/2014/main" xmlns="" id="{F86655DA-294F-4196-94C9-7B6883CB5A66}"/>
+                <a16:creationId xmlns="" xmlns:a16="http://schemas.microsoft.com/office/drawing/2014/main" id="{F86655DA-294F-4196-94C9-7B6883CB5A66}"/>
               </a:ext>
             </a:extLst>
           </p:cNvPr>
@@ -10445,7 +11506,262 @@
 </p:sld>
 </file>
 
-<file path=ppt/slides/slide23.xml><?xml version="1.0" encoding="utf-8"?>
+<file path=ppt/slides/slide3.xml><?xml version="1.0" encoding="utf-8"?>
+<p:sld xmlns:a="http://schemas.openxmlformats.org/drawingml/2006/main" xmlns:r="http://schemas.openxmlformats.org/officeDocument/2006/relationships" xmlns:p="http://schemas.openxmlformats.org/presentationml/2006/main">
+  <p:cSld>
+    <p:spTree>
+      <p:nvGrpSpPr>
+        <p:cNvPr id="1" name=""/>
+        <p:cNvGrpSpPr/>
+        <p:nvPr/>
+      </p:nvGrpSpPr>
+      <p:grpSpPr>
+        <a:xfrm>
+          <a:off x="0" y="0"/>
+          <a:ext cx="0" cy="0"/>
+          <a:chOff x="0" y="0"/>
+          <a:chExt cx="0" cy="0"/>
+        </a:xfrm>
+      </p:grpSpPr>
+      <p:sp>
+        <p:nvSpPr>
+          <p:cNvPr id="4" name="Title 3"/>
+          <p:cNvSpPr>
+            <a:spLocks noGrp="1"/>
+          </p:cNvSpPr>
+          <p:nvPr>
+            <p:ph type="title"/>
+          </p:nvPr>
+        </p:nvSpPr>
+        <p:spPr/>
+        <p:txBody>
+          <a:bodyPr/>
+          <a:lstStyle/>
+          <a:p>
+            <a:r>
+              <a:rPr lang="en-US" dirty="0" smtClean="0"/>
+              <a:t>Content:</a:t>
+            </a:r>
+            <a:endParaRPr lang="hi-IN" dirty="0"/>
+          </a:p>
+        </p:txBody>
+      </p:sp>
+      <p:sp>
+        <p:nvSpPr>
+          <p:cNvPr id="5" name="Text Placeholder 4"/>
+          <p:cNvSpPr>
+            <a:spLocks noGrp="1"/>
+          </p:cNvSpPr>
+          <p:nvPr>
+            <p:ph type="body" idx="1"/>
+          </p:nvPr>
+        </p:nvSpPr>
+        <p:spPr/>
+        <p:txBody>
+          <a:bodyPr/>
+          <a:lstStyle/>
+          <a:p>
+            <a:pPr marL="114300" indent="0">
+              <a:lnSpc>
+                <a:spcPct val="150000"/>
+              </a:lnSpc>
+              <a:buNone/>
+            </a:pPr>
+            <a:r>
+              <a:rPr lang="en-US" sz="1600" dirty="0" smtClean="0">
+                <a:solidFill>
+                  <a:schemeClr val="bg1"/>
+                </a:solidFill>
+              </a:rPr>
+              <a:t>Problem Statement</a:t>
+            </a:r>
+          </a:p>
+          <a:p>
+            <a:pPr marL="114300" indent="0">
+              <a:lnSpc>
+                <a:spcPct val="150000"/>
+              </a:lnSpc>
+              <a:buNone/>
+            </a:pPr>
+            <a:r>
+              <a:rPr lang="en-US" sz="1600" dirty="0" smtClean="0">
+                <a:solidFill>
+                  <a:schemeClr val="bg1"/>
+                </a:solidFill>
+              </a:rPr>
+              <a:t>Introduction</a:t>
+            </a:r>
+          </a:p>
+          <a:p>
+            <a:pPr marL="114300" indent="0">
+              <a:lnSpc>
+                <a:spcPct val="150000"/>
+              </a:lnSpc>
+              <a:buNone/>
+            </a:pPr>
+            <a:r>
+              <a:rPr lang="en-US" sz="1600" dirty="0" smtClean="0">
+                <a:solidFill>
+                  <a:schemeClr val="bg1"/>
+                </a:solidFill>
+              </a:rPr>
+              <a:t>Dataset Summary</a:t>
+            </a:r>
+          </a:p>
+          <a:p>
+            <a:pPr marL="114300" indent="0">
+              <a:lnSpc>
+                <a:spcPct val="150000"/>
+              </a:lnSpc>
+              <a:buNone/>
+            </a:pPr>
+            <a:r>
+              <a:rPr lang="en-US" sz="1600" dirty="0" smtClean="0">
+                <a:solidFill>
+                  <a:schemeClr val="bg1"/>
+                </a:solidFill>
+              </a:rPr>
+              <a:t>Season Wise Analysis</a:t>
+            </a:r>
+          </a:p>
+          <a:p>
+            <a:pPr marL="114300" indent="0">
+              <a:lnSpc>
+                <a:spcPct val="150000"/>
+              </a:lnSpc>
+              <a:buNone/>
+            </a:pPr>
+            <a:r>
+              <a:rPr lang="en-US" sz="1600" dirty="0" smtClean="0">
+                <a:solidFill>
+                  <a:schemeClr val="bg1"/>
+                </a:solidFill>
+              </a:rPr>
+              <a:t>Player wise Analysis</a:t>
+            </a:r>
+          </a:p>
+          <a:p>
+            <a:pPr marL="114300" indent="0">
+              <a:lnSpc>
+                <a:spcPct val="150000"/>
+              </a:lnSpc>
+              <a:buNone/>
+            </a:pPr>
+            <a:r>
+              <a:rPr lang="en-US" sz="1600" dirty="0" smtClean="0">
+                <a:solidFill>
+                  <a:schemeClr val="bg1"/>
+                </a:solidFill>
+              </a:rPr>
+              <a:t>Team Wise Analysis</a:t>
+            </a:r>
+          </a:p>
+          <a:p>
+            <a:pPr marL="114300" indent="0">
+              <a:lnSpc>
+                <a:spcPct val="150000"/>
+              </a:lnSpc>
+              <a:buNone/>
+            </a:pPr>
+            <a:r>
+              <a:rPr lang="en-US" sz="1600" dirty="0" smtClean="0">
+                <a:solidFill>
+                  <a:schemeClr val="bg1"/>
+                </a:solidFill>
+              </a:rPr>
+              <a:t>Player Rankings</a:t>
+            </a:r>
+          </a:p>
+          <a:p>
+            <a:pPr marL="114300" indent="0">
+              <a:lnSpc>
+                <a:spcPct val="150000"/>
+              </a:lnSpc>
+              <a:buNone/>
+            </a:pPr>
+            <a:r>
+              <a:rPr lang="en-US" sz="1600" dirty="0" smtClean="0">
+                <a:solidFill>
+                  <a:schemeClr val="bg1"/>
+                </a:solidFill>
+              </a:rPr>
+              <a:t>Player Segmentation</a:t>
+            </a:r>
+          </a:p>
+          <a:p>
+            <a:pPr marL="114300" indent="0">
+              <a:lnSpc>
+                <a:spcPct val="150000"/>
+              </a:lnSpc>
+              <a:buNone/>
+            </a:pPr>
+            <a:r>
+              <a:rPr lang="en-US" sz="1600" dirty="0" smtClean="0">
+                <a:solidFill>
+                  <a:schemeClr val="bg1"/>
+                </a:solidFill>
+              </a:rPr>
+              <a:t>Conclusion</a:t>
+            </a:r>
+            <a:endParaRPr lang="hi-IN" sz="1600" dirty="0">
+              <a:solidFill>
+                <a:schemeClr val="bg1"/>
+              </a:solidFill>
+            </a:endParaRPr>
+          </a:p>
+        </p:txBody>
+      </p:sp>
+      <p:pic>
+        <p:nvPicPr>
+          <p:cNvPr id="8" name="Picture 7"/>
+          <p:cNvPicPr>
+            <a:picLocks noChangeAspect="1"/>
+          </p:cNvPicPr>
+          <p:nvPr/>
+        </p:nvPicPr>
+        <p:blipFill>
+          <a:blip r:embed="rId3">
+            <a:extLst>
+              <a:ext uri="{28A0092B-C50C-407E-A947-70E740481C1C}">
+                <a14:useLocalDpi xmlns:a14="http://schemas.microsoft.com/office/drawing/2010/main" val="0"/>
+              </a:ext>
+            </a:extLst>
+          </a:blip>
+          <a:stretch>
+            <a:fillRect/>
+          </a:stretch>
+        </p:blipFill>
+        <p:spPr>
+          <a:xfrm>
+            <a:off x="2044557" y="82194"/>
+            <a:ext cx="6387050" cy="4568875"/>
+          </a:xfrm>
+          <a:prstGeom prst="rect">
+            <a:avLst/>
+          </a:prstGeom>
+        </p:spPr>
+      </p:pic>
+    </p:spTree>
+    <p:extLst>
+      <p:ext uri="{BB962C8B-B14F-4D97-AF65-F5344CB8AC3E}">
+        <p14:creationId xmlns:p14="http://schemas.microsoft.com/office/powerpoint/2010/main" val="4246075083"/>
+      </p:ext>
+    </p:extLst>
+  </p:cSld>
+  <p:clrMapOvr>
+    <a:masterClrMapping/>
+  </p:clrMapOvr>
+  <p:timing>
+    <p:tnLst>
+      <p:par>
+        <p:cTn id="1" dur="indefinite" restart="never" nodeType="tmRoot"/>
+      </p:par>
+    </p:tnLst>
+  </p:timing>
+</p:sld>
+</file>
+
+<file path=ppt/slides/slide30.xml><?xml version="1.0" encoding="utf-8"?>
 <p:sld xmlns:a="http://schemas.openxmlformats.org/drawingml/2006/main" xmlns:r="http://schemas.openxmlformats.org/officeDocument/2006/relationships" xmlns:p="http://schemas.openxmlformats.org/presentationml/2006/main">
   <p:cSld>
     <p:spTree>
@@ -10467,7 +11783,7 @@
           <p:cNvPr id="2" name="Title 1">
             <a:extLst>
               <a:ext uri="{FF2B5EF4-FFF2-40B4-BE49-F238E27FC236}">
-                <a16:creationId xmlns:a16="http://schemas.microsoft.com/office/drawing/2014/main" xmlns="" id="{490567E6-9C39-4F62-A5B0-927B6C66847F}"/>
+                <a16:creationId xmlns="" xmlns:a16="http://schemas.microsoft.com/office/drawing/2014/main" id="{490567E6-9C39-4F62-A5B0-927B6C66847F}"/>
               </a:ext>
             </a:extLst>
           </p:cNvPr>
@@ -10502,7 +11818,7 @@
           <p:cNvPr id="4" name="Picture 3">
             <a:extLst>
               <a:ext uri="{FF2B5EF4-FFF2-40B4-BE49-F238E27FC236}">
-                <a16:creationId xmlns:a16="http://schemas.microsoft.com/office/drawing/2014/main" xmlns="" id="{4B354421-F7ED-4B53-8249-4610357F3586}"/>
+                <a16:creationId xmlns="" xmlns:a16="http://schemas.microsoft.com/office/drawing/2014/main" id="{4B354421-F7ED-4B53-8249-4610357F3586}"/>
               </a:ext>
             </a:extLst>
           </p:cNvPr>
@@ -10540,7 +11856,7 @@
 </p:sld>
 </file>
 
-<file path=ppt/slides/slide24.xml><?xml version="1.0" encoding="utf-8"?>
+<file path=ppt/slides/slide31.xml><?xml version="1.0" encoding="utf-8"?>
 <p:sld xmlns:a="http://schemas.openxmlformats.org/drawingml/2006/main" xmlns:r="http://schemas.openxmlformats.org/officeDocument/2006/relationships" xmlns:p="http://schemas.openxmlformats.org/presentationml/2006/main">
   <p:cSld>
     <p:spTree>
@@ -10562,7 +11878,7 @@
           <p:cNvPr id="2" name="Title 1">
             <a:extLst>
               <a:ext uri="{FF2B5EF4-FFF2-40B4-BE49-F238E27FC236}">
-                <a16:creationId xmlns:a16="http://schemas.microsoft.com/office/drawing/2014/main" xmlns="" id="{1F7231BC-2710-418C-A254-7F48AB195DD5}"/>
+                <a16:creationId xmlns="" xmlns:a16="http://schemas.microsoft.com/office/drawing/2014/main" id="{1F7231BC-2710-418C-A254-7F48AB195DD5}"/>
               </a:ext>
             </a:extLst>
           </p:cNvPr>
@@ -10597,7 +11913,7 @@
           <p:cNvPr id="4" name="Picture 3">
             <a:extLst>
               <a:ext uri="{FF2B5EF4-FFF2-40B4-BE49-F238E27FC236}">
-                <a16:creationId xmlns:a16="http://schemas.microsoft.com/office/drawing/2014/main" xmlns="" id="{90EB7C1D-76B1-46AA-A607-83EC3B9BBEAA}"/>
+                <a16:creationId xmlns="" xmlns:a16="http://schemas.microsoft.com/office/drawing/2014/main" id="{90EB7C1D-76B1-46AA-A607-83EC3B9BBEAA}"/>
               </a:ext>
             </a:extLst>
           </p:cNvPr>
@@ -10635,7 +11951,7 @@
 </p:sld>
 </file>
 
-<file path=ppt/slides/slide25.xml><?xml version="1.0" encoding="utf-8"?>
+<file path=ppt/slides/slide32.xml><?xml version="1.0" encoding="utf-8"?>
 <p:sld xmlns:a="http://schemas.openxmlformats.org/drawingml/2006/main" xmlns:r="http://schemas.openxmlformats.org/officeDocument/2006/relationships" xmlns:p="http://schemas.openxmlformats.org/presentationml/2006/main">
   <p:cSld>
     <p:spTree>
@@ -10657,7 +11973,7 @@
           <p:cNvPr id="2" name="Title 1">
             <a:extLst>
               <a:ext uri="{FF2B5EF4-FFF2-40B4-BE49-F238E27FC236}">
-                <a16:creationId xmlns:a16="http://schemas.microsoft.com/office/drawing/2014/main" xmlns="" id="{4EB928C6-0FFF-4C7C-AA8B-D77B3BE1912A}"/>
+                <a16:creationId xmlns="" xmlns:a16="http://schemas.microsoft.com/office/drawing/2014/main" id="{4EB928C6-0FFF-4C7C-AA8B-D77B3BE1912A}"/>
               </a:ext>
             </a:extLst>
           </p:cNvPr>
@@ -10692,7 +12008,7 @@
           <p:cNvPr id="4" name="Picture 3">
             <a:extLst>
               <a:ext uri="{FF2B5EF4-FFF2-40B4-BE49-F238E27FC236}">
-                <a16:creationId xmlns:a16="http://schemas.microsoft.com/office/drawing/2014/main" xmlns="" id="{ADD59A65-3D38-4EC7-B0A2-4401E71A5A50}"/>
+                <a16:creationId xmlns="" xmlns:a16="http://schemas.microsoft.com/office/drawing/2014/main" id="{ADD59A65-3D38-4EC7-B0A2-4401E71A5A50}"/>
               </a:ext>
             </a:extLst>
           </p:cNvPr>
@@ -10730,7 +12046,7 @@
 </p:sld>
 </file>
 
-<file path=ppt/slides/slide26.xml><?xml version="1.0" encoding="utf-8"?>
+<file path=ppt/slides/slide33.xml><?xml version="1.0" encoding="utf-8"?>
 <p:sld xmlns:a="http://schemas.openxmlformats.org/drawingml/2006/main" xmlns:r="http://schemas.openxmlformats.org/officeDocument/2006/relationships" xmlns:p="http://schemas.openxmlformats.org/presentationml/2006/main">
   <p:cSld>
     <p:spTree>
@@ -10752,7 +12068,7 @@
           <p:cNvPr id="2" name="Title 1">
             <a:extLst>
               <a:ext uri="{FF2B5EF4-FFF2-40B4-BE49-F238E27FC236}">
-                <a16:creationId xmlns:a16="http://schemas.microsoft.com/office/drawing/2014/main" xmlns="" id="{7ED710F6-DF6B-47D6-8CF2-11A122427C79}"/>
+                <a16:creationId xmlns="" xmlns:a16="http://schemas.microsoft.com/office/drawing/2014/main" id="{7ED710F6-DF6B-47D6-8CF2-11A122427C79}"/>
               </a:ext>
             </a:extLst>
           </p:cNvPr>
@@ -10787,7 +12103,7 @@
           <p:cNvPr id="4" name="Picture 3">
             <a:extLst>
               <a:ext uri="{FF2B5EF4-FFF2-40B4-BE49-F238E27FC236}">
-                <a16:creationId xmlns:a16="http://schemas.microsoft.com/office/drawing/2014/main" xmlns="" id="{62097BBA-0EE2-4959-82D2-A5627CF8FF4A}"/>
+                <a16:creationId xmlns="" xmlns:a16="http://schemas.microsoft.com/office/drawing/2014/main" id="{62097BBA-0EE2-4959-82D2-A5627CF8FF4A}"/>
               </a:ext>
             </a:extLst>
           </p:cNvPr>
@@ -10825,7 +12141,7 @@
 </p:sld>
 </file>
 
-<file path=ppt/slides/slide27.xml><?xml version="1.0" encoding="utf-8"?>
+<file path=ppt/slides/slide34.xml><?xml version="1.0" encoding="utf-8"?>
 <p:sld xmlns:a="http://schemas.openxmlformats.org/drawingml/2006/main" xmlns:r="http://schemas.openxmlformats.org/officeDocument/2006/relationships" xmlns:p="http://schemas.openxmlformats.org/presentationml/2006/main">
   <p:cSld>
     <p:spTree>
@@ -10847,7 +12163,7 @@
           <p:cNvPr id="2" name="Title 1">
             <a:extLst>
               <a:ext uri="{FF2B5EF4-FFF2-40B4-BE49-F238E27FC236}">
-                <a16:creationId xmlns:a16="http://schemas.microsoft.com/office/drawing/2014/main" xmlns="" id="{AC9149E9-E6A4-4E9C-8E93-ACDF96CC0437}"/>
+                <a16:creationId xmlns="" xmlns:a16="http://schemas.microsoft.com/office/drawing/2014/main" id="{AC9149E9-E6A4-4E9C-8E93-ACDF96CC0437}"/>
               </a:ext>
             </a:extLst>
           </p:cNvPr>
@@ -10882,7 +12198,7 @@
           <p:cNvPr id="4" name="Picture 3">
             <a:extLst>
               <a:ext uri="{FF2B5EF4-FFF2-40B4-BE49-F238E27FC236}">
-                <a16:creationId xmlns:a16="http://schemas.microsoft.com/office/drawing/2014/main" xmlns="" id="{26C45BB7-E0F9-4486-B7E0-EEC1B53EAC89}"/>
+                <a16:creationId xmlns="" xmlns:a16="http://schemas.microsoft.com/office/drawing/2014/main" id="{26C45BB7-E0F9-4486-B7E0-EEC1B53EAC89}"/>
               </a:ext>
             </a:extLst>
           </p:cNvPr>
@@ -10920,7 +12236,7 @@
 </p:sld>
 </file>
 
-<file path=ppt/slides/slide28.xml><?xml version="1.0" encoding="utf-8"?>
+<file path=ppt/slides/slide35.xml><?xml version="1.0" encoding="utf-8"?>
 <p:sld xmlns:a="http://schemas.openxmlformats.org/drawingml/2006/main" xmlns:r="http://schemas.openxmlformats.org/officeDocument/2006/relationships" xmlns:p="http://schemas.openxmlformats.org/presentationml/2006/main">
   <p:cSld>
     <p:spTree>
@@ -10942,7 +12258,7 @@
           <p:cNvPr id="2" name="Title 1">
             <a:extLst>
               <a:ext uri="{FF2B5EF4-FFF2-40B4-BE49-F238E27FC236}">
-                <a16:creationId xmlns:a16="http://schemas.microsoft.com/office/drawing/2014/main" xmlns="" id="{D5F0FC81-604E-4C1A-91FA-1F49427F5106}"/>
+                <a16:creationId xmlns="" xmlns:a16="http://schemas.microsoft.com/office/drawing/2014/main" id="{D5F0FC81-604E-4C1A-91FA-1F49427F5106}"/>
               </a:ext>
             </a:extLst>
           </p:cNvPr>
@@ -10978,7 +12294,492 @@
 </p:sld>
 </file>
 
-<file path=ppt/slides/slide3.xml><?xml version="1.0" encoding="utf-8"?>
+<file path=ppt/slides/slide4.xml><?xml version="1.0" encoding="utf-8"?>
+<p:sld xmlns:a="http://schemas.openxmlformats.org/drawingml/2006/main" xmlns:r="http://schemas.openxmlformats.org/officeDocument/2006/relationships" xmlns:p="http://schemas.openxmlformats.org/presentationml/2006/main">
+  <p:cSld>
+    <p:spTree>
+      <p:nvGrpSpPr>
+        <p:cNvPr id="1" name=""/>
+        <p:cNvGrpSpPr/>
+        <p:nvPr/>
+      </p:nvGrpSpPr>
+      <p:grpSpPr>
+        <a:xfrm>
+          <a:off x="0" y="0"/>
+          <a:ext cx="0" cy="0"/>
+          <a:chOff x="0" y="0"/>
+          <a:chExt cx="0" cy="0"/>
+        </a:xfrm>
+      </p:grpSpPr>
+      <p:sp>
+        <p:nvSpPr>
+          <p:cNvPr id="2" name="Title 1"/>
+          <p:cNvSpPr>
+            <a:spLocks noGrp="1"/>
+          </p:cNvSpPr>
+          <p:nvPr>
+            <p:ph type="title"/>
+          </p:nvPr>
+        </p:nvSpPr>
+        <p:spPr/>
+        <p:txBody>
+          <a:bodyPr/>
+          <a:lstStyle/>
+          <a:p>
+            <a:pPr algn="ctr"/>
+            <a:r>
+              <a:rPr lang="en-US" dirty="0" smtClean="0"/>
+              <a:t>PROBLEM STATEMENT</a:t>
+            </a:r>
+            <a:endParaRPr lang="hi-IN" dirty="0"/>
+          </a:p>
+        </p:txBody>
+      </p:sp>
+      <p:sp>
+        <p:nvSpPr>
+          <p:cNvPr id="3" name="Text Placeholder 2"/>
+          <p:cNvSpPr>
+            <a:spLocks noGrp="1"/>
+          </p:cNvSpPr>
+          <p:nvPr>
+            <p:ph type="body" idx="1"/>
+          </p:nvPr>
+        </p:nvSpPr>
+        <p:spPr/>
+        <p:txBody>
+          <a:bodyPr/>
+          <a:lstStyle/>
+          <a:p>
+            <a:endParaRPr lang="hi-IN" dirty="0"/>
+          </a:p>
+        </p:txBody>
+      </p:sp>
+    </p:spTree>
+    <p:extLst>
+      <p:ext uri="{BB962C8B-B14F-4D97-AF65-F5344CB8AC3E}">
+        <p14:creationId xmlns:p14="http://schemas.microsoft.com/office/powerpoint/2010/main" val="308892933"/>
+      </p:ext>
+    </p:extLst>
+  </p:cSld>
+  <p:clrMapOvr>
+    <a:masterClrMapping/>
+  </p:clrMapOvr>
+  <p:timing>
+    <p:tnLst>
+      <p:par>
+        <p:cTn id="1" dur="indefinite" restart="never" nodeType="tmRoot"/>
+      </p:par>
+    </p:tnLst>
+  </p:timing>
+</p:sld>
+</file>
+
+<file path=ppt/slides/slide5.xml><?xml version="1.0" encoding="utf-8"?>
+<p:sld xmlns:a="http://schemas.openxmlformats.org/drawingml/2006/main" xmlns:r="http://schemas.openxmlformats.org/officeDocument/2006/relationships" xmlns:p="http://schemas.openxmlformats.org/presentationml/2006/main">
+  <p:cSld>
+    <p:spTree>
+      <p:nvGrpSpPr>
+        <p:cNvPr id="1" name=""/>
+        <p:cNvGrpSpPr/>
+        <p:nvPr/>
+      </p:nvGrpSpPr>
+      <p:grpSpPr>
+        <a:xfrm>
+          <a:off x="0" y="0"/>
+          <a:ext cx="0" cy="0"/>
+          <a:chOff x="0" y="0"/>
+          <a:chExt cx="0" cy="0"/>
+        </a:xfrm>
+      </p:grpSpPr>
+      <p:sp>
+        <p:nvSpPr>
+          <p:cNvPr id="3" name="Title 2"/>
+          <p:cNvSpPr>
+            <a:spLocks noGrp="1"/>
+          </p:cNvSpPr>
+          <p:nvPr>
+            <p:ph type="title"/>
+          </p:nvPr>
+        </p:nvSpPr>
+        <p:spPr/>
+        <p:txBody>
+          <a:bodyPr/>
+          <a:lstStyle/>
+          <a:p>
+            <a:r>
+              <a:rPr lang="en-US" dirty="0" smtClean="0"/>
+              <a:t>INTRODUCTION:</a:t>
+            </a:r>
+            <a:endParaRPr lang="hi-IN" dirty="0"/>
+          </a:p>
+        </p:txBody>
+      </p:sp>
+      <p:sp>
+        <p:nvSpPr>
+          <p:cNvPr id="4" name="Text Placeholder 3"/>
+          <p:cNvSpPr>
+            <a:spLocks noGrp="1"/>
+          </p:cNvSpPr>
+          <p:nvPr>
+            <p:ph type="body" idx="1"/>
+          </p:nvPr>
+        </p:nvSpPr>
+        <p:spPr/>
+        <p:txBody>
+          <a:bodyPr/>
+          <a:lstStyle/>
+          <a:p>
+            <a:pPr marL="114300" indent="0">
+              <a:buNone/>
+            </a:pPr>
+            <a:r>
+              <a:rPr lang="en-US" sz="1600" dirty="0" smtClean="0">
+                <a:solidFill>
+                  <a:schemeClr val="bg1"/>
+                </a:solidFill>
+              </a:rPr>
+              <a:t>Indian</a:t>
+            </a:r>
+            <a:r>
+              <a:rPr lang="en-US" sz="1600" dirty="0">
+                <a:solidFill>
+                  <a:schemeClr val="bg1"/>
+                </a:solidFill>
+              </a:rPr>
+              <a:t> Premier League(IPL) is a professional Twenty20 cricket league in India contested during March or April and May of every year by eight teams representing eight different cities </a:t>
+            </a:r>
+            <a:r>
+              <a:rPr lang="en-US" sz="1600" dirty="0">
+                <a:solidFill>
+                  <a:schemeClr val="bg1"/>
+                </a:solidFill>
+              </a:rPr>
+              <a:t> </a:t>
+            </a:r>
+            <a:r>
+              <a:rPr lang="en-US" sz="1600" dirty="0" smtClean="0">
+                <a:solidFill>
+                  <a:schemeClr val="bg1"/>
+                </a:solidFill>
+              </a:rPr>
+              <a:t>in</a:t>
+            </a:r>
+            <a:r>
+              <a:rPr lang="en-US" sz="1600" dirty="0">
+                <a:solidFill>
+                  <a:schemeClr val="bg1"/>
+                </a:solidFill>
+              </a:rPr>
+              <a:t> India. </a:t>
+            </a:r>
+            <a:endParaRPr lang="en-US" sz="1600" dirty="0" smtClean="0">
+              <a:solidFill>
+                <a:schemeClr val="bg1"/>
+              </a:solidFill>
+            </a:endParaRPr>
+          </a:p>
+          <a:p>
+            <a:pPr marL="114300" indent="0">
+              <a:buNone/>
+            </a:pPr>
+            <a:endParaRPr lang="en-US" sz="1600" dirty="0">
+              <a:solidFill>
+                <a:schemeClr val="bg1"/>
+              </a:solidFill>
+            </a:endParaRPr>
+          </a:p>
+          <a:p>
+            <a:pPr marL="114300" indent="0">
+              <a:buNone/>
+            </a:pPr>
+            <a:r>
+              <a:rPr lang="en-US" sz="1600" dirty="0" smtClean="0">
+                <a:solidFill>
+                  <a:schemeClr val="bg1"/>
+                </a:solidFill>
+              </a:rPr>
+              <a:t>The</a:t>
+            </a:r>
+            <a:r>
+              <a:rPr lang="en-US" sz="1600" dirty="0">
+                <a:solidFill>
+                  <a:schemeClr val="bg1"/>
+                </a:solidFill>
+              </a:rPr>
+              <a:t> league was founded by the Board of Control for Cricket in India(BCCI) in </a:t>
+            </a:r>
+            <a:r>
+              <a:rPr lang="en-US" sz="1600" dirty="0" smtClean="0">
+                <a:solidFill>
+                  <a:schemeClr val="bg1"/>
+                </a:solidFill>
+              </a:rPr>
+              <a:t>2008</a:t>
+            </a:r>
+            <a:r>
+              <a:rPr lang="en-US" sz="1600" dirty="0">
+                <a:solidFill>
+                  <a:schemeClr val="bg1"/>
+                </a:solidFill>
+              </a:rPr>
+              <a:t> </a:t>
+            </a:r>
+            <a:r>
+              <a:rPr lang="en-US" sz="1600" dirty="0" smtClean="0">
+                <a:solidFill>
+                  <a:schemeClr val="bg1"/>
+                </a:solidFill>
+              </a:rPr>
+              <a:t>and now it is the most attended cricket league in the world.</a:t>
+            </a:r>
+          </a:p>
+          <a:p>
+            <a:pPr marL="114300" indent="0">
+              <a:buNone/>
+            </a:pPr>
+            <a:endParaRPr lang="en-US" sz="1600" dirty="0">
+              <a:solidFill>
+                <a:schemeClr val="bg1"/>
+              </a:solidFill>
+            </a:endParaRPr>
+          </a:p>
+          <a:p>
+            <a:pPr marL="114300" indent="0">
+              <a:buNone/>
+            </a:pPr>
+            <a:r>
+              <a:rPr lang="en-US" sz="1600" dirty="0" smtClean="0">
+                <a:solidFill>
+                  <a:schemeClr val="bg1"/>
+                </a:solidFill>
+              </a:rPr>
+              <a:t>In 2010, the IPL became the first sporting event in the world to be broadcasted live on  YouTube.</a:t>
+            </a:r>
+            <a:endParaRPr lang="en-US" sz="1600" dirty="0">
+              <a:solidFill>
+                <a:schemeClr val="bg1"/>
+              </a:solidFill>
+            </a:endParaRPr>
+          </a:p>
+          <a:p>
+            <a:pPr marL="114300" indent="0">
+              <a:buNone/>
+            </a:pPr>
+            <a:endParaRPr lang="hi-IN" dirty="0">
+              <a:solidFill>
+                <a:schemeClr val="bg1"/>
+              </a:solidFill>
+            </a:endParaRPr>
+          </a:p>
+        </p:txBody>
+      </p:sp>
+    </p:spTree>
+    <p:extLst>
+      <p:ext uri="{BB962C8B-B14F-4D97-AF65-F5344CB8AC3E}">
+        <p14:creationId xmlns:p14="http://schemas.microsoft.com/office/powerpoint/2010/main" val="1626195790"/>
+      </p:ext>
+    </p:extLst>
+  </p:cSld>
+  <p:clrMapOvr>
+    <a:masterClrMapping/>
+  </p:clrMapOvr>
+  <p:timing>
+    <p:tnLst>
+      <p:par>
+        <p:cTn id="1" dur="indefinite" restart="never" nodeType="tmRoot"/>
+      </p:par>
+    </p:tnLst>
+  </p:timing>
+</p:sld>
+</file>
+
+<file path=ppt/slides/slide6.xml><?xml version="1.0" encoding="utf-8"?>
+<p:sld xmlns:a="http://schemas.openxmlformats.org/drawingml/2006/main" xmlns:r="http://schemas.openxmlformats.org/officeDocument/2006/relationships" xmlns:p="http://schemas.openxmlformats.org/presentationml/2006/main">
+  <p:cSld>
+    <p:spTree>
+      <p:nvGrpSpPr>
+        <p:cNvPr id="1" name=""/>
+        <p:cNvGrpSpPr/>
+        <p:nvPr/>
+      </p:nvGrpSpPr>
+      <p:grpSpPr>
+        <a:xfrm>
+          <a:off x="0" y="0"/>
+          <a:ext cx="0" cy="0"/>
+          <a:chOff x="0" y="0"/>
+          <a:chExt cx="0" cy="0"/>
+        </a:xfrm>
+      </p:grpSpPr>
+      <p:sp>
+        <p:nvSpPr>
+          <p:cNvPr id="2" name="Title 1"/>
+          <p:cNvSpPr>
+            <a:spLocks noGrp="1"/>
+          </p:cNvSpPr>
+          <p:nvPr>
+            <p:ph type="title"/>
+          </p:nvPr>
+        </p:nvSpPr>
+        <p:spPr/>
+        <p:txBody>
+          <a:bodyPr/>
+          <a:lstStyle/>
+          <a:p>
+            <a:pPr algn="ctr"/>
+            <a:r>
+              <a:rPr lang="en-US" sz="2000" dirty="0" smtClean="0"/>
+              <a:t>DATASET SUMMARY</a:t>
+            </a:r>
+            <a:endParaRPr lang="hi-IN" sz="2000" dirty="0"/>
+          </a:p>
+        </p:txBody>
+      </p:sp>
+      <p:sp>
+        <p:nvSpPr>
+          <p:cNvPr id="3" name="Text Placeholder 2"/>
+          <p:cNvSpPr>
+            <a:spLocks noGrp="1"/>
+          </p:cNvSpPr>
+          <p:nvPr>
+            <p:ph type="body" idx="1"/>
+          </p:nvPr>
+        </p:nvSpPr>
+        <p:spPr/>
+        <p:txBody>
+          <a:bodyPr/>
+          <a:lstStyle/>
+          <a:p>
+            <a:pPr marL="114300" indent="0">
+              <a:buNone/>
+            </a:pPr>
+            <a:r>
+              <a:rPr lang="en-US" dirty="0" smtClean="0">
+                <a:solidFill>
+                  <a:schemeClr val="tx1"/>
+                </a:solidFill>
+              </a:rPr>
+              <a:t>Dataset name: </a:t>
+            </a:r>
+            <a:r>
+              <a:rPr lang="en-US" dirty="0" smtClean="0">
+                <a:solidFill>
+                  <a:schemeClr val="bg1"/>
+                </a:solidFill>
+              </a:rPr>
+              <a:t>Matches Dataset</a:t>
+            </a:r>
+          </a:p>
+          <a:p>
+            <a:pPr marL="114300" indent="0">
+              <a:buNone/>
+            </a:pPr>
+            <a:endParaRPr lang="en-US" dirty="0" smtClean="0">
+              <a:solidFill>
+                <a:schemeClr val="bg1"/>
+              </a:solidFill>
+            </a:endParaRPr>
+          </a:p>
+          <a:p>
+            <a:pPr marL="114300" indent="0">
+              <a:buNone/>
+            </a:pPr>
+            <a:r>
+              <a:rPr lang="en-US" dirty="0" smtClean="0">
+                <a:solidFill>
+                  <a:schemeClr val="tx1"/>
+                </a:solidFill>
+              </a:rPr>
+              <a:t>Shape: </a:t>
+            </a:r>
+            <a:r>
+              <a:rPr lang="en-US" dirty="0" smtClean="0">
+                <a:solidFill>
+                  <a:schemeClr val="bg1"/>
+                </a:solidFill>
+              </a:rPr>
+              <a:t>Rows- 756</a:t>
+            </a:r>
+          </a:p>
+          <a:p>
+            <a:pPr marL="114300" indent="0">
+              <a:buNone/>
+            </a:pPr>
+            <a:r>
+              <a:rPr lang="en-US" dirty="0">
+                <a:solidFill>
+                  <a:schemeClr val="bg1"/>
+                </a:solidFill>
+              </a:rPr>
+              <a:t>	</a:t>
+            </a:r>
+            <a:r>
+              <a:rPr lang="en-US" dirty="0" smtClean="0">
+                <a:solidFill>
+                  <a:schemeClr val="bg1"/>
+                </a:solidFill>
+              </a:rPr>
+              <a:t>Columns- 18</a:t>
+            </a:r>
+          </a:p>
+          <a:p>
+            <a:pPr marL="114300" indent="0">
+              <a:buNone/>
+            </a:pPr>
+            <a:endParaRPr lang="en-US" dirty="0" smtClean="0">
+              <a:solidFill>
+                <a:schemeClr val="bg1"/>
+              </a:solidFill>
+            </a:endParaRPr>
+          </a:p>
+          <a:p>
+            <a:pPr marL="114300" indent="0">
+              <a:buNone/>
+            </a:pPr>
+            <a:r>
+              <a:rPr lang="en-US" dirty="0" smtClean="0">
+                <a:solidFill>
+                  <a:schemeClr val="tx1"/>
+                </a:solidFill>
+              </a:rPr>
+              <a:t>Important columns: </a:t>
+            </a:r>
+            <a:r>
+              <a:rPr lang="en-US" dirty="0" smtClean="0">
+                <a:solidFill>
+                  <a:schemeClr val="bg1"/>
+                </a:solidFill>
+              </a:rPr>
+              <a:t>id, Season, city, date, team1, team2, toss-winner,                  toss-decision, result, dl-applied, winner, win by runs, win by wickets, 	          player of match, venue, umpire1, umpire2, umpire3</a:t>
+            </a:r>
+            <a:endParaRPr lang="hi-IN" dirty="0">
+              <a:solidFill>
+                <a:schemeClr val="bg1"/>
+              </a:solidFill>
+            </a:endParaRPr>
+          </a:p>
+        </p:txBody>
+      </p:sp>
+    </p:spTree>
+    <p:extLst>
+      <p:ext uri="{BB962C8B-B14F-4D97-AF65-F5344CB8AC3E}">
+        <p14:creationId xmlns:p14="http://schemas.microsoft.com/office/powerpoint/2010/main" val="1369348904"/>
+      </p:ext>
+    </p:extLst>
+  </p:cSld>
+  <p:clrMapOvr>
+    <a:masterClrMapping/>
+  </p:clrMapOvr>
+  <p:timing>
+    <p:tnLst>
+      <p:par>
+        <p:cTn id="1" dur="indefinite" restart="never" nodeType="tmRoot"/>
+      </p:par>
+    </p:tnLst>
+  </p:timing>
+</p:sld>
+</file>
+
+<file path=ppt/slides/slide7.xml><?xml version="1.0" encoding="utf-8"?>
 <p:sld xmlns:a="http://schemas.openxmlformats.org/drawingml/2006/main" xmlns:r="http://schemas.openxmlformats.org/officeDocument/2006/relationships" xmlns:p="http://schemas.openxmlformats.org/presentationml/2006/main">
   <p:cSld>
     <p:spTree>
@@ -11067,10 +12868,17 @@
   <p:clrMapOvr>
     <a:masterClrMapping/>
   </p:clrMapOvr>
+  <p:timing>
+    <p:tnLst>
+      <p:par>
+        <p:cTn id="1" dur="indefinite" restart="never" nodeType="tmRoot"/>
+      </p:par>
+    </p:tnLst>
+  </p:timing>
 </p:sld>
 </file>
 
-<file path=ppt/slides/slide4.xml><?xml version="1.0" encoding="utf-8"?>
+<file path=ppt/slides/slide8.xml><?xml version="1.0" encoding="utf-8"?>
 <p:sld xmlns:a="http://schemas.openxmlformats.org/drawingml/2006/main" xmlns:r="http://schemas.openxmlformats.org/officeDocument/2006/relationships" xmlns:p="http://schemas.openxmlformats.org/presentationml/2006/main">
   <p:cSld>
     <p:spTree>
@@ -11163,386 +12971,13 @@
   <p:clrMapOvr>
     <a:masterClrMapping/>
   </p:clrMapOvr>
-</p:sld>
-</file>
-
-<file path=ppt/slides/slide5.xml><?xml version="1.0" encoding="utf-8"?>
-<p:sld xmlns:a="http://schemas.openxmlformats.org/drawingml/2006/main" xmlns:r="http://schemas.openxmlformats.org/officeDocument/2006/relationships" xmlns:p="http://schemas.openxmlformats.org/presentationml/2006/main">
-  <p:cSld>
-    <p:spTree>
-      <p:nvGrpSpPr>
-        <p:cNvPr id="1" name=""/>
-        <p:cNvGrpSpPr/>
-        <p:nvPr/>
-      </p:nvGrpSpPr>
-      <p:grpSpPr>
-        <a:xfrm>
-          <a:off x="0" y="0"/>
-          <a:ext cx="0" cy="0"/>
-          <a:chOff x="0" y="0"/>
-          <a:chExt cx="0" cy="0"/>
-        </a:xfrm>
-      </p:grpSpPr>
-      <p:sp>
-        <p:nvSpPr>
-          <p:cNvPr id="2" name="Title 1"/>
-          <p:cNvSpPr>
-            <a:spLocks noGrp="1"/>
-          </p:cNvSpPr>
-          <p:nvPr>
-            <p:ph type="title"/>
-          </p:nvPr>
-        </p:nvSpPr>
-        <p:spPr>
-          <a:xfrm>
-            <a:off x="92467" y="82192"/>
-            <a:ext cx="8424809" cy="547401"/>
-          </a:xfrm>
-        </p:spPr>
-        <p:txBody>
-          <a:bodyPr/>
-          <a:lstStyle/>
-          <a:p>
-            <a:r>
-              <a:rPr lang="en-US" sz="2400" dirty="0"/>
-              <a:t>Heat map for missing values in </a:t>
-            </a:r>
-            <a:r>
-              <a:rPr lang="en-US" sz="2400" dirty="0" smtClean="0"/>
-              <a:t>players </a:t>
-            </a:r>
-            <a:r>
-              <a:rPr lang="en-US" sz="2400" dirty="0"/>
-              <a:t>dataset</a:t>
-            </a:r>
-            <a:endParaRPr lang="hi-IN" sz="2400" dirty="0"/>
-          </a:p>
-        </p:txBody>
-      </p:sp>
-      <p:pic>
-        <p:nvPicPr>
-          <p:cNvPr id="3" name="Picture 2"/>
-          <p:cNvPicPr>
-            <a:picLocks noChangeAspect="1"/>
-          </p:cNvPicPr>
-          <p:nvPr/>
-        </p:nvPicPr>
-        <p:blipFill>
-          <a:blip r:embed="rId2">
-            <a:extLst>
-              <a:ext uri="{28A0092B-C50C-407E-A947-70E740481C1C}">
-                <a14:useLocalDpi xmlns:a14="http://schemas.microsoft.com/office/drawing/2010/main" val="0"/>
-              </a:ext>
-            </a:extLst>
-          </a:blip>
-          <a:stretch>
-            <a:fillRect/>
-          </a:stretch>
-        </p:blipFill>
-        <p:spPr>
-          <a:xfrm>
-            <a:off x="1304818" y="544530"/>
-            <a:ext cx="6390526" cy="4598970"/>
-          </a:xfrm>
-          <a:prstGeom prst="rect">
-            <a:avLst/>
-          </a:prstGeom>
-        </p:spPr>
-      </p:pic>
-    </p:spTree>
-    <p:extLst>
-      <p:ext uri="{BB962C8B-B14F-4D97-AF65-F5344CB8AC3E}">
-        <p14:creationId xmlns:p14="http://schemas.microsoft.com/office/powerpoint/2010/main" val="4014135229"/>
-      </p:ext>
-    </p:extLst>
-  </p:cSld>
-  <p:clrMapOvr>
-    <a:masterClrMapping/>
-  </p:clrMapOvr>
-</p:sld>
-</file>
-
-<file path=ppt/slides/slide6.xml><?xml version="1.0" encoding="utf-8"?>
-<p:sld xmlns:a="http://schemas.openxmlformats.org/drawingml/2006/main" xmlns:r="http://schemas.openxmlformats.org/officeDocument/2006/relationships" xmlns:p="http://schemas.openxmlformats.org/presentationml/2006/main">
-  <p:cSld>
-    <p:spTree>
-      <p:nvGrpSpPr>
-        <p:cNvPr id="1" name=""/>
-        <p:cNvGrpSpPr/>
-        <p:nvPr/>
-      </p:nvGrpSpPr>
-      <p:grpSpPr>
-        <a:xfrm>
-          <a:off x="0" y="0"/>
-          <a:ext cx="0" cy="0"/>
-          <a:chOff x="0" y="0"/>
-          <a:chExt cx="0" cy="0"/>
-        </a:xfrm>
-      </p:grpSpPr>
-      <p:sp>
-        <p:nvSpPr>
-          <p:cNvPr id="2" name="Title 1"/>
-          <p:cNvSpPr>
-            <a:spLocks noGrp="1"/>
-          </p:cNvSpPr>
-          <p:nvPr>
-            <p:ph type="title"/>
-          </p:nvPr>
-        </p:nvSpPr>
-        <p:spPr>
-          <a:xfrm>
-            <a:off x="44572" y="0"/>
-            <a:ext cx="8520600" cy="841800"/>
-          </a:xfrm>
-        </p:spPr>
-        <p:txBody>
-          <a:bodyPr/>
-          <a:lstStyle/>
-          <a:p>
-            <a:r>
-              <a:rPr lang="en-US" sz="2400" dirty="0"/>
-              <a:t>Heat map after filling up the missing values </a:t>
-            </a:r>
-            <a:r>
-              <a:rPr lang="en-US" sz="2400" dirty="0" smtClean="0"/>
-              <a:t>in players </a:t>
-            </a:r>
-            <a:r>
-              <a:rPr lang="en-US" sz="2400" dirty="0"/>
-              <a:t>dataset</a:t>
-            </a:r>
-            <a:endParaRPr lang="hi-IN" sz="2400" dirty="0"/>
-          </a:p>
-        </p:txBody>
-      </p:sp>
-      <p:pic>
-        <p:nvPicPr>
-          <p:cNvPr id="3" name="Picture 2"/>
-          <p:cNvPicPr>
-            <a:picLocks noChangeAspect="1"/>
-          </p:cNvPicPr>
-          <p:nvPr/>
-        </p:nvPicPr>
-        <p:blipFill>
-          <a:blip r:embed="rId2">
-            <a:extLst>
-              <a:ext uri="{28A0092B-C50C-407E-A947-70E740481C1C}">
-                <a14:useLocalDpi xmlns:a14="http://schemas.microsoft.com/office/drawing/2010/main" val="0"/>
-              </a:ext>
-            </a:extLst>
-          </a:blip>
-          <a:stretch>
-            <a:fillRect/>
-          </a:stretch>
-        </p:blipFill>
-        <p:spPr>
-          <a:xfrm>
-            <a:off x="1273996" y="708916"/>
-            <a:ext cx="6709024" cy="4434583"/>
-          </a:xfrm>
-          <a:prstGeom prst="rect">
-            <a:avLst/>
-          </a:prstGeom>
-        </p:spPr>
-      </p:pic>
-    </p:spTree>
-    <p:extLst>
-      <p:ext uri="{BB962C8B-B14F-4D97-AF65-F5344CB8AC3E}">
-        <p14:creationId xmlns:p14="http://schemas.microsoft.com/office/powerpoint/2010/main" val="3805013676"/>
-      </p:ext>
-    </p:extLst>
-  </p:cSld>
-  <p:clrMapOvr>
-    <a:masterClrMapping/>
-  </p:clrMapOvr>
-</p:sld>
-</file>
-
-<file path=ppt/slides/slide7.xml><?xml version="1.0" encoding="utf-8"?>
-<p:sld xmlns:a="http://schemas.openxmlformats.org/drawingml/2006/main" xmlns:r="http://schemas.openxmlformats.org/officeDocument/2006/relationships" xmlns:p="http://schemas.openxmlformats.org/presentationml/2006/main">
-  <p:cSld>
-    <p:spTree>
-      <p:nvGrpSpPr>
-        <p:cNvPr id="1" name=""/>
-        <p:cNvGrpSpPr/>
-        <p:nvPr/>
-      </p:nvGrpSpPr>
-      <p:grpSpPr>
-        <a:xfrm>
-          <a:off x="0" y="0"/>
-          <a:ext cx="0" cy="0"/>
-          <a:chOff x="0" y="0"/>
-          <a:chExt cx="0" cy="0"/>
-        </a:xfrm>
-      </p:grpSpPr>
-      <p:sp>
-        <p:nvSpPr>
-          <p:cNvPr id="2" name="Title 1"/>
-          <p:cNvSpPr>
-            <a:spLocks noGrp="1"/>
-          </p:cNvSpPr>
-          <p:nvPr>
-            <p:ph type="title"/>
-          </p:nvPr>
-        </p:nvSpPr>
-        <p:spPr>
-          <a:xfrm>
-            <a:off x="0" y="13825"/>
-            <a:ext cx="8520600" cy="841800"/>
-          </a:xfrm>
-        </p:spPr>
-        <p:txBody>
-          <a:bodyPr/>
-          <a:lstStyle/>
-          <a:p>
-            <a:r>
-              <a:rPr lang="en-US" sz="2400" dirty="0"/>
-              <a:t>Heat map for missing values in </a:t>
-            </a:r>
-            <a:r>
-              <a:rPr lang="en-US" sz="2400" dirty="0" smtClean="0"/>
-              <a:t>deliveries dataset</a:t>
-            </a:r>
-            <a:endParaRPr lang="hi-IN" sz="2400" dirty="0"/>
-          </a:p>
-        </p:txBody>
-      </p:sp>
-      <p:pic>
-        <p:nvPicPr>
-          <p:cNvPr id="3" name="Picture 2"/>
-          <p:cNvPicPr>
-            <a:picLocks noChangeAspect="1"/>
-          </p:cNvPicPr>
-          <p:nvPr/>
-        </p:nvPicPr>
-        <p:blipFill>
-          <a:blip r:embed="rId2">
-            <a:extLst>
-              <a:ext uri="{28A0092B-C50C-407E-A947-70E740481C1C}">
-                <a14:useLocalDpi xmlns:a14="http://schemas.microsoft.com/office/drawing/2010/main" val="0"/>
-              </a:ext>
-            </a:extLst>
-          </a:blip>
-          <a:stretch>
-            <a:fillRect/>
-          </a:stretch>
-        </p:blipFill>
-        <p:spPr>
-          <a:xfrm>
-            <a:off x="1068513" y="616449"/>
-            <a:ext cx="6143946" cy="4527051"/>
-          </a:xfrm>
-          <a:prstGeom prst="rect">
-            <a:avLst/>
-          </a:prstGeom>
-        </p:spPr>
-      </p:pic>
-    </p:spTree>
-    <p:extLst>
-      <p:ext uri="{BB962C8B-B14F-4D97-AF65-F5344CB8AC3E}">
-        <p14:creationId xmlns:p14="http://schemas.microsoft.com/office/powerpoint/2010/main" val="2904984046"/>
-      </p:ext>
-    </p:extLst>
-  </p:cSld>
-  <p:clrMapOvr>
-    <a:masterClrMapping/>
-  </p:clrMapOvr>
-</p:sld>
-</file>
-
-<file path=ppt/slides/slide8.xml><?xml version="1.0" encoding="utf-8"?>
-<p:sld xmlns:a="http://schemas.openxmlformats.org/drawingml/2006/main" xmlns:r="http://schemas.openxmlformats.org/officeDocument/2006/relationships" xmlns:p="http://schemas.openxmlformats.org/presentationml/2006/main">
-  <p:cSld>
-    <p:spTree>
-      <p:nvGrpSpPr>
-        <p:cNvPr id="1" name=""/>
-        <p:cNvGrpSpPr/>
-        <p:nvPr/>
-      </p:nvGrpSpPr>
-      <p:grpSpPr>
-        <a:xfrm>
-          <a:off x="0" y="0"/>
-          <a:ext cx="0" cy="0"/>
-          <a:chOff x="0" y="0"/>
-          <a:chExt cx="0" cy="0"/>
-        </a:xfrm>
-      </p:grpSpPr>
-      <p:sp>
-        <p:nvSpPr>
-          <p:cNvPr id="2" name="Title 1"/>
-          <p:cNvSpPr>
-            <a:spLocks noGrp="1"/>
-          </p:cNvSpPr>
-          <p:nvPr>
-            <p:ph type="title"/>
-          </p:nvPr>
-        </p:nvSpPr>
-        <p:spPr>
-          <a:xfrm>
-            <a:off x="143839" y="0"/>
-            <a:ext cx="8452156" cy="783706"/>
-          </a:xfrm>
-        </p:spPr>
-        <p:txBody>
-          <a:bodyPr/>
-          <a:lstStyle/>
-          <a:p>
-            <a:r>
-              <a:rPr lang="en-US" sz="2400" dirty="0"/>
-              <a:t>Heat map after </a:t>
-            </a:r>
-            <a:r>
-              <a:rPr lang="en-US" sz="2400" dirty="0" smtClean="0"/>
-              <a:t>dropping off the fielders column from deliveries </a:t>
-            </a:r>
-            <a:r>
-              <a:rPr lang="en-US" sz="2400" dirty="0"/>
-              <a:t>dataset</a:t>
-            </a:r>
-            <a:endParaRPr lang="hi-IN" sz="2400" dirty="0"/>
-          </a:p>
-        </p:txBody>
-      </p:sp>
-      <p:pic>
-        <p:nvPicPr>
-          <p:cNvPr id="3" name="Picture 2"/>
-          <p:cNvPicPr>
-            <a:picLocks noChangeAspect="1"/>
-          </p:cNvPicPr>
-          <p:nvPr/>
-        </p:nvPicPr>
-        <p:blipFill>
-          <a:blip r:embed="rId2">
-            <a:extLst>
-              <a:ext uri="{28A0092B-C50C-407E-A947-70E740481C1C}">
-                <a14:useLocalDpi xmlns:a14="http://schemas.microsoft.com/office/drawing/2010/main" val="0"/>
-              </a:ext>
-            </a:extLst>
-          </a:blip>
-          <a:stretch>
-            <a:fillRect/>
-          </a:stretch>
-        </p:blipFill>
-        <p:spPr>
-          <a:xfrm>
-            <a:off x="976045" y="667820"/>
-            <a:ext cx="6544638" cy="4475680"/>
-          </a:xfrm>
-          <a:prstGeom prst="rect">
-            <a:avLst/>
-          </a:prstGeom>
-        </p:spPr>
-      </p:pic>
-    </p:spTree>
-    <p:extLst>
-      <p:ext uri="{BB962C8B-B14F-4D97-AF65-F5344CB8AC3E}">
-        <p14:creationId xmlns:p14="http://schemas.microsoft.com/office/powerpoint/2010/main" val="83661046"/>
-      </p:ext>
-    </p:extLst>
-  </p:cSld>
-  <p:clrMapOvr>
-    <a:masterClrMapping/>
-  </p:clrMapOvr>
+  <p:timing>
+    <p:tnLst>
+      <p:par>
+        <p:cTn id="1" dur="indefinite" restart="never" nodeType="tmRoot"/>
+      </p:par>
+    </p:tnLst>
+  </p:timing>
 </p:sld>
 </file>
 
@@ -11565,7 +13000,7 @@
       </p:grpSpPr>
       <p:sp>
         <p:nvSpPr>
-          <p:cNvPr id="2" name="Title 1"/>
+          <p:cNvPr id="3" name="Title 2"/>
           <p:cNvSpPr>
             <a:spLocks noGrp="1"/>
           </p:cNvSpPr>
@@ -11573,72 +13008,175 @@
             <p:ph type="title"/>
           </p:nvPr>
         </p:nvSpPr>
-        <p:spPr>
-          <a:xfrm>
-            <a:off x="0" y="0"/>
-            <a:ext cx="8544623" cy="749333"/>
-          </a:xfrm>
-        </p:spPr>
+        <p:spPr/>
         <p:txBody>
           <a:bodyPr/>
           <a:lstStyle/>
           <a:p>
+            <a:pPr algn="ctr"/>
             <a:r>
-              <a:rPr lang="en-US" sz="2400" dirty="0" smtClean="0"/>
-              <a:t>Heat map for missing values in most runs average </a:t>
+              <a:rPr lang="en-US" sz="2000" dirty="0" smtClean="0"/>
+              <a:t>DATASET SUMMARY</a:t>
             </a:r>
-            <a:r>
-              <a:rPr lang="en-US" sz="2400" dirty="0" err="1" smtClean="0"/>
-              <a:t>strikerate</a:t>
-            </a:r>
-            <a:r>
-              <a:rPr lang="en-US" sz="2400" dirty="0" smtClean="0"/>
-              <a:t> dataset</a:t>
-            </a:r>
-            <a:endParaRPr lang="hi-IN" sz="2400" dirty="0"/>
+            <a:endParaRPr lang="hi-IN" sz="2000" dirty="0"/>
           </a:p>
         </p:txBody>
       </p:sp>
-      <p:pic>
-        <p:nvPicPr>
-          <p:cNvPr id="3" name="Picture 2"/>
-          <p:cNvPicPr>
-            <a:picLocks noChangeAspect="1"/>
-          </p:cNvPicPr>
-          <p:nvPr/>
-        </p:nvPicPr>
-        <p:blipFill>
-          <a:blip r:embed="rId2">
-            <a:extLst>
-              <a:ext uri="{28A0092B-C50C-407E-A947-70E740481C1C}">
-                <a14:useLocalDpi xmlns:a14="http://schemas.microsoft.com/office/drawing/2010/main" val="0"/>
-              </a:ext>
-            </a:extLst>
-          </a:blip>
-          <a:stretch>
-            <a:fillRect/>
-          </a:stretch>
-        </p:blipFill>
-        <p:spPr>
-          <a:xfrm>
-            <a:off x="1020981" y="749333"/>
-            <a:ext cx="6999295" cy="3912491"/>
-          </a:xfrm>
-          <a:prstGeom prst="rect">
-            <a:avLst/>
-          </a:prstGeom>
-        </p:spPr>
-      </p:pic>
+      <p:sp>
+        <p:nvSpPr>
+          <p:cNvPr id="4" name="Text Placeholder 3"/>
+          <p:cNvSpPr>
+            <a:spLocks noGrp="1"/>
+          </p:cNvSpPr>
+          <p:nvPr>
+            <p:ph type="body" idx="1"/>
+          </p:nvPr>
+        </p:nvSpPr>
+        <p:spPr/>
+        <p:txBody>
+          <a:bodyPr/>
+          <a:lstStyle/>
+          <a:p>
+            <a:pPr marL="114300" indent="0">
+              <a:buNone/>
+            </a:pPr>
+            <a:r>
+              <a:rPr lang="en-US" dirty="0">
+                <a:solidFill>
+                  <a:schemeClr val="tx1"/>
+                </a:solidFill>
+              </a:rPr>
+              <a:t>Dataset name: </a:t>
+            </a:r>
+            <a:r>
+              <a:rPr lang="en-US" dirty="0" smtClean="0">
+                <a:solidFill>
+                  <a:schemeClr val="bg1"/>
+                </a:solidFill>
+              </a:rPr>
+              <a:t>Players </a:t>
+            </a:r>
+            <a:r>
+              <a:rPr lang="en-US" dirty="0">
+                <a:solidFill>
+                  <a:schemeClr val="bg1"/>
+                </a:solidFill>
+              </a:rPr>
+              <a:t>Dataset</a:t>
+            </a:r>
+          </a:p>
+          <a:p>
+            <a:pPr marL="114300" indent="0">
+              <a:buNone/>
+            </a:pPr>
+            <a:endParaRPr lang="en-US" dirty="0">
+              <a:solidFill>
+                <a:schemeClr val="bg1"/>
+              </a:solidFill>
+            </a:endParaRPr>
+          </a:p>
+          <a:p>
+            <a:pPr marL="114300" indent="0">
+              <a:buNone/>
+            </a:pPr>
+            <a:r>
+              <a:rPr lang="en-US" dirty="0">
+                <a:solidFill>
+                  <a:schemeClr val="tx1"/>
+                </a:solidFill>
+              </a:rPr>
+              <a:t>Shape: </a:t>
+            </a:r>
+            <a:r>
+              <a:rPr lang="en-US" dirty="0">
+                <a:solidFill>
+                  <a:schemeClr val="bg1"/>
+                </a:solidFill>
+              </a:rPr>
+              <a:t>Rows- </a:t>
+            </a:r>
+            <a:r>
+              <a:rPr lang="en-US" dirty="0" smtClean="0">
+                <a:solidFill>
+                  <a:schemeClr val="bg1"/>
+                </a:solidFill>
+              </a:rPr>
+              <a:t>556</a:t>
+            </a:r>
+            <a:endParaRPr lang="en-US" dirty="0">
+              <a:solidFill>
+                <a:schemeClr val="bg1"/>
+              </a:solidFill>
+            </a:endParaRPr>
+          </a:p>
+          <a:p>
+            <a:pPr marL="114300" indent="0">
+              <a:buNone/>
+            </a:pPr>
+            <a:r>
+              <a:rPr lang="en-US" dirty="0">
+                <a:solidFill>
+                  <a:schemeClr val="bg1"/>
+                </a:solidFill>
+              </a:rPr>
+              <a:t>	Columns- 5</a:t>
+            </a:r>
+          </a:p>
+          <a:p>
+            <a:pPr marL="114300" indent="0">
+              <a:buNone/>
+            </a:pPr>
+            <a:endParaRPr lang="en-US" dirty="0">
+              <a:solidFill>
+                <a:schemeClr val="bg1"/>
+              </a:solidFill>
+            </a:endParaRPr>
+          </a:p>
+          <a:p>
+            <a:pPr marL="114300" indent="0">
+              <a:buNone/>
+            </a:pPr>
+            <a:r>
+              <a:rPr lang="en-US" dirty="0">
+                <a:solidFill>
+                  <a:schemeClr val="tx1"/>
+                </a:solidFill>
+              </a:rPr>
+              <a:t>Important columns: </a:t>
+            </a:r>
+            <a:r>
+              <a:rPr lang="en-US" dirty="0" smtClean="0">
+                <a:solidFill>
+                  <a:schemeClr val="bg1"/>
+                </a:solidFill>
+              </a:rPr>
+              <a:t>Player Name, DOB, Batting-Hand, Bowling-Skill, Country.</a:t>
+            </a:r>
+            <a:endParaRPr lang="hi-IN" dirty="0">
+              <a:solidFill>
+                <a:schemeClr val="bg1"/>
+              </a:solidFill>
+            </a:endParaRPr>
+          </a:p>
+        </p:txBody>
+      </p:sp>
     </p:spTree>
     <p:extLst>
       <p:ext uri="{BB962C8B-B14F-4D97-AF65-F5344CB8AC3E}">
-        <p14:creationId xmlns:p14="http://schemas.microsoft.com/office/powerpoint/2010/main" val="278802855"/>
+        <p14:creationId xmlns:p14="http://schemas.microsoft.com/office/powerpoint/2010/main" val="3103658270"/>
       </p:ext>
     </p:extLst>
   </p:cSld>
   <p:clrMapOvr>
     <a:masterClrMapping/>
   </p:clrMapOvr>
+  <p:timing>
+    <p:tnLst>
+      <p:par>
+        <p:cTn id="1" dur="indefinite" restart="never" nodeType="tmRoot"/>
+      </p:par>
+    </p:tnLst>
+  </p:timing>
 </p:sld>
 </file>
 

--- a/CapstoneProjectPresentation.pptx
+++ b/CapstoneProjectPresentation.pptx
@@ -2,57 +2,66 @@
 <file path=ppt/presentation.xml><?xml version="1.0" encoding="utf-8"?>
 <p:presentation xmlns:a="http://schemas.openxmlformats.org/drawingml/2006/main" xmlns:r="http://schemas.openxmlformats.org/officeDocument/2006/relationships" xmlns:p="http://schemas.openxmlformats.org/presentationml/2006/main" strictFirstAndLastChars="0" embedTrueTypeFonts="1" saveSubsetFonts="1" autoCompressPictures="0">
   <p:sldMasterIdLst>
-    <p:sldMasterId id="2147483659" r:id="rId1"/>
+    <p:sldMasterId id="2147483648" r:id="rId1"/>
   </p:sldMasterIdLst>
   <p:notesMasterIdLst>
-    <p:notesMasterId r:id="rId37"/>
+    <p:notesMasterId r:id="rId4"/>
   </p:notesMasterIdLst>
   <p:sldIdLst>
-    <p:sldId id="256" r:id="rId2"/>
-    <p:sldId id="264" r:id="rId3"/>
-    <p:sldId id="284" r:id="rId4"/>
-    <p:sldId id="286" r:id="rId5"/>
-    <p:sldId id="285" r:id="rId6"/>
-    <p:sldId id="287" r:id="rId7"/>
-    <p:sldId id="277" r:id="rId8"/>
-    <p:sldId id="276" r:id="rId9"/>
-    <p:sldId id="288" r:id="rId10"/>
-    <p:sldId id="278" r:id="rId11"/>
-    <p:sldId id="279" r:id="rId12"/>
-    <p:sldId id="289" r:id="rId13"/>
-    <p:sldId id="280" r:id="rId14"/>
-    <p:sldId id="281" r:id="rId15"/>
-    <p:sldId id="290" r:id="rId16"/>
-    <p:sldId id="282" r:id="rId17"/>
-    <p:sldId id="283" r:id="rId18"/>
-    <p:sldId id="265" r:id="rId19"/>
-    <p:sldId id="274" r:id="rId20"/>
-    <p:sldId id="273" r:id="rId21"/>
-    <p:sldId id="272" r:id="rId22"/>
-    <p:sldId id="271" r:id="rId23"/>
-    <p:sldId id="270" r:id="rId24"/>
-    <p:sldId id="269" r:id="rId25"/>
-    <p:sldId id="268" r:id="rId26"/>
-    <p:sldId id="267" r:id="rId27"/>
-    <p:sldId id="266" r:id="rId28"/>
-    <p:sldId id="257" r:id="rId29"/>
-    <p:sldId id="258" r:id="rId30"/>
-    <p:sldId id="259" r:id="rId31"/>
-    <p:sldId id="260" r:id="rId32"/>
-    <p:sldId id="261" r:id="rId33"/>
-    <p:sldId id="262" r:id="rId34"/>
-    <p:sldId id="263" r:id="rId35"/>
-    <p:sldId id="275" r:id="rId36"/>
+    <p:sldId id="256" r:id="rId3"/>
+    <p:sldId id="264" r:id="rId5"/>
+    <p:sldId id="284" r:id="rId6"/>
+    <p:sldId id="286" r:id="rId7"/>
+    <p:sldId id="285" r:id="rId8"/>
+    <p:sldId id="287" r:id="rId9"/>
+    <p:sldId id="277" r:id="rId10"/>
+    <p:sldId id="276" r:id="rId11"/>
+    <p:sldId id="288" r:id="rId12"/>
+    <p:sldId id="278" r:id="rId13"/>
+    <p:sldId id="279" r:id="rId14"/>
+    <p:sldId id="289" r:id="rId15"/>
+    <p:sldId id="280" r:id="rId16"/>
+    <p:sldId id="281" r:id="rId17"/>
+    <p:sldId id="290" r:id="rId18"/>
+    <p:sldId id="282" r:id="rId19"/>
+    <p:sldId id="283" r:id="rId20"/>
+    <p:sldId id="318" r:id="rId21"/>
+    <p:sldId id="274" r:id="rId22"/>
+    <p:sldId id="273" r:id="rId23"/>
+    <p:sldId id="272" r:id="rId24"/>
+    <p:sldId id="271" r:id="rId25"/>
+    <p:sldId id="270" r:id="rId26"/>
+    <p:sldId id="269" r:id="rId27"/>
+    <p:sldId id="268" r:id="rId28"/>
+    <p:sldId id="267" r:id="rId29"/>
+    <p:sldId id="266" r:id="rId30"/>
+    <p:sldId id="257" r:id="rId31"/>
+    <p:sldId id="258" r:id="rId32"/>
+    <p:sldId id="259" r:id="rId33"/>
+    <p:sldId id="260" r:id="rId34"/>
+    <p:sldId id="261" r:id="rId35"/>
+    <p:sldId id="262" r:id="rId36"/>
+    <p:sldId id="263" r:id="rId37"/>
+    <p:sldId id="319" r:id="rId38"/>
+    <p:sldId id="320" r:id="rId39"/>
+    <p:sldId id="321" r:id="rId40"/>
+    <p:sldId id="322" r:id="rId41"/>
+    <p:sldId id="323" r:id="rId42"/>
   </p:sldIdLst>
   <p:sldSz cx="9144000" cy="5143500" type="screen16x9"/>
   <p:notesSz cx="6858000" cy="9144000"/>
   <p:embeddedFontLst>
     <p:embeddedFont>
-      <p:font typeface="Montserrat" panose="020B0604020202020204" charset="0"/>
-      <p:regular r:id="rId38"/>
-      <p:bold r:id="rId39"/>
-      <p:italic r:id="rId40"/>
-      <p:boldItalic r:id="rId41"/>
+      <p:font typeface="Montserrat" panose="00000500000000000000"/>
+      <p:regular r:id="rId47"/>
+      <p:bold r:id="rId48"/>
+      <p:boldItalic r:id="rId49"/>
+    </p:embeddedFont>
+    <p:embeddedFont>
+      <p:font typeface="Montserrat" panose="00000500000000000000" charset="0"/>
+      <p:regular r:id="rId50"/>
+      <p:bold r:id="rId51"/>
+      <p:boldItalic r:id="rId52"/>
     </p:embeddedFont>
   </p:embeddedFontLst>
   <p:defaultTextStyle>
@@ -80,15 +89,15 @@
       <a:buClr>
         <a:srgbClr val="000000"/>
       </a:buClr>
-      <a:buFont typeface="Arial"/>
+      <a:buFont typeface="Arial" panose="020B0604020202020204"/>
       <a:defRPr sz="1400" b="0" i="0" u="none" strike="noStrike" cap="none">
         <a:solidFill>
           <a:srgbClr val="000000"/>
         </a:solidFill>
-        <a:latin typeface="Arial"/>
-        <a:ea typeface="Arial"/>
-        <a:cs typeface="Arial"/>
-        <a:sym typeface="Arial"/>
+        <a:latin typeface="Arial" panose="020B0604020202020204"/>
+        <a:ea typeface="Arial" panose="020B0604020202020204"/>
+        <a:cs typeface="Arial" panose="020B0604020202020204"/>
+        <a:sym typeface="Arial" panose="020B0604020202020204"/>
       </a:defRPr>
     </a:lvl1pPr>
     <a:lvl2pPr marR="0" lvl="1" algn="l" rtl="0">
@@ -104,15 +113,15 @@
       <a:buClr>
         <a:srgbClr val="000000"/>
       </a:buClr>
-      <a:buFont typeface="Arial"/>
+      <a:buFont typeface="Arial" panose="020B0604020202020204"/>
       <a:defRPr sz="1400" b="0" i="0" u="none" strike="noStrike" cap="none">
         <a:solidFill>
           <a:srgbClr val="000000"/>
         </a:solidFill>
-        <a:latin typeface="Arial"/>
-        <a:ea typeface="Arial"/>
-        <a:cs typeface="Arial"/>
-        <a:sym typeface="Arial"/>
+        <a:latin typeface="Arial" panose="020B0604020202020204"/>
+        <a:ea typeface="Arial" panose="020B0604020202020204"/>
+        <a:cs typeface="Arial" panose="020B0604020202020204"/>
+        <a:sym typeface="Arial" panose="020B0604020202020204"/>
       </a:defRPr>
     </a:lvl2pPr>
     <a:lvl3pPr marR="0" lvl="2" algn="l" rtl="0">
@@ -128,15 +137,15 @@
       <a:buClr>
         <a:srgbClr val="000000"/>
       </a:buClr>
-      <a:buFont typeface="Arial"/>
+      <a:buFont typeface="Arial" panose="020B0604020202020204"/>
       <a:defRPr sz="1400" b="0" i="0" u="none" strike="noStrike" cap="none">
         <a:solidFill>
           <a:srgbClr val="000000"/>
         </a:solidFill>
-        <a:latin typeface="Arial"/>
-        <a:ea typeface="Arial"/>
-        <a:cs typeface="Arial"/>
-        <a:sym typeface="Arial"/>
+        <a:latin typeface="Arial" panose="020B0604020202020204"/>
+        <a:ea typeface="Arial" panose="020B0604020202020204"/>
+        <a:cs typeface="Arial" panose="020B0604020202020204"/>
+        <a:sym typeface="Arial" panose="020B0604020202020204"/>
       </a:defRPr>
     </a:lvl3pPr>
     <a:lvl4pPr marR="0" lvl="3" algn="l" rtl="0">
@@ -152,15 +161,15 @@
       <a:buClr>
         <a:srgbClr val="000000"/>
       </a:buClr>
-      <a:buFont typeface="Arial"/>
+      <a:buFont typeface="Arial" panose="020B0604020202020204"/>
       <a:defRPr sz="1400" b="0" i="0" u="none" strike="noStrike" cap="none">
         <a:solidFill>
           <a:srgbClr val="000000"/>
         </a:solidFill>
-        <a:latin typeface="Arial"/>
-        <a:ea typeface="Arial"/>
-        <a:cs typeface="Arial"/>
-        <a:sym typeface="Arial"/>
+        <a:latin typeface="Arial" panose="020B0604020202020204"/>
+        <a:ea typeface="Arial" panose="020B0604020202020204"/>
+        <a:cs typeface="Arial" panose="020B0604020202020204"/>
+        <a:sym typeface="Arial" panose="020B0604020202020204"/>
       </a:defRPr>
     </a:lvl4pPr>
     <a:lvl5pPr marR="0" lvl="4" algn="l" rtl="0">
@@ -176,15 +185,15 @@
       <a:buClr>
         <a:srgbClr val="000000"/>
       </a:buClr>
-      <a:buFont typeface="Arial"/>
+      <a:buFont typeface="Arial" panose="020B0604020202020204"/>
       <a:defRPr sz="1400" b="0" i="0" u="none" strike="noStrike" cap="none">
         <a:solidFill>
           <a:srgbClr val="000000"/>
         </a:solidFill>
-        <a:latin typeface="Arial"/>
-        <a:ea typeface="Arial"/>
-        <a:cs typeface="Arial"/>
-        <a:sym typeface="Arial"/>
+        <a:latin typeface="Arial" panose="020B0604020202020204"/>
+        <a:ea typeface="Arial" panose="020B0604020202020204"/>
+        <a:cs typeface="Arial" panose="020B0604020202020204"/>
+        <a:sym typeface="Arial" panose="020B0604020202020204"/>
       </a:defRPr>
     </a:lvl5pPr>
     <a:lvl6pPr marR="0" lvl="5" algn="l" rtl="0">
@@ -200,15 +209,15 @@
       <a:buClr>
         <a:srgbClr val="000000"/>
       </a:buClr>
-      <a:buFont typeface="Arial"/>
+      <a:buFont typeface="Arial" panose="020B0604020202020204"/>
       <a:defRPr sz="1400" b="0" i="0" u="none" strike="noStrike" cap="none">
         <a:solidFill>
           <a:srgbClr val="000000"/>
         </a:solidFill>
-        <a:latin typeface="Arial"/>
-        <a:ea typeface="Arial"/>
-        <a:cs typeface="Arial"/>
-        <a:sym typeface="Arial"/>
+        <a:latin typeface="Arial" panose="020B0604020202020204"/>
+        <a:ea typeface="Arial" panose="020B0604020202020204"/>
+        <a:cs typeface="Arial" panose="020B0604020202020204"/>
+        <a:sym typeface="Arial" panose="020B0604020202020204"/>
       </a:defRPr>
     </a:lvl6pPr>
     <a:lvl7pPr marR="0" lvl="6" algn="l" rtl="0">
@@ -224,15 +233,15 @@
       <a:buClr>
         <a:srgbClr val="000000"/>
       </a:buClr>
-      <a:buFont typeface="Arial"/>
+      <a:buFont typeface="Arial" panose="020B0604020202020204"/>
       <a:defRPr sz="1400" b="0" i="0" u="none" strike="noStrike" cap="none">
         <a:solidFill>
           <a:srgbClr val="000000"/>
         </a:solidFill>
-        <a:latin typeface="Arial"/>
-        <a:ea typeface="Arial"/>
-        <a:cs typeface="Arial"/>
-        <a:sym typeface="Arial"/>
+        <a:latin typeface="Arial" panose="020B0604020202020204"/>
+        <a:ea typeface="Arial" panose="020B0604020202020204"/>
+        <a:cs typeface="Arial" panose="020B0604020202020204"/>
+        <a:sym typeface="Arial" panose="020B0604020202020204"/>
       </a:defRPr>
     </a:lvl7pPr>
     <a:lvl8pPr marR="0" lvl="7" algn="l" rtl="0">
@@ -248,15 +257,15 @@
       <a:buClr>
         <a:srgbClr val="000000"/>
       </a:buClr>
-      <a:buFont typeface="Arial"/>
+      <a:buFont typeface="Arial" panose="020B0604020202020204"/>
       <a:defRPr sz="1400" b="0" i="0" u="none" strike="noStrike" cap="none">
         <a:solidFill>
           <a:srgbClr val="000000"/>
         </a:solidFill>
-        <a:latin typeface="Arial"/>
-        <a:ea typeface="Arial"/>
-        <a:cs typeface="Arial"/>
-        <a:sym typeface="Arial"/>
+        <a:latin typeface="Arial" panose="020B0604020202020204"/>
+        <a:ea typeface="Arial" panose="020B0604020202020204"/>
+        <a:cs typeface="Arial" panose="020B0604020202020204"/>
+        <a:sym typeface="Arial" panose="020B0604020202020204"/>
       </a:defRPr>
     </a:lvl8pPr>
     <a:lvl9pPr marR="0" lvl="8" algn="l" rtl="0">
@@ -272,55 +281,25 @@
       <a:buClr>
         <a:srgbClr val="000000"/>
       </a:buClr>
-      <a:buFont typeface="Arial"/>
+      <a:buFont typeface="Arial" panose="020B0604020202020204"/>
       <a:defRPr sz="1400" b="0" i="0" u="none" strike="noStrike" cap="none">
         <a:solidFill>
           <a:srgbClr val="000000"/>
         </a:solidFill>
-        <a:latin typeface="Arial"/>
-        <a:ea typeface="Arial"/>
-        <a:cs typeface="Arial"/>
-        <a:sym typeface="Arial"/>
+        <a:latin typeface="Arial" panose="020B0604020202020204"/>
+        <a:ea typeface="Arial" panose="020B0604020202020204"/>
+        <a:cs typeface="Arial" panose="020B0604020202020204"/>
+        <a:sym typeface="Arial" panose="020B0604020202020204"/>
       </a:defRPr>
     </a:lvl9pPr>
   </p:defaultTextStyle>
-  <p:extLst>
-    <p:ext uri="{EFAFB233-063F-42B5-8137-9DF3F51BA10A}">
-      <p15:sldGuideLst xmlns:p15="http://schemas.microsoft.com/office/powerpoint/2012/main">
-        <p15:guide id="1" orient="horz" pos="1620">
-          <p15:clr>
-            <a:srgbClr val="A4A3A4"/>
-          </p15:clr>
-        </p15:guide>
-        <p15:guide id="2" pos="2880">
-          <p15:clr>
-            <a:srgbClr val="A4A3A4"/>
-          </p15:clr>
-        </p15:guide>
-      </p15:sldGuideLst>
-    </p:ext>
-  </p:extLst>
 </p:presentation>
 </file>
 
 <file path=ppt/commentAuthors.xml><?xml version="1.0" encoding="utf-8"?>
 <p:cmAuthorLst xmlns:a="http://schemas.openxmlformats.org/drawingml/2006/main" xmlns:r="http://schemas.openxmlformats.org/officeDocument/2006/relationships" xmlns:p="http://schemas.openxmlformats.org/presentationml/2006/main">
-  <p:cmAuthor id="1" name="AminPC" initials="A" lastIdx="1" clrIdx="0">
-    <p:extLst>
-      <p:ext uri="{19B8F6BF-5375-455C-9EA6-DF929625EA0E}">
-        <p15:presenceInfo xmlns:p15="http://schemas.microsoft.com/office/powerpoint/2012/main" userId="AminPC" providerId="None"/>
-      </p:ext>
-    </p:extLst>
-  </p:cmAuthor>
+  <p:cmAuthor id="1" name="AminPC" initials="A" lastIdx="1" clrIdx="0"/>
 </p:cmAuthorLst>
-</file>
-
-<file path=ppt/revisionInfo.xml><?xml version="1.0" encoding="utf-8"?>
-<p1510:revInfo xmlns:a="http://schemas.openxmlformats.org/drawingml/2006/main" xmlns:r="http://schemas.openxmlformats.org/officeDocument/2006/relationships" xmlns:p1510="http://schemas.microsoft.com/office/powerpoint/2015/10/main">
-  <p1510:revLst>
-    <p1510:client id="{4D1EA225-C69E-4BDA-991D-8902B67736D1}" v="73" dt="2021-03-10T10:23:46.832"/>
-  </p1510:revLst>
-</p1510:revInfo>
 </file>
 
 <file path=ppt/notesMasters/notesMaster1.xml><?xml version="1.0" encoding="utf-8"?>
@@ -438,16 +417,16 @@
                 <a:srgbClr val="000000"/>
               </a:buClr>
               <a:buSzPts val="1100"/>
-              <a:buFont typeface="Arial"/>
+              <a:buFont typeface="Arial" panose="020B0604020202020204"/>
               <a:buChar char="●"/>
               <a:defRPr sz="1100" b="0" i="0" u="none" strike="noStrike" cap="none">
                 <a:solidFill>
                   <a:srgbClr val="000000"/>
                 </a:solidFill>
-                <a:latin typeface="Arial"/>
-                <a:ea typeface="Arial"/>
-                <a:cs typeface="Arial"/>
-                <a:sym typeface="Arial"/>
+                <a:latin typeface="Arial" panose="020B0604020202020204"/>
+                <a:ea typeface="Arial" panose="020B0604020202020204"/>
+                <a:cs typeface="Arial" panose="020B0604020202020204"/>
+                <a:sym typeface="Arial" panose="020B0604020202020204"/>
               </a:defRPr>
             </a:lvl1pPr>
             <a:lvl2pPr marL="914400" marR="0" lvl="1" indent="-298450" algn="l" rtl="0">
@@ -464,16 +443,16 @@
                 <a:srgbClr val="000000"/>
               </a:buClr>
               <a:buSzPts val="1100"/>
-              <a:buFont typeface="Arial"/>
+              <a:buFont typeface="Arial" panose="020B0604020202020204"/>
               <a:buChar char="○"/>
               <a:defRPr sz="1100" b="0" i="0" u="none" strike="noStrike" cap="none">
                 <a:solidFill>
                   <a:srgbClr val="000000"/>
                 </a:solidFill>
-                <a:latin typeface="Arial"/>
-                <a:ea typeface="Arial"/>
-                <a:cs typeface="Arial"/>
-                <a:sym typeface="Arial"/>
+                <a:latin typeface="Arial" panose="020B0604020202020204"/>
+                <a:ea typeface="Arial" panose="020B0604020202020204"/>
+                <a:cs typeface="Arial" panose="020B0604020202020204"/>
+                <a:sym typeface="Arial" panose="020B0604020202020204"/>
               </a:defRPr>
             </a:lvl2pPr>
             <a:lvl3pPr marL="1371600" marR="0" lvl="2" indent="-298450" algn="l" rtl="0">
@@ -490,16 +469,16 @@
                 <a:srgbClr val="000000"/>
               </a:buClr>
               <a:buSzPts val="1100"/>
-              <a:buFont typeface="Arial"/>
+              <a:buFont typeface="Arial" panose="020B0604020202020204"/>
               <a:buChar char="■"/>
               <a:defRPr sz="1100" b="0" i="0" u="none" strike="noStrike" cap="none">
                 <a:solidFill>
                   <a:srgbClr val="000000"/>
                 </a:solidFill>
-                <a:latin typeface="Arial"/>
-                <a:ea typeface="Arial"/>
-                <a:cs typeface="Arial"/>
-                <a:sym typeface="Arial"/>
+                <a:latin typeface="Arial" panose="020B0604020202020204"/>
+                <a:ea typeface="Arial" panose="020B0604020202020204"/>
+                <a:cs typeface="Arial" panose="020B0604020202020204"/>
+                <a:sym typeface="Arial" panose="020B0604020202020204"/>
               </a:defRPr>
             </a:lvl3pPr>
             <a:lvl4pPr marL="1828800" marR="0" lvl="3" indent="-298450" algn="l" rtl="0">
@@ -516,16 +495,16 @@
                 <a:srgbClr val="000000"/>
               </a:buClr>
               <a:buSzPts val="1100"/>
-              <a:buFont typeface="Arial"/>
+              <a:buFont typeface="Arial" panose="020B0604020202020204"/>
               <a:buChar char="●"/>
               <a:defRPr sz="1100" b="0" i="0" u="none" strike="noStrike" cap="none">
                 <a:solidFill>
                   <a:srgbClr val="000000"/>
                 </a:solidFill>
-                <a:latin typeface="Arial"/>
-                <a:ea typeface="Arial"/>
-                <a:cs typeface="Arial"/>
-                <a:sym typeface="Arial"/>
+                <a:latin typeface="Arial" panose="020B0604020202020204"/>
+                <a:ea typeface="Arial" panose="020B0604020202020204"/>
+                <a:cs typeface="Arial" panose="020B0604020202020204"/>
+                <a:sym typeface="Arial" panose="020B0604020202020204"/>
               </a:defRPr>
             </a:lvl4pPr>
             <a:lvl5pPr marL="2286000" marR="0" lvl="4" indent="-298450" algn="l" rtl="0">
@@ -542,16 +521,16 @@
                 <a:srgbClr val="000000"/>
               </a:buClr>
               <a:buSzPts val="1100"/>
-              <a:buFont typeface="Arial"/>
+              <a:buFont typeface="Arial" panose="020B0604020202020204"/>
               <a:buChar char="○"/>
               <a:defRPr sz="1100" b="0" i="0" u="none" strike="noStrike" cap="none">
                 <a:solidFill>
                   <a:srgbClr val="000000"/>
                 </a:solidFill>
-                <a:latin typeface="Arial"/>
-                <a:ea typeface="Arial"/>
-                <a:cs typeface="Arial"/>
-                <a:sym typeface="Arial"/>
+                <a:latin typeface="Arial" panose="020B0604020202020204"/>
+                <a:ea typeface="Arial" panose="020B0604020202020204"/>
+                <a:cs typeface="Arial" panose="020B0604020202020204"/>
+                <a:sym typeface="Arial" panose="020B0604020202020204"/>
               </a:defRPr>
             </a:lvl5pPr>
             <a:lvl6pPr marL="2743200" marR="0" lvl="5" indent="-298450" algn="l" rtl="0">
@@ -568,16 +547,16 @@
                 <a:srgbClr val="000000"/>
               </a:buClr>
               <a:buSzPts val="1100"/>
-              <a:buFont typeface="Arial"/>
+              <a:buFont typeface="Arial" panose="020B0604020202020204"/>
               <a:buChar char="■"/>
               <a:defRPr sz="1100" b="0" i="0" u="none" strike="noStrike" cap="none">
                 <a:solidFill>
                   <a:srgbClr val="000000"/>
                 </a:solidFill>
-                <a:latin typeface="Arial"/>
-                <a:ea typeface="Arial"/>
-                <a:cs typeface="Arial"/>
-                <a:sym typeface="Arial"/>
+                <a:latin typeface="Arial" panose="020B0604020202020204"/>
+                <a:ea typeface="Arial" panose="020B0604020202020204"/>
+                <a:cs typeface="Arial" panose="020B0604020202020204"/>
+                <a:sym typeface="Arial" panose="020B0604020202020204"/>
               </a:defRPr>
             </a:lvl6pPr>
             <a:lvl7pPr marL="3200400" marR="0" lvl="6" indent="-298450" algn="l" rtl="0">
@@ -594,16 +573,16 @@
                 <a:srgbClr val="000000"/>
               </a:buClr>
               <a:buSzPts val="1100"/>
-              <a:buFont typeface="Arial"/>
+              <a:buFont typeface="Arial" panose="020B0604020202020204"/>
               <a:buChar char="●"/>
               <a:defRPr sz="1100" b="0" i="0" u="none" strike="noStrike" cap="none">
                 <a:solidFill>
                   <a:srgbClr val="000000"/>
                 </a:solidFill>
-                <a:latin typeface="Arial"/>
-                <a:ea typeface="Arial"/>
-                <a:cs typeface="Arial"/>
-                <a:sym typeface="Arial"/>
+                <a:latin typeface="Arial" panose="020B0604020202020204"/>
+                <a:ea typeface="Arial" panose="020B0604020202020204"/>
+                <a:cs typeface="Arial" panose="020B0604020202020204"/>
+                <a:sym typeface="Arial" panose="020B0604020202020204"/>
               </a:defRPr>
             </a:lvl7pPr>
             <a:lvl8pPr marL="3657600" marR="0" lvl="7" indent="-298450" algn="l" rtl="0">
@@ -620,16 +599,16 @@
                 <a:srgbClr val="000000"/>
               </a:buClr>
               <a:buSzPts val="1100"/>
-              <a:buFont typeface="Arial"/>
+              <a:buFont typeface="Arial" panose="020B0604020202020204"/>
               <a:buChar char="○"/>
               <a:defRPr sz="1100" b="0" i="0" u="none" strike="noStrike" cap="none">
                 <a:solidFill>
                   <a:srgbClr val="000000"/>
                 </a:solidFill>
-                <a:latin typeface="Arial"/>
-                <a:ea typeface="Arial"/>
-                <a:cs typeface="Arial"/>
-                <a:sym typeface="Arial"/>
+                <a:latin typeface="Arial" panose="020B0604020202020204"/>
+                <a:ea typeface="Arial" panose="020B0604020202020204"/>
+                <a:cs typeface="Arial" panose="020B0604020202020204"/>
+                <a:sym typeface="Arial" panose="020B0604020202020204"/>
               </a:defRPr>
             </a:lvl8pPr>
             <a:lvl9pPr marL="4114800" marR="0" lvl="8" indent="-298450" algn="l" rtl="0">
@@ -646,30 +625,23 @@
                 <a:srgbClr val="000000"/>
               </a:buClr>
               <a:buSzPts val="1100"/>
-              <a:buFont typeface="Arial"/>
+              <a:buFont typeface="Arial" panose="020B0604020202020204"/>
               <a:buChar char="■"/>
               <a:defRPr sz="1100" b="0" i="0" u="none" strike="noStrike" cap="none">
                 <a:solidFill>
                   <a:srgbClr val="000000"/>
                 </a:solidFill>
-                <a:latin typeface="Arial"/>
-                <a:ea typeface="Arial"/>
-                <a:cs typeface="Arial"/>
-                <a:sym typeface="Arial"/>
+                <a:latin typeface="Arial" panose="020B0604020202020204"/>
+                <a:ea typeface="Arial" panose="020B0604020202020204"/>
+                <a:cs typeface="Arial" panose="020B0604020202020204"/>
+                <a:sym typeface="Arial" panose="020B0604020202020204"/>
               </a:defRPr>
             </a:lvl9pPr>
           </a:lstStyle>
-          <a:p>
-            <a:endParaRPr/>
-          </a:p>
+          <a:p/>
         </p:txBody>
       </p:sp>
     </p:spTree>
-    <p:extLst>
-      <p:ext uri="{BB962C8B-B14F-4D97-AF65-F5344CB8AC3E}">
-        <p14:creationId xmlns:p14="http://schemas.microsoft.com/office/powerpoint/2010/main" val="3292918896"/>
-      </p:ext>
-    </p:extLst>
   </p:cSld>
   <p:clrMap bg1="lt1" tx1="dk1" bg2="dk2" tx2="lt2" accent1="accent1" accent2="accent2" accent3="accent3" accent4="accent4" accent5="accent5" accent6="accent6" hlink="hlink" folHlink="folHlink"/>
   <p:notesStyle>
@@ -697,15 +669,15 @@
       <a:buClr>
         <a:srgbClr val="000000"/>
       </a:buClr>
-      <a:buFont typeface="Arial"/>
+      <a:buFont typeface="Arial" panose="020B0604020202020204"/>
       <a:defRPr sz="1400" b="0" i="0" u="none" strike="noStrike" cap="none">
         <a:solidFill>
           <a:srgbClr val="000000"/>
         </a:solidFill>
-        <a:latin typeface="Arial"/>
-        <a:ea typeface="Arial"/>
-        <a:cs typeface="Arial"/>
-        <a:sym typeface="Arial"/>
+        <a:latin typeface="Arial" panose="020B0604020202020204"/>
+        <a:ea typeface="Arial" panose="020B0604020202020204"/>
+        <a:cs typeface="Arial" panose="020B0604020202020204"/>
+        <a:sym typeface="Arial" panose="020B0604020202020204"/>
       </a:defRPr>
     </a:lvl1pPr>
     <a:lvl2pPr marR="0" lvl="1" algn="l" rtl="0">
@@ -721,15 +693,15 @@
       <a:buClr>
         <a:srgbClr val="000000"/>
       </a:buClr>
-      <a:buFont typeface="Arial"/>
+      <a:buFont typeface="Arial" panose="020B0604020202020204"/>
       <a:defRPr sz="1400" b="0" i="0" u="none" strike="noStrike" cap="none">
         <a:solidFill>
           <a:srgbClr val="000000"/>
         </a:solidFill>
-        <a:latin typeface="Arial"/>
-        <a:ea typeface="Arial"/>
-        <a:cs typeface="Arial"/>
-        <a:sym typeface="Arial"/>
+        <a:latin typeface="Arial" panose="020B0604020202020204"/>
+        <a:ea typeface="Arial" panose="020B0604020202020204"/>
+        <a:cs typeface="Arial" panose="020B0604020202020204"/>
+        <a:sym typeface="Arial" panose="020B0604020202020204"/>
       </a:defRPr>
     </a:lvl2pPr>
     <a:lvl3pPr marR="0" lvl="2" algn="l" rtl="0">
@@ -745,15 +717,15 @@
       <a:buClr>
         <a:srgbClr val="000000"/>
       </a:buClr>
-      <a:buFont typeface="Arial"/>
+      <a:buFont typeface="Arial" panose="020B0604020202020204"/>
       <a:defRPr sz="1400" b="0" i="0" u="none" strike="noStrike" cap="none">
         <a:solidFill>
           <a:srgbClr val="000000"/>
         </a:solidFill>
-        <a:latin typeface="Arial"/>
-        <a:ea typeface="Arial"/>
-        <a:cs typeface="Arial"/>
-        <a:sym typeface="Arial"/>
+        <a:latin typeface="Arial" panose="020B0604020202020204"/>
+        <a:ea typeface="Arial" panose="020B0604020202020204"/>
+        <a:cs typeface="Arial" panose="020B0604020202020204"/>
+        <a:sym typeface="Arial" panose="020B0604020202020204"/>
       </a:defRPr>
     </a:lvl3pPr>
     <a:lvl4pPr marR="0" lvl="3" algn="l" rtl="0">
@@ -769,15 +741,15 @@
       <a:buClr>
         <a:srgbClr val="000000"/>
       </a:buClr>
-      <a:buFont typeface="Arial"/>
+      <a:buFont typeface="Arial" panose="020B0604020202020204"/>
       <a:defRPr sz="1400" b="0" i="0" u="none" strike="noStrike" cap="none">
         <a:solidFill>
           <a:srgbClr val="000000"/>
         </a:solidFill>
-        <a:latin typeface="Arial"/>
-        <a:ea typeface="Arial"/>
-        <a:cs typeface="Arial"/>
-        <a:sym typeface="Arial"/>
+        <a:latin typeface="Arial" panose="020B0604020202020204"/>
+        <a:ea typeface="Arial" panose="020B0604020202020204"/>
+        <a:cs typeface="Arial" panose="020B0604020202020204"/>
+        <a:sym typeface="Arial" panose="020B0604020202020204"/>
       </a:defRPr>
     </a:lvl4pPr>
     <a:lvl5pPr marR="0" lvl="4" algn="l" rtl="0">
@@ -793,15 +765,15 @@
       <a:buClr>
         <a:srgbClr val="000000"/>
       </a:buClr>
-      <a:buFont typeface="Arial"/>
+      <a:buFont typeface="Arial" panose="020B0604020202020204"/>
       <a:defRPr sz="1400" b="0" i="0" u="none" strike="noStrike" cap="none">
         <a:solidFill>
           <a:srgbClr val="000000"/>
         </a:solidFill>
-        <a:latin typeface="Arial"/>
-        <a:ea typeface="Arial"/>
-        <a:cs typeface="Arial"/>
-        <a:sym typeface="Arial"/>
+        <a:latin typeface="Arial" panose="020B0604020202020204"/>
+        <a:ea typeface="Arial" panose="020B0604020202020204"/>
+        <a:cs typeface="Arial" panose="020B0604020202020204"/>
+        <a:sym typeface="Arial" panose="020B0604020202020204"/>
       </a:defRPr>
     </a:lvl5pPr>
     <a:lvl6pPr marR="0" lvl="5" algn="l" rtl="0">
@@ -817,15 +789,15 @@
       <a:buClr>
         <a:srgbClr val="000000"/>
       </a:buClr>
-      <a:buFont typeface="Arial"/>
+      <a:buFont typeface="Arial" panose="020B0604020202020204"/>
       <a:defRPr sz="1400" b="0" i="0" u="none" strike="noStrike" cap="none">
         <a:solidFill>
           <a:srgbClr val="000000"/>
         </a:solidFill>
-        <a:latin typeface="Arial"/>
-        <a:ea typeface="Arial"/>
-        <a:cs typeface="Arial"/>
-        <a:sym typeface="Arial"/>
+        <a:latin typeface="Arial" panose="020B0604020202020204"/>
+        <a:ea typeface="Arial" panose="020B0604020202020204"/>
+        <a:cs typeface="Arial" panose="020B0604020202020204"/>
+        <a:sym typeface="Arial" panose="020B0604020202020204"/>
       </a:defRPr>
     </a:lvl6pPr>
     <a:lvl7pPr marR="0" lvl="6" algn="l" rtl="0">
@@ -841,15 +813,15 @@
       <a:buClr>
         <a:srgbClr val="000000"/>
       </a:buClr>
-      <a:buFont typeface="Arial"/>
+      <a:buFont typeface="Arial" panose="020B0604020202020204"/>
       <a:defRPr sz="1400" b="0" i="0" u="none" strike="noStrike" cap="none">
         <a:solidFill>
           <a:srgbClr val="000000"/>
         </a:solidFill>
-        <a:latin typeface="Arial"/>
-        <a:ea typeface="Arial"/>
-        <a:cs typeface="Arial"/>
-        <a:sym typeface="Arial"/>
+        <a:latin typeface="Arial" panose="020B0604020202020204"/>
+        <a:ea typeface="Arial" panose="020B0604020202020204"/>
+        <a:cs typeface="Arial" panose="020B0604020202020204"/>
+        <a:sym typeface="Arial" panose="020B0604020202020204"/>
       </a:defRPr>
     </a:lvl7pPr>
     <a:lvl8pPr marR="0" lvl="7" algn="l" rtl="0">
@@ -865,15 +837,15 @@
       <a:buClr>
         <a:srgbClr val="000000"/>
       </a:buClr>
-      <a:buFont typeface="Arial"/>
+      <a:buFont typeface="Arial" panose="020B0604020202020204"/>
       <a:defRPr sz="1400" b="0" i="0" u="none" strike="noStrike" cap="none">
         <a:solidFill>
           <a:srgbClr val="000000"/>
         </a:solidFill>
-        <a:latin typeface="Arial"/>
-        <a:ea typeface="Arial"/>
-        <a:cs typeface="Arial"/>
-        <a:sym typeface="Arial"/>
+        <a:latin typeface="Arial" panose="020B0604020202020204"/>
+        <a:ea typeface="Arial" panose="020B0604020202020204"/>
+        <a:cs typeface="Arial" panose="020B0604020202020204"/>
+        <a:sym typeface="Arial" panose="020B0604020202020204"/>
       </a:defRPr>
     </a:lvl8pPr>
     <a:lvl9pPr marR="0" lvl="8" algn="l" rtl="0">
@@ -889,15 +861,15 @@
       <a:buClr>
         <a:srgbClr val="000000"/>
       </a:buClr>
-      <a:buFont typeface="Arial"/>
+      <a:buFont typeface="Arial" panose="020B0604020202020204"/>
       <a:defRPr sz="1400" b="0" i="0" u="none" strike="noStrike" cap="none">
         <a:solidFill>
           <a:srgbClr val="000000"/>
         </a:solidFill>
-        <a:latin typeface="Arial"/>
-        <a:ea typeface="Arial"/>
-        <a:cs typeface="Arial"/>
-        <a:sym typeface="Arial"/>
+        <a:latin typeface="Arial" panose="020B0604020202020204"/>
+        <a:ea typeface="Arial" panose="020B0604020202020204"/>
+        <a:cs typeface="Arial" panose="020B0604020202020204"/>
+        <a:sym typeface="Arial" panose="020B0604020202020204"/>
       </a:defRPr>
     </a:lvl9pPr>
   </p:notesStyle>
@@ -905,7 +877,7 @@
 </file>
 
 <file path=ppt/notesSlides/notesSlide1.xml><?xml version="1.0" encoding="utf-8"?>
-<p:notes xmlns:a="http://schemas.openxmlformats.org/drawingml/2006/main" xmlns:r="http://schemas.openxmlformats.org/officeDocument/2006/relationships" xmlns:p="http://schemas.openxmlformats.org/presentationml/2006/main" showMasterSp="0" showMasterPhAnim="0">
+<p:notes xmlns:a="http://schemas.openxmlformats.org/drawingml/2006/main" xmlns:r="http://schemas.openxmlformats.org/officeDocument/2006/relationships" xmlns:p="http://schemas.openxmlformats.org/presentationml/2006/main" showMasterPhAnim="0" showMasterSp="0">
   <p:cSld>
     <p:spTree>
       <p:nvGrpSpPr>
@@ -1014,16 +986,10 @@
               <a:buSzPts val="1100"/>
               <a:buNone/>
             </a:pPr>
-            <a:endParaRPr/>
           </a:p>
         </p:txBody>
       </p:sp>
     </p:spTree>
-    <p:extLst>
-      <p:ext uri="{BB962C8B-B14F-4D97-AF65-F5344CB8AC3E}">
-        <p14:creationId xmlns:p14="http://schemas.microsoft.com/office/powerpoint/2010/main" val="2980627733"/>
-      </p:ext>
-    </p:extLst>
   </p:cSld>
   <p:clrMapOvr>
     <a:masterClrMapping/>
@@ -1085,11 +1051,6 @@
         </p:txBody>
       </p:sp>
     </p:spTree>
-    <p:extLst>
-      <p:ext uri="{BB962C8B-B14F-4D97-AF65-F5344CB8AC3E}">
-        <p14:creationId xmlns:p14="http://schemas.microsoft.com/office/powerpoint/2010/main" val="123242374"/>
-      </p:ext>
-    </p:extLst>
   </p:cSld>
   <p:clrMapOvr>
     <a:masterClrMapping/>
@@ -1098,7 +1059,7 @@
 </file>
 
 <file path=ppt/notesSlides/notesSlide3.xml><?xml version="1.0" encoding="utf-8"?>
-<p:notes xmlns:a="http://schemas.openxmlformats.org/drawingml/2006/main" xmlns:r="http://schemas.openxmlformats.org/officeDocument/2006/relationships" xmlns:p="http://schemas.openxmlformats.org/presentationml/2006/main" showMasterSp="0" showMasterPhAnim="0">
+<p:notes xmlns:a="http://schemas.openxmlformats.org/drawingml/2006/main" xmlns:r="http://schemas.openxmlformats.org/officeDocument/2006/relationships" xmlns:p="http://schemas.openxmlformats.org/presentationml/2006/main" showMasterPhAnim="0" showMasterSp="0">
   <p:cSld>
     <p:spTree>
       <p:nvGrpSpPr>
@@ -1207,16 +1168,10 @@
               <a:buSzPts val="1100"/>
               <a:buNone/>
             </a:pPr>
-            <a:endParaRPr/>
           </a:p>
         </p:txBody>
       </p:sp>
     </p:spTree>
-    <p:extLst>
-      <p:ext uri="{BB962C8B-B14F-4D97-AF65-F5344CB8AC3E}">
-        <p14:creationId xmlns:p14="http://schemas.microsoft.com/office/powerpoint/2010/main" val="249468566"/>
-      </p:ext>
-    </p:extLst>
   </p:cSld>
   <p:clrMapOvr>
     <a:masterClrMapping/>
@@ -1225,7 +1180,7 @@
 </file>
 
 <file path=ppt/slideLayouts/slideLayout1.xml><?xml version="1.0" encoding="utf-8"?>
-<p:sldLayout xmlns:a="http://schemas.openxmlformats.org/drawingml/2006/main" xmlns:r="http://schemas.openxmlformats.org/officeDocument/2006/relationships" xmlns:p="http://schemas.openxmlformats.org/presentationml/2006/main" matchingName="Title slide" type="title">
+<p:sldLayout xmlns:a="http://schemas.openxmlformats.org/drawingml/2006/main" xmlns:r="http://schemas.openxmlformats.org/officeDocument/2006/relationships" xmlns:p="http://schemas.openxmlformats.org/presentationml/2006/main" type="title" matchingName="Title slide">
   <p:cSld name="TITLE">
     <p:spTree>
       <p:nvGrpSpPr>
@@ -1396,9 +1351,7 @@
               <a:defRPr sz="5200"/>
             </a:lvl9pPr>
           </a:lstStyle>
-          <a:p>
-            <a:endParaRPr/>
-          </a:p>
+          <a:p/>
         </p:txBody>
       </p:sp>
       <p:sp>
@@ -1556,9 +1509,7 @@
               <a:defRPr sz="2800"/>
             </a:lvl9pPr>
           </a:lstStyle>
-          <a:p>
-            <a:endParaRPr/>
-          </a:p>
+          <a:p/>
         </p:txBody>
       </p:sp>
       <p:sp>
@@ -1603,16 +1554,16 @@
                 <a:srgbClr val="000000"/>
               </a:buClr>
               <a:buSzPts val="1000"/>
-              <a:buFont typeface="Arial"/>
+              <a:buFont typeface="Arial" panose="020B0604020202020204"/>
               <a:buNone/>
               <a:defRPr sz="1000" b="0" i="0" u="none" strike="noStrike" cap="none">
                 <a:solidFill>
                   <a:schemeClr val="dk2"/>
                 </a:solidFill>
-                <a:latin typeface="Arial"/>
-                <a:ea typeface="Arial"/>
-                <a:cs typeface="Arial"/>
-                <a:sym typeface="Arial"/>
+                <a:latin typeface="Arial" panose="020B0604020202020204"/>
+                <a:ea typeface="Arial" panose="020B0604020202020204"/>
+                <a:cs typeface="Arial" panose="020B0604020202020204"/>
+                <a:sym typeface="Arial" panose="020B0604020202020204"/>
               </a:defRPr>
             </a:lvl1pPr>
             <a:lvl2pPr marL="0" marR="0" lvl="1" indent="0" algn="r">
@@ -1629,16 +1580,16 @@
                 <a:srgbClr val="000000"/>
               </a:buClr>
               <a:buSzPts val="1000"/>
-              <a:buFont typeface="Arial"/>
+              <a:buFont typeface="Arial" panose="020B0604020202020204"/>
               <a:buNone/>
               <a:defRPr sz="1000" b="0" i="0" u="none" strike="noStrike" cap="none">
                 <a:solidFill>
                   <a:schemeClr val="dk2"/>
                 </a:solidFill>
-                <a:latin typeface="Arial"/>
-                <a:ea typeface="Arial"/>
-                <a:cs typeface="Arial"/>
-                <a:sym typeface="Arial"/>
+                <a:latin typeface="Arial" panose="020B0604020202020204"/>
+                <a:ea typeface="Arial" panose="020B0604020202020204"/>
+                <a:cs typeface="Arial" panose="020B0604020202020204"/>
+                <a:sym typeface="Arial" panose="020B0604020202020204"/>
               </a:defRPr>
             </a:lvl2pPr>
             <a:lvl3pPr marL="0" marR="0" lvl="2" indent="0" algn="r">
@@ -1655,16 +1606,16 @@
                 <a:srgbClr val="000000"/>
               </a:buClr>
               <a:buSzPts val="1000"/>
-              <a:buFont typeface="Arial"/>
+              <a:buFont typeface="Arial" panose="020B0604020202020204"/>
               <a:buNone/>
               <a:defRPr sz="1000" b="0" i="0" u="none" strike="noStrike" cap="none">
                 <a:solidFill>
                   <a:schemeClr val="dk2"/>
                 </a:solidFill>
-                <a:latin typeface="Arial"/>
-                <a:ea typeface="Arial"/>
-                <a:cs typeface="Arial"/>
-                <a:sym typeface="Arial"/>
+                <a:latin typeface="Arial" panose="020B0604020202020204"/>
+                <a:ea typeface="Arial" panose="020B0604020202020204"/>
+                <a:cs typeface="Arial" panose="020B0604020202020204"/>
+                <a:sym typeface="Arial" panose="020B0604020202020204"/>
               </a:defRPr>
             </a:lvl3pPr>
             <a:lvl4pPr marL="0" marR="0" lvl="3" indent="0" algn="r">
@@ -1681,16 +1632,16 @@
                 <a:srgbClr val="000000"/>
               </a:buClr>
               <a:buSzPts val="1000"/>
-              <a:buFont typeface="Arial"/>
+              <a:buFont typeface="Arial" panose="020B0604020202020204"/>
               <a:buNone/>
               <a:defRPr sz="1000" b="0" i="0" u="none" strike="noStrike" cap="none">
                 <a:solidFill>
                   <a:schemeClr val="dk2"/>
                 </a:solidFill>
-                <a:latin typeface="Arial"/>
-                <a:ea typeface="Arial"/>
-                <a:cs typeface="Arial"/>
-                <a:sym typeface="Arial"/>
+                <a:latin typeface="Arial" panose="020B0604020202020204"/>
+                <a:ea typeface="Arial" panose="020B0604020202020204"/>
+                <a:cs typeface="Arial" panose="020B0604020202020204"/>
+                <a:sym typeface="Arial" panose="020B0604020202020204"/>
               </a:defRPr>
             </a:lvl4pPr>
             <a:lvl5pPr marL="0" marR="0" lvl="4" indent="0" algn="r">
@@ -1707,16 +1658,16 @@
                 <a:srgbClr val="000000"/>
               </a:buClr>
               <a:buSzPts val="1000"/>
-              <a:buFont typeface="Arial"/>
+              <a:buFont typeface="Arial" panose="020B0604020202020204"/>
               <a:buNone/>
               <a:defRPr sz="1000" b="0" i="0" u="none" strike="noStrike" cap="none">
                 <a:solidFill>
                   <a:schemeClr val="dk2"/>
                 </a:solidFill>
-                <a:latin typeface="Arial"/>
-                <a:ea typeface="Arial"/>
-                <a:cs typeface="Arial"/>
-                <a:sym typeface="Arial"/>
+                <a:latin typeface="Arial" panose="020B0604020202020204"/>
+                <a:ea typeface="Arial" panose="020B0604020202020204"/>
+                <a:cs typeface="Arial" panose="020B0604020202020204"/>
+                <a:sym typeface="Arial" panose="020B0604020202020204"/>
               </a:defRPr>
             </a:lvl5pPr>
             <a:lvl6pPr marL="0" marR="0" lvl="5" indent="0" algn="r">
@@ -1733,16 +1684,16 @@
                 <a:srgbClr val="000000"/>
               </a:buClr>
               <a:buSzPts val="1000"/>
-              <a:buFont typeface="Arial"/>
+              <a:buFont typeface="Arial" panose="020B0604020202020204"/>
               <a:buNone/>
               <a:defRPr sz="1000" b="0" i="0" u="none" strike="noStrike" cap="none">
                 <a:solidFill>
                   <a:schemeClr val="dk2"/>
                 </a:solidFill>
-                <a:latin typeface="Arial"/>
-                <a:ea typeface="Arial"/>
-                <a:cs typeface="Arial"/>
-                <a:sym typeface="Arial"/>
+                <a:latin typeface="Arial" panose="020B0604020202020204"/>
+                <a:ea typeface="Arial" panose="020B0604020202020204"/>
+                <a:cs typeface="Arial" panose="020B0604020202020204"/>
+                <a:sym typeface="Arial" panose="020B0604020202020204"/>
               </a:defRPr>
             </a:lvl6pPr>
             <a:lvl7pPr marL="0" marR="0" lvl="6" indent="0" algn="r">
@@ -1759,16 +1710,16 @@
                 <a:srgbClr val="000000"/>
               </a:buClr>
               <a:buSzPts val="1000"/>
-              <a:buFont typeface="Arial"/>
+              <a:buFont typeface="Arial" panose="020B0604020202020204"/>
               <a:buNone/>
               <a:defRPr sz="1000" b="0" i="0" u="none" strike="noStrike" cap="none">
                 <a:solidFill>
                   <a:schemeClr val="dk2"/>
                 </a:solidFill>
-                <a:latin typeface="Arial"/>
-                <a:ea typeface="Arial"/>
-                <a:cs typeface="Arial"/>
-                <a:sym typeface="Arial"/>
+                <a:latin typeface="Arial" panose="020B0604020202020204"/>
+                <a:ea typeface="Arial" panose="020B0604020202020204"/>
+                <a:cs typeface="Arial" panose="020B0604020202020204"/>
+                <a:sym typeface="Arial" panose="020B0604020202020204"/>
               </a:defRPr>
             </a:lvl7pPr>
             <a:lvl8pPr marL="0" marR="0" lvl="7" indent="0" algn="r">
@@ -1785,16 +1736,16 @@
                 <a:srgbClr val="000000"/>
               </a:buClr>
               <a:buSzPts val="1000"/>
-              <a:buFont typeface="Arial"/>
+              <a:buFont typeface="Arial" panose="020B0604020202020204"/>
               <a:buNone/>
               <a:defRPr sz="1000" b="0" i="0" u="none" strike="noStrike" cap="none">
                 <a:solidFill>
                   <a:schemeClr val="dk2"/>
                 </a:solidFill>
-                <a:latin typeface="Arial"/>
-                <a:ea typeface="Arial"/>
-                <a:cs typeface="Arial"/>
-                <a:sym typeface="Arial"/>
+                <a:latin typeface="Arial" panose="020B0604020202020204"/>
+                <a:ea typeface="Arial" panose="020B0604020202020204"/>
+                <a:cs typeface="Arial" panose="020B0604020202020204"/>
+                <a:sym typeface="Arial" panose="020B0604020202020204"/>
               </a:defRPr>
             </a:lvl8pPr>
             <a:lvl9pPr marL="0" marR="0" lvl="8" indent="0" algn="r">
@@ -1811,16 +1762,16 @@
                 <a:srgbClr val="000000"/>
               </a:buClr>
               <a:buSzPts val="1000"/>
-              <a:buFont typeface="Arial"/>
+              <a:buFont typeface="Arial" panose="020B0604020202020204"/>
               <a:buNone/>
               <a:defRPr sz="1000" b="0" i="0" u="none" strike="noStrike" cap="none">
                 <a:solidFill>
                   <a:schemeClr val="dk2"/>
                 </a:solidFill>
-                <a:latin typeface="Arial"/>
-                <a:ea typeface="Arial"/>
-                <a:cs typeface="Arial"/>
-                <a:sym typeface="Arial"/>
+                <a:latin typeface="Arial" panose="020B0604020202020204"/>
+                <a:ea typeface="Arial" panose="020B0604020202020204"/>
+                <a:cs typeface="Arial" panose="020B0604020202020204"/>
+                <a:sym typeface="Arial" panose="020B0604020202020204"/>
               </a:defRPr>
             </a:lvl9pPr>
           </a:lstStyle>
@@ -1836,9 +1787,8 @@
             </a:pPr>
             <a:fld id="{00000000-1234-1234-1234-123412341234}" type="slidenum">
               <a:rPr lang="en-GB"/>
-              <a:t>‹#›</a:t>
             </a:fld>
-            <a:endParaRPr/>
+            <a:endParaRPr lang="en-GB"/>
           </a:p>
         </p:txBody>
       </p:sp>
@@ -2184,9 +2134,7 @@
               <a:defRPr/>
             </a:lvl9pPr>
           </a:lstStyle>
-          <a:p>
-            <a:endParaRPr/>
-          </a:p>
+          <a:p/>
         </p:txBody>
       </p:sp>
       <p:sp>
@@ -2231,16 +2179,16 @@
                 <a:srgbClr val="000000"/>
               </a:buClr>
               <a:buSzPts val="1000"/>
-              <a:buFont typeface="Arial"/>
+              <a:buFont typeface="Arial" panose="020B0604020202020204"/>
               <a:buNone/>
               <a:defRPr sz="1000" b="0" i="0" u="none" strike="noStrike" cap="none">
                 <a:solidFill>
                   <a:schemeClr val="dk2"/>
                 </a:solidFill>
-                <a:latin typeface="Arial"/>
-                <a:ea typeface="Arial"/>
-                <a:cs typeface="Arial"/>
-                <a:sym typeface="Arial"/>
+                <a:latin typeface="Arial" panose="020B0604020202020204"/>
+                <a:ea typeface="Arial" panose="020B0604020202020204"/>
+                <a:cs typeface="Arial" panose="020B0604020202020204"/>
+                <a:sym typeface="Arial" panose="020B0604020202020204"/>
               </a:defRPr>
             </a:lvl1pPr>
             <a:lvl2pPr marL="0" marR="0" lvl="1" indent="0" algn="r">
@@ -2257,16 +2205,16 @@
                 <a:srgbClr val="000000"/>
               </a:buClr>
               <a:buSzPts val="1000"/>
-              <a:buFont typeface="Arial"/>
+              <a:buFont typeface="Arial" panose="020B0604020202020204"/>
               <a:buNone/>
               <a:defRPr sz="1000" b="0" i="0" u="none" strike="noStrike" cap="none">
                 <a:solidFill>
                   <a:schemeClr val="dk2"/>
                 </a:solidFill>
-                <a:latin typeface="Arial"/>
-                <a:ea typeface="Arial"/>
-                <a:cs typeface="Arial"/>
-                <a:sym typeface="Arial"/>
+                <a:latin typeface="Arial" panose="020B0604020202020204"/>
+                <a:ea typeface="Arial" panose="020B0604020202020204"/>
+                <a:cs typeface="Arial" panose="020B0604020202020204"/>
+                <a:sym typeface="Arial" panose="020B0604020202020204"/>
               </a:defRPr>
             </a:lvl2pPr>
             <a:lvl3pPr marL="0" marR="0" lvl="2" indent="0" algn="r">
@@ -2283,16 +2231,16 @@
                 <a:srgbClr val="000000"/>
               </a:buClr>
               <a:buSzPts val="1000"/>
-              <a:buFont typeface="Arial"/>
+              <a:buFont typeface="Arial" panose="020B0604020202020204"/>
               <a:buNone/>
               <a:defRPr sz="1000" b="0" i="0" u="none" strike="noStrike" cap="none">
                 <a:solidFill>
                   <a:schemeClr val="dk2"/>
                 </a:solidFill>
-                <a:latin typeface="Arial"/>
-                <a:ea typeface="Arial"/>
-                <a:cs typeface="Arial"/>
-                <a:sym typeface="Arial"/>
+                <a:latin typeface="Arial" panose="020B0604020202020204"/>
+                <a:ea typeface="Arial" panose="020B0604020202020204"/>
+                <a:cs typeface="Arial" panose="020B0604020202020204"/>
+                <a:sym typeface="Arial" panose="020B0604020202020204"/>
               </a:defRPr>
             </a:lvl3pPr>
             <a:lvl4pPr marL="0" marR="0" lvl="3" indent="0" algn="r">
@@ -2309,16 +2257,16 @@
                 <a:srgbClr val="000000"/>
               </a:buClr>
               <a:buSzPts val="1000"/>
-              <a:buFont typeface="Arial"/>
+              <a:buFont typeface="Arial" panose="020B0604020202020204"/>
               <a:buNone/>
               <a:defRPr sz="1000" b="0" i="0" u="none" strike="noStrike" cap="none">
                 <a:solidFill>
                   <a:schemeClr val="dk2"/>
                 </a:solidFill>
-                <a:latin typeface="Arial"/>
-                <a:ea typeface="Arial"/>
-                <a:cs typeface="Arial"/>
-                <a:sym typeface="Arial"/>
+                <a:latin typeface="Arial" panose="020B0604020202020204"/>
+                <a:ea typeface="Arial" panose="020B0604020202020204"/>
+                <a:cs typeface="Arial" panose="020B0604020202020204"/>
+                <a:sym typeface="Arial" panose="020B0604020202020204"/>
               </a:defRPr>
             </a:lvl4pPr>
             <a:lvl5pPr marL="0" marR="0" lvl="4" indent="0" algn="r">
@@ -2335,16 +2283,16 @@
                 <a:srgbClr val="000000"/>
               </a:buClr>
               <a:buSzPts val="1000"/>
-              <a:buFont typeface="Arial"/>
+              <a:buFont typeface="Arial" panose="020B0604020202020204"/>
               <a:buNone/>
               <a:defRPr sz="1000" b="0" i="0" u="none" strike="noStrike" cap="none">
                 <a:solidFill>
                   <a:schemeClr val="dk2"/>
                 </a:solidFill>
-                <a:latin typeface="Arial"/>
-                <a:ea typeface="Arial"/>
-                <a:cs typeface="Arial"/>
-                <a:sym typeface="Arial"/>
+                <a:latin typeface="Arial" panose="020B0604020202020204"/>
+                <a:ea typeface="Arial" panose="020B0604020202020204"/>
+                <a:cs typeface="Arial" panose="020B0604020202020204"/>
+                <a:sym typeface="Arial" panose="020B0604020202020204"/>
               </a:defRPr>
             </a:lvl5pPr>
             <a:lvl6pPr marL="0" marR="0" lvl="5" indent="0" algn="r">
@@ -2361,16 +2309,16 @@
                 <a:srgbClr val="000000"/>
               </a:buClr>
               <a:buSzPts val="1000"/>
-              <a:buFont typeface="Arial"/>
+              <a:buFont typeface="Arial" panose="020B0604020202020204"/>
               <a:buNone/>
               <a:defRPr sz="1000" b="0" i="0" u="none" strike="noStrike" cap="none">
                 <a:solidFill>
                   <a:schemeClr val="dk2"/>
                 </a:solidFill>
-                <a:latin typeface="Arial"/>
-                <a:ea typeface="Arial"/>
-                <a:cs typeface="Arial"/>
-                <a:sym typeface="Arial"/>
+                <a:latin typeface="Arial" panose="020B0604020202020204"/>
+                <a:ea typeface="Arial" panose="020B0604020202020204"/>
+                <a:cs typeface="Arial" panose="020B0604020202020204"/>
+                <a:sym typeface="Arial" panose="020B0604020202020204"/>
               </a:defRPr>
             </a:lvl6pPr>
             <a:lvl7pPr marL="0" marR="0" lvl="6" indent="0" algn="r">
@@ -2387,16 +2335,16 @@
                 <a:srgbClr val="000000"/>
               </a:buClr>
               <a:buSzPts val="1000"/>
-              <a:buFont typeface="Arial"/>
+              <a:buFont typeface="Arial" panose="020B0604020202020204"/>
               <a:buNone/>
               <a:defRPr sz="1000" b="0" i="0" u="none" strike="noStrike" cap="none">
                 <a:solidFill>
                   <a:schemeClr val="dk2"/>
                 </a:solidFill>
-                <a:latin typeface="Arial"/>
-                <a:ea typeface="Arial"/>
-                <a:cs typeface="Arial"/>
-                <a:sym typeface="Arial"/>
+                <a:latin typeface="Arial" panose="020B0604020202020204"/>
+                <a:ea typeface="Arial" panose="020B0604020202020204"/>
+                <a:cs typeface="Arial" panose="020B0604020202020204"/>
+                <a:sym typeface="Arial" panose="020B0604020202020204"/>
               </a:defRPr>
             </a:lvl7pPr>
             <a:lvl8pPr marL="0" marR="0" lvl="7" indent="0" algn="r">
@@ -2413,16 +2361,16 @@
                 <a:srgbClr val="000000"/>
               </a:buClr>
               <a:buSzPts val="1000"/>
-              <a:buFont typeface="Arial"/>
+              <a:buFont typeface="Arial" panose="020B0604020202020204"/>
               <a:buNone/>
               <a:defRPr sz="1000" b="0" i="0" u="none" strike="noStrike" cap="none">
                 <a:solidFill>
                   <a:schemeClr val="dk2"/>
                 </a:solidFill>
-                <a:latin typeface="Arial"/>
-                <a:ea typeface="Arial"/>
-                <a:cs typeface="Arial"/>
-                <a:sym typeface="Arial"/>
+                <a:latin typeface="Arial" panose="020B0604020202020204"/>
+                <a:ea typeface="Arial" panose="020B0604020202020204"/>
+                <a:cs typeface="Arial" panose="020B0604020202020204"/>
+                <a:sym typeface="Arial" panose="020B0604020202020204"/>
               </a:defRPr>
             </a:lvl8pPr>
             <a:lvl9pPr marL="0" marR="0" lvl="8" indent="0" algn="r">
@@ -2439,16 +2387,16 @@
                 <a:srgbClr val="000000"/>
               </a:buClr>
               <a:buSzPts val="1000"/>
-              <a:buFont typeface="Arial"/>
+              <a:buFont typeface="Arial" panose="020B0604020202020204"/>
               <a:buNone/>
               <a:defRPr sz="1000" b="0" i="0" u="none" strike="noStrike" cap="none">
                 <a:solidFill>
                   <a:schemeClr val="dk2"/>
                 </a:solidFill>
-                <a:latin typeface="Arial"/>
-                <a:ea typeface="Arial"/>
-                <a:cs typeface="Arial"/>
-                <a:sym typeface="Arial"/>
+                <a:latin typeface="Arial" panose="020B0604020202020204"/>
+                <a:ea typeface="Arial" panose="020B0604020202020204"/>
+                <a:cs typeface="Arial" panose="020B0604020202020204"/>
+                <a:sym typeface="Arial" panose="020B0604020202020204"/>
               </a:defRPr>
             </a:lvl9pPr>
           </a:lstStyle>
@@ -2464,9 +2412,8 @@
             </a:pPr>
             <a:fld id="{00000000-1234-1234-1234-123412341234}" type="slidenum">
               <a:rPr lang="en-GB"/>
-              <a:t>‹#›</a:t>
             </a:fld>
-            <a:endParaRPr/>
+            <a:endParaRPr lang="en-GB"/>
           </a:p>
         </p:txBody>
       </p:sp>
@@ -2479,7 +2426,7 @@
 </file>
 
 <file path=ppt/slideLayouts/slideLayout11.xml><?xml version="1.0" encoding="utf-8"?>
-<p:sldLayout xmlns:a="http://schemas.openxmlformats.org/drawingml/2006/main" xmlns:r="http://schemas.openxmlformats.org/officeDocument/2006/relationships" xmlns:p="http://schemas.openxmlformats.org/presentationml/2006/main" matchingName="Blank" type="blank">
+<p:sldLayout xmlns:a="http://schemas.openxmlformats.org/drawingml/2006/main" xmlns:r="http://schemas.openxmlformats.org/officeDocument/2006/relationships" xmlns:p="http://schemas.openxmlformats.org/presentationml/2006/main" type="blank" matchingName="Blank">
   <p:cSld name="BLANK">
     <p:spTree>
       <p:nvGrpSpPr>
@@ -2537,16 +2484,16 @@
                 <a:srgbClr val="000000"/>
               </a:buClr>
               <a:buSzPts val="1000"/>
-              <a:buFont typeface="Arial"/>
+              <a:buFont typeface="Arial" panose="020B0604020202020204"/>
               <a:buNone/>
               <a:defRPr sz="1000" b="0" i="0" u="none" strike="noStrike" cap="none">
                 <a:solidFill>
                   <a:schemeClr val="dk2"/>
                 </a:solidFill>
-                <a:latin typeface="Arial"/>
-                <a:ea typeface="Arial"/>
-                <a:cs typeface="Arial"/>
-                <a:sym typeface="Arial"/>
+                <a:latin typeface="Arial" panose="020B0604020202020204"/>
+                <a:ea typeface="Arial" panose="020B0604020202020204"/>
+                <a:cs typeface="Arial" panose="020B0604020202020204"/>
+                <a:sym typeface="Arial" panose="020B0604020202020204"/>
               </a:defRPr>
             </a:lvl1pPr>
             <a:lvl2pPr marL="0" marR="0" lvl="1" indent="0" algn="r">
@@ -2563,16 +2510,16 @@
                 <a:srgbClr val="000000"/>
               </a:buClr>
               <a:buSzPts val="1000"/>
-              <a:buFont typeface="Arial"/>
+              <a:buFont typeface="Arial" panose="020B0604020202020204"/>
               <a:buNone/>
               <a:defRPr sz="1000" b="0" i="0" u="none" strike="noStrike" cap="none">
                 <a:solidFill>
                   <a:schemeClr val="dk2"/>
                 </a:solidFill>
-                <a:latin typeface="Arial"/>
-                <a:ea typeface="Arial"/>
-                <a:cs typeface="Arial"/>
-                <a:sym typeface="Arial"/>
+                <a:latin typeface="Arial" panose="020B0604020202020204"/>
+                <a:ea typeface="Arial" panose="020B0604020202020204"/>
+                <a:cs typeface="Arial" panose="020B0604020202020204"/>
+                <a:sym typeface="Arial" panose="020B0604020202020204"/>
               </a:defRPr>
             </a:lvl2pPr>
             <a:lvl3pPr marL="0" marR="0" lvl="2" indent="0" algn="r">
@@ -2589,16 +2536,16 @@
                 <a:srgbClr val="000000"/>
               </a:buClr>
               <a:buSzPts val="1000"/>
-              <a:buFont typeface="Arial"/>
+              <a:buFont typeface="Arial" panose="020B0604020202020204"/>
               <a:buNone/>
               <a:defRPr sz="1000" b="0" i="0" u="none" strike="noStrike" cap="none">
                 <a:solidFill>
                   <a:schemeClr val="dk2"/>
                 </a:solidFill>
-                <a:latin typeface="Arial"/>
-                <a:ea typeface="Arial"/>
-                <a:cs typeface="Arial"/>
-                <a:sym typeface="Arial"/>
+                <a:latin typeface="Arial" panose="020B0604020202020204"/>
+                <a:ea typeface="Arial" panose="020B0604020202020204"/>
+                <a:cs typeface="Arial" panose="020B0604020202020204"/>
+                <a:sym typeface="Arial" panose="020B0604020202020204"/>
               </a:defRPr>
             </a:lvl3pPr>
             <a:lvl4pPr marL="0" marR="0" lvl="3" indent="0" algn="r">
@@ -2615,16 +2562,16 @@
                 <a:srgbClr val="000000"/>
               </a:buClr>
               <a:buSzPts val="1000"/>
-              <a:buFont typeface="Arial"/>
+              <a:buFont typeface="Arial" panose="020B0604020202020204"/>
               <a:buNone/>
               <a:defRPr sz="1000" b="0" i="0" u="none" strike="noStrike" cap="none">
                 <a:solidFill>
                   <a:schemeClr val="dk2"/>
                 </a:solidFill>
-                <a:latin typeface="Arial"/>
-                <a:ea typeface="Arial"/>
-                <a:cs typeface="Arial"/>
-                <a:sym typeface="Arial"/>
+                <a:latin typeface="Arial" panose="020B0604020202020204"/>
+                <a:ea typeface="Arial" panose="020B0604020202020204"/>
+                <a:cs typeface="Arial" panose="020B0604020202020204"/>
+                <a:sym typeface="Arial" panose="020B0604020202020204"/>
               </a:defRPr>
             </a:lvl4pPr>
             <a:lvl5pPr marL="0" marR="0" lvl="4" indent="0" algn="r">
@@ -2641,16 +2588,16 @@
                 <a:srgbClr val="000000"/>
               </a:buClr>
               <a:buSzPts val="1000"/>
-              <a:buFont typeface="Arial"/>
+              <a:buFont typeface="Arial" panose="020B0604020202020204"/>
               <a:buNone/>
               <a:defRPr sz="1000" b="0" i="0" u="none" strike="noStrike" cap="none">
                 <a:solidFill>
                   <a:schemeClr val="dk2"/>
                 </a:solidFill>
-                <a:latin typeface="Arial"/>
-                <a:ea typeface="Arial"/>
-                <a:cs typeface="Arial"/>
-                <a:sym typeface="Arial"/>
+                <a:latin typeface="Arial" panose="020B0604020202020204"/>
+                <a:ea typeface="Arial" panose="020B0604020202020204"/>
+                <a:cs typeface="Arial" panose="020B0604020202020204"/>
+                <a:sym typeface="Arial" panose="020B0604020202020204"/>
               </a:defRPr>
             </a:lvl5pPr>
             <a:lvl6pPr marL="0" marR="0" lvl="5" indent="0" algn="r">
@@ -2667,16 +2614,16 @@
                 <a:srgbClr val="000000"/>
               </a:buClr>
               <a:buSzPts val="1000"/>
-              <a:buFont typeface="Arial"/>
+              <a:buFont typeface="Arial" panose="020B0604020202020204"/>
               <a:buNone/>
               <a:defRPr sz="1000" b="0" i="0" u="none" strike="noStrike" cap="none">
                 <a:solidFill>
                   <a:schemeClr val="dk2"/>
                 </a:solidFill>
-                <a:latin typeface="Arial"/>
-                <a:ea typeface="Arial"/>
-                <a:cs typeface="Arial"/>
-                <a:sym typeface="Arial"/>
+                <a:latin typeface="Arial" panose="020B0604020202020204"/>
+                <a:ea typeface="Arial" panose="020B0604020202020204"/>
+                <a:cs typeface="Arial" panose="020B0604020202020204"/>
+                <a:sym typeface="Arial" panose="020B0604020202020204"/>
               </a:defRPr>
             </a:lvl6pPr>
             <a:lvl7pPr marL="0" marR="0" lvl="6" indent="0" algn="r">
@@ -2693,16 +2640,16 @@
                 <a:srgbClr val="000000"/>
               </a:buClr>
               <a:buSzPts val="1000"/>
-              <a:buFont typeface="Arial"/>
+              <a:buFont typeface="Arial" panose="020B0604020202020204"/>
               <a:buNone/>
               <a:defRPr sz="1000" b="0" i="0" u="none" strike="noStrike" cap="none">
                 <a:solidFill>
                   <a:schemeClr val="dk2"/>
                 </a:solidFill>
-                <a:latin typeface="Arial"/>
-                <a:ea typeface="Arial"/>
-                <a:cs typeface="Arial"/>
-                <a:sym typeface="Arial"/>
+                <a:latin typeface="Arial" panose="020B0604020202020204"/>
+                <a:ea typeface="Arial" panose="020B0604020202020204"/>
+                <a:cs typeface="Arial" panose="020B0604020202020204"/>
+                <a:sym typeface="Arial" panose="020B0604020202020204"/>
               </a:defRPr>
             </a:lvl7pPr>
             <a:lvl8pPr marL="0" marR="0" lvl="7" indent="0" algn="r">
@@ -2719,16 +2666,16 @@
                 <a:srgbClr val="000000"/>
               </a:buClr>
               <a:buSzPts val="1000"/>
-              <a:buFont typeface="Arial"/>
+              <a:buFont typeface="Arial" panose="020B0604020202020204"/>
               <a:buNone/>
               <a:defRPr sz="1000" b="0" i="0" u="none" strike="noStrike" cap="none">
                 <a:solidFill>
                   <a:schemeClr val="dk2"/>
                 </a:solidFill>
-                <a:latin typeface="Arial"/>
-                <a:ea typeface="Arial"/>
-                <a:cs typeface="Arial"/>
-                <a:sym typeface="Arial"/>
+                <a:latin typeface="Arial" panose="020B0604020202020204"/>
+                <a:ea typeface="Arial" panose="020B0604020202020204"/>
+                <a:cs typeface="Arial" panose="020B0604020202020204"/>
+                <a:sym typeface="Arial" panose="020B0604020202020204"/>
               </a:defRPr>
             </a:lvl8pPr>
             <a:lvl9pPr marL="0" marR="0" lvl="8" indent="0" algn="r">
@@ -2745,16 +2692,16 @@
                 <a:srgbClr val="000000"/>
               </a:buClr>
               <a:buSzPts val="1000"/>
-              <a:buFont typeface="Arial"/>
+              <a:buFont typeface="Arial" panose="020B0604020202020204"/>
               <a:buNone/>
               <a:defRPr sz="1000" b="0" i="0" u="none" strike="noStrike" cap="none">
                 <a:solidFill>
                   <a:schemeClr val="dk2"/>
                 </a:solidFill>
-                <a:latin typeface="Arial"/>
-                <a:ea typeface="Arial"/>
-                <a:cs typeface="Arial"/>
-                <a:sym typeface="Arial"/>
+                <a:latin typeface="Arial" panose="020B0604020202020204"/>
+                <a:ea typeface="Arial" panose="020B0604020202020204"/>
+                <a:cs typeface="Arial" panose="020B0604020202020204"/>
+                <a:sym typeface="Arial" panose="020B0604020202020204"/>
               </a:defRPr>
             </a:lvl9pPr>
           </a:lstStyle>
@@ -2770,9 +2717,8 @@
             </a:pPr>
             <a:fld id="{00000000-1234-1234-1234-123412341234}" type="slidenum">
               <a:rPr lang="en-GB"/>
-              <a:t>‹#›</a:t>
             </a:fld>
-            <a:endParaRPr/>
+            <a:endParaRPr lang="en-GB"/>
           </a:p>
         </p:txBody>
       </p:sp>
@@ -2785,7 +2731,7 @@
 </file>
 
 <file path=ppt/slideLayouts/slideLayout2.xml><?xml version="1.0" encoding="utf-8"?>
-<p:sldLayout xmlns:a="http://schemas.openxmlformats.org/drawingml/2006/main" xmlns:r="http://schemas.openxmlformats.org/officeDocument/2006/relationships" xmlns:p="http://schemas.openxmlformats.org/presentationml/2006/main" matchingName="Title and body" type="tx">
+<p:sldLayout xmlns:a="http://schemas.openxmlformats.org/drawingml/2006/main" xmlns:r="http://schemas.openxmlformats.org/officeDocument/2006/relationships" xmlns:p="http://schemas.openxmlformats.org/presentationml/2006/main" type="tx" matchingName="Title and body">
   <p:cSld name="TITLE_AND_BODY">
     <p:spTree>
       <p:nvGrpSpPr>
@@ -2956,9 +2902,7 @@
               <a:defRPr/>
             </a:lvl9pPr>
           </a:lstStyle>
-          <a:p>
-            <a:endParaRPr/>
-          </a:p>
+          <a:p/>
         </p:txBody>
       </p:sp>
       <p:sp>
@@ -3116,9 +3060,7 @@
               <a:defRPr/>
             </a:lvl9pPr>
           </a:lstStyle>
-          <a:p>
-            <a:endParaRPr/>
-          </a:p>
+          <a:p/>
         </p:txBody>
       </p:sp>
       <p:sp>
@@ -3163,16 +3105,16 @@
                 <a:srgbClr val="000000"/>
               </a:buClr>
               <a:buSzPts val="1000"/>
-              <a:buFont typeface="Arial"/>
+              <a:buFont typeface="Arial" panose="020B0604020202020204"/>
               <a:buNone/>
               <a:defRPr sz="1000" b="0" i="0" u="none" strike="noStrike" cap="none">
                 <a:solidFill>
                   <a:schemeClr val="dk2"/>
                 </a:solidFill>
-                <a:latin typeface="Arial"/>
-                <a:ea typeface="Arial"/>
-                <a:cs typeface="Arial"/>
-                <a:sym typeface="Arial"/>
+                <a:latin typeface="Arial" panose="020B0604020202020204"/>
+                <a:ea typeface="Arial" panose="020B0604020202020204"/>
+                <a:cs typeface="Arial" panose="020B0604020202020204"/>
+                <a:sym typeface="Arial" panose="020B0604020202020204"/>
               </a:defRPr>
             </a:lvl1pPr>
             <a:lvl2pPr marL="0" marR="0" lvl="1" indent="0" algn="r">
@@ -3189,16 +3131,16 @@
                 <a:srgbClr val="000000"/>
               </a:buClr>
               <a:buSzPts val="1000"/>
-              <a:buFont typeface="Arial"/>
+              <a:buFont typeface="Arial" panose="020B0604020202020204"/>
               <a:buNone/>
               <a:defRPr sz="1000" b="0" i="0" u="none" strike="noStrike" cap="none">
                 <a:solidFill>
                   <a:schemeClr val="dk2"/>
                 </a:solidFill>
-                <a:latin typeface="Arial"/>
-                <a:ea typeface="Arial"/>
-                <a:cs typeface="Arial"/>
-                <a:sym typeface="Arial"/>
+                <a:latin typeface="Arial" panose="020B0604020202020204"/>
+                <a:ea typeface="Arial" panose="020B0604020202020204"/>
+                <a:cs typeface="Arial" panose="020B0604020202020204"/>
+                <a:sym typeface="Arial" panose="020B0604020202020204"/>
               </a:defRPr>
             </a:lvl2pPr>
             <a:lvl3pPr marL="0" marR="0" lvl="2" indent="0" algn="r">
@@ -3215,16 +3157,16 @@
                 <a:srgbClr val="000000"/>
               </a:buClr>
               <a:buSzPts val="1000"/>
-              <a:buFont typeface="Arial"/>
+              <a:buFont typeface="Arial" panose="020B0604020202020204"/>
               <a:buNone/>
               <a:defRPr sz="1000" b="0" i="0" u="none" strike="noStrike" cap="none">
                 <a:solidFill>
                   <a:schemeClr val="dk2"/>
                 </a:solidFill>
-                <a:latin typeface="Arial"/>
-                <a:ea typeface="Arial"/>
-                <a:cs typeface="Arial"/>
-                <a:sym typeface="Arial"/>
+                <a:latin typeface="Arial" panose="020B0604020202020204"/>
+                <a:ea typeface="Arial" panose="020B0604020202020204"/>
+                <a:cs typeface="Arial" panose="020B0604020202020204"/>
+                <a:sym typeface="Arial" panose="020B0604020202020204"/>
               </a:defRPr>
             </a:lvl3pPr>
             <a:lvl4pPr marL="0" marR="0" lvl="3" indent="0" algn="r">
@@ -3241,16 +3183,16 @@
                 <a:srgbClr val="000000"/>
               </a:buClr>
               <a:buSzPts val="1000"/>
-              <a:buFont typeface="Arial"/>
+              <a:buFont typeface="Arial" panose="020B0604020202020204"/>
               <a:buNone/>
               <a:defRPr sz="1000" b="0" i="0" u="none" strike="noStrike" cap="none">
                 <a:solidFill>
                   <a:schemeClr val="dk2"/>
                 </a:solidFill>
-                <a:latin typeface="Arial"/>
-                <a:ea typeface="Arial"/>
-                <a:cs typeface="Arial"/>
-                <a:sym typeface="Arial"/>
+                <a:latin typeface="Arial" panose="020B0604020202020204"/>
+                <a:ea typeface="Arial" panose="020B0604020202020204"/>
+                <a:cs typeface="Arial" panose="020B0604020202020204"/>
+                <a:sym typeface="Arial" panose="020B0604020202020204"/>
               </a:defRPr>
             </a:lvl4pPr>
             <a:lvl5pPr marL="0" marR="0" lvl="4" indent="0" algn="r">
@@ -3267,16 +3209,16 @@
                 <a:srgbClr val="000000"/>
               </a:buClr>
               <a:buSzPts val="1000"/>
-              <a:buFont typeface="Arial"/>
+              <a:buFont typeface="Arial" panose="020B0604020202020204"/>
               <a:buNone/>
               <a:defRPr sz="1000" b="0" i="0" u="none" strike="noStrike" cap="none">
                 <a:solidFill>
                   <a:schemeClr val="dk2"/>
                 </a:solidFill>
-                <a:latin typeface="Arial"/>
-                <a:ea typeface="Arial"/>
-                <a:cs typeface="Arial"/>
-                <a:sym typeface="Arial"/>
+                <a:latin typeface="Arial" panose="020B0604020202020204"/>
+                <a:ea typeface="Arial" panose="020B0604020202020204"/>
+                <a:cs typeface="Arial" panose="020B0604020202020204"/>
+                <a:sym typeface="Arial" panose="020B0604020202020204"/>
               </a:defRPr>
             </a:lvl5pPr>
             <a:lvl6pPr marL="0" marR="0" lvl="5" indent="0" algn="r">
@@ -3293,16 +3235,16 @@
                 <a:srgbClr val="000000"/>
               </a:buClr>
               <a:buSzPts val="1000"/>
-              <a:buFont typeface="Arial"/>
+              <a:buFont typeface="Arial" panose="020B0604020202020204"/>
               <a:buNone/>
               <a:defRPr sz="1000" b="0" i="0" u="none" strike="noStrike" cap="none">
                 <a:solidFill>
                   <a:schemeClr val="dk2"/>
                 </a:solidFill>
-                <a:latin typeface="Arial"/>
-                <a:ea typeface="Arial"/>
-                <a:cs typeface="Arial"/>
-                <a:sym typeface="Arial"/>
+                <a:latin typeface="Arial" panose="020B0604020202020204"/>
+                <a:ea typeface="Arial" panose="020B0604020202020204"/>
+                <a:cs typeface="Arial" panose="020B0604020202020204"/>
+                <a:sym typeface="Arial" panose="020B0604020202020204"/>
               </a:defRPr>
             </a:lvl6pPr>
             <a:lvl7pPr marL="0" marR="0" lvl="6" indent="0" algn="r">
@@ -3319,16 +3261,16 @@
                 <a:srgbClr val="000000"/>
               </a:buClr>
               <a:buSzPts val="1000"/>
-              <a:buFont typeface="Arial"/>
+              <a:buFont typeface="Arial" panose="020B0604020202020204"/>
               <a:buNone/>
               <a:defRPr sz="1000" b="0" i="0" u="none" strike="noStrike" cap="none">
                 <a:solidFill>
                   <a:schemeClr val="dk2"/>
                 </a:solidFill>
-                <a:latin typeface="Arial"/>
-                <a:ea typeface="Arial"/>
-                <a:cs typeface="Arial"/>
-                <a:sym typeface="Arial"/>
+                <a:latin typeface="Arial" panose="020B0604020202020204"/>
+                <a:ea typeface="Arial" panose="020B0604020202020204"/>
+                <a:cs typeface="Arial" panose="020B0604020202020204"/>
+                <a:sym typeface="Arial" panose="020B0604020202020204"/>
               </a:defRPr>
             </a:lvl7pPr>
             <a:lvl8pPr marL="0" marR="0" lvl="7" indent="0" algn="r">
@@ -3345,16 +3287,16 @@
                 <a:srgbClr val="000000"/>
               </a:buClr>
               <a:buSzPts val="1000"/>
-              <a:buFont typeface="Arial"/>
+              <a:buFont typeface="Arial" panose="020B0604020202020204"/>
               <a:buNone/>
               <a:defRPr sz="1000" b="0" i="0" u="none" strike="noStrike" cap="none">
                 <a:solidFill>
                   <a:schemeClr val="dk2"/>
                 </a:solidFill>
-                <a:latin typeface="Arial"/>
-                <a:ea typeface="Arial"/>
-                <a:cs typeface="Arial"/>
-                <a:sym typeface="Arial"/>
+                <a:latin typeface="Arial" panose="020B0604020202020204"/>
+                <a:ea typeface="Arial" panose="020B0604020202020204"/>
+                <a:cs typeface="Arial" panose="020B0604020202020204"/>
+                <a:sym typeface="Arial" panose="020B0604020202020204"/>
               </a:defRPr>
             </a:lvl8pPr>
             <a:lvl9pPr marL="0" marR="0" lvl="8" indent="0" algn="r">
@@ -3371,16 +3313,16 @@
                 <a:srgbClr val="000000"/>
               </a:buClr>
               <a:buSzPts val="1000"/>
-              <a:buFont typeface="Arial"/>
+              <a:buFont typeface="Arial" panose="020B0604020202020204"/>
               <a:buNone/>
               <a:defRPr sz="1000" b="0" i="0" u="none" strike="noStrike" cap="none">
                 <a:solidFill>
                   <a:schemeClr val="dk2"/>
                 </a:solidFill>
-                <a:latin typeface="Arial"/>
-                <a:ea typeface="Arial"/>
-                <a:cs typeface="Arial"/>
-                <a:sym typeface="Arial"/>
+                <a:latin typeface="Arial" panose="020B0604020202020204"/>
+                <a:ea typeface="Arial" panose="020B0604020202020204"/>
+                <a:cs typeface="Arial" panose="020B0604020202020204"/>
+                <a:sym typeface="Arial" panose="020B0604020202020204"/>
               </a:defRPr>
             </a:lvl9pPr>
           </a:lstStyle>
@@ -3396,9 +3338,8 @@
             </a:pPr>
             <a:fld id="{00000000-1234-1234-1234-123412341234}" type="slidenum">
               <a:rPr lang="en-GB"/>
-              <a:t>‹#›</a:t>
             </a:fld>
-            <a:endParaRPr/>
+            <a:endParaRPr lang="en-GB"/>
           </a:p>
         </p:txBody>
       </p:sp>
@@ -3411,7 +3352,7 @@
 </file>
 
 <file path=ppt/slideLayouts/slideLayout3.xml><?xml version="1.0" encoding="utf-8"?>
-<p:sldLayout xmlns:a="http://schemas.openxmlformats.org/drawingml/2006/main" xmlns:r="http://schemas.openxmlformats.org/officeDocument/2006/relationships" xmlns:p="http://schemas.openxmlformats.org/presentationml/2006/main" matchingName="Section header" type="secHead">
+<p:sldLayout xmlns:a="http://schemas.openxmlformats.org/drawingml/2006/main" xmlns:r="http://schemas.openxmlformats.org/officeDocument/2006/relationships" xmlns:p="http://schemas.openxmlformats.org/presentationml/2006/main" type="secHead" matchingName="Section header">
   <p:cSld name="SECTION_HEADER">
     <p:spTree>
       <p:nvGrpSpPr>
@@ -3582,9 +3523,7 @@
               <a:defRPr sz="3600"/>
             </a:lvl9pPr>
           </a:lstStyle>
-          <a:p>
-            <a:endParaRPr/>
-          </a:p>
+          <a:p/>
         </p:txBody>
       </p:sp>
       <p:sp>
@@ -3629,16 +3568,16 @@
                 <a:srgbClr val="000000"/>
               </a:buClr>
               <a:buSzPts val="1000"/>
-              <a:buFont typeface="Arial"/>
+              <a:buFont typeface="Arial" panose="020B0604020202020204"/>
               <a:buNone/>
               <a:defRPr sz="1000" b="0" i="0" u="none" strike="noStrike" cap="none">
                 <a:solidFill>
                   <a:schemeClr val="dk2"/>
                 </a:solidFill>
-                <a:latin typeface="Arial"/>
-                <a:ea typeface="Arial"/>
-                <a:cs typeface="Arial"/>
-                <a:sym typeface="Arial"/>
+                <a:latin typeface="Arial" panose="020B0604020202020204"/>
+                <a:ea typeface="Arial" panose="020B0604020202020204"/>
+                <a:cs typeface="Arial" panose="020B0604020202020204"/>
+                <a:sym typeface="Arial" panose="020B0604020202020204"/>
               </a:defRPr>
             </a:lvl1pPr>
             <a:lvl2pPr marL="0" marR="0" lvl="1" indent="0" algn="r">
@@ -3655,16 +3594,16 @@
                 <a:srgbClr val="000000"/>
               </a:buClr>
               <a:buSzPts val="1000"/>
-              <a:buFont typeface="Arial"/>
+              <a:buFont typeface="Arial" panose="020B0604020202020204"/>
               <a:buNone/>
               <a:defRPr sz="1000" b="0" i="0" u="none" strike="noStrike" cap="none">
                 <a:solidFill>
                   <a:schemeClr val="dk2"/>
                 </a:solidFill>
-                <a:latin typeface="Arial"/>
-                <a:ea typeface="Arial"/>
-                <a:cs typeface="Arial"/>
-                <a:sym typeface="Arial"/>
+                <a:latin typeface="Arial" panose="020B0604020202020204"/>
+                <a:ea typeface="Arial" panose="020B0604020202020204"/>
+                <a:cs typeface="Arial" panose="020B0604020202020204"/>
+                <a:sym typeface="Arial" panose="020B0604020202020204"/>
               </a:defRPr>
             </a:lvl2pPr>
             <a:lvl3pPr marL="0" marR="0" lvl="2" indent="0" algn="r">
@@ -3681,16 +3620,16 @@
                 <a:srgbClr val="000000"/>
               </a:buClr>
               <a:buSzPts val="1000"/>
-              <a:buFont typeface="Arial"/>
+              <a:buFont typeface="Arial" panose="020B0604020202020204"/>
               <a:buNone/>
               <a:defRPr sz="1000" b="0" i="0" u="none" strike="noStrike" cap="none">
                 <a:solidFill>
                   <a:schemeClr val="dk2"/>
                 </a:solidFill>
-                <a:latin typeface="Arial"/>
-                <a:ea typeface="Arial"/>
-                <a:cs typeface="Arial"/>
-                <a:sym typeface="Arial"/>
+                <a:latin typeface="Arial" panose="020B0604020202020204"/>
+                <a:ea typeface="Arial" panose="020B0604020202020204"/>
+                <a:cs typeface="Arial" panose="020B0604020202020204"/>
+                <a:sym typeface="Arial" panose="020B0604020202020204"/>
               </a:defRPr>
             </a:lvl3pPr>
             <a:lvl4pPr marL="0" marR="0" lvl="3" indent="0" algn="r">
@@ -3707,16 +3646,16 @@
                 <a:srgbClr val="000000"/>
               </a:buClr>
               <a:buSzPts val="1000"/>
-              <a:buFont typeface="Arial"/>
+              <a:buFont typeface="Arial" panose="020B0604020202020204"/>
               <a:buNone/>
               <a:defRPr sz="1000" b="0" i="0" u="none" strike="noStrike" cap="none">
                 <a:solidFill>
                   <a:schemeClr val="dk2"/>
                 </a:solidFill>
-                <a:latin typeface="Arial"/>
-                <a:ea typeface="Arial"/>
-                <a:cs typeface="Arial"/>
-                <a:sym typeface="Arial"/>
+                <a:latin typeface="Arial" panose="020B0604020202020204"/>
+                <a:ea typeface="Arial" panose="020B0604020202020204"/>
+                <a:cs typeface="Arial" panose="020B0604020202020204"/>
+                <a:sym typeface="Arial" panose="020B0604020202020204"/>
               </a:defRPr>
             </a:lvl4pPr>
             <a:lvl5pPr marL="0" marR="0" lvl="4" indent="0" algn="r">
@@ -3733,16 +3672,16 @@
                 <a:srgbClr val="000000"/>
               </a:buClr>
               <a:buSzPts val="1000"/>
-              <a:buFont typeface="Arial"/>
+              <a:buFont typeface="Arial" panose="020B0604020202020204"/>
               <a:buNone/>
               <a:defRPr sz="1000" b="0" i="0" u="none" strike="noStrike" cap="none">
                 <a:solidFill>
                   <a:schemeClr val="dk2"/>
                 </a:solidFill>
-                <a:latin typeface="Arial"/>
-                <a:ea typeface="Arial"/>
-                <a:cs typeface="Arial"/>
-                <a:sym typeface="Arial"/>
+                <a:latin typeface="Arial" panose="020B0604020202020204"/>
+                <a:ea typeface="Arial" panose="020B0604020202020204"/>
+                <a:cs typeface="Arial" panose="020B0604020202020204"/>
+                <a:sym typeface="Arial" panose="020B0604020202020204"/>
               </a:defRPr>
             </a:lvl5pPr>
             <a:lvl6pPr marL="0" marR="0" lvl="5" indent="0" algn="r">
@@ -3759,16 +3698,16 @@
                 <a:srgbClr val="000000"/>
               </a:buClr>
               <a:buSzPts val="1000"/>
-              <a:buFont typeface="Arial"/>
+              <a:buFont typeface="Arial" panose="020B0604020202020204"/>
               <a:buNone/>
               <a:defRPr sz="1000" b="0" i="0" u="none" strike="noStrike" cap="none">
                 <a:solidFill>
                   <a:schemeClr val="dk2"/>
                 </a:solidFill>
-                <a:latin typeface="Arial"/>
-                <a:ea typeface="Arial"/>
-                <a:cs typeface="Arial"/>
-                <a:sym typeface="Arial"/>
+                <a:latin typeface="Arial" panose="020B0604020202020204"/>
+                <a:ea typeface="Arial" panose="020B0604020202020204"/>
+                <a:cs typeface="Arial" panose="020B0604020202020204"/>
+                <a:sym typeface="Arial" panose="020B0604020202020204"/>
               </a:defRPr>
             </a:lvl6pPr>
             <a:lvl7pPr marL="0" marR="0" lvl="6" indent="0" algn="r">
@@ -3785,16 +3724,16 @@
                 <a:srgbClr val="000000"/>
               </a:buClr>
               <a:buSzPts val="1000"/>
-              <a:buFont typeface="Arial"/>
+              <a:buFont typeface="Arial" panose="020B0604020202020204"/>
               <a:buNone/>
               <a:defRPr sz="1000" b="0" i="0" u="none" strike="noStrike" cap="none">
                 <a:solidFill>
                   <a:schemeClr val="dk2"/>
                 </a:solidFill>
-                <a:latin typeface="Arial"/>
-                <a:ea typeface="Arial"/>
-                <a:cs typeface="Arial"/>
-                <a:sym typeface="Arial"/>
+                <a:latin typeface="Arial" panose="020B0604020202020204"/>
+                <a:ea typeface="Arial" panose="020B0604020202020204"/>
+                <a:cs typeface="Arial" panose="020B0604020202020204"/>
+                <a:sym typeface="Arial" panose="020B0604020202020204"/>
               </a:defRPr>
             </a:lvl7pPr>
             <a:lvl8pPr marL="0" marR="0" lvl="7" indent="0" algn="r">
@@ -3811,16 +3750,16 @@
                 <a:srgbClr val="000000"/>
               </a:buClr>
               <a:buSzPts val="1000"/>
-              <a:buFont typeface="Arial"/>
+              <a:buFont typeface="Arial" panose="020B0604020202020204"/>
               <a:buNone/>
               <a:defRPr sz="1000" b="0" i="0" u="none" strike="noStrike" cap="none">
                 <a:solidFill>
                   <a:schemeClr val="dk2"/>
                 </a:solidFill>
-                <a:latin typeface="Arial"/>
-                <a:ea typeface="Arial"/>
-                <a:cs typeface="Arial"/>
-                <a:sym typeface="Arial"/>
+                <a:latin typeface="Arial" panose="020B0604020202020204"/>
+                <a:ea typeface="Arial" panose="020B0604020202020204"/>
+                <a:cs typeface="Arial" panose="020B0604020202020204"/>
+                <a:sym typeface="Arial" panose="020B0604020202020204"/>
               </a:defRPr>
             </a:lvl8pPr>
             <a:lvl9pPr marL="0" marR="0" lvl="8" indent="0" algn="r">
@@ -3837,16 +3776,16 @@
                 <a:srgbClr val="000000"/>
               </a:buClr>
               <a:buSzPts val="1000"/>
-              <a:buFont typeface="Arial"/>
+              <a:buFont typeface="Arial" panose="020B0604020202020204"/>
               <a:buNone/>
               <a:defRPr sz="1000" b="0" i="0" u="none" strike="noStrike" cap="none">
                 <a:solidFill>
                   <a:schemeClr val="dk2"/>
                 </a:solidFill>
-                <a:latin typeface="Arial"/>
-                <a:ea typeface="Arial"/>
-                <a:cs typeface="Arial"/>
-                <a:sym typeface="Arial"/>
+                <a:latin typeface="Arial" panose="020B0604020202020204"/>
+                <a:ea typeface="Arial" panose="020B0604020202020204"/>
+                <a:cs typeface="Arial" panose="020B0604020202020204"/>
+                <a:sym typeface="Arial" panose="020B0604020202020204"/>
               </a:defRPr>
             </a:lvl9pPr>
           </a:lstStyle>
@@ -3862,9 +3801,8 @@
             </a:pPr>
             <a:fld id="{00000000-1234-1234-1234-123412341234}" type="slidenum">
               <a:rPr lang="en-GB"/>
-              <a:t>‹#›</a:t>
             </a:fld>
-            <a:endParaRPr/>
+            <a:endParaRPr lang="en-GB"/>
           </a:p>
         </p:txBody>
       </p:sp>
@@ -3877,7 +3815,7 @@
 </file>
 
 <file path=ppt/slideLayouts/slideLayout4.xml><?xml version="1.0" encoding="utf-8"?>
-<p:sldLayout xmlns:a="http://schemas.openxmlformats.org/drawingml/2006/main" xmlns:r="http://schemas.openxmlformats.org/officeDocument/2006/relationships" xmlns:p="http://schemas.openxmlformats.org/presentationml/2006/main" matchingName="Title and two columns" type="twoColTx">
+<p:sldLayout xmlns:a="http://schemas.openxmlformats.org/drawingml/2006/main" xmlns:r="http://schemas.openxmlformats.org/officeDocument/2006/relationships" xmlns:p="http://schemas.openxmlformats.org/presentationml/2006/main" type="twoColTx" matchingName="Title and two columns">
   <p:cSld name="TITLE_AND_TWO_COLUMNS">
     <p:spTree>
       <p:nvGrpSpPr>
@@ -4048,9 +3986,7 @@
               <a:defRPr/>
             </a:lvl9pPr>
           </a:lstStyle>
-          <a:p>
-            <a:endParaRPr/>
-          </a:p>
+          <a:p/>
         </p:txBody>
       </p:sp>
       <p:sp>
@@ -4208,9 +4144,7 @@
               <a:defRPr sz="1200"/>
             </a:lvl9pPr>
           </a:lstStyle>
-          <a:p>
-            <a:endParaRPr/>
-          </a:p>
+          <a:p/>
         </p:txBody>
       </p:sp>
       <p:sp>
@@ -4368,9 +4302,7 @@
               <a:defRPr sz="1200"/>
             </a:lvl9pPr>
           </a:lstStyle>
-          <a:p>
-            <a:endParaRPr/>
-          </a:p>
+          <a:p/>
         </p:txBody>
       </p:sp>
       <p:sp>
@@ -4415,16 +4347,16 @@
                 <a:srgbClr val="000000"/>
               </a:buClr>
               <a:buSzPts val="1000"/>
-              <a:buFont typeface="Arial"/>
+              <a:buFont typeface="Arial" panose="020B0604020202020204"/>
               <a:buNone/>
               <a:defRPr sz="1000" b="0" i="0" u="none" strike="noStrike" cap="none">
                 <a:solidFill>
                   <a:schemeClr val="dk2"/>
                 </a:solidFill>
-                <a:latin typeface="Arial"/>
-                <a:ea typeface="Arial"/>
-                <a:cs typeface="Arial"/>
-                <a:sym typeface="Arial"/>
+                <a:latin typeface="Arial" panose="020B0604020202020204"/>
+                <a:ea typeface="Arial" panose="020B0604020202020204"/>
+                <a:cs typeface="Arial" panose="020B0604020202020204"/>
+                <a:sym typeface="Arial" panose="020B0604020202020204"/>
               </a:defRPr>
             </a:lvl1pPr>
             <a:lvl2pPr marL="0" marR="0" lvl="1" indent="0" algn="r">
@@ -4441,16 +4373,16 @@
                 <a:srgbClr val="000000"/>
               </a:buClr>
               <a:buSzPts val="1000"/>
-              <a:buFont typeface="Arial"/>
+              <a:buFont typeface="Arial" panose="020B0604020202020204"/>
               <a:buNone/>
               <a:defRPr sz="1000" b="0" i="0" u="none" strike="noStrike" cap="none">
                 <a:solidFill>
                   <a:schemeClr val="dk2"/>
                 </a:solidFill>
-                <a:latin typeface="Arial"/>
-                <a:ea typeface="Arial"/>
-                <a:cs typeface="Arial"/>
-                <a:sym typeface="Arial"/>
+                <a:latin typeface="Arial" panose="020B0604020202020204"/>
+                <a:ea typeface="Arial" panose="020B0604020202020204"/>
+                <a:cs typeface="Arial" panose="020B0604020202020204"/>
+                <a:sym typeface="Arial" panose="020B0604020202020204"/>
               </a:defRPr>
             </a:lvl2pPr>
             <a:lvl3pPr marL="0" marR="0" lvl="2" indent="0" algn="r">
@@ -4467,16 +4399,16 @@
                 <a:srgbClr val="000000"/>
               </a:buClr>
               <a:buSzPts val="1000"/>
-              <a:buFont typeface="Arial"/>
+              <a:buFont typeface="Arial" panose="020B0604020202020204"/>
               <a:buNone/>
               <a:defRPr sz="1000" b="0" i="0" u="none" strike="noStrike" cap="none">
                 <a:solidFill>
                   <a:schemeClr val="dk2"/>
                 </a:solidFill>
-                <a:latin typeface="Arial"/>
-                <a:ea typeface="Arial"/>
-                <a:cs typeface="Arial"/>
-                <a:sym typeface="Arial"/>
+                <a:latin typeface="Arial" panose="020B0604020202020204"/>
+                <a:ea typeface="Arial" panose="020B0604020202020204"/>
+                <a:cs typeface="Arial" panose="020B0604020202020204"/>
+                <a:sym typeface="Arial" panose="020B0604020202020204"/>
               </a:defRPr>
             </a:lvl3pPr>
             <a:lvl4pPr marL="0" marR="0" lvl="3" indent="0" algn="r">
@@ -4493,16 +4425,16 @@
                 <a:srgbClr val="000000"/>
               </a:buClr>
               <a:buSzPts val="1000"/>
-              <a:buFont typeface="Arial"/>
+              <a:buFont typeface="Arial" panose="020B0604020202020204"/>
               <a:buNone/>
               <a:defRPr sz="1000" b="0" i="0" u="none" strike="noStrike" cap="none">
                 <a:solidFill>
                   <a:schemeClr val="dk2"/>
                 </a:solidFill>
-                <a:latin typeface="Arial"/>
-                <a:ea typeface="Arial"/>
-                <a:cs typeface="Arial"/>
-                <a:sym typeface="Arial"/>
+                <a:latin typeface="Arial" panose="020B0604020202020204"/>
+                <a:ea typeface="Arial" panose="020B0604020202020204"/>
+                <a:cs typeface="Arial" panose="020B0604020202020204"/>
+                <a:sym typeface="Arial" panose="020B0604020202020204"/>
               </a:defRPr>
             </a:lvl4pPr>
             <a:lvl5pPr marL="0" marR="0" lvl="4" indent="0" algn="r">
@@ -4519,16 +4451,16 @@
                 <a:srgbClr val="000000"/>
               </a:buClr>
               <a:buSzPts val="1000"/>
-              <a:buFont typeface="Arial"/>
+              <a:buFont typeface="Arial" panose="020B0604020202020204"/>
               <a:buNone/>
               <a:defRPr sz="1000" b="0" i="0" u="none" strike="noStrike" cap="none">
                 <a:solidFill>
                   <a:schemeClr val="dk2"/>
                 </a:solidFill>
-                <a:latin typeface="Arial"/>
-                <a:ea typeface="Arial"/>
-                <a:cs typeface="Arial"/>
-                <a:sym typeface="Arial"/>
+                <a:latin typeface="Arial" panose="020B0604020202020204"/>
+                <a:ea typeface="Arial" panose="020B0604020202020204"/>
+                <a:cs typeface="Arial" panose="020B0604020202020204"/>
+                <a:sym typeface="Arial" panose="020B0604020202020204"/>
               </a:defRPr>
             </a:lvl5pPr>
             <a:lvl6pPr marL="0" marR="0" lvl="5" indent="0" algn="r">
@@ -4545,16 +4477,16 @@
                 <a:srgbClr val="000000"/>
               </a:buClr>
               <a:buSzPts val="1000"/>
-              <a:buFont typeface="Arial"/>
+              <a:buFont typeface="Arial" panose="020B0604020202020204"/>
               <a:buNone/>
               <a:defRPr sz="1000" b="0" i="0" u="none" strike="noStrike" cap="none">
                 <a:solidFill>
                   <a:schemeClr val="dk2"/>
                 </a:solidFill>
-                <a:latin typeface="Arial"/>
-                <a:ea typeface="Arial"/>
-                <a:cs typeface="Arial"/>
-                <a:sym typeface="Arial"/>
+                <a:latin typeface="Arial" panose="020B0604020202020204"/>
+                <a:ea typeface="Arial" panose="020B0604020202020204"/>
+                <a:cs typeface="Arial" panose="020B0604020202020204"/>
+                <a:sym typeface="Arial" panose="020B0604020202020204"/>
               </a:defRPr>
             </a:lvl6pPr>
             <a:lvl7pPr marL="0" marR="0" lvl="6" indent="0" algn="r">
@@ -4571,16 +4503,16 @@
                 <a:srgbClr val="000000"/>
               </a:buClr>
               <a:buSzPts val="1000"/>
-              <a:buFont typeface="Arial"/>
+              <a:buFont typeface="Arial" panose="020B0604020202020204"/>
               <a:buNone/>
               <a:defRPr sz="1000" b="0" i="0" u="none" strike="noStrike" cap="none">
                 <a:solidFill>
                   <a:schemeClr val="dk2"/>
                 </a:solidFill>
-                <a:latin typeface="Arial"/>
-                <a:ea typeface="Arial"/>
-                <a:cs typeface="Arial"/>
-                <a:sym typeface="Arial"/>
+                <a:latin typeface="Arial" panose="020B0604020202020204"/>
+                <a:ea typeface="Arial" panose="020B0604020202020204"/>
+                <a:cs typeface="Arial" panose="020B0604020202020204"/>
+                <a:sym typeface="Arial" panose="020B0604020202020204"/>
               </a:defRPr>
             </a:lvl7pPr>
             <a:lvl8pPr marL="0" marR="0" lvl="7" indent="0" algn="r">
@@ -4597,16 +4529,16 @@
                 <a:srgbClr val="000000"/>
               </a:buClr>
               <a:buSzPts val="1000"/>
-              <a:buFont typeface="Arial"/>
+              <a:buFont typeface="Arial" panose="020B0604020202020204"/>
               <a:buNone/>
               <a:defRPr sz="1000" b="0" i="0" u="none" strike="noStrike" cap="none">
                 <a:solidFill>
                   <a:schemeClr val="dk2"/>
                 </a:solidFill>
-                <a:latin typeface="Arial"/>
-                <a:ea typeface="Arial"/>
-                <a:cs typeface="Arial"/>
-                <a:sym typeface="Arial"/>
+                <a:latin typeface="Arial" panose="020B0604020202020204"/>
+                <a:ea typeface="Arial" panose="020B0604020202020204"/>
+                <a:cs typeface="Arial" panose="020B0604020202020204"/>
+                <a:sym typeface="Arial" panose="020B0604020202020204"/>
               </a:defRPr>
             </a:lvl8pPr>
             <a:lvl9pPr marL="0" marR="0" lvl="8" indent="0" algn="r">
@@ -4623,16 +4555,16 @@
                 <a:srgbClr val="000000"/>
               </a:buClr>
               <a:buSzPts val="1000"/>
-              <a:buFont typeface="Arial"/>
+              <a:buFont typeface="Arial" panose="020B0604020202020204"/>
               <a:buNone/>
               <a:defRPr sz="1000" b="0" i="0" u="none" strike="noStrike" cap="none">
                 <a:solidFill>
                   <a:schemeClr val="dk2"/>
                 </a:solidFill>
-                <a:latin typeface="Arial"/>
-                <a:ea typeface="Arial"/>
-                <a:cs typeface="Arial"/>
-                <a:sym typeface="Arial"/>
+                <a:latin typeface="Arial" panose="020B0604020202020204"/>
+                <a:ea typeface="Arial" panose="020B0604020202020204"/>
+                <a:cs typeface="Arial" panose="020B0604020202020204"/>
+                <a:sym typeface="Arial" panose="020B0604020202020204"/>
               </a:defRPr>
             </a:lvl9pPr>
           </a:lstStyle>
@@ -4648,9 +4580,8 @@
             </a:pPr>
             <a:fld id="{00000000-1234-1234-1234-123412341234}" type="slidenum">
               <a:rPr lang="en-GB"/>
-              <a:t>‹#›</a:t>
             </a:fld>
-            <a:endParaRPr/>
+            <a:endParaRPr lang="en-GB"/>
           </a:p>
         </p:txBody>
       </p:sp>
@@ -4663,7 +4594,7 @@
 </file>
 
 <file path=ppt/slideLayouts/slideLayout5.xml><?xml version="1.0" encoding="utf-8"?>
-<p:sldLayout xmlns:a="http://schemas.openxmlformats.org/drawingml/2006/main" xmlns:r="http://schemas.openxmlformats.org/officeDocument/2006/relationships" xmlns:p="http://schemas.openxmlformats.org/presentationml/2006/main" matchingName="Title only" type="titleOnly">
+<p:sldLayout xmlns:a="http://schemas.openxmlformats.org/drawingml/2006/main" xmlns:r="http://schemas.openxmlformats.org/officeDocument/2006/relationships" xmlns:p="http://schemas.openxmlformats.org/presentationml/2006/main" type="titleOnly" matchingName="Title only">
   <p:cSld name="TITLE_ONLY">
     <p:spTree>
       <p:nvGrpSpPr>
@@ -4834,9 +4765,7 @@
               <a:defRPr/>
             </a:lvl9pPr>
           </a:lstStyle>
-          <a:p>
-            <a:endParaRPr/>
-          </a:p>
+          <a:p/>
         </p:txBody>
       </p:sp>
       <p:sp>
@@ -4881,16 +4810,16 @@
                 <a:srgbClr val="000000"/>
               </a:buClr>
               <a:buSzPts val="1000"/>
-              <a:buFont typeface="Arial"/>
+              <a:buFont typeface="Arial" panose="020B0604020202020204"/>
               <a:buNone/>
               <a:defRPr sz="1000" b="0" i="0" u="none" strike="noStrike" cap="none">
                 <a:solidFill>
                   <a:schemeClr val="dk2"/>
                 </a:solidFill>
-                <a:latin typeface="Arial"/>
-                <a:ea typeface="Arial"/>
-                <a:cs typeface="Arial"/>
-                <a:sym typeface="Arial"/>
+                <a:latin typeface="Arial" panose="020B0604020202020204"/>
+                <a:ea typeface="Arial" panose="020B0604020202020204"/>
+                <a:cs typeface="Arial" panose="020B0604020202020204"/>
+                <a:sym typeface="Arial" panose="020B0604020202020204"/>
               </a:defRPr>
             </a:lvl1pPr>
             <a:lvl2pPr marL="0" marR="0" lvl="1" indent="0" algn="r">
@@ -4907,16 +4836,16 @@
                 <a:srgbClr val="000000"/>
               </a:buClr>
               <a:buSzPts val="1000"/>
-              <a:buFont typeface="Arial"/>
+              <a:buFont typeface="Arial" panose="020B0604020202020204"/>
               <a:buNone/>
               <a:defRPr sz="1000" b="0" i="0" u="none" strike="noStrike" cap="none">
                 <a:solidFill>
                   <a:schemeClr val="dk2"/>
                 </a:solidFill>
-                <a:latin typeface="Arial"/>
-                <a:ea typeface="Arial"/>
-                <a:cs typeface="Arial"/>
-                <a:sym typeface="Arial"/>
+                <a:latin typeface="Arial" panose="020B0604020202020204"/>
+                <a:ea typeface="Arial" panose="020B0604020202020204"/>
+                <a:cs typeface="Arial" panose="020B0604020202020204"/>
+                <a:sym typeface="Arial" panose="020B0604020202020204"/>
               </a:defRPr>
             </a:lvl2pPr>
             <a:lvl3pPr marL="0" marR="0" lvl="2" indent="0" algn="r">
@@ -4933,16 +4862,16 @@
                 <a:srgbClr val="000000"/>
               </a:buClr>
               <a:buSzPts val="1000"/>
-              <a:buFont typeface="Arial"/>
+              <a:buFont typeface="Arial" panose="020B0604020202020204"/>
               <a:buNone/>
               <a:defRPr sz="1000" b="0" i="0" u="none" strike="noStrike" cap="none">
                 <a:solidFill>
                   <a:schemeClr val="dk2"/>
                 </a:solidFill>
-                <a:latin typeface="Arial"/>
-                <a:ea typeface="Arial"/>
-                <a:cs typeface="Arial"/>
-                <a:sym typeface="Arial"/>
+                <a:latin typeface="Arial" panose="020B0604020202020204"/>
+                <a:ea typeface="Arial" panose="020B0604020202020204"/>
+                <a:cs typeface="Arial" panose="020B0604020202020204"/>
+                <a:sym typeface="Arial" panose="020B0604020202020204"/>
               </a:defRPr>
             </a:lvl3pPr>
             <a:lvl4pPr marL="0" marR="0" lvl="3" indent="0" algn="r">
@@ -4959,16 +4888,16 @@
                 <a:srgbClr val="000000"/>
               </a:buClr>
               <a:buSzPts val="1000"/>
-              <a:buFont typeface="Arial"/>
+              <a:buFont typeface="Arial" panose="020B0604020202020204"/>
               <a:buNone/>
               <a:defRPr sz="1000" b="0" i="0" u="none" strike="noStrike" cap="none">
                 <a:solidFill>
                   <a:schemeClr val="dk2"/>
                 </a:solidFill>
-                <a:latin typeface="Arial"/>
-                <a:ea typeface="Arial"/>
-                <a:cs typeface="Arial"/>
-                <a:sym typeface="Arial"/>
+                <a:latin typeface="Arial" panose="020B0604020202020204"/>
+                <a:ea typeface="Arial" panose="020B0604020202020204"/>
+                <a:cs typeface="Arial" panose="020B0604020202020204"/>
+                <a:sym typeface="Arial" panose="020B0604020202020204"/>
               </a:defRPr>
             </a:lvl4pPr>
             <a:lvl5pPr marL="0" marR="0" lvl="4" indent="0" algn="r">
@@ -4985,16 +4914,16 @@
                 <a:srgbClr val="000000"/>
               </a:buClr>
               <a:buSzPts val="1000"/>
-              <a:buFont typeface="Arial"/>
+              <a:buFont typeface="Arial" panose="020B0604020202020204"/>
               <a:buNone/>
               <a:defRPr sz="1000" b="0" i="0" u="none" strike="noStrike" cap="none">
                 <a:solidFill>
                   <a:schemeClr val="dk2"/>
                 </a:solidFill>
-                <a:latin typeface="Arial"/>
-                <a:ea typeface="Arial"/>
-                <a:cs typeface="Arial"/>
-                <a:sym typeface="Arial"/>
+                <a:latin typeface="Arial" panose="020B0604020202020204"/>
+                <a:ea typeface="Arial" panose="020B0604020202020204"/>
+                <a:cs typeface="Arial" panose="020B0604020202020204"/>
+                <a:sym typeface="Arial" panose="020B0604020202020204"/>
               </a:defRPr>
             </a:lvl5pPr>
             <a:lvl6pPr marL="0" marR="0" lvl="5" indent="0" algn="r">
@@ -5011,16 +4940,16 @@
                 <a:srgbClr val="000000"/>
               </a:buClr>
               <a:buSzPts val="1000"/>
-              <a:buFont typeface="Arial"/>
+              <a:buFont typeface="Arial" panose="020B0604020202020204"/>
               <a:buNone/>
               <a:defRPr sz="1000" b="0" i="0" u="none" strike="noStrike" cap="none">
                 <a:solidFill>
                   <a:schemeClr val="dk2"/>
                 </a:solidFill>
-                <a:latin typeface="Arial"/>
-                <a:ea typeface="Arial"/>
-                <a:cs typeface="Arial"/>
-                <a:sym typeface="Arial"/>
+                <a:latin typeface="Arial" panose="020B0604020202020204"/>
+                <a:ea typeface="Arial" panose="020B0604020202020204"/>
+                <a:cs typeface="Arial" panose="020B0604020202020204"/>
+                <a:sym typeface="Arial" panose="020B0604020202020204"/>
               </a:defRPr>
             </a:lvl6pPr>
             <a:lvl7pPr marL="0" marR="0" lvl="6" indent="0" algn="r">
@@ -5037,16 +4966,16 @@
                 <a:srgbClr val="000000"/>
               </a:buClr>
               <a:buSzPts val="1000"/>
-              <a:buFont typeface="Arial"/>
+              <a:buFont typeface="Arial" panose="020B0604020202020204"/>
               <a:buNone/>
               <a:defRPr sz="1000" b="0" i="0" u="none" strike="noStrike" cap="none">
                 <a:solidFill>
                   <a:schemeClr val="dk2"/>
                 </a:solidFill>
-                <a:latin typeface="Arial"/>
-                <a:ea typeface="Arial"/>
-                <a:cs typeface="Arial"/>
-                <a:sym typeface="Arial"/>
+                <a:latin typeface="Arial" panose="020B0604020202020204"/>
+                <a:ea typeface="Arial" panose="020B0604020202020204"/>
+                <a:cs typeface="Arial" panose="020B0604020202020204"/>
+                <a:sym typeface="Arial" panose="020B0604020202020204"/>
               </a:defRPr>
             </a:lvl7pPr>
             <a:lvl8pPr marL="0" marR="0" lvl="7" indent="0" algn="r">
@@ -5063,16 +4992,16 @@
                 <a:srgbClr val="000000"/>
               </a:buClr>
               <a:buSzPts val="1000"/>
-              <a:buFont typeface="Arial"/>
+              <a:buFont typeface="Arial" panose="020B0604020202020204"/>
               <a:buNone/>
               <a:defRPr sz="1000" b="0" i="0" u="none" strike="noStrike" cap="none">
                 <a:solidFill>
                   <a:schemeClr val="dk2"/>
                 </a:solidFill>
-                <a:latin typeface="Arial"/>
-                <a:ea typeface="Arial"/>
-                <a:cs typeface="Arial"/>
-                <a:sym typeface="Arial"/>
+                <a:latin typeface="Arial" panose="020B0604020202020204"/>
+                <a:ea typeface="Arial" panose="020B0604020202020204"/>
+                <a:cs typeface="Arial" panose="020B0604020202020204"/>
+                <a:sym typeface="Arial" panose="020B0604020202020204"/>
               </a:defRPr>
             </a:lvl8pPr>
             <a:lvl9pPr marL="0" marR="0" lvl="8" indent="0" algn="r">
@@ -5089,16 +5018,16 @@
                 <a:srgbClr val="000000"/>
               </a:buClr>
               <a:buSzPts val="1000"/>
-              <a:buFont typeface="Arial"/>
+              <a:buFont typeface="Arial" panose="020B0604020202020204"/>
               <a:buNone/>
               <a:defRPr sz="1000" b="0" i="0" u="none" strike="noStrike" cap="none">
                 <a:solidFill>
                   <a:schemeClr val="dk2"/>
                 </a:solidFill>
-                <a:latin typeface="Arial"/>
-                <a:ea typeface="Arial"/>
-                <a:cs typeface="Arial"/>
-                <a:sym typeface="Arial"/>
+                <a:latin typeface="Arial" panose="020B0604020202020204"/>
+                <a:ea typeface="Arial" panose="020B0604020202020204"/>
+                <a:cs typeface="Arial" panose="020B0604020202020204"/>
+                <a:sym typeface="Arial" panose="020B0604020202020204"/>
               </a:defRPr>
             </a:lvl9pPr>
           </a:lstStyle>
@@ -5114,9 +5043,8 @@
             </a:pPr>
             <a:fld id="{00000000-1234-1234-1234-123412341234}" type="slidenum">
               <a:rPr lang="en-GB"/>
-              <a:t>‹#›</a:t>
             </a:fld>
-            <a:endParaRPr/>
+            <a:endParaRPr lang="en-GB"/>
           </a:p>
         </p:txBody>
       </p:sp>
@@ -5300,9 +5228,7 @@
               <a:defRPr sz="2400"/>
             </a:lvl9pPr>
           </a:lstStyle>
-          <a:p>
-            <a:endParaRPr/>
-          </a:p>
+          <a:p/>
         </p:txBody>
       </p:sp>
       <p:sp>
@@ -5460,9 +5386,7 @@
               <a:defRPr sz="1200"/>
             </a:lvl9pPr>
           </a:lstStyle>
-          <a:p>
-            <a:endParaRPr/>
-          </a:p>
+          <a:p/>
         </p:txBody>
       </p:sp>
       <p:sp>
@@ -5507,16 +5431,16 @@
                 <a:srgbClr val="000000"/>
               </a:buClr>
               <a:buSzPts val="1000"/>
-              <a:buFont typeface="Arial"/>
+              <a:buFont typeface="Arial" panose="020B0604020202020204"/>
               <a:buNone/>
               <a:defRPr sz="1000" b="0" i="0" u="none" strike="noStrike" cap="none">
                 <a:solidFill>
                   <a:schemeClr val="dk2"/>
                 </a:solidFill>
-                <a:latin typeface="Arial"/>
-                <a:ea typeface="Arial"/>
-                <a:cs typeface="Arial"/>
-                <a:sym typeface="Arial"/>
+                <a:latin typeface="Arial" panose="020B0604020202020204"/>
+                <a:ea typeface="Arial" panose="020B0604020202020204"/>
+                <a:cs typeface="Arial" panose="020B0604020202020204"/>
+                <a:sym typeface="Arial" panose="020B0604020202020204"/>
               </a:defRPr>
             </a:lvl1pPr>
             <a:lvl2pPr marL="0" marR="0" lvl="1" indent="0" algn="r">
@@ -5533,16 +5457,16 @@
                 <a:srgbClr val="000000"/>
               </a:buClr>
               <a:buSzPts val="1000"/>
-              <a:buFont typeface="Arial"/>
+              <a:buFont typeface="Arial" panose="020B0604020202020204"/>
               <a:buNone/>
               <a:defRPr sz="1000" b="0" i="0" u="none" strike="noStrike" cap="none">
                 <a:solidFill>
                   <a:schemeClr val="dk2"/>
                 </a:solidFill>
-                <a:latin typeface="Arial"/>
-                <a:ea typeface="Arial"/>
-                <a:cs typeface="Arial"/>
-                <a:sym typeface="Arial"/>
+                <a:latin typeface="Arial" panose="020B0604020202020204"/>
+                <a:ea typeface="Arial" panose="020B0604020202020204"/>
+                <a:cs typeface="Arial" panose="020B0604020202020204"/>
+                <a:sym typeface="Arial" panose="020B0604020202020204"/>
               </a:defRPr>
             </a:lvl2pPr>
             <a:lvl3pPr marL="0" marR="0" lvl="2" indent="0" algn="r">
@@ -5559,16 +5483,16 @@
                 <a:srgbClr val="000000"/>
               </a:buClr>
               <a:buSzPts val="1000"/>
-              <a:buFont typeface="Arial"/>
+              <a:buFont typeface="Arial" panose="020B0604020202020204"/>
               <a:buNone/>
               <a:defRPr sz="1000" b="0" i="0" u="none" strike="noStrike" cap="none">
                 <a:solidFill>
                   <a:schemeClr val="dk2"/>
                 </a:solidFill>
-                <a:latin typeface="Arial"/>
-                <a:ea typeface="Arial"/>
-                <a:cs typeface="Arial"/>
-                <a:sym typeface="Arial"/>
+                <a:latin typeface="Arial" panose="020B0604020202020204"/>
+                <a:ea typeface="Arial" panose="020B0604020202020204"/>
+                <a:cs typeface="Arial" panose="020B0604020202020204"/>
+                <a:sym typeface="Arial" panose="020B0604020202020204"/>
               </a:defRPr>
             </a:lvl3pPr>
             <a:lvl4pPr marL="0" marR="0" lvl="3" indent="0" algn="r">
@@ -5585,16 +5509,16 @@
                 <a:srgbClr val="000000"/>
               </a:buClr>
               <a:buSzPts val="1000"/>
-              <a:buFont typeface="Arial"/>
+              <a:buFont typeface="Arial" panose="020B0604020202020204"/>
               <a:buNone/>
               <a:defRPr sz="1000" b="0" i="0" u="none" strike="noStrike" cap="none">
                 <a:solidFill>
                   <a:schemeClr val="dk2"/>
                 </a:solidFill>
-                <a:latin typeface="Arial"/>
-                <a:ea typeface="Arial"/>
-                <a:cs typeface="Arial"/>
-                <a:sym typeface="Arial"/>
+                <a:latin typeface="Arial" panose="020B0604020202020204"/>
+                <a:ea typeface="Arial" panose="020B0604020202020204"/>
+                <a:cs typeface="Arial" panose="020B0604020202020204"/>
+                <a:sym typeface="Arial" panose="020B0604020202020204"/>
               </a:defRPr>
             </a:lvl4pPr>
             <a:lvl5pPr marL="0" marR="0" lvl="4" indent="0" algn="r">
@@ -5611,16 +5535,16 @@
                 <a:srgbClr val="000000"/>
               </a:buClr>
               <a:buSzPts val="1000"/>
-              <a:buFont typeface="Arial"/>
+              <a:buFont typeface="Arial" panose="020B0604020202020204"/>
               <a:buNone/>
               <a:defRPr sz="1000" b="0" i="0" u="none" strike="noStrike" cap="none">
                 <a:solidFill>
                   <a:schemeClr val="dk2"/>
                 </a:solidFill>
-                <a:latin typeface="Arial"/>
-                <a:ea typeface="Arial"/>
-                <a:cs typeface="Arial"/>
-                <a:sym typeface="Arial"/>
+                <a:latin typeface="Arial" panose="020B0604020202020204"/>
+                <a:ea typeface="Arial" panose="020B0604020202020204"/>
+                <a:cs typeface="Arial" panose="020B0604020202020204"/>
+                <a:sym typeface="Arial" panose="020B0604020202020204"/>
               </a:defRPr>
             </a:lvl5pPr>
             <a:lvl6pPr marL="0" marR="0" lvl="5" indent="0" algn="r">
@@ -5637,16 +5561,16 @@
                 <a:srgbClr val="000000"/>
               </a:buClr>
               <a:buSzPts val="1000"/>
-              <a:buFont typeface="Arial"/>
+              <a:buFont typeface="Arial" panose="020B0604020202020204"/>
               <a:buNone/>
               <a:defRPr sz="1000" b="0" i="0" u="none" strike="noStrike" cap="none">
                 <a:solidFill>
                   <a:schemeClr val="dk2"/>
                 </a:solidFill>
-                <a:latin typeface="Arial"/>
-                <a:ea typeface="Arial"/>
-                <a:cs typeface="Arial"/>
-                <a:sym typeface="Arial"/>
+                <a:latin typeface="Arial" panose="020B0604020202020204"/>
+                <a:ea typeface="Arial" panose="020B0604020202020204"/>
+                <a:cs typeface="Arial" panose="020B0604020202020204"/>
+                <a:sym typeface="Arial" panose="020B0604020202020204"/>
               </a:defRPr>
             </a:lvl6pPr>
             <a:lvl7pPr marL="0" marR="0" lvl="6" indent="0" algn="r">
@@ -5663,16 +5587,16 @@
                 <a:srgbClr val="000000"/>
               </a:buClr>
               <a:buSzPts val="1000"/>
-              <a:buFont typeface="Arial"/>
+              <a:buFont typeface="Arial" panose="020B0604020202020204"/>
               <a:buNone/>
               <a:defRPr sz="1000" b="0" i="0" u="none" strike="noStrike" cap="none">
                 <a:solidFill>
                   <a:schemeClr val="dk2"/>
                 </a:solidFill>
-                <a:latin typeface="Arial"/>
-                <a:ea typeface="Arial"/>
-                <a:cs typeface="Arial"/>
-                <a:sym typeface="Arial"/>
+                <a:latin typeface="Arial" panose="020B0604020202020204"/>
+                <a:ea typeface="Arial" panose="020B0604020202020204"/>
+                <a:cs typeface="Arial" panose="020B0604020202020204"/>
+                <a:sym typeface="Arial" panose="020B0604020202020204"/>
               </a:defRPr>
             </a:lvl7pPr>
             <a:lvl8pPr marL="0" marR="0" lvl="7" indent="0" algn="r">
@@ -5689,16 +5613,16 @@
                 <a:srgbClr val="000000"/>
               </a:buClr>
               <a:buSzPts val="1000"/>
-              <a:buFont typeface="Arial"/>
+              <a:buFont typeface="Arial" panose="020B0604020202020204"/>
               <a:buNone/>
               <a:defRPr sz="1000" b="0" i="0" u="none" strike="noStrike" cap="none">
                 <a:solidFill>
                   <a:schemeClr val="dk2"/>
                 </a:solidFill>
-                <a:latin typeface="Arial"/>
-                <a:ea typeface="Arial"/>
-                <a:cs typeface="Arial"/>
-                <a:sym typeface="Arial"/>
+                <a:latin typeface="Arial" panose="020B0604020202020204"/>
+                <a:ea typeface="Arial" panose="020B0604020202020204"/>
+                <a:cs typeface="Arial" panose="020B0604020202020204"/>
+                <a:sym typeface="Arial" panose="020B0604020202020204"/>
               </a:defRPr>
             </a:lvl8pPr>
             <a:lvl9pPr marL="0" marR="0" lvl="8" indent="0" algn="r">
@@ -5715,16 +5639,16 @@
                 <a:srgbClr val="000000"/>
               </a:buClr>
               <a:buSzPts val="1000"/>
-              <a:buFont typeface="Arial"/>
+              <a:buFont typeface="Arial" panose="020B0604020202020204"/>
               <a:buNone/>
               <a:defRPr sz="1000" b="0" i="0" u="none" strike="noStrike" cap="none">
                 <a:solidFill>
                   <a:schemeClr val="dk2"/>
                 </a:solidFill>
-                <a:latin typeface="Arial"/>
-                <a:ea typeface="Arial"/>
-                <a:cs typeface="Arial"/>
-                <a:sym typeface="Arial"/>
+                <a:latin typeface="Arial" panose="020B0604020202020204"/>
+                <a:ea typeface="Arial" panose="020B0604020202020204"/>
+                <a:cs typeface="Arial" panose="020B0604020202020204"/>
+                <a:sym typeface="Arial" panose="020B0604020202020204"/>
               </a:defRPr>
             </a:lvl9pPr>
           </a:lstStyle>
@@ -5740,9 +5664,8 @@
             </a:pPr>
             <a:fld id="{00000000-1234-1234-1234-123412341234}" type="slidenum">
               <a:rPr lang="en-GB"/>
-              <a:t>‹#›</a:t>
             </a:fld>
-            <a:endParaRPr/>
+            <a:endParaRPr lang="en-GB"/>
           </a:p>
         </p:txBody>
       </p:sp>
@@ -5926,9 +5849,7 @@
               <a:defRPr sz="4800"/>
             </a:lvl9pPr>
           </a:lstStyle>
-          <a:p>
-            <a:endParaRPr/>
-          </a:p>
+          <a:p/>
         </p:txBody>
       </p:sp>
       <p:sp>
@@ -5973,16 +5894,16 @@
                 <a:srgbClr val="000000"/>
               </a:buClr>
               <a:buSzPts val="1000"/>
-              <a:buFont typeface="Arial"/>
+              <a:buFont typeface="Arial" panose="020B0604020202020204"/>
               <a:buNone/>
               <a:defRPr sz="1000" b="0" i="0" u="none" strike="noStrike" cap="none">
                 <a:solidFill>
                   <a:schemeClr val="dk2"/>
                 </a:solidFill>
-                <a:latin typeface="Arial"/>
-                <a:ea typeface="Arial"/>
-                <a:cs typeface="Arial"/>
-                <a:sym typeface="Arial"/>
+                <a:latin typeface="Arial" panose="020B0604020202020204"/>
+                <a:ea typeface="Arial" panose="020B0604020202020204"/>
+                <a:cs typeface="Arial" panose="020B0604020202020204"/>
+                <a:sym typeface="Arial" panose="020B0604020202020204"/>
               </a:defRPr>
             </a:lvl1pPr>
             <a:lvl2pPr marL="0" marR="0" lvl="1" indent="0" algn="r">
@@ -5999,16 +5920,16 @@
                 <a:srgbClr val="000000"/>
               </a:buClr>
               <a:buSzPts val="1000"/>
-              <a:buFont typeface="Arial"/>
+              <a:buFont typeface="Arial" panose="020B0604020202020204"/>
               <a:buNone/>
               <a:defRPr sz="1000" b="0" i="0" u="none" strike="noStrike" cap="none">
                 <a:solidFill>
                   <a:schemeClr val="dk2"/>
                 </a:solidFill>
-                <a:latin typeface="Arial"/>
-                <a:ea typeface="Arial"/>
-                <a:cs typeface="Arial"/>
-                <a:sym typeface="Arial"/>
+                <a:latin typeface="Arial" panose="020B0604020202020204"/>
+                <a:ea typeface="Arial" panose="020B0604020202020204"/>
+                <a:cs typeface="Arial" panose="020B0604020202020204"/>
+                <a:sym typeface="Arial" panose="020B0604020202020204"/>
               </a:defRPr>
             </a:lvl2pPr>
             <a:lvl3pPr marL="0" marR="0" lvl="2" indent="0" algn="r">
@@ -6025,16 +5946,16 @@
                 <a:srgbClr val="000000"/>
               </a:buClr>
               <a:buSzPts val="1000"/>
-              <a:buFont typeface="Arial"/>
+              <a:buFont typeface="Arial" panose="020B0604020202020204"/>
               <a:buNone/>
               <a:defRPr sz="1000" b="0" i="0" u="none" strike="noStrike" cap="none">
                 <a:solidFill>
                   <a:schemeClr val="dk2"/>
                 </a:solidFill>
-                <a:latin typeface="Arial"/>
-                <a:ea typeface="Arial"/>
-                <a:cs typeface="Arial"/>
-                <a:sym typeface="Arial"/>
+                <a:latin typeface="Arial" panose="020B0604020202020204"/>
+                <a:ea typeface="Arial" panose="020B0604020202020204"/>
+                <a:cs typeface="Arial" panose="020B0604020202020204"/>
+                <a:sym typeface="Arial" panose="020B0604020202020204"/>
               </a:defRPr>
             </a:lvl3pPr>
             <a:lvl4pPr marL="0" marR="0" lvl="3" indent="0" algn="r">
@@ -6051,16 +5972,16 @@
                 <a:srgbClr val="000000"/>
               </a:buClr>
               <a:buSzPts val="1000"/>
-              <a:buFont typeface="Arial"/>
+              <a:buFont typeface="Arial" panose="020B0604020202020204"/>
               <a:buNone/>
               <a:defRPr sz="1000" b="0" i="0" u="none" strike="noStrike" cap="none">
                 <a:solidFill>
                   <a:schemeClr val="dk2"/>
                 </a:solidFill>
-                <a:latin typeface="Arial"/>
-                <a:ea typeface="Arial"/>
-                <a:cs typeface="Arial"/>
-                <a:sym typeface="Arial"/>
+                <a:latin typeface="Arial" panose="020B0604020202020204"/>
+                <a:ea typeface="Arial" panose="020B0604020202020204"/>
+                <a:cs typeface="Arial" panose="020B0604020202020204"/>
+                <a:sym typeface="Arial" panose="020B0604020202020204"/>
               </a:defRPr>
             </a:lvl4pPr>
             <a:lvl5pPr marL="0" marR="0" lvl="4" indent="0" algn="r">
@@ -6077,16 +5998,16 @@
                 <a:srgbClr val="000000"/>
               </a:buClr>
               <a:buSzPts val="1000"/>
-              <a:buFont typeface="Arial"/>
+              <a:buFont typeface="Arial" panose="020B0604020202020204"/>
               <a:buNone/>
               <a:defRPr sz="1000" b="0" i="0" u="none" strike="noStrike" cap="none">
                 <a:solidFill>
                   <a:schemeClr val="dk2"/>
                 </a:solidFill>
-                <a:latin typeface="Arial"/>
-                <a:ea typeface="Arial"/>
-                <a:cs typeface="Arial"/>
-                <a:sym typeface="Arial"/>
+                <a:latin typeface="Arial" panose="020B0604020202020204"/>
+                <a:ea typeface="Arial" panose="020B0604020202020204"/>
+                <a:cs typeface="Arial" panose="020B0604020202020204"/>
+                <a:sym typeface="Arial" panose="020B0604020202020204"/>
               </a:defRPr>
             </a:lvl5pPr>
             <a:lvl6pPr marL="0" marR="0" lvl="5" indent="0" algn="r">
@@ -6103,16 +6024,16 @@
                 <a:srgbClr val="000000"/>
               </a:buClr>
               <a:buSzPts val="1000"/>
-              <a:buFont typeface="Arial"/>
+              <a:buFont typeface="Arial" panose="020B0604020202020204"/>
               <a:buNone/>
               <a:defRPr sz="1000" b="0" i="0" u="none" strike="noStrike" cap="none">
                 <a:solidFill>
                   <a:schemeClr val="dk2"/>
                 </a:solidFill>
-                <a:latin typeface="Arial"/>
-                <a:ea typeface="Arial"/>
-                <a:cs typeface="Arial"/>
-                <a:sym typeface="Arial"/>
+                <a:latin typeface="Arial" panose="020B0604020202020204"/>
+                <a:ea typeface="Arial" panose="020B0604020202020204"/>
+                <a:cs typeface="Arial" panose="020B0604020202020204"/>
+                <a:sym typeface="Arial" panose="020B0604020202020204"/>
               </a:defRPr>
             </a:lvl6pPr>
             <a:lvl7pPr marL="0" marR="0" lvl="6" indent="0" algn="r">
@@ -6129,16 +6050,16 @@
                 <a:srgbClr val="000000"/>
               </a:buClr>
               <a:buSzPts val="1000"/>
-              <a:buFont typeface="Arial"/>
+              <a:buFont typeface="Arial" panose="020B0604020202020204"/>
               <a:buNone/>
               <a:defRPr sz="1000" b="0" i="0" u="none" strike="noStrike" cap="none">
                 <a:solidFill>
                   <a:schemeClr val="dk2"/>
                 </a:solidFill>
-                <a:latin typeface="Arial"/>
-                <a:ea typeface="Arial"/>
-                <a:cs typeface="Arial"/>
-                <a:sym typeface="Arial"/>
+                <a:latin typeface="Arial" panose="020B0604020202020204"/>
+                <a:ea typeface="Arial" panose="020B0604020202020204"/>
+                <a:cs typeface="Arial" panose="020B0604020202020204"/>
+                <a:sym typeface="Arial" panose="020B0604020202020204"/>
               </a:defRPr>
             </a:lvl7pPr>
             <a:lvl8pPr marL="0" marR="0" lvl="7" indent="0" algn="r">
@@ -6155,16 +6076,16 @@
                 <a:srgbClr val="000000"/>
               </a:buClr>
               <a:buSzPts val="1000"/>
-              <a:buFont typeface="Arial"/>
+              <a:buFont typeface="Arial" panose="020B0604020202020204"/>
               <a:buNone/>
               <a:defRPr sz="1000" b="0" i="0" u="none" strike="noStrike" cap="none">
                 <a:solidFill>
                   <a:schemeClr val="dk2"/>
                 </a:solidFill>
-                <a:latin typeface="Arial"/>
-                <a:ea typeface="Arial"/>
-                <a:cs typeface="Arial"/>
-                <a:sym typeface="Arial"/>
+                <a:latin typeface="Arial" panose="020B0604020202020204"/>
+                <a:ea typeface="Arial" panose="020B0604020202020204"/>
+                <a:cs typeface="Arial" panose="020B0604020202020204"/>
+                <a:sym typeface="Arial" panose="020B0604020202020204"/>
               </a:defRPr>
             </a:lvl8pPr>
             <a:lvl9pPr marL="0" marR="0" lvl="8" indent="0" algn="r">
@@ -6181,16 +6102,16 @@
                 <a:srgbClr val="000000"/>
               </a:buClr>
               <a:buSzPts val="1000"/>
-              <a:buFont typeface="Arial"/>
+              <a:buFont typeface="Arial" panose="020B0604020202020204"/>
               <a:buNone/>
               <a:defRPr sz="1000" b="0" i="0" u="none" strike="noStrike" cap="none">
                 <a:solidFill>
                   <a:schemeClr val="dk2"/>
                 </a:solidFill>
-                <a:latin typeface="Arial"/>
-                <a:ea typeface="Arial"/>
-                <a:cs typeface="Arial"/>
-                <a:sym typeface="Arial"/>
+                <a:latin typeface="Arial" panose="020B0604020202020204"/>
+                <a:ea typeface="Arial" panose="020B0604020202020204"/>
+                <a:cs typeface="Arial" panose="020B0604020202020204"/>
+                <a:sym typeface="Arial" panose="020B0604020202020204"/>
               </a:defRPr>
             </a:lvl9pPr>
           </a:lstStyle>
@@ -6206,9 +6127,8 @@
             </a:pPr>
             <a:fld id="{00000000-1234-1234-1234-123412341234}" type="slidenum">
               <a:rPr lang="en-GB"/>
-              <a:t>‹#›</a:t>
             </a:fld>
-            <a:endParaRPr/>
+            <a:endParaRPr lang="en-GB"/>
           </a:p>
         </p:txBody>
       </p:sp>
@@ -6278,17 +6198,17 @@
                 <a:srgbClr val="000000"/>
               </a:buClr>
               <a:buSzPts val="1400"/>
-              <a:buFont typeface="Arial"/>
+              <a:buFont typeface="Arial" panose="020B0604020202020204"/>
               <a:buNone/>
             </a:pPr>
             <a:endParaRPr sz="1400" b="0" i="0" u="none" strike="noStrike" cap="none">
               <a:solidFill>
                 <a:srgbClr val="000000"/>
               </a:solidFill>
-              <a:latin typeface="Arial"/>
-              <a:ea typeface="Arial"/>
-              <a:cs typeface="Arial"/>
-              <a:sym typeface="Arial"/>
+              <a:latin typeface="Arial" panose="020B0604020202020204"/>
+              <a:ea typeface="Arial" panose="020B0604020202020204"/>
+              <a:cs typeface="Arial" panose="020B0604020202020204"/>
+              <a:sym typeface="Arial" panose="020B0604020202020204"/>
             </a:endParaRPr>
           </a:p>
         </p:txBody>
@@ -6448,9 +6368,7 @@
               <a:defRPr sz="4200"/>
             </a:lvl9pPr>
           </a:lstStyle>
-          <a:p>
-            <a:endParaRPr/>
-          </a:p>
+          <a:p/>
         </p:txBody>
       </p:sp>
       <p:sp>
@@ -6608,9 +6526,7 @@
               <a:defRPr sz="2100"/>
             </a:lvl9pPr>
           </a:lstStyle>
-          <a:p>
-            <a:endParaRPr/>
-          </a:p>
+          <a:p/>
         </p:txBody>
       </p:sp>
       <p:sp>
@@ -6768,9 +6684,7 @@
               <a:defRPr/>
             </a:lvl9pPr>
           </a:lstStyle>
-          <a:p>
-            <a:endParaRPr/>
-          </a:p>
+          <a:p/>
         </p:txBody>
       </p:sp>
       <p:sp>
@@ -6815,16 +6729,16 @@
                 <a:srgbClr val="000000"/>
               </a:buClr>
               <a:buSzPts val="1000"/>
-              <a:buFont typeface="Arial"/>
+              <a:buFont typeface="Arial" panose="020B0604020202020204"/>
               <a:buNone/>
               <a:defRPr sz="1000" b="0" i="0" u="none" strike="noStrike" cap="none">
                 <a:solidFill>
                   <a:schemeClr val="dk2"/>
                 </a:solidFill>
-                <a:latin typeface="Arial"/>
-                <a:ea typeface="Arial"/>
-                <a:cs typeface="Arial"/>
-                <a:sym typeface="Arial"/>
+                <a:latin typeface="Arial" panose="020B0604020202020204"/>
+                <a:ea typeface="Arial" panose="020B0604020202020204"/>
+                <a:cs typeface="Arial" panose="020B0604020202020204"/>
+                <a:sym typeface="Arial" panose="020B0604020202020204"/>
               </a:defRPr>
             </a:lvl1pPr>
             <a:lvl2pPr marL="0" marR="0" lvl="1" indent="0" algn="r">
@@ -6841,16 +6755,16 @@
                 <a:srgbClr val="000000"/>
               </a:buClr>
               <a:buSzPts val="1000"/>
-              <a:buFont typeface="Arial"/>
+              <a:buFont typeface="Arial" panose="020B0604020202020204"/>
               <a:buNone/>
               <a:defRPr sz="1000" b="0" i="0" u="none" strike="noStrike" cap="none">
                 <a:solidFill>
                   <a:schemeClr val="dk2"/>
                 </a:solidFill>
-                <a:latin typeface="Arial"/>
-                <a:ea typeface="Arial"/>
-                <a:cs typeface="Arial"/>
-                <a:sym typeface="Arial"/>
+                <a:latin typeface="Arial" panose="020B0604020202020204"/>
+                <a:ea typeface="Arial" panose="020B0604020202020204"/>
+                <a:cs typeface="Arial" panose="020B0604020202020204"/>
+                <a:sym typeface="Arial" panose="020B0604020202020204"/>
               </a:defRPr>
             </a:lvl2pPr>
             <a:lvl3pPr marL="0" marR="0" lvl="2" indent="0" algn="r">
@@ -6867,16 +6781,16 @@
                 <a:srgbClr val="000000"/>
               </a:buClr>
               <a:buSzPts val="1000"/>
-              <a:buFont typeface="Arial"/>
+              <a:buFont typeface="Arial" panose="020B0604020202020204"/>
               <a:buNone/>
               <a:defRPr sz="1000" b="0" i="0" u="none" strike="noStrike" cap="none">
                 <a:solidFill>
                   <a:schemeClr val="dk2"/>
                 </a:solidFill>
-                <a:latin typeface="Arial"/>
-                <a:ea typeface="Arial"/>
-                <a:cs typeface="Arial"/>
-                <a:sym typeface="Arial"/>
+                <a:latin typeface="Arial" panose="020B0604020202020204"/>
+                <a:ea typeface="Arial" panose="020B0604020202020204"/>
+                <a:cs typeface="Arial" panose="020B0604020202020204"/>
+                <a:sym typeface="Arial" panose="020B0604020202020204"/>
               </a:defRPr>
             </a:lvl3pPr>
             <a:lvl4pPr marL="0" marR="0" lvl="3" indent="0" algn="r">
@@ -6893,16 +6807,16 @@
                 <a:srgbClr val="000000"/>
               </a:buClr>
               <a:buSzPts val="1000"/>
-              <a:buFont typeface="Arial"/>
+              <a:buFont typeface="Arial" panose="020B0604020202020204"/>
               <a:buNone/>
               <a:defRPr sz="1000" b="0" i="0" u="none" strike="noStrike" cap="none">
                 <a:solidFill>
                   <a:schemeClr val="dk2"/>
                 </a:solidFill>
-                <a:latin typeface="Arial"/>
-                <a:ea typeface="Arial"/>
-                <a:cs typeface="Arial"/>
-                <a:sym typeface="Arial"/>
+                <a:latin typeface="Arial" panose="020B0604020202020204"/>
+                <a:ea typeface="Arial" panose="020B0604020202020204"/>
+                <a:cs typeface="Arial" panose="020B0604020202020204"/>
+                <a:sym typeface="Arial" panose="020B0604020202020204"/>
               </a:defRPr>
             </a:lvl4pPr>
             <a:lvl5pPr marL="0" marR="0" lvl="4" indent="0" algn="r">
@@ -6919,16 +6833,16 @@
                 <a:srgbClr val="000000"/>
               </a:buClr>
               <a:buSzPts val="1000"/>
-              <a:buFont typeface="Arial"/>
+              <a:buFont typeface="Arial" panose="020B0604020202020204"/>
               <a:buNone/>
               <a:defRPr sz="1000" b="0" i="0" u="none" strike="noStrike" cap="none">
                 <a:solidFill>
                   <a:schemeClr val="dk2"/>
                 </a:solidFill>
-                <a:latin typeface="Arial"/>
-                <a:ea typeface="Arial"/>
-                <a:cs typeface="Arial"/>
-                <a:sym typeface="Arial"/>
+                <a:latin typeface="Arial" panose="020B0604020202020204"/>
+                <a:ea typeface="Arial" panose="020B0604020202020204"/>
+                <a:cs typeface="Arial" panose="020B0604020202020204"/>
+                <a:sym typeface="Arial" panose="020B0604020202020204"/>
               </a:defRPr>
             </a:lvl5pPr>
             <a:lvl6pPr marL="0" marR="0" lvl="5" indent="0" algn="r">
@@ -6945,16 +6859,16 @@
                 <a:srgbClr val="000000"/>
               </a:buClr>
               <a:buSzPts val="1000"/>
-              <a:buFont typeface="Arial"/>
+              <a:buFont typeface="Arial" panose="020B0604020202020204"/>
               <a:buNone/>
               <a:defRPr sz="1000" b="0" i="0" u="none" strike="noStrike" cap="none">
                 <a:solidFill>
                   <a:schemeClr val="dk2"/>
                 </a:solidFill>
-                <a:latin typeface="Arial"/>
-                <a:ea typeface="Arial"/>
-                <a:cs typeface="Arial"/>
-                <a:sym typeface="Arial"/>
+                <a:latin typeface="Arial" panose="020B0604020202020204"/>
+                <a:ea typeface="Arial" panose="020B0604020202020204"/>
+                <a:cs typeface="Arial" panose="020B0604020202020204"/>
+                <a:sym typeface="Arial" panose="020B0604020202020204"/>
               </a:defRPr>
             </a:lvl6pPr>
             <a:lvl7pPr marL="0" marR="0" lvl="6" indent="0" algn="r">
@@ -6971,16 +6885,16 @@
                 <a:srgbClr val="000000"/>
               </a:buClr>
               <a:buSzPts val="1000"/>
-              <a:buFont typeface="Arial"/>
+              <a:buFont typeface="Arial" panose="020B0604020202020204"/>
               <a:buNone/>
               <a:defRPr sz="1000" b="0" i="0" u="none" strike="noStrike" cap="none">
                 <a:solidFill>
                   <a:schemeClr val="dk2"/>
                 </a:solidFill>
-                <a:latin typeface="Arial"/>
-                <a:ea typeface="Arial"/>
-                <a:cs typeface="Arial"/>
-                <a:sym typeface="Arial"/>
+                <a:latin typeface="Arial" panose="020B0604020202020204"/>
+                <a:ea typeface="Arial" panose="020B0604020202020204"/>
+                <a:cs typeface="Arial" panose="020B0604020202020204"/>
+                <a:sym typeface="Arial" panose="020B0604020202020204"/>
               </a:defRPr>
             </a:lvl7pPr>
             <a:lvl8pPr marL="0" marR="0" lvl="7" indent="0" algn="r">
@@ -6997,16 +6911,16 @@
                 <a:srgbClr val="000000"/>
               </a:buClr>
               <a:buSzPts val="1000"/>
-              <a:buFont typeface="Arial"/>
+              <a:buFont typeface="Arial" panose="020B0604020202020204"/>
               <a:buNone/>
               <a:defRPr sz="1000" b="0" i="0" u="none" strike="noStrike" cap="none">
                 <a:solidFill>
                   <a:schemeClr val="dk2"/>
                 </a:solidFill>
-                <a:latin typeface="Arial"/>
-                <a:ea typeface="Arial"/>
-                <a:cs typeface="Arial"/>
-                <a:sym typeface="Arial"/>
+                <a:latin typeface="Arial" panose="020B0604020202020204"/>
+                <a:ea typeface="Arial" panose="020B0604020202020204"/>
+                <a:cs typeface="Arial" panose="020B0604020202020204"/>
+                <a:sym typeface="Arial" panose="020B0604020202020204"/>
               </a:defRPr>
             </a:lvl8pPr>
             <a:lvl9pPr marL="0" marR="0" lvl="8" indent="0" algn="r">
@@ -7023,16 +6937,16 @@
                 <a:srgbClr val="000000"/>
               </a:buClr>
               <a:buSzPts val="1000"/>
-              <a:buFont typeface="Arial"/>
+              <a:buFont typeface="Arial" panose="020B0604020202020204"/>
               <a:buNone/>
               <a:defRPr sz="1000" b="0" i="0" u="none" strike="noStrike" cap="none">
                 <a:solidFill>
                   <a:schemeClr val="dk2"/>
                 </a:solidFill>
-                <a:latin typeface="Arial"/>
-                <a:ea typeface="Arial"/>
-                <a:cs typeface="Arial"/>
-                <a:sym typeface="Arial"/>
+                <a:latin typeface="Arial" panose="020B0604020202020204"/>
+                <a:ea typeface="Arial" panose="020B0604020202020204"/>
+                <a:cs typeface="Arial" panose="020B0604020202020204"/>
+                <a:sym typeface="Arial" panose="020B0604020202020204"/>
               </a:defRPr>
             </a:lvl9pPr>
           </a:lstStyle>
@@ -7048,9 +6962,8 @@
             </a:pPr>
             <a:fld id="{00000000-1234-1234-1234-123412341234}" type="slidenum">
               <a:rPr lang="en-GB"/>
-              <a:t>‹#›</a:t>
             </a:fld>
-            <a:endParaRPr/>
+            <a:endParaRPr lang="en-GB"/>
           </a:p>
         </p:txBody>
       </p:sp>
@@ -7122,9 +7035,7 @@
               <a:defRPr/>
             </a:lvl1pPr>
           </a:lstStyle>
-          <a:p>
-            <a:endParaRPr/>
-          </a:p>
+          <a:p/>
         </p:txBody>
       </p:sp>
       <p:sp>
@@ -7169,16 +7080,16 @@
                 <a:srgbClr val="000000"/>
               </a:buClr>
               <a:buSzPts val="1000"/>
-              <a:buFont typeface="Arial"/>
+              <a:buFont typeface="Arial" panose="020B0604020202020204"/>
               <a:buNone/>
               <a:defRPr sz="1000" b="0" i="0" u="none" strike="noStrike" cap="none">
                 <a:solidFill>
                   <a:schemeClr val="dk2"/>
                 </a:solidFill>
-                <a:latin typeface="Arial"/>
-                <a:ea typeface="Arial"/>
-                <a:cs typeface="Arial"/>
-                <a:sym typeface="Arial"/>
+                <a:latin typeface="Arial" panose="020B0604020202020204"/>
+                <a:ea typeface="Arial" panose="020B0604020202020204"/>
+                <a:cs typeface="Arial" panose="020B0604020202020204"/>
+                <a:sym typeface="Arial" panose="020B0604020202020204"/>
               </a:defRPr>
             </a:lvl1pPr>
             <a:lvl2pPr marL="0" marR="0" lvl="1" indent="0" algn="r">
@@ -7195,16 +7106,16 @@
                 <a:srgbClr val="000000"/>
               </a:buClr>
               <a:buSzPts val="1000"/>
-              <a:buFont typeface="Arial"/>
+              <a:buFont typeface="Arial" panose="020B0604020202020204"/>
               <a:buNone/>
               <a:defRPr sz="1000" b="0" i="0" u="none" strike="noStrike" cap="none">
                 <a:solidFill>
                   <a:schemeClr val="dk2"/>
                 </a:solidFill>
-                <a:latin typeface="Arial"/>
-                <a:ea typeface="Arial"/>
-                <a:cs typeface="Arial"/>
-                <a:sym typeface="Arial"/>
+                <a:latin typeface="Arial" panose="020B0604020202020204"/>
+                <a:ea typeface="Arial" panose="020B0604020202020204"/>
+                <a:cs typeface="Arial" panose="020B0604020202020204"/>
+                <a:sym typeface="Arial" panose="020B0604020202020204"/>
               </a:defRPr>
             </a:lvl2pPr>
             <a:lvl3pPr marL="0" marR="0" lvl="2" indent="0" algn="r">
@@ -7221,16 +7132,16 @@
                 <a:srgbClr val="000000"/>
               </a:buClr>
               <a:buSzPts val="1000"/>
-              <a:buFont typeface="Arial"/>
+              <a:buFont typeface="Arial" panose="020B0604020202020204"/>
               <a:buNone/>
               <a:defRPr sz="1000" b="0" i="0" u="none" strike="noStrike" cap="none">
                 <a:solidFill>
                   <a:schemeClr val="dk2"/>
                 </a:solidFill>
-                <a:latin typeface="Arial"/>
-                <a:ea typeface="Arial"/>
-                <a:cs typeface="Arial"/>
-                <a:sym typeface="Arial"/>
+                <a:latin typeface="Arial" panose="020B0604020202020204"/>
+                <a:ea typeface="Arial" panose="020B0604020202020204"/>
+                <a:cs typeface="Arial" panose="020B0604020202020204"/>
+                <a:sym typeface="Arial" panose="020B0604020202020204"/>
               </a:defRPr>
             </a:lvl3pPr>
             <a:lvl4pPr marL="0" marR="0" lvl="3" indent="0" algn="r">
@@ -7247,16 +7158,16 @@
                 <a:srgbClr val="000000"/>
               </a:buClr>
               <a:buSzPts val="1000"/>
-              <a:buFont typeface="Arial"/>
+              <a:buFont typeface="Arial" panose="020B0604020202020204"/>
               <a:buNone/>
               <a:defRPr sz="1000" b="0" i="0" u="none" strike="noStrike" cap="none">
                 <a:solidFill>
                   <a:schemeClr val="dk2"/>
                 </a:solidFill>
-                <a:latin typeface="Arial"/>
-                <a:ea typeface="Arial"/>
-                <a:cs typeface="Arial"/>
-                <a:sym typeface="Arial"/>
+                <a:latin typeface="Arial" panose="020B0604020202020204"/>
+                <a:ea typeface="Arial" panose="020B0604020202020204"/>
+                <a:cs typeface="Arial" panose="020B0604020202020204"/>
+                <a:sym typeface="Arial" panose="020B0604020202020204"/>
               </a:defRPr>
             </a:lvl4pPr>
             <a:lvl5pPr marL="0" marR="0" lvl="4" indent="0" algn="r">
@@ -7273,16 +7184,16 @@
                 <a:srgbClr val="000000"/>
               </a:buClr>
               <a:buSzPts val="1000"/>
-              <a:buFont typeface="Arial"/>
+              <a:buFont typeface="Arial" panose="020B0604020202020204"/>
               <a:buNone/>
               <a:defRPr sz="1000" b="0" i="0" u="none" strike="noStrike" cap="none">
                 <a:solidFill>
                   <a:schemeClr val="dk2"/>
                 </a:solidFill>
-                <a:latin typeface="Arial"/>
-                <a:ea typeface="Arial"/>
-                <a:cs typeface="Arial"/>
-                <a:sym typeface="Arial"/>
+                <a:latin typeface="Arial" panose="020B0604020202020204"/>
+                <a:ea typeface="Arial" panose="020B0604020202020204"/>
+                <a:cs typeface="Arial" panose="020B0604020202020204"/>
+                <a:sym typeface="Arial" panose="020B0604020202020204"/>
               </a:defRPr>
             </a:lvl5pPr>
             <a:lvl6pPr marL="0" marR="0" lvl="5" indent="0" algn="r">
@@ -7299,16 +7210,16 @@
                 <a:srgbClr val="000000"/>
               </a:buClr>
               <a:buSzPts val="1000"/>
-              <a:buFont typeface="Arial"/>
+              <a:buFont typeface="Arial" panose="020B0604020202020204"/>
               <a:buNone/>
               <a:defRPr sz="1000" b="0" i="0" u="none" strike="noStrike" cap="none">
                 <a:solidFill>
                   <a:schemeClr val="dk2"/>
                 </a:solidFill>
-                <a:latin typeface="Arial"/>
-                <a:ea typeface="Arial"/>
-                <a:cs typeface="Arial"/>
-                <a:sym typeface="Arial"/>
+                <a:latin typeface="Arial" panose="020B0604020202020204"/>
+                <a:ea typeface="Arial" panose="020B0604020202020204"/>
+                <a:cs typeface="Arial" panose="020B0604020202020204"/>
+                <a:sym typeface="Arial" panose="020B0604020202020204"/>
               </a:defRPr>
             </a:lvl6pPr>
             <a:lvl7pPr marL="0" marR="0" lvl="6" indent="0" algn="r">
@@ -7325,16 +7236,16 @@
                 <a:srgbClr val="000000"/>
               </a:buClr>
               <a:buSzPts val="1000"/>
-              <a:buFont typeface="Arial"/>
+              <a:buFont typeface="Arial" panose="020B0604020202020204"/>
               <a:buNone/>
               <a:defRPr sz="1000" b="0" i="0" u="none" strike="noStrike" cap="none">
                 <a:solidFill>
                   <a:schemeClr val="dk2"/>
                 </a:solidFill>
-                <a:latin typeface="Arial"/>
-                <a:ea typeface="Arial"/>
-                <a:cs typeface="Arial"/>
-                <a:sym typeface="Arial"/>
+                <a:latin typeface="Arial" panose="020B0604020202020204"/>
+                <a:ea typeface="Arial" panose="020B0604020202020204"/>
+                <a:cs typeface="Arial" panose="020B0604020202020204"/>
+                <a:sym typeface="Arial" panose="020B0604020202020204"/>
               </a:defRPr>
             </a:lvl7pPr>
             <a:lvl8pPr marL="0" marR="0" lvl="7" indent="0" algn="r">
@@ -7351,16 +7262,16 @@
                 <a:srgbClr val="000000"/>
               </a:buClr>
               <a:buSzPts val="1000"/>
-              <a:buFont typeface="Arial"/>
+              <a:buFont typeface="Arial" panose="020B0604020202020204"/>
               <a:buNone/>
               <a:defRPr sz="1000" b="0" i="0" u="none" strike="noStrike" cap="none">
                 <a:solidFill>
                   <a:schemeClr val="dk2"/>
                 </a:solidFill>
-                <a:latin typeface="Arial"/>
-                <a:ea typeface="Arial"/>
-                <a:cs typeface="Arial"/>
-                <a:sym typeface="Arial"/>
+                <a:latin typeface="Arial" panose="020B0604020202020204"/>
+                <a:ea typeface="Arial" panose="020B0604020202020204"/>
+                <a:cs typeface="Arial" panose="020B0604020202020204"/>
+                <a:sym typeface="Arial" panose="020B0604020202020204"/>
               </a:defRPr>
             </a:lvl8pPr>
             <a:lvl9pPr marL="0" marR="0" lvl="8" indent="0" algn="r">
@@ -7377,16 +7288,16 @@
                 <a:srgbClr val="000000"/>
               </a:buClr>
               <a:buSzPts val="1000"/>
-              <a:buFont typeface="Arial"/>
+              <a:buFont typeface="Arial" panose="020B0604020202020204"/>
               <a:buNone/>
               <a:defRPr sz="1000" b="0" i="0" u="none" strike="noStrike" cap="none">
                 <a:solidFill>
                   <a:schemeClr val="dk2"/>
                 </a:solidFill>
-                <a:latin typeface="Arial"/>
-                <a:ea typeface="Arial"/>
-                <a:cs typeface="Arial"/>
-                <a:sym typeface="Arial"/>
+                <a:latin typeface="Arial" panose="020B0604020202020204"/>
+                <a:ea typeface="Arial" panose="020B0604020202020204"/>
+                <a:cs typeface="Arial" panose="020B0604020202020204"/>
+                <a:sym typeface="Arial" panose="020B0604020202020204"/>
               </a:defRPr>
             </a:lvl9pPr>
           </a:lstStyle>
@@ -7402,9 +7313,8 @@
             </a:pPr>
             <a:fld id="{00000000-1234-1234-1234-123412341234}" type="slidenum">
               <a:rPr lang="en-GB"/>
-              <a:t>‹#›</a:t>
             </a:fld>
-            <a:endParaRPr/>
+            <a:endParaRPr lang="en-GB"/>
           </a:p>
         </p:txBody>
       </p:sp>
@@ -7418,7 +7328,7 @@
 
 <file path=ppt/slideMasters/slideMaster1.xml><?xml version="1.0" encoding="utf-8"?>
 <p:sldMaster xmlns:a="http://schemas.openxmlformats.org/drawingml/2006/main" xmlns:r="http://schemas.openxmlformats.org/officeDocument/2006/relationships" xmlns:p="http://schemas.openxmlformats.org/presentationml/2006/main">
-  <p:cSld name="simple-light-2">
+  <p:cSld>
     <p:bg>
       <p:bgPr>
         <a:solidFill>
@@ -7483,16 +7393,16 @@
                 <a:schemeClr val="dk1"/>
               </a:buClr>
               <a:buSzPts val="2800"/>
-              <a:buFont typeface="Arial"/>
+              <a:buFont typeface="Arial" panose="020B0604020202020204"/>
               <a:buNone/>
               <a:defRPr sz="2800" b="0" i="0" u="none" strike="noStrike" cap="none">
                 <a:solidFill>
                   <a:schemeClr val="dk1"/>
                 </a:solidFill>
-                <a:latin typeface="Arial"/>
-                <a:ea typeface="Arial"/>
-                <a:cs typeface="Arial"/>
-                <a:sym typeface="Arial"/>
+                <a:latin typeface="Arial" panose="020B0604020202020204"/>
+                <a:ea typeface="Arial" panose="020B0604020202020204"/>
+                <a:cs typeface="Arial" panose="020B0604020202020204"/>
+                <a:sym typeface="Arial" panose="020B0604020202020204"/>
               </a:defRPr>
             </a:lvl1pPr>
             <a:lvl2pPr marR="0" lvl="1" algn="l" rtl="0">
@@ -7509,16 +7419,16 @@
                 <a:schemeClr val="dk1"/>
               </a:buClr>
               <a:buSzPts val="2800"/>
-              <a:buFont typeface="Arial"/>
+              <a:buFont typeface="Arial" panose="020B0604020202020204"/>
               <a:buNone/>
               <a:defRPr sz="2800" b="0" i="0" u="none" strike="noStrike" cap="none">
                 <a:solidFill>
                   <a:schemeClr val="dk1"/>
                 </a:solidFill>
-                <a:latin typeface="Arial"/>
-                <a:ea typeface="Arial"/>
-                <a:cs typeface="Arial"/>
-                <a:sym typeface="Arial"/>
+                <a:latin typeface="Arial" panose="020B0604020202020204"/>
+                <a:ea typeface="Arial" panose="020B0604020202020204"/>
+                <a:cs typeface="Arial" panose="020B0604020202020204"/>
+                <a:sym typeface="Arial" panose="020B0604020202020204"/>
               </a:defRPr>
             </a:lvl2pPr>
             <a:lvl3pPr marR="0" lvl="2" algn="l" rtl="0">
@@ -7535,16 +7445,16 @@
                 <a:schemeClr val="dk1"/>
               </a:buClr>
               <a:buSzPts val="2800"/>
-              <a:buFont typeface="Arial"/>
+              <a:buFont typeface="Arial" panose="020B0604020202020204"/>
               <a:buNone/>
               <a:defRPr sz="2800" b="0" i="0" u="none" strike="noStrike" cap="none">
                 <a:solidFill>
                   <a:schemeClr val="dk1"/>
                 </a:solidFill>
-                <a:latin typeface="Arial"/>
-                <a:ea typeface="Arial"/>
-                <a:cs typeface="Arial"/>
-                <a:sym typeface="Arial"/>
+                <a:latin typeface="Arial" panose="020B0604020202020204"/>
+                <a:ea typeface="Arial" panose="020B0604020202020204"/>
+                <a:cs typeface="Arial" panose="020B0604020202020204"/>
+                <a:sym typeface="Arial" panose="020B0604020202020204"/>
               </a:defRPr>
             </a:lvl3pPr>
             <a:lvl4pPr marR="0" lvl="3" algn="l" rtl="0">
@@ -7561,16 +7471,16 @@
                 <a:schemeClr val="dk1"/>
               </a:buClr>
               <a:buSzPts val="2800"/>
-              <a:buFont typeface="Arial"/>
+              <a:buFont typeface="Arial" panose="020B0604020202020204"/>
               <a:buNone/>
               <a:defRPr sz="2800" b="0" i="0" u="none" strike="noStrike" cap="none">
                 <a:solidFill>
                   <a:schemeClr val="dk1"/>
                 </a:solidFill>
-                <a:latin typeface="Arial"/>
-                <a:ea typeface="Arial"/>
-                <a:cs typeface="Arial"/>
-                <a:sym typeface="Arial"/>
+                <a:latin typeface="Arial" panose="020B0604020202020204"/>
+                <a:ea typeface="Arial" panose="020B0604020202020204"/>
+                <a:cs typeface="Arial" panose="020B0604020202020204"/>
+                <a:sym typeface="Arial" panose="020B0604020202020204"/>
               </a:defRPr>
             </a:lvl4pPr>
             <a:lvl5pPr marR="0" lvl="4" algn="l" rtl="0">
@@ -7587,16 +7497,16 @@
                 <a:schemeClr val="dk1"/>
               </a:buClr>
               <a:buSzPts val="2800"/>
-              <a:buFont typeface="Arial"/>
+              <a:buFont typeface="Arial" panose="020B0604020202020204"/>
               <a:buNone/>
               <a:defRPr sz="2800" b="0" i="0" u="none" strike="noStrike" cap="none">
                 <a:solidFill>
                   <a:schemeClr val="dk1"/>
                 </a:solidFill>
-                <a:latin typeface="Arial"/>
-                <a:ea typeface="Arial"/>
-                <a:cs typeface="Arial"/>
-                <a:sym typeface="Arial"/>
+                <a:latin typeface="Arial" panose="020B0604020202020204"/>
+                <a:ea typeface="Arial" panose="020B0604020202020204"/>
+                <a:cs typeface="Arial" panose="020B0604020202020204"/>
+                <a:sym typeface="Arial" panose="020B0604020202020204"/>
               </a:defRPr>
             </a:lvl5pPr>
             <a:lvl6pPr marR="0" lvl="5" algn="l" rtl="0">
@@ -7613,16 +7523,16 @@
                 <a:schemeClr val="dk1"/>
               </a:buClr>
               <a:buSzPts val="2800"/>
-              <a:buFont typeface="Arial"/>
+              <a:buFont typeface="Arial" panose="020B0604020202020204"/>
               <a:buNone/>
               <a:defRPr sz="2800" b="0" i="0" u="none" strike="noStrike" cap="none">
                 <a:solidFill>
                   <a:schemeClr val="dk1"/>
                 </a:solidFill>
-                <a:latin typeface="Arial"/>
-                <a:ea typeface="Arial"/>
-                <a:cs typeface="Arial"/>
-                <a:sym typeface="Arial"/>
+                <a:latin typeface="Arial" panose="020B0604020202020204"/>
+                <a:ea typeface="Arial" panose="020B0604020202020204"/>
+                <a:cs typeface="Arial" panose="020B0604020202020204"/>
+                <a:sym typeface="Arial" panose="020B0604020202020204"/>
               </a:defRPr>
             </a:lvl6pPr>
             <a:lvl7pPr marR="0" lvl="6" algn="l" rtl="0">
@@ -7639,16 +7549,16 @@
                 <a:schemeClr val="dk1"/>
               </a:buClr>
               <a:buSzPts val="2800"/>
-              <a:buFont typeface="Arial"/>
+              <a:buFont typeface="Arial" panose="020B0604020202020204"/>
               <a:buNone/>
               <a:defRPr sz="2800" b="0" i="0" u="none" strike="noStrike" cap="none">
                 <a:solidFill>
                   <a:schemeClr val="dk1"/>
                 </a:solidFill>
-                <a:latin typeface="Arial"/>
-                <a:ea typeface="Arial"/>
-                <a:cs typeface="Arial"/>
-                <a:sym typeface="Arial"/>
+                <a:latin typeface="Arial" panose="020B0604020202020204"/>
+                <a:ea typeface="Arial" panose="020B0604020202020204"/>
+                <a:cs typeface="Arial" panose="020B0604020202020204"/>
+                <a:sym typeface="Arial" panose="020B0604020202020204"/>
               </a:defRPr>
             </a:lvl7pPr>
             <a:lvl8pPr marR="0" lvl="7" algn="l" rtl="0">
@@ -7665,16 +7575,16 @@
                 <a:schemeClr val="dk1"/>
               </a:buClr>
               <a:buSzPts val="2800"/>
-              <a:buFont typeface="Arial"/>
+              <a:buFont typeface="Arial" panose="020B0604020202020204"/>
               <a:buNone/>
               <a:defRPr sz="2800" b="0" i="0" u="none" strike="noStrike" cap="none">
                 <a:solidFill>
                   <a:schemeClr val="dk1"/>
                 </a:solidFill>
-                <a:latin typeface="Arial"/>
-                <a:ea typeface="Arial"/>
-                <a:cs typeface="Arial"/>
-                <a:sym typeface="Arial"/>
+                <a:latin typeface="Arial" panose="020B0604020202020204"/>
+                <a:ea typeface="Arial" panose="020B0604020202020204"/>
+                <a:cs typeface="Arial" panose="020B0604020202020204"/>
+                <a:sym typeface="Arial" panose="020B0604020202020204"/>
               </a:defRPr>
             </a:lvl8pPr>
             <a:lvl9pPr marR="0" lvl="8" algn="l" rtl="0">
@@ -7691,22 +7601,20 @@
                 <a:schemeClr val="dk1"/>
               </a:buClr>
               <a:buSzPts val="2800"/>
-              <a:buFont typeface="Arial"/>
+              <a:buFont typeface="Arial" panose="020B0604020202020204"/>
               <a:buNone/>
               <a:defRPr sz="2800" b="0" i="0" u="none" strike="noStrike" cap="none">
                 <a:solidFill>
                   <a:schemeClr val="dk1"/>
                 </a:solidFill>
-                <a:latin typeface="Arial"/>
-                <a:ea typeface="Arial"/>
-                <a:cs typeface="Arial"/>
-                <a:sym typeface="Arial"/>
+                <a:latin typeface="Arial" panose="020B0604020202020204"/>
+                <a:ea typeface="Arial" panose="020B0604020202020204"/>
+                <a:cs typeface="Arial" panose="020B0604020202020204"/>
+                <a:sym typeface="Arial" panose="020B0604020202020204"/>
               </a:defRPr>
             </a:lvl9pPr>
           </a:lstStyle>
-          <a:p>
-            <a:endParaRPr/>
-          </a:p>
+          <a:p/>
         </p:txBody>
       </p:sp>
       <p:sp>
@@ -7751,16 +7659,16 @@
                 <a:schemeClr val="dk2"/>
               </a:buClr>
               <a:buSzPts val="1800"/>
-              <a:buFont typeface="Arial"/>
+              <a:buFont typeface="Arial" panose="020B0604020202020204"/>
               <a:buChar char="●"/>
               <a:defRPr sz="1800" b="0" i="0" u="none" strike="noStrike" cap="none">
                 <a:solidFill>
                   <a:schemeClr val="dk2"/>
                 </a:solidFill>
-                <a:latin typeface="Arial"/>
-                <a:ea typeface="Arial"/>
-                <a:cs typeface="Arial"/>
-                <a:sym typeface="Arial"/>
+                <a:latin typeface="Arial" panose="020B0604020202020204"/>
+                <a:ea typeface="Arial" panose="020B0604020202020204"/>
+                <a:cs typeface="Arial" panose="020B0604020202020204"/>
+                <a:sym typeface="Arial" panose="020B0604020202020204"/>
               </a:defRPr>
             </a:lvl1pPr>
             <a:lvl2pPr marL="914400" marR="0" lvl="1" indent="-317500" algn="l" rtl="0">
@@ -7777,16 +7685,16 @@
                 <a:schemeClr val="dk2"/>
               </a:buClr>
               <a:buSzPts val="1400"/>
-              <a:buFont typeface="Arial"/>
+              <a:buFont typeface="Arial" panose="020B0604020202020204"/>
               <a:buChar char="○"/>
               <a:defRPr sz="1400" b="0" i="0" u="none" strike="noStrike" cap="none">
                 <a:solidFill>
                   <a:schemeClr val="dk2"/>
                 </a:solidFill>
-                <a:latin typeface="Arial"/>
-                <a:ea typeface="Arial"/>
-                <a:cs typeface="Arial"/>
-                <a:sym typeface="Arial"/>
+                <a:latin typeface="Arial" panose="020B0604020202020204"/>
+                <a:ea typeface="Arial" panose="020B0604020202020204"/>
+                <a:cs typeface="Arial" panose="020B0604020202020204"/>
+                <a:sym typeface="Arial" panose="020B0604020202020204"/>
               </a:defRPr>
             </a:lvl2pPr>
             <a:lvl3pPr marL="1371600" marR="0" lvl="2" indent="-317500" algn="l" rtl="0">
@@ -7803,16 +7711,16 @@
                 <a:schemeClr val="dk2"/>
               </a:buClr>
               <a:buSzPts val="1400"/>
-              <a:buFont typeface="Arial"/>
+              <a:buFont typeface="Arial" panose="020B0604020202020204"/>
               <a:buChar char="■"/>
               <a:defRPr sz="1400" b="0" i="0" u="none" strike="noStrike" cap="none">
                 <a:solidFill>
                   <a:schemeClr val="dk2"/>
                 </a:solidFill>
-                <a:latin typeface="Arial"/>
-                <a:ea typeface="Arial"/>
-                <a:cs typeface="Arial"/>
-                <a:sym typeface="Arial"/>
+                <a:latin typeface="Arial" panose="020B0604020202020204"/>
+                <a:ea typeface="Arial" panose="020B0604020202020204"/>
+                <a:cs typeface="Arial" panose="020B0604020202020204"/>
+                <a:sym typeface="Arial" panose="020B0604020202020204"/>
               </a:defRPr>
             </a:lvl3pPr>
             <a:lvl4pPr marL="1828800" marR="0" lvl="3" indent="-317500" algn="l" rtl="0">
@@ -7829,16 +7737,16 @@
                 <a:schemeClr val="dk2"/>
               </a:buClr>
               <a:buSzPts val="1400"/>
-              <a:buFont typeface="Arial"/>
+              <a:buFont typeface="Arial" panose="020B0604020202020204"/>
               <a:buChar char="●"/>
               <a:defRPr sz="1400" b="0" i="0" u="none" strike="noStrike" cap="none">
                 <a:solidFill>
                   <a:schemeClr val="dk2"/>
                 </a:solidFill>
-                <a:latin typeface="Arial"/>
-                <a:ea typeface="Arial"/>
-                <a:cs typeface="Arial"/>
-                <a:sym typeface="Arial"/>
+                <a:latin typeface="Arial" panose="020B0604020202020204"/>
+                <a:ea typeface="Arial" panose="020B0604020202020204"/>
+                <a:cs typeface="Arial" panose="020B0604020202020204"/>
+                <a:sym typeface="Arial" panose="020B0604020202020204"/>
               </a:defRPr>
             </a:lvl4pPr>
             <a:lvl5pPr marL="2286000" marR="0" lvl="4" indent="-317500" algn="l" rtl="0">
@@ -7855,16 +7763,16 @@
                 <a:schemeClr val="dk2"/>
               </a:buClr>
               <a:buSzPts val="1400"/>
-              <a:buFont typeface="Arial"/>
+              <a:buFont typeface="Arial" panose="020B0604020202020204"/>
               <a:buChar char="○"/>
               <a:defRPr sz="1400" b="0" i="0" u="none" strike="noStrike" cap="none">
                 <a:solidFill>
                   <a:schemeClr val="dk2"/>
                 </a:solidFill>
-                <a:latin typeface="Arial"/>
-                <a:ea typeface="Arial"/>
-                <a:cs typeface="Arial"/>
-                <a:sym typeface="Arial"/>
+                <a:latin typeface="Arial" panose="020B0604020202020204"/>
+                <a:ea typeface="Arial" panose="020B0604020202020204"/>
+                <a:cs typeface="Arial" panose="020B0604020202020204"/>
+                <a:sym typeface="Arial" panose="020B0604020202020204"/>
               </a:defRPr>
             </a:lvl5pPr>
             <a:lvl6pPr marL="2743200" marR="0" lvl="5" indent="-317500" algn="l" rtl="0">
@@ -7881,16 +7789,16 @@
                 <a:schemeClr val="dk2"/>
               </a:buClr>
               <a:buSzPts val="1400"/>
-              <a:buFont typeface="Arial"/>
+              <a:buFont typeface="Arial" panose="020B0604020202020204"/>
               <a:buChar char="■"/>
               <a:defRPr sz="1400" b="0" i="0" u="none" strike="noStrike" cap="none">
                 <a:solidFill>
                   <a:schemeClr val="dk2"/>
                 </a:solidFill>
-                <a:latin typeface="Arial"/>
-                <a:ea typeface="Arial"/>
-                <a:cs typeface="Arial"/>
-                <a:sym typeface="Arial"/>
+                <a:latin typeface="Arial" panose="020B0604020202020204"/>
+                <a:ea typeface="Arial" panose="020B0604020202020204"/>
+                <a:cs typeface="Arial" panose="020B0604020202020204"/>
+                <a:sym typeface="Arial" panose="020B0604020202020204"/>
               </a:defRPr>
             </a:lvl6pPr>
             <a:lvl7pPr marL="3200400" marR="0" lvl="6" indent="-317500" algn="l" rtl="0">
@@ -7907,16 +7815,16 @@
                 <a:schemeClr val="dk2"/>
               </a:buClr>
               <a:buSzPts val="1400"/>
-              <a:buFont typeface="Arial"/>
+              <a:buFont typeface="Arial" panose="020B0604020202020204"/>
               <a:buChar char="●"/>
               <a:defRPr sz="1400" b="0" i="0" u="none" strike="noStrike" cap="none">
                 <a:solidFill>
                   <a:schemeClr val="dk2"/>
                 </a:solidFill>
-                <a:latin typeface="Arial"/>
-                <a:ea typeface="Arial"/>
-                <a:cs typeface="Arial"/>
-                <a:sym typeface="Arial"/>
+                <a:latin typeface="Arial" panose="020B0604020202020204"/>
+                <a:ea typeface="Arial" panose="020B0604020202020204"/>
+                <a:cs typeface="Arial" panose="020B0604020202020204"/>
+                <a:sym typeface="Arial" panose="020B0604020202020204"/>
               </a:defRPr>
             </a:lvl7pPr>
             <a:lvl8pPr marL="3657600" marR="0" lvl="7" indent="-317500" algn="l" rtl="0">
@@ -7933,16 +7841,16 @@
                 <a:schemeClr val="dk2"/>
               </a:buClr>
               <a:buSzPts val="1400"/>
-              <a:buFont typeface="Arial"/>
+              <a:buFont typeface="Arial" panose="020B0604020202020204"/>
               <a:buChar char="○"/>
               <a:defRPr sz="1400" b="0" i="0" u="none" strike="noStrike" cap="none">
                 <a:solidFill>
                   <a:schemeClr val="dk2"/>
                 </a:solidFill>
-                <a:latin typeface="Arial"/>
-                <a:ea typeface="Arial"/>
-                <a:cs typeface="Arial"/>
-                <a:sym typeface="Arial"/>
+                <a:latin typeface="Arial" panose="020B0604020202020204"/>
+                <a:ea typeface="Arial" panose="020B0604020202020204"/>
+                <a:cs typeface="Arial" panose="020B0604020202020204"/>
+                <a:sym typeface="Arial" panose="020B0604020202020204"/>
               </a:defRPr>
             </a:lvl8pPr>
             <a:lvl9pPr marL="4114800" marR="0" lvl="8" indent="-317500" algn="l" rtl="0">
@@ -7959,22 +7867,20 @@
                 <a:schemeClr val="dk2"/>
               </a:buClr>
               <a:buSzPts val="1400"/>
-              <a:buFont typeface="Arial"/>
+              <a:buFont typeface="Arial" panose="020B0604020202020204"/>
               <a:buChar char="■"/>
               <a:defRPr sz="1400" b="0" i="0" u="none" strike="noStrike" cap="none">
                 <a:solidFill>
                   <a:schemeClr val="dk2"/>
                 </a:solidFill>
-                <a:latin typeface="Arial"/>
-                <a:ea typeface="Arial"/>
-                <a:cs typeface="Arial"/>
-                <a:sym typeface="Arial"/>
+                <a:latin typeface="Arial" panose="020B0604020202020204"/>
+                <a:ea typeface="Arial" panose="020B0604020202020204"/>
+                <a:cs typeface="Arial" panose="020B0604020202020204"/>
+                <a:sym typeface="Arial" panose="020B0604020202020204"/>
               </a:defRPr>
             </a:lvl9pPr>
           </a:lstStyle>
-          <a:p>
-            <a:endParaRPr/>
-          </a:p>
+          <a:p/>
         </p:txBody>
       </p:sp>
       <p:sp>
@@ -8019,16 +7925,16 @@
                 <a:srgbClr val="000000"/>
               </a:buClr>
               <a:buSzPts val="1000"/>
-              <a:buFont typeface="Arial"/>
+              <a:buFont typeface="Arial" panose="020B0604020202020204"/>
               <a:buNone/>
               <a:defRPr sz="1000" b="0" i="0" u="none" strike="noStrike" cap="none">
                 <a:solidFill>
                   <a:schemeClr val="dk2"/>
                 </a:solidFill>
-                <a:latin typeface="Arial"/>
-                <a:ea typeface="Arial"/>
-                <a:cs typeface="Arial"/>
-                <a:sym typeface="Arial"/>
+                <a:latin typeface="Arial" panose="020B0604020202020204"/>
+                <a:ea typeface="Arial" panose="020B0604020202020204"/>
+                <a:cs typeface="Arial" panose="020B0604020202020204"/>
+                <a:sym typeface="Arial" panose="020B0604020202020204"/>
               </a:defRPr>
             </a:lvl1pPr>
             <a:lvl2pPr marL="0" marR="0" lvl="1" indent="0" algn="r" rtl="0">
@@ -8045,16 +7951,16 @@
                 <a:srgbClr val="000000"/>
               </a:buClr>
               <a:buSzPts val="1000"/>
-              <a:buFont typeface="Arial"/>
+              <a:buFont typeface="Arial" panose="020B0604020202020204"/>
               <a:buNone/>
               <a:defRPr sz="1000" b="0" i="0" u="none" strike="noStrike" cap="none">
                 <a:solidFill>
                   <a:schemeClr val="dk2"/>
                 </a:solidFill>
-                <a:latin typeface="Arial"/>
-                <a:ea typeface="Arial"/>
-                <a:cs typeface="Arial"/>
-                <a:sym typeface="Arial"/>
+                <a:latin typeface="Arial" panose="020B0604020202020204"/>
+                <a:ea typeface="Arial" panose="020B0604020202020204"/>
+                <a:cs typeface="Arial" panose="020B0604020202020204"/>
+                <a:sym typeface="Arial" panose="020B0604020202020204"/>
               </a:defRPr>
             </a:lvl2pPr>
             <a:lvl3pPr marL="0" marR="0" lvl="2" indent="0" algn="r" rtl="0">
@@ -8071,16 +7977,16 @@
                 <a:srgbClr val="000000"/>
               </a:buClr>
               <a:buSzPts val="1000"/>
-              <a:buFont typeface="Arial"/>
+              <a:buFont typeface="Arial" panose="020B0604020202020204"/>
               <a:buNone/>
               <a:defRPr sz="1000" b="0" i="0" u="none" strike="noStrike" cap="none">
                 <a:solidFill>
                   <a:schemeClr val="dk2"/>
                 </a:solidFill>
-                <a:latin typeface="Arial"/>
-                <a:ea typeface="Arial"/>
-                <a:cs typeface="Arial"/>
-                <a:sym typeface="Arial"/>
+                <a:latin typeface="Arial" panose="020B0604020202020204"/>
+                <a:ea typeface="Arial" panose="020B0604020202020204"/>
+                <a:cs typeface="Arial" panose="020B0604020202020204"/>
+                <a:sym typeface="Arial" panose="020B0604020202020204"/>
               </a:defRPr>
             </a:lvl3pPr>
             <a:lvl4pPr marL="0" marR="0" lvl="3" indent="0" algn="r" rtl="0">
@@ -8097,16 +8003,16 @@
                 <a:srgbClr val="000000"/>
               </a:buClr>
               <a:buSzPts val="1000"/>
-              <a:buFont typeface="Arial"/>
+              <a:buFont typeface="Arial" panose="020B0604020202020204"/>
               <a:buNone/>
               <a:defRPr sz="1000" b="0" i="0" u="none" strike="noStrike" cap="none">
                 <a:solidFill>
                   <a:schemeClr val="dk2"/>
                 </a:solidFill>
-                <a:latin typeface="Arial"/>
-                <a:ea typeface="Arial"/>
-                <a:cs typeface="Arial"/>
-                <a:sym typeface="Arial"/>
+                <a:latin typeface="Arial" panose="020B0604020202020204"/>
+                <a:ea typeface="Arial" panose="020B0604020202020204"/>
+                <a:cs typeface="Arial" panose="020B0604020202020204"/>
+                <a:sym typeface="Arial" panose="020B0604020202020204"/>
               </a:defRPr>
             </a:lvl4pPr>
             <a:lvl5pPr marL="0" marR="0" lvl="4" indent="0" algn="r" rtl="0">
@@ -8123,16 +8029,16 @@
                 <a:srgbClr val="000000"/>
               </a:buClr>
               <a:buSzPts val="1000"/>
-              <a:buFont typeface="Arial"/>
+              <a:buFont typeface="Arial" panose="020B0604020202020204"/>
               <a:buNone/>
               <a:defRPr sz="1000" b="0" i="0" u="none" strike="noStrike" cap="none">
                 <a:solidFill>
                   <a:schemeClr val="dk2"/>
                 </a:solidFill>
-                <a:latin typeface="Arial"/>
-                <a:ea typeface="Arial"/>
-                <a:cs typeface="Arial"/>
-                <a:sym typeface="Arial"/>
+                <a:latin typeface="Arial" panose="020B0604020202020204"/>
+                <a:ea typeface="Arial" panose="020B0604020202020204"/>
+                <a:cs typeface="Arial" panose="020B0604020202020204"/>
+                <a:sym typeface="Arial" panose="020B0604020202020204"/>
               </a:defRPr>
             </a:lvl5pPr>
             <a:lvl6pPr marL="0" marR="0" lvl="5" indent="0" algn="r" rtl="0">
@@ -8149,16 +8055,16 @@
                 <a:srgbClr val="000000"/>
               </a:buClr>
               <a:buSzPts val="1000"/>
-              <a:buFont typeface="Arial"/>
+              <a:buFont typeface="Arial" panose="020B0604020202020204"/>
               <a:buNone/>
               <a:defRPr sz="1000" b="0" i="0" u="none" strike="noStrike" cap="none">
                 <a:solidFill>
                   <a:schemeClr val="dk2"/>
                 </a:solidFill>
-                <a:latin typeface="Arial"/>
-                <a:ea typeface="Arial"/>
-                <a:cs typeface="Arial"/>
-                <a:sym typeface="Arial"/>
+                <a:latin typeface="Arial" panose="020B0604020202020204"/>
+                <a:ea typeface="Arial" panose="020B0604020202020204"/>
+                <a:cs typeface="Arial" panose="020B0604020202020204"/>
+                <a:sym typeface="Arial" panose="020B0604020202020204"/>
               </a:defRPr>
             </a:lvl6pPr>
             <a:lvl7pPr marL="0" marR="0" lvl="6" indent="0" algn="r" rtl="0">
@@ -8175,16 +8081,16 @@
                 <a:srgbClr val="000000"/>
               </a:buClr>
               <a:buSzPts val="1000"/>
-              <a:buFont typeface="Arial"/>
+              <a:buFont typeface="Arial" panose="020B0604020202020204"/>
               <a:buNone/>
               <a:defRPr sz="1000" b="0" i="0" u="none" strike="noStrike" cap="none">
                 <a:solidFill>
                   <a:schemeClr val="dk2"/>
                 </a:solidFill>
-                <a:latin typeface="Arial"/>
-                <a:ea typeface="Arial"/>
-                <a:cs typeface="Arial"/>
-                <a:sym typeface="Arial"/>
+                <a:latin typeface="Arial" panose="020B0604020202020204"/>
+                <a:ea typeface="Arial" panose="020B0604020202020204"/>
+                <a:cs typeface="Arial" panose="020B0604020202020204"/>
+                <a:sym typeface="Arial" panose="020B0604020202020204"/>
               </a:defRPr>
             </a:lvl7pPr>
             <a:lvl8pPr marL="0" marR="0" lvl="7" indent="0" algn="r" rtl="0">
@@ -8201,16 +8107,16 @@
                 <a:srgbClr val="000000"/>
               </a:buClr>
               <a:buSzPts val="1000"/>
-              <a:buFont typeface="Arial"/>
+              <a:buFont typeface="Arial" panose="020B0604020202020204"/>
               <a:buNone/>
               <a:defRPr sz="1000" b="0" i="0" u="none" strike="noStrike" cap="none">
                 <a:solidFill>
                   <a:schemeClr val="dk2"/>
                 </a:solidFill>
-                <a:latin typeface="Arial"/>
-                <a:ea typeface="Arial"/>
-                <a:cs typeface="Arial"/>
-                <a:sym typeface="Arial"/>
+                <a:latin typeface="Arial" panose="020B0604020202020204"/>
+                <a:ea typeface="Arial" panose="020B0604020202020204"/>
+                <a:cs typeface="Arial" panose="020B0604020202020204"/>
+                <a:sym typeface="Arial" panose="020B0604020202020204"/>
               </a:defRPr>
             </a:lvl8pPr>
             <a:lvl9pPr marL="0" marR="0" lvl="8" indent="0" algn="r" rtl="0">
@@ -8227,16 +8133,16 @@
                 <a:srgbClr val="000000"/>
               </a:buClr>
               <a:buSzPts val="1000"/>
-              <a:buFont typeface="Arial"/>
+              <a:buFont typeface="Arial" panose="020B0604020202020204"/>
               <a:buNone/>
               <a:defRPr sz="1000" b="0" i="0" u="none" strike="noStrike" cap="none">
                 <a:solidFill>
                   <a:schemeClr val="dk2"/>
                 </a:solidFill>
-                <a:latin typeface="Arial"/>
-                <a:ea typeface="Arial"/>
-                <a:cs typeface="Arial"/>
-                <a:sym typeface="Arial"/>
+                <a:latin typeface="Arial" panose="020B0604020202020204"/>
+                <a:ea typeface="Arial" panose="020B0604020202020204"/>
+                <a:cs typeface="Arial" panose="020B0604020202020204"/>
+                <a:sym typeface="Arial" panose="020B0604020202020204"/>
               </a:defRPr>
             </a:lvl9pPr>
           </a:lstStyle>
@@ -8252,9 +8158,8 @@
             </a:pPr>
             <a:fld id="{00000000-1234-1234-1234-123412341234}" type="slidenum">
               <a:rPr lang="en-GB"/>
-              <a:t>‹#›</a:t>
             </a:fld>
-            <a:endParaRPr/>
+            <a:endParaRPr lang="en-GB"/>
           </a:p>
         </p:txBody>
       </p:sp>
@@ -8265,11 +8170,11 @@
           <p:nvPr/>
         </p:nvPicPr>
         <p:blipFill rotWithShape="1">
-          <a:blip r:embed="rId13">
-            <a:alphaModFix/>
-          </a:blip>
+          <a:blip r:embed="rId12"/>
           <a:srcRect/>
-          <a:stretch/>
+          <a:stretch>
+            <a:fillRect/>
+          </a:stretch>
         </p:blipFill>
         <p:spPr>
           <a:xfrm>
@@ -8289,17 +8194,17 @@
   </p:cSld>
   <p:clrMap bg1="lt1" tx1="dk1" bg2="dk2" tx2="lt2" accent1="accent1" accent2="accent2" accent3="accent3" accent4="accent4" accent5="accent5" accent6="accent6" hlink="hlink" folHlink="folHlink"/>
   <p:sldLayoutIdLst>
-    <p:sldLayoutId id="2147483648" r:id="rId1"/>
-    <p:sldLayoutId id="2147483649" r:id="rId2"/>
-    <p:sldLayoutId id="2147483650" r:id="rId3"/>
-    <p:sldLayoutId id="2147483651" r:id="rId4"/>
-    <p:sldLayoutId id="2147483652" r:id="rId5"/>
-    <p:sldLayoutId id="2147483653" r:id="rId6"/>
-    <p:sldLayoutId id="2147483654" r:id="rId7"/>
-    <p:sldLayoutId id="2147483655" r:id="rId8"/>
-    <p:sldLayoutId id="2147483656" r:id="rId9"/>
-    <p:sldLayoutId id="2147483657" r:id="rId10"/>
-    <p:sldLayoutId id="2147483658" r:id="rId11"/>
+    <p:sldLayoutId id="2147483649" r:id="rId1"/>
+    <p:sldLayoutId id="2147483650" r:id="rId2"/>
+    <p:sldLayoutId id="2147483651" r:id="rId3"/>
+    <p:sldLayoutId id="2147483652" r:id="rId4"/>
+    <p:sldLayoutId id="2147483653" r:id="rId5"/>
+    <p:sldLayoutId id="2147483654" r:id="rId6"/>
+    <p:sldLayoutId id="2147483655" r:id="rId7"/>
+    <p:sldLayoutId id="2147483656" r:id="rId8"/>
+    <p:sldLayoutId id="2147483657" r:id="rId9"/>
+    <p:sldLayoutId id="2147483658" r:id="rId10"/>
+    <p:sldLayoutId id="2147483659" r:id="rId11"/>
   </p:sldLayoutIdLst>
   <p:hf sldNum="0" hdr="0" ftr="0" dt="0"/>
   <p:txStyles>
@@ -8328,15 +8233,15 @@
         <a:buClr>
           <a:srgbClr val="000000"/>
         </a:buClr>
-        <a:buFont typeface="Arial"/>
+        <a:buFont typeface="Arial" panose="020B0604020202020204"/>
         <a:defRPr sz="1400" b="0" i="0" u="none" strike="noStrike" cap="none">
           <a:solidFill>
             <a:srgbClr val="000000"/>
           </a:solidFill>
-          <a:latin typeface="Arial"/>
-          <a:ea typeface="Arial"/>
-          <a:cs typeface="Arial"/>
-          <a:sym typeface="Arial"/>
+          <a:latin typeface="Arial" panose="020B0604020202020204"/>
+          <a:ea typeface="Arial" panose="020B0604020202020204"/>
+          <a:cs typeface="Arial" panose="020B0604020202020204"/>
+          <a:sym typeface="Arial" panose="020B0604020202020204"/>
         </a:defRPr>
       </a:lvl1pPr>
       <a:lvl2pPr marR="0" lvl="1" algn="l" rtl="0">
@@ -8352,15 +8257,15 @@
         <a:buClr>
           <a:srgbClr val="000000"/>
         </a:buClr>
-        <a:buFont typeface="Arial"/>
+        <a:buFont typeface="Arial" panose="020B0604020202020204"/>
         <a:defRPr sz="1400" b="0" i="0" u="none" strike="noStrike" cap="none">
           <a:solidFill>
             <a:srgbClr val="000000"/>
           </a:solidFill>
-          <a:latin typeface="Arial"/>
-          <a:ea typeface="Arial"/>
-          <a:cs typeface="Arial"/>
-          <a:sym typeface="Arial"/>
+          <a:latin typeface="Arial" panose="020B0604020202020204"/>
+          <a:ea typeface="Arial" panose="020B0604020202020204"/>
+          <a:cs typeface="Arial" panose="020B0604020202020204"/>
+          <a:sym typeface="Arial" panose="020B0604020202020204"/>
         </a:defRPr>
       </a:lvl2pPr>
       <a:lvl3pPr marR="0" lvl="2" algn="l" rtl="0">
@@ -8376,15 +8281,15 @@
         <a:buClr>
           <a:srgbClr val="000000"/>
         </a:buClr>
-        <a:buFont typeface="Arial"/>
+        <a:buFont typeface="Arial" panose="020B0604020202020204"/>
         <a:defRPr sz="1400" b="0" i="0" u="none" strike="noStrike" cap="none">
           <a:solidFill>
             <a:srgbClr val="000000"/>
           </a:solidFill>
-          <a:latin typeface="Arial"/>
-          <a:ea typeface="Arial"/>
-          <a:cs typeface="Arial"/>
-          <a:sym typeface="Arial"/>
+          <a:latin typeface="Arial" panose="020B0604020202020204"/>
+          <a:ea typeface="Arial" panose="020B0604020202020204"/>
+          <a:cs typeface="Arial" panose="020B0604020202020204"/>
+          <a:sym typeface="Arial" panose="020B0604020202020204"/>
         </a:defRPr>
       </a:lvl3pPr>
       <a:lvl4pPr marR="0" lvl="3" algn="l" rtl="0">
@@ -8400,15 +8305,15 @@
         <a:buClr>
           <a:srgbClr val="000000"/>
         </a:buClr>
-        <a:buFont typeface="Arial"/>
+        <a:buFont typeface="Arial" panose="020B0604020202020204"/>
         <a:defRPr sz="1400" b="0" i="0" u="none" strike="noStrike" cap="none">
           <a:solidFill>
             <a:srgbClr val="000000"/>
           </a:solidFill>
-          <a:latin typeface="Arial"/>
-          <a:ea typeface="Arial"/>
-          <a:cs typeface="Arial"/>
-          <a:sym typeface="Arial"/>
+          <a:latin typeface="Arial" panose="020B0604020202020204"/>
+          <a:ea typeface="Arial" panose="020B0604020202020204"/>
+          <a:cs typeface="Arial" panose="020B0604020202020204"/>
+          <a:sym typeface="Arial" panose="020B0604020202020204"/>
         </a:defRPr>
       </a:lvl4pPr>
       <a:lvl5pPr marR="0" lvl="4" algn="l" rtl="0">
@@ -8424,15 +8329,15 @@
         <a:buClr>
           <a:srgbClr val="000000"/>
         </a:buClr>
-        <a:buFont typeface="Arial"/>
+        <a:buFont typeface="Arial" panose="020B0604020202020204"/>
         <a:defRPr sz="1400" b="0" i="0" u="none" strike="noStrike" cap="none">
           <a:solidFill>
             <a:srgbClr val="000000"/>
           </a:solidFill>
-          <a:latin typeface="Arial"/>
-          <a:ea typeface="Arial"/>
-          <a:cs typeface="Arial"/>
-          <a:sym typeface="Arial"/>
+          <a:latin typeface="Arial" panose="020B0604020202020204"/>
+          <a:ea typeface="Arial" panose="020B0604020202020204"/>
+          <a:cs typeface="Arial" panose="020B0604020202020204"/>
+          <a:sym typeface="Arial" panose="020B0604020202020204"/>
         </a:defRPr>
       </a:lvl5pPr>
       <a:lvl6pPr marR="0" lvl="5" algn="l" rtl="0">
@@ -8448,15 +8353,15 @@
         <a:buClr>
           <a:srgbClr val="000000"/>
         </a:buClr>
-        <a:buFont typeface="Arial"/>
+        <a:buFont typeface="Arial" panose="020B0604020202020204"/>
         <a:defRPr sz="1400" b="0" i="0" u="none" strike="noStrike" cap="none">
           <a:solidFill>
             <a:srgbClr val="000000"/>
           </a:solidFill>
-          <a:latin typeface="Arial"/>
-          <a:ea typeface="Arial"/>
-          <a:cs typeface="Arial"/>
-          <a:sym typeface="Arial"/>
+          <a:latin typeface="Arial" panose="020B0604020202020204"/>
+          <a:ea typeface="Arial" panose="020B0604020202020204"/>
+          <a:cs typeface="Arial" panose="020B0604020202020204"/>
+          <a:sym typeface="Arial" panose="020B0604020202020204"/>
         </a:defRPr>
       </a:lvl6pPr>
       <a:lvl7pPr marR="0" lvl="6" algn="l" rtl="0">
@@ -8472,15 +8377,15 @@
         <a:buClr>
           <a:srgbClr val="000000"/>
         </a:buClr>
-        <a:buFont typeface="Arial"/>
+        <a:buFont typeface="Arial" panose="020B0604020202020204"/>
         <a:defRPr sz="1400" b="0" i="0" u="none" strike="noStrike" cap="none">
           <a:solidFill>
             <a:srgbClr val="000000"/>
           </a:solidFill>
-          <a:latin typeface="Arial"/>
-          <a:ea typeface="Arial"/>
-          <a:cs typeface="Arial"/>
-          <a:sym typeface="Arial"/>
+          <a:latin typeface="Arial" panose="020B0604020202020204"/>
+          <a:ea typeface="Arial" panose="020B0604020202020204"/>
+          <a:cs typeface="Arial" panose="020B0604020202020204"/>
+          <a:sym typeface="Arial" panose="020B0604020202020204"/>
         </a:defRPr>
       </a:lvl7pPr>
       <a:lvl8pPr marR="0" lvl="7" algn="l" rtl="0">
@@ -8496,15 +8401,15 @@
         <a:buClr>
           <a:srgbClr val="000000"/>
         </a:buClr>
-        <a:buFont typeface="Arial"/>
+        <a:buFont typeface="Arial" panose="020B0604020202020204"/>
         <a:defRPr sz="1400" b="0" i="0" u="none" strike="noStrike" cap="none">
           <a:solidFill>
             <a:srgbClr val="000000"/>
           </a:solidFill>
-          <a:latin typeface="Arial"/>
-          <a:ea typeface="Arial"/>
-          <a:cs typeface="Arial"/>
-          <a:sym typeface="Arial"/>
+          <a:latin typeface="Arial" panose="020B0604020202020204"/>
+          <a:ea typeface="Arial" panose="020B0604020202020204"/>
+          <a:cs typeface="Arial" panose="020B0604020202020204"/>
+          <a:sym typeface="Arial" panose="020B0604020202020204"/>
         </a:defRPr>
       </a:lvl8pPr>
       <a:lvl9pPr marR="0" lvl="8" algn="l" rtl="0">
@@ -8520,15 +8425,15 @@
         <a:buClr>
           <a:srgbClr val="000000"/>
         </a:buClr>
-        <a:buFont typeface="Arial"/>
+        <a:buFont typeface="Arial" panose="020B0604020202020204"/>
         <a:defRPr sz="1400" b="0" i="0" u="none" strike="noStrike" cap="none">
           <a:solidFill>
             <a:srgbClr val="000000"/>
           </a:solidFill>
-          <a:latin typeface="Arial"/>
-          <a:ea typeface="Arial"/>
-          <a:cs typeface="Arial"/>
-          <a:sym typeface="Arial"/>
+          <a:latin typeface="Arial" panose="020B0604020202020204"/>
+          <a:ea typeface="Arial" panose="020B0604020202020204"/>
+          <a:cs typeface="Arial" panose="020B0604020202020204"/>
+          <a:sym typeface="Arial" panose="020B0604020202020204"/>
         </a:defRPr>
       </a:lvl9pPr>
     </p:titleStyle>
@@ -8557,15 +8462,15 @@
         <a:buClr>
           <a:srgbClr val="000000"/>
         </a:buClr>
-        <a:buFont typeface="Arial"/>
+        <a:buFont typeface="Arial" panose="020B0604020202020204"/>
         <a:defRPr sz="1400" b="0" i="0" u="none" strike="noStrike" cap="none">
           <a:solidFill>
             <a:srgbClr val="000000"/>
           </a:solidFill>
-          <a:latin typeface="Arial"/>
-          <a:ea typeface="Arial"/>
-          <a:cs typeface="Arial"/>
-          <a:sym typeface="Arial"/>
+          <a:latin typeface="Arial" panose="020B0604020202020204"/>
+          <a:ea typeface="Arial" panose="020B0604020202020204"/>
+          <a:cs typeface="Arial" panose="020B0604020202020204"/>
+          <a:sym typeface="Arial" panose="020B0604020202020204"/>
         </a:defRPr>
       </a:lvl1pPr>
       <a:lvl2pPr marR="0" lvl="1" algn="l" rtl="0">
@@ -8581,15 +8486,15 @@
         <a:buClr>
           <a:srgbClr val="000000"/>
         </a:buClr>
-        <a:buFont typeface="Arial"/>
+        <a:buFont typeface="Arial" panose="020B0604020202020204"/>
         <a:defRPr sz="1400" b="0" i="0" u="none" strike="noStrike" cap="none">
           <a:solidFill>
             <a:srgbClr val="000000"/>
           </a:solidFill>
-          <a:latin typeface="Arial"/>
-          <a:ea typeface="Arial"/>
-          <a:cs typeface="Arial"/>
-          <a:sym typeface="Arial"/>
+          <a:latin typeface="Arial" panose="020B0604020202020204"/>
+          <a:ea typeface="Arial" panose="020B0604020202020204"/>
+          <a:cs typeface="Arial" panose="020B0604020202020204"/>
+          <a:sym typeface="Arial" panose="020B0604020202020204"/>
         </a:defRPr>
       </a:lvl2pPr>
       <a:lvl3pPr marR="0" lvl="2" algn="l" rtl="0">
@@ -8605,15 +8510,15 @@
         <a:buClr>
           <a:srgbClr val="000000"/>
         </a:buClr>
-        <a:buFont typeface="Arial"/>
+        <a:buFont typeface="Arial" panose="020B0604020202020204"/>
         <a:defRPr sz="1400" b="0" i="0" u="none" strike="noStrike" cap="none">
           <a:solidFill>
             <a:srgbClr val="000000"/>
           </a:solidFill>
-          <a:latin typeface="Arial"/>
-          <a:ea typeface="Arial"/>
-          <a:cs typeface="Arial"/>
-          <a:sym typeface="Arial"/>
+          <a:latin typeface="Arial" panose="020B0604020202020204"/>
+          <a:ea typeface="Arial" panose="020B0604020202020204"/>
+          <a:cs typeface="Arial" panose="020B0604020202020204"/>
+          <a:sym typeface="Arial" panose="020B0604020202020204"/>
         </a:defRPr>
       </a:lvl3pPr>
       <a:lvl4pPr marR="0" lvl="3" algn="l" rtl="0">
@@ -8629,15 +8534,15 @@
         <a:buClr>
           <a:srgbClr val="000000"/>
         </a:buClr>
-        <a:buFont typeface="Arial"/>
+        <a:buFont typeface="Arial" panose="020B0604020202020204"/>
         <a:defRPr sz="1400" b="0" i="0" u="none" strike="noStrike" cap="none">
           <a:solidFill>
             <a:srgbClr val="000000"/>
           </a:solidFill>
-          <a:latin typeface="Arial"/>
-          <a:ea typeface="Arial"/>
-          <a:cs typeface="Arial"/>
-          <a:sym typeface="Arial"/>
+          <a:latin typeface="Arial" panose="020B0604020202020204"/>
+          <a:ea typeface="Arial" panose="020B0604020202020204"/>
+          <a:cs typeface="Arial" panose="020B0604020202020204"/>
+          <a:sym typeface="Arial" panose="020B0604020202020204"/>
         </a:defRPr>
       </a:lvl4pPr>
       <a:lvl5pPr marR="0" lvl="4" algn="l" rtl="0">
@@ -8653,15 +8558,15 @@
         <a:buClr>
           <a:srgbClr val="000000"/>
         </a:buClr>
-        <a:buFont typeface="Arial"/>
+        <a:buFont typeface="Arial" panose="020B0604020202020204"/>
         <a:defRPr sz="1400" b="0" i="0" u="none" strike="noStrike" cap="none">
           <a:solidFill>
             <a:srgbClr val="000000"/>
           </a:solidFill>
-          <a:latin typeface="Arial"/>
-          <a:ea typeface="Arial"/>
-          <a:cs typeface="Arial"/>
-          <a:sym typeface="Arial"/>
+          <a:latin typeface="Arial" panose="020B0604020202020204"/>
+          <a:ea typeface="Arial" panose="020B0604020202020204"/>
+          <a:cs typeface="Arial" panose="020B0604020202020204"/>
+          <a:sym typeface="Arial" panose="020B0604020202020204"/>
         </a:defRPr>
       </a:lvl5pPr>
       <a:lvl6pPr marR="0" lvl="5" algn="l" rtl="0">
@@ -8677,15 +8582,15 @@
         <a:buClr>
           <a:srgbClr val="000000"/>
         </a:buClr>
-        <a:buFont typeface="Arial"/>
+        <a:buFont typeface="Arial" panose="020B0604020202020204"/>
         <a:defRPr sz="1400" b="0" i="0" u="none" strike="noStrike" cap="none">
           <a:solidFill>
             <a:srgbClr val="000000"/>
           </a:solidFill>
-          <a:latin typeface="Arial"/>
-          <a:ea typeface="Arial"/>
-          <a:cs typeface="Arial"/>
-          <a:sym typeface="Arial"/>
+          <a:latin typeface="Arial" panose="020B0604020202020204"/>
+          <a:ea typeface="Arial" panose="020B0604020202020204"/>
+          <a:cs typeface="Arial" panose="020B0604020202020204"/>
+          <a:sym typeface="Arial" panose="020B0604020202020204"/>
         </a:defRPr>
       </a:lvl6pPr>
       <a:lvl7pPr marR="0" lvl="6" algn="l" rtl="0">
@@ -8701,15 +8606,15 @@
         <a:buClr>
           <a:srgbClr val="000000"/>
         </a:buClr>
-        <a:buFont typeface="Arial"/>
+        <a:buFont typeface="Arial" panose="020B0604020202020204"/>
         <a:defRPr sz="1400" b="0" i="0" u="none" strike="noStrike" cap="none">
           <a:solidFill>
             <a:srgbClr val="000000"/>
           </a:solidFill>
-          <a:latin typeface="Arial"/>
-          <a:ea typeface="Arial"/>
-          <a:cs typeface="Arial"/>
-          <a:sym typeface="Arial"/>
+          <a:latin typeface="Arial" panose="020B0604020202020204"/>
+          <a:ea typeface="Arial" panose="020B0604020202020204"/>
+          <a:cs typeface="Arial" panose="020B0604020202020204"/>
+          <a:sym typeface="Arial" panose="020B0604020202020204"/>
         </a:defRPr>
       </a:lvl7pPr>
       <a:lvl8pPr marR="0" lvl="7" algn="l" rtl="0">
@@ -8725,15 +8630,15 @@
         <a:buClr>
           <a:srgbClr val="000000"/>
         </a:buClr>
-        <a:buFont typeface="Arial"/>
+        <a:buFont typeface="Arial" panose="020B0604020202020204"/>
         <a:defRPr sz="1400" b="0" i="0" u="none" strike="noStrike" cap="none">
           <a:solidFill>
             <a:srgbClr val="000000"/>
           </a:solidFill>
-          <a:latin typeface="Arial"/>
-          <a:ea typeface="Arial"/>
-          <a:cs typeface="Arial"/>
-          <a:sym typeface="Arial"/>
+          <a:latin typeface="Arial" panose="020B0604020202020204"/>
+          <a:ea typeface="Arial" panose="020B0604020202020204"/>
+          <a:cs typeface="Arial" panose="020B0604020202020204"/>
+          <a:sym typeface="Arial" panose="020B0604020202020204"/>
         </a:defRPr>
       </a:lvl8pPr>
       <a:lvl9pPr marR="0" lvl="8" algn="l" rtl="0">
@@ -8749,15 +8654,15 @@
         <a:buClr>
           <a:srgbClr val="000000"/>
         </a:buClr>
-        <a:buFont typeface="Arial"/>
+        <a:buFont typeface="Arial" panose="020B0604020202020204"/>
         <a:defRPr sz="1400" b="0" i="0" u="none" strike="noStrike" cap="none">
           <a:solidFill>
             <a:srgbClr val="000000"/>
           </a:solidFill>
-          <a:latin typeface="Arial"/>
-          <a:ea typeface="Arial"/>
-          <a:cs typeface="Arial"/>
-          <a:sym typeface="Arial"/>
+          <a:latin typeface="Arial" panose="020B0604020202020204"/>
+          <a:ea typeface="Arial" panose="020B0604020202020204"/>
+          <a:cs typeface="Arial" panose="020B0604020202020204"/>
+          <a:sym typeface="Arial" panose="020B0604020202020204"/>
         </a:defRPr>
       </a:lvl9pPr>
     </p:bodyStyle>
@@ -8786,15 +8691,15 @@
         <a:buClr>
           <a:srgbClr val="000000"/>
         </a:buClr>
-        <a:buFont typeface="Arial"/>
+        <a:buFont typeface="Arial" panose="020B0604020202020204"/>
         <a:defRPr sz="1400" b="0" i="0" u="none" strike="noStrike" cap="none">
           <a:solidFill>
             <a:srgbClr val="000000"/>
           </a:solidFill>
-          <a:latin typeface="Arial"/>
-          <a:ea typeface="Arial"/>
-          <a:cs typeface="Arial"/>
-          <a:sym typeface="Arial"/>
+          <a:latin typeface="Arial" panose="020B0604020202020204"/>
+          <a:ea typeface="Arial" panose="020B0604020202020204"/>
+          <a:cs typeface="Arial" panose="020B0604020202020204"/>
+          <a:sym typeface="Arial" panose="020B0604020202020204"/>
         </a:defRPr>
       </a:lvl1pPr>
       <a:lvl2pPr marR="0" lvl="1" algn="l" rtl="0">
@@ -8810,15 +8715,15 @@
         <a:buClr>
           <a:srgbClr val="000000"/>
         </a:buClr>
-        <a:buFont typeface="Arial"/>
+        <a:buFont typeface="Arial" panose="020B0604020202020204"/>
         <a:defRPr sz="1400" b="0" i="0" u="none" strike="noStrike" cap="none">
           <a:solidFill>
             <a:srgbClr val="000000"/>
           </a:solidFill>
-          <a:latin typeface="Arial"/>
-          <a:ea typeface="Arial"/>
-          <a:cs typeface="Arial"/>
-          <a:sym typeface="Arial"/>
+          <a:latin typeface="Arial" panose="020B0604020202020204"/>
+          <a:ea typeface="Arial" panose="020B0604020202020204"/>
+          <a:cs typeface="Arial" panose="020B0604020202020204"/>
+          <a:sym typeface="Arial" panose="020B0604020202020204"/>
         </a:defRPr>
       </a:lvl2pPr>
       <a:lvl3pPr marR="0" lvl="2" algn="l" rtl="0">
@@ -8834,15 +8739,15 @@
         <a:buClr>
           <a:srgbClr val="000000"/>
         </a:buClr>
-        <a:buFont typeface="Arial"/>
+        <a:buFont typeface="Arial" panose="020B0604020202020204"/>
         <a:defRPr sz="1400" b="0" i="0" u="none" strike="noStrike" cap="none">
           <a:solidFill>
             <a:srgbClr val="000000"/>
           </a:solidFill>
-          <a:latin typeface="Arial"/>
-          <a:ea typeface="Arial"/>
-          <a:cs typeface="Arial"/>
-          <a:sym typeface="Arial"/>
+          <a:latin typeface="Arial" panose="020B0604020202020204"/>
+          <a:ea typeface="Arial" panose="020B0604020202020204"/>
+          <a:cs typeface="Arial" panose="020B0604020202020204"/>
+          <a:sym typeface="Arial" panose="020B0604020202020204"/>
         </a:defRPr>
       </a:lvl3pPr>
       <a:lvl4pPr marR="0" lvl="3" algn="l" rtl="0">
@@ -8858,15 +8763,15 @@
         <a:buClr>
           <a:srgbClr val="000000"/>
         </a:buClr>
-        <a:buFont typeface="Arial"/>
+        <a:buFont typeface="Arial" panose="020B0604020202020204"/>
         <a:defRPr sz="1400" b="0" i="0" u="none" strike="noStrike" cap="none">
           <a:solidFill>
             <a:srgbClr val="000000"/>
           </a:solidFill>
-          <a:latin typeface="Arial"/>
-          <a:ea typeface="Arial"/>
-          <a:cs typeface="Arial"/>
-          <a:sym typeface="Arial"/>
+          <a:latin typeface="Arial" panose="020B0604020202020204"/>
+          <a:ea typeface="Arial" panose="020B0604020202020204"/>
+          <a:cs typeface="Arial" panose="020B0604020202020204"/>
+          <a:sym typeface="Arial" panose="020B0604020202020204"/>
         </a:defRPr>
       </a:lvl4pPr>
       <a:lvl5pPr marR="0" lvl="4" algn="l" rtl="0">
@@ -8882,15 +8787,15 @@
         <a:buClr>
           <a:srgbClr val="000000"/>
         </a:buClr>
-        <a:buFont typeface="Arial"/>
+        <a:buFont typeface="Arial" panose="020B0604020202020204"/>
         <a:defRPr sz="1400" b="0" i="0" u="none" strike="noStrike" cap="none">
           <a:solidFill>
             <a:srgbClr val="000000"/>
           </a:solidFill>
-          <a:latin typeface="Arial"/>
-          <a:ea typeface="Arial"/>
-          <a:cs typeface="Arial"/>
-          <a:sym typeface="Arial"/>
+          <a:latin typeface="Arial" panose="020B0604020202020204"/>
+          <a:ea typeface="Arial" panose="020B0604020202020204"/>
+          <a:cs typeface="Arial" panose="020B0604020202020204"/>
+          <a:sym typeface="Arial" panose="020B0604020202020204"/>
         </a:defRPr>
       </a:lvl5pPr>
       <a:lvl6pPr marR="0" lvl="5" algn="l" rtl="0">
@@ -8906,15 +8811,15 @@
         <a:buClr>
           <a:srgbClr val="000000"/>
         </a:buClr>
-        <a:buFont typeface="Arial"/>
+        <a:buFont typeface="Arial" panose="020B0604020202020204"/>
         <a:defRPr sz="1400" b="0" i="0" u="none" strike="noStrike" cap="none">
           <a:solidFill>
             <a:srgbClr val="000000"/>
           </a:solidFill>
-          <a:latin typeface="Arial"/>
-          <a:ea typeface="Arial"/>
-          <a:cs typeface="Arial"/>
-          <a:sym typeface="Arial"/>
+          <a:latin typeface="Arial" panose="020B0604020202020204"/>
+          <a:ea typeface="Arial" panose="020B0604020202020204"/>
+          <a:cs typeface="Arial" panose="020B0604020202020204"/>
+          <a:sym typeface="Arial" panose="020B0604020202020204"/>
         </a:defRPr>
       </a:lvl6pPr>
       <a:lvl7pPr marR="0" lvl="6" algn="l" rtl="0">
@@ -8930,15 +8835,15 @@
         <a:buClr>
           <a:srgbClr val="000000"/>
         </a:buClr>
-        <a:buFont typeface="Arial"/>
+        <a:buFont typeface="Arial" panose="020B0604020202020204"/>
         <a:defRPr sz="1400" b="0" i="0" u="none" strike="noStrike" cap="none">
           <a:solidFill>
             <a:srgbClr val="000000"/>
           </a:solidFill>
-          <a:latin typeface="Arial"/>
-          <a:ea typeface="Arial"/>
-          <a:cs typeface="Arial"/>
-          <a:sym typeface="Arial"/>
+          <a:latin typeface="Arial" panose="020B0604020202020204"/>
+          <a:ea typeface="Arial" panose="020B0604020202020204"/>
+          <a:cs typeface="Arial" panose="020B0604020202020204"/>
+          <a:sym typeface="Arial" panose="020B0604020202020204"/>
         </a:defRPr>
       </a:lvl7pPr>
       <a:lvl8pPr marR="0" lvl="7" algn="l" rtl="0">
@@ -8954,15 +8859,15 @@
         <a:buClr>
           <a:srgbClr val="000000"/>
         </a:buClr>
-        <a:buFont typeface="Arial"/>
+        <a:buFont typeface="Arial" panose="020B0604020202020204"/>
         <a:defRPr sz="1400" b="0" i="0" u="none" strike="noStrike" cap="none">
           <a:solidFill>
             <a:srgbClr val="000000"/>
           </a:solidFill>
-          <a:latin typeface="Arial"/>
-          <a:ea typeface="Arial"/>
-          <a:cs typeface="Arial"/>
-          <a:sym typeface="Arial"/>
+          <a:latin typeface="Arial" panose="020B0604020202020204"/>
+          <a:ea typeface="Arial" panose="020B0604020202020204"/>
+          <a:cs typeface="Arial" panose="020B0604020202020204"/>
+          <a:sym typeface="Arial" panose="020B0604020202020204"/>
         </a:defRPr>
       </a:lvl8pPr>
       <a:lvl9pPr marR="0" lvl="8" algn="l" rtl="0">
@@ -8978,15 +8883,15 @@
         <a:buClr>
           <a:srgbClr val="000000"/>
         </a:buClr>
-        <a:buFont typeface="Arial"/>
+        <a:buFont typeface="Arial" panose="020B0604020202020204"/>
         <a:defRPr sz="1400" b="0" i="0" u="none" strike="noStrike" cap="none">
           <a:solidFill>
             <a:srgbClr val="000000"/>
           </a:solidFill>
-          <a:latin typeface="Arial"/>
-          <a:ea typeface="Arial"/>
-          <a:cs typeface="Arial"/>
-          <a:sym typeface="Arial"/>
+          <a:latin typeface="Arial" panose="020B0604020202020204"/>
+          <a:ea typeface="Arial" panose="020B0604020202020204"/>
+          <a:cs typeface="Arial" panose="020B0604020202020204"/>
+          <a:sym typeface="Arial" panose="020B0604020202020204"/>
         </a:defRPr>
       </a:lvl9pPr>
     </p:otherStyle>
@@ -9058,10 +8963,10 @@
                 <a:solidFill>
                   <a:srgbClr val="CC0000"/>
                 </a:solidFill>
-                <a:latin typeface="Montserrat"/>
-                <a:ea typeface="Montserrat"/>
-                <a:cs typeface="Montserrat"/>
-                <a:sym typeface="Montserrat"/>
+                <a:latin typeface="Montserrat" panose="00000500000000000000"/>
+                <a:ea typeface="Montserrat" panose="00000500000000000000"/>
+                <a:cs typeface="Montserrat" panose="00000500000000000000"/>
+                <a:sym typeface="Montserrat" panose="00000500000000000000"/>
               </a:rPr>
               <a:t>           Capstone Project</a:t>
             </a:r>
@@ -9069,10 +8974,10 @@
               <a:solidFill>
                 <a:srgbClr val="CC0000"/>
               </a:solidFill>
-              <a:latin typeface="Montserrat"/>
-              <a:ea typeface="Montserrat"/>
-              <a:cs typeface="Montserrat"/>
-              <a:sym typeface="Montserrat"/>
+              <a:latin typeface="Montserrat" panose="00000500000000000000"/>
+              <a:ea typeface="Montserrat" panose="00000500000000000000"/>
+              <a:cs typeface="Montserrat" panose="00000500000000000000"/>
+              <a:sym typeface="Montserrat" panose="00000500000000000000"/>
             </a:endParaRPr>
           </a:p>
           <a:p>
@@ -9094,10 +8999,10 @@
                 <a:solidFill>
                   <a:schemeClr val="lt1"/>
                 </a:solidFill>
-                <a:latin typeface="Montserrat"/>
-                <a:ea typeface="Montserrat"/>
-                <a:cs typeface="Montserrat"/>
-                <a:sym typeface="Montserrat"/>
+                <a:latin typeface="Montserrat" panose="00000500000000000000"/>
+                <a:ea typeface="Montserrat" panose="00000500000000000000"/>
+                <a:cs typeface="Montserrat" panose="00000500000000000000"/>
+                <a:sym typeface="Montserrat" panose="00000500000000000000"/>
               </a:rPr>
               <a:t>IPL T20 Cricket Analysis</a:t>
             </a:r>
@@ -9105,10 +9010,10 @@
               <a:solidFill>
                 <a:schemeClr val="lt1"/>
               </a:solidFill>
-              <a:latin typeface="Montserrat"/>
-              <a:ea typeface="Montserrat"/>
-              <a:cs typeface="Montserrat"/>
-              <a:sym typeface="Montserrat"/>
+              <a:latin typeface="Montserrat" panose="00000500000000000000"/>
+              <a:ea typeface="Montserrat" panose="00000500000000000000"/>
+              <a:cs typeface="Montserrat" panose="00000500000000000000"/>
+              <a:sym typeface="Montserrat" panose="00000500000000000000"/>
             </a:endParaRPr>
           </a:p>
           <a:p>
@@ -9126,10 +9031,10 @@
               <a:solidFill>
                 <a:schemeClr val="lt1"/>
               </a:solidFill>
-              <a:latin typeface="Montserrat"/>
-              <a:ea typeface="Montserrat"/>
-              <a:cs typeface="Montserrat"/>
-              <a:sym typeface="Montserrat"/>
+              <a:latin typeface="Montserrat" panose="00000500000000000000"/>
+              <a:ea typeface="Montserrat" panose="00000500000000000000"/>
+              <a:cs typeface="Montserrat" panose="00000500000000000000"/>
+              <a:sym typeface="Montserrat" panose="00000500000000000000"/>
             </a:endParaRPr>
           </a:p>
           <a:p>
@@ -9147,10 +9052,10 @@
               <a:solidFill>
                 <a:schemeClr val="lt1"/>
               </a:solidFill>
-              <a:latin typeface="Montserrat"/>
-              <a:ea typeface="Montserrat"/>
-              <a:cs typeface="Montserrat"/>
-              <a:sym typeface="Montserrat"/>
+              <a:latin typeface="Montserrat" panose="00000500000000000000"/>
+              <a:ea typeface="Montserrat" panose="00000500000000000000"/>
+              <a:cs typeface="Montserrat" panose="00000500000000000000"/>
+              <a:sym typeface="Montserrat" panose="00000500000000000000"/>
             </a:endParaRPr>
           </a:p>
         </p:txBody>
@@ -9225,7 +9130,7 @@
           <p:nvPr/>
         </p:nvPicPr>
         <p:blipFill>
-          <a:blip r:embed="rId2">
+          <a:blip r:embed="rId1">
             <a:extLst>
               <a:ext uri="{28A0092B-C50C-407E-A947-70E740481C1C}">
                 <a14:useLocalDpi xmlns:a14="http://schemas.microsoft.com/office/drawing/2010/main" val="0"/>
@@ -9247,11 +9152,6 @@
         </p:spPr>
       </p:pic>
     </p:spTree>
-    <p:extLst>
-      <p:ext uri="{BB962C8B-B14F-4D97-AF65-F5344CB8AC3E}">
-        <p14:creationId xmlns:p14="http://schemas.microsoft.com/office/powerpoint/2010/main" val="4014135229"/>
-      </p:ext>
-    </p:extLst>
   </p:cSld>
   <p:clrMapOvr>
     <a:masterClrMapping/>
@@ -9328,7 +9228,7 @@
           <p:nvPr/>
         </p:nvPicPr>
         <p:blipFill>
-          <a:blip r:embed="rId2">
+          <a:blip r:embed="rId1">
             <a:extLst>
               <a:ext uri="{28A0092B-C50C-407E-A947-70E740481C1C}">
                 <a14:useLocalDpi xmlns:a14="http://schemas.microsoft.com/office/drawing/2010/main" val="0"/>
@@ -9350,11 +9250,6 @@
         </p:spPr>
       </p:pic>
     </p:spTree>
-    <p:extLst>
-      <p:ext uri="{BB962C8B-B14F-4D97-AF65-F5344CB8AC3E}">
-        <p14:creationId xmlns:p14="http://schemas.microsoft.com/office/powerpoint/2010/main" val="3805013676"/>
-      </p:ext>
-    </p:extLst>
   </p:cSld>
   <p:clrMapOvr>
     <a:masterClrMapping/>
@@ -9460,6 +9355,11 @@
               </a:rPr>
               <a:t>Dataset</a:t>
             </a:r>
+            <a:endParaRPr lang="en-US" dirty="0">
+              <a:solidFill>
+                <a:schemeClr val="bg1"/>
+              </a:solidFill>
+            </a:endParaRPr>
           </a:p>
           <a:p>
             <a:pPr marL="114300" indent="0">
@@ -9570,11 +9470,6 @@
         </p:txBody>
       </p:sp>
     </p:spTree>
-    <p:extLst>
-      <p:ext uri="{BB962C8B-B14F-4D97-AF65-F5344CB8AC3E}">
-        <p14:creationId xmlns:p14="http://schemas.microsoft.com/office/powerpoint/2010/main" val="3944936855"/>
-      </p:ext>
-    </p:extLst>
   </p:cSld>
   <p:clrMapOvr>
     <a:masterClrMapping/>
@@ -9647,7 +9542,7 @@
           <p:nvPr/>
         </p:nvPicPr>
         <p:blipFill>
-          <a:blip r:embed="rId2">
+          <a:blip r:embed="rId1">
             <a:extLst>
               <a:ext uri="{28A0092B-C50C-407E-A947-70E740481C1C}">
                 <a14:useLocalDpi xmlns:a14="http://schemas.microsoft.com/office/drawing/2010/main" val="0"/>
@@ -9669,11 +9564,6 @@
         </p:spPr>
       </p:pic>
     </p:spTree>
-    <p:extLst>
-      <p:ext uri="{BB962C8B-B14F-4D97-AF65-F5344CB8AC3E}">
-        <p14:creationId xmlns:p14="http://schemas.microsoft.com/office/powerpoint/2010/main" val="2904984046"/>
-      </p:ext>
-    </p:extLst>
   </p:cSld>
   <p:clrMapOvr>
     <a:masterClrMapping/>
@@ -9750,7 +9640,7 @@
           <p:nvPr/>
         </p:nvPicPr>
         <p:blipFill>
-          <a:blip r:embed="rId2">
+          <a:blip r:embed="rId1">
             <a:extLst>
               <a:ext uri="{28A0092B-C50C-407E-A947-70E740481C1C}">
                 <a14:useLocalDpi xmlns:a14="http://schemas.microsoft.com/office/drawing/2010/main" val="0"/>
@@ -9772,11 +9662,6 @@
         </p:spPr>
       </p:pic>
     </p:spTree>
-    <p:extLst>
-      <p:ext uri="{BB962C8B-B14F-4D97-AF65-F5344CB8AC3E}">
-        <p14:creationId xmlns:p14="http://schemas.microsoft.com/office/powerpoint/2010/main" val="83661046"/>
-      </p:ext>
-    </p:extLst>
   </p:cSld>
   <p:clrMapOvr>
     <a:masterClrMapping/>
@@ -9874,6 +9759,11 @@
               </a:rPr>
               <a:t>Dataset</a:t>
             </a:r>
+            <a:endParaRPr lang="en-US" dirty="0">
+              <a:solidFill>
+                <a:schemeClr val="bg1"/>
+              </a:solidFill>
+            </a:endParaRPr>
           </a:p>
           <a:p>
             <a:pPr marL="114300" indent="0">
@@ -9931,6 +9821,11 @@
               </a:rPr>
               <a:t>	Columns- 6</a:t>
             </a:r>
+            <a:endParaRPr lang="en-US" dirty="0">
+              <a:solidFill>
+                <a:schemeClr val="bg1"/>
+              </a:solidFill>
+            </a:endParaRPr>
           </a:p>
           <a:p>
             <a:pPr marL="114300" indent="0">
@@ -9974,11 +9869,6 @@
         </p:txBody>
       </p:sp>
     </p:spTree>
-    <p:extLst>
-      <p:ext uri="{BB962C8B-B14F-4D97-AF65-F5344CB8AC3E}">
-        <p14:creationId xmlns:p14="http://schemas.microsoft.com/office/powerpoint/2010/main" val="2824057423"/>
-      </p:ext>
-    </p:extLst>
   </p:cSld>
   <p:clrMapOvr>
     <a:masterClrMapping/>
@@ -10055,7 +9945,7 @@
           <p:nvPr/>
         </p:nvPicPr>
         <p:blipFill>
-          <a:blip r:embed="rId2">
+          <a:blip r:embed="rId1">
             <a:extLst>
               <a:ext uri="{28A0092B-C50C-407E-A947-70E740481C1C}">
                 <a14:useLocalDpi xmlns:a14="http://schemas.microsoft.com/office/drawing/2010/main" val="0"/>
@@ -10077,11 +9967,6 @@
         </p:spPr>
       </p:pic>
     </p:spTree>
-    <p:extLst>
-      <p:ext uri="{BB962C8B-B14F-4D97-AF65-F5344CB8AC3E}">
-        <p14:creationId xmlns:p14="http://schemas.microsoft.com/office/powerpoint/2010/main" val="278802855"/>
-      </p:ext>
-    </p:extLst>
   </p:cSld>
   <p:clrMapOvr>
     <a:masterClrMapping/>
@@ -10166,7 +10051,7 @@
           <p:nvPr/>
         </p:nvPicPr>
         <p:blipFill>
-          <a:blip r:embed="rId2">
+          <a:blip r:embed="rId1">
             <a:extLst>
               <a:ext uri="{28A0092B-C50C-407E-A947-70E740481C1C}">
                 <a14:useLocalDpi xmlns:a14="http://schemas.microsoft.com/office/drawing/2010/main" val="0"/>
@@ -10188,11 +10073,6 @@
         </p:spPr>
       </p:pic>
     </p:spTree>
-    <p:extLst>
-      <p:ext uri="{BB962C8B-B14F-4D97-AF65-F5344CB8AC3E}">
-        <p14:creationId xmlns:p14="http://schemas.microsoft.com/office/powerpoint/2010/main" val="291676576"/>
-      </p:ext>
-    </p:extLst>
   </p:cSld>
   <p:clrMapOvr>
     <a:masterClrMapping/>
@@ -10216,23 +10096,10 @@
         <p:cNvGrpSpPr/>
         <p:nvPr/>
       </p:nvGrpSpPr>
-      <p:grpSpPr>
-        <a:xfrm>
-          <a:off x="0" y="0"/>
-          <a:ext cx="0" cy="0"/>
-          <a:chOff x="0" y="0"/>
-          <a:chExt cx="0" cy="0"/>
-        </a:xfrm>
-      </p:grpSpPr>
+      <p:grpSpPr/>
       <p:sp>
         <p:nvSpPr>
-          <p:cNvPr id="2" name="Title 1">
-            <a:extLst>
-              <a:ext uri="{FF2B5EF4-FFF2-40B4-BE49-F238E27FC236}">
-                <a16:creationId xmlns="" xmlns:a16="http://schemas.microsoft.com/office/drawing/2014/main" id="{609D0266-ABC3-4C94-8893-AADBB651F64D}"/>
-              </a:ext>
-            </a:extLst>
-          </p:cNvPr>
+          <p:cNvPr id="2" name="Title 1"/>
           <p:cNvSpPr>
             <a:spLocks noGrp="1"/>
           </p:cNvSpPr>
@@ -10240,35 +10107,325 @@
             <p:ph type="title"/>
           </p:nvPr>
         </p:nvSpPr>
-        <p:spPr/>
+        <p:spPr>
+          <a:xfrm>
+            <a:off x="311700" y="181715"/>
+            <a:ext cx="8520600" cy="841800"/>
+          </a:xfrm>
+        </p:spPr>
         <p:txBody>
           <a:bodyPr/>
-          <a:lstStyle/>
-          <a:p>
-            <a:r>
-              <a:rPr lang="en-US" dirty="0"/>
-              <a:t>Expectations goes here</a:t>
-            </a:r>
+          <a:p>
+            <a:r>
+              <a:rPr lang="en-IN" altLang="en-US"/>
+              <a:t>Expectations:</a:t>
+            </a:r>
+            <a:endParaRPr lang="en-IN" altLang="en-US"/>
+          </a:p>
+        </p:txBody>
+      </p:sp>
+      <p:sp>
+        <p:nvSpPr>
+          <p:cNvPr id="3" name="Text Box 2"/>
+          <p:cNvSpPr txBox="1"/>
+          <p:nvPr/>
+        </p:nvSpPr>
+        <p:spPr>
+          <a:xfrm>
+            <a:off x="112395" y="1094105"/>
+            <a:ext cx="4391025" cy="3753485"/>
+          </a:xfrm>
+          <a:prstGeom prst="rect">
+            <a:avLst/>
+          </a:prstGeom>
+          <a:noFill/>
+        </p:spPr>
+        <p:txBody>
+          <a:bodyPr wrap="square" rtlCol="0">
+            <a:spAutoFit/>
+          </a:bodyPr>
+          <a:p>
+            <a:r>
+              <a:rPr lang="en-IN" altLang="en-US">
+                <a:sym typeface="+mn-ea"/>
+              </a:rPr>
+              <a:t>01. </a:t>
+            </a:r>
+            <a:r>
+              <a:rPr lang="en-US">
+                <a:sym typeface="+mn-ea"/>
+              </a:rPr>
+              <a:t>The Number of 6's Scored in a season</a:t>
+            </a:r>
+            <a:endParaRPr lang="en-US"/>
+          </a:p>
+          <a:p>
+            <a:endParaRPr lang="en-US"/>
+          </a:p>
+          <a:p>
+            <a:r>
+              <a:rPr lang="en-IN" altLang="en-US">
+                <a:sym typeface="+mn-ea"/>
+              </a:rPr>
+              <a:t>02. </a:t>
+            </a:r>
+            <a:r>
+              <a:rPr lang="en-US">
+                <a:sym typeface="+mn-ea"/>
+              </a:rPr>
+              <a:t>Total runs scored</a:t>
+            </a:r>
+            <a:endParaRPr lang="en-US"/>
+          </a:p>
+          <a:p>
+            <a:endParaRPr lang="en-US"/>
+          </a:p>
+          <a:p>
+            <a:r>
+              <a:rPr lang="en-IN" altLang="en-US">
+                <a:sym typeface="+mn-ea"/>
+              </a:rPr>
+              <a:t>03. </a:t>
+            </a:r>
+            <a:r>
+              <a:rPr lang="en-US">
+                <a:sym typeface="+mn-ea"/>
+              </a:rPr>
+              <a:t>Number of half_centuries by each batsman</a:t>
+            </a:r>
+            <a:endParaRPr lang="en-US"/>
+          </a:p>
+          <a:p>
+            <a:endParaRPr lang="en-US"/>
+          </a:p>
+          <a:p>
+            <a:r>
+              <a:rPr lang="en-IN" altLang="en-US">
+                <a:sym typeface="+mn-ea"/>
+              </a:rPr>
+              <a:t>04. </a:t>
+            </a:r>
+            <a:r>
+              <a:rPr lang="en-US">
+                <a:sym typeface="+mn-ea"/>
+              </a:rPr>
+              <a:t>Number of centuries by each batsman</a:t>
+            </a:r>
+            <a:endParaRPr lang="en-US"/>
+          </a:p>
+          <a:p>
+            <a:endParaRPr lang="en-US"/>
+          </a:p>
+          <a:p>
+            <a:r>
+              <a:rPr lang="en-IN" altLang="en-US">
+                <a:sym typeface="+mn-ea"/>
+              </a:rPr>
+              <a:t>05. </a:t>
+            </a:r>
+            <a:r>
+              <a:rPr lang="en-US">
+                <a:sym typeface="+mn-ea"/>
+              </a:rPr>
+              <a:t>Comparison between the teams</a:t>
+            </a:r>
+            <a:endParaRPr lang="en-US"/>
+          </a:p>
+          <a:p>
+            <a:endParaRPr lang="en-US"/>
+          </a:p>
+          <a:p>
+            <a:r>
+              <a:rPr lang="en-IN" altLang="en-US">
+                <a:sym typeface="+mn-ea"/>
+              </a:rPr>
+              <a:t>06. </a:t>
+            </a:r>
+            <a:r>
+              <a:rPr lang="en-US">
+                <a:sym typeface="+mn-ea"/>
+              </a:rPr>
+              <a:t>Batsman who scored the most number of dot balls.</a:t>
+            </a:r>
+            <a:endParaRPr lang="en-US"/>
+          </a:p>
+          <a:p>
+            <a:endParaRPr lang="en-US"/>
+          </a:p>
+          <a:p>
+            <a:r>
+              <a:rPr lang="en-IN" altLang="en-US">
+                <a:sym typeface="+mn-ea"/>
+              </a:rPr>
+              <a:t>07. </a:t>
+            </a:r>
+            <a:r>
+              <a:rPr lang="en-US">
+                <a:sym typeface="+mn-ea"/>
+              </a:rPr>
+              <a:t>Most common dismisal type in IPL</a:t>
+            </a:r>
+            <a:endParaRPr lang="en-US"/>
+          </a:p>
+          <a:p>
+            <a:endParaRPr lang="en-US"/>
+          </a:p>
+          <a:p>
+            <a:r>
+              <a:rPr lang="en-IN" altLang="en-US">
+                <a:sym typeface="+mn-ea"/>
+              </a:rPr>
+              <a:t>08. </a:t>
+            </a:r>
+            <a:r>
+              <a:rPr lang="en-US">
+                <a:sym typeface="+mn-ea"/>
+              </a:rPr>
+              <a:t>Bowler having more than 100 wickets in IPL</a:t>
+            </a:r>
+            <a:endParaRPr lang="en-US"/>
+          </a:p>
+          <a:p>
+            <a:endParaRPr lang="en-US"/>
+          </a:p>
+        </p:txBody>
+      </p:sp>
+      <p:sp>
+        <p:nvSpPr>
+          <p:cNvPr id="4" name="Text Box 3"/>
+          <p:cNvSpPr txBox="1"/>
+          <p:nvPr/>
+        </p:nvSpPr>
+        <p:spPr>
+          <a:xfrm>
+            <a:off x="4645025" y="1094105"/>
+            <a:ext cx="4288790" cy="3322955"/>
+          </a:xfrm>
+          <a:prstGeom prst="rect">
+            <a:avLst/>
+          </a:prstGeom>
+          <a:noFill/>
+        </p:spPr>
+        <p:txBody>
+          <a:bodyPr wrap="square" rtlCol="0">
+            <a:spAutoFit/>
+          </a:bodyPr>
+          <a:p>
+            <a:r>
+              <a:rPr lang="en-IN" altLang="en-US"/>
+              <a:t>09. </a:t>
+            </a:r>
+            <a:r>
+              <a:rPr lang="en-US"/>
+              <a:t>No of matches each season</a:t>
+            </a:r>
+            <a:endParaRPr lang="en-US"/>
+          </a:p>
+          <a:p>
+            <a:endParaRPr lang="en-US"/>
+          </a:p>
+          <a:p>
+            <a:r>
+              <a:rPr lang="en-IN" altLang="en-US"/>
+              <a:t>10. </a:t>
+            </a:r>
+            <a:r>
+              <a:rPr lang="en-US"/>
+              <a:t>No of matches on a perticular Venue</a:t>
+            </a:r>
+            <a:endParaRPr lang="en-US"/>
+          </a:p>
+          <a:p>
+            <a:endParaRPr lang="en-US"/>
+          </a:p>
+          <a:p>
+            <a:r>
+              <a:rPr lang="en-IN" altLang="en-US"/>
+              <a:t>11. </a:t>
+            </a:r>
+            <a:r>
+              <a:rPr lang="en-US"/>
+              <a:t>No of matches played by each team</a:t>
+            </a:r>
+            <a:endParaRPr lang="en-US"/>
+          </a:p>
+          <a:p>
+            <a:endParaRPr lang="en-US"/>
+          </a:p>
+          <a:p>
+            <a:r>
+              <a:rPr lang="en-IN" altLang="en-US"/>
+              <a:t>12. </a:t>
+            </a:r>
+            <a:r>
+              <a:rPr lang="en-US"/>
+              <a:t>Number of wins per team</a:t>
+            </a:r>
+            <a:endParaRPr lang="en-US"/>
+          </a:p>
+          <a:p>
+            <a:endParaRPr lang="en-US"/>
+          </a:p>
+          <a:p>
+            <a:r>
+              <a:rPr lang="en-IN" altLang="en-US"/>
+              <a:t>13. </a:t>
+            </a:r>
+            <a:r>
+              <a:rPr lang="en-US"/>
+              <a:t>Top players of the match</a:t>
+            </a:r>
+            <a:endParaRPr lang="en-US"/>
+          </a:p>
+          <a:p>
+            <a:endParaRPr lang="en-US"/>
+          </a:p>
+          <a:p>
+            <a:r>
+              <a:rPr lang="en-IN" altLang="en-US"/>
+              <a:t>14. </a:t>
+            </a:r>
+            <a:r>
+              <a:rPr lang="en-US"/>
+              <a:t>How lucky are the toss wining team</a:t>
+            </a:r>
+            <a:endParaRPr lang="en-US"/>
+          </a:p>
+          <a:p>
+            <a:endParaRPr lang="en-US"/>
+          </a:p>
+          <a:p>
+            <a:r>
+              <a:rPr lang="en-IN" altLang="en-US"/>
+              <a:t>15. </a:t>
+            </a:r>
+            <a:r>
+              <a:rPr lang="en-US"/>
+              <a:t>Batsman Analysi</a:t>
+            </a:r>
+            <a:r>
+              <a:rPr lang="en-IN" altLang="en-US"/>
+              <a:t>s</a:t>
+            </a:r>
+            <a:endParaRPr lang="en-IN" altLang="en-US"/>
+          </a:p>
+          <a:p>
+            <a:endParaRPr lang="en-IN" altLang="en-US"/>
+          </a:p>
+          <a:p>
+            <a:r>
+              <a:rPr lang="en-IN" altLang="en-US"/>
+              <a:t>16. The Number of 4's Scored in a season</a:t>
+            </a:r>
+            <a:endParaRPr lang="en-IN" altLang="en-US"/>
           </a:p>
         </p:txBody>
       </p:sp>
     </p:spTree>
-    <p:extLst>
-      <p:ext uri="{BB962C8B-B14F-4D97-AF65-F5344CB8AC3E}">
-        <p14:creationId xmlns:p14="http://schemas.microsoft.com/office/powerpoint/2010/main" val="681361116"/>
-      </p:ext>
-    </p:extLst>
   </p:cSld>
   <p:clrMapOvr>
     <a:masterClrMapping/>
   </p:clrMapOvr>
-  <p:timing>
-    <p:tnLst>
-      <p:par>
-        <p:cTn id="1" dur="indefinite" restart="never" nodeType="tmRoot"/>
-      </p:par>
-    </p:tnLst>
-  </p:timing>
 </p:sld>
 </file>
 
@@ -10291,13 +10448,7 @@
       </p:grpSpPr>
       <p:sp>
         <p:nvSpPr>
-          <p:cNvPr id="2" name="Title 1">
-            <a:extLst>
-              <a:ext uri="{FF2B5EF4-FFF2-40B4-BE49-F238E27FC236}">
-                <a16:creationId xmlns="" xmlns:a16="http://schemas.microsoft.com/office/drawing/2014/main" id="{F445497F-B4CE-48E1-9CF0-3402D514F4E7}"/>
-              </a:ext>
-            </a:extLst>
-          </p:cNvPr>
+          <p:cNvPr id="2" name="Title 1"/>
           <p:cNvSpPr>
             <a:spLocks noGrp="1"/>
           </p:cNvSpPr>
@@ -10314,18 +10465,13 @@
               <a:rPr lang="en-US" dirty="0"/>
               <a:t>Number of Players from different Country</a:t>
             </a:r>
+            <a:endParaRPr lang="en-US" dirty="0"/>
           </a:p>
         </p:txBody>
       </p:sp>
       <p:sp>
         <p:nvSpPr>
-          <p:cNvPr id="3" name="Text Placeholder 2">
-            <a:extLst>
-              <a:ext uri="{FF2B5EF4-FFF2-40B4-BE49-F238E27FC236}">
-                <a16:creationId xmlns="" xmlns:a16="http://schemas.microsoft.com/office/drawing/2014/main" id="{0B17D8DF-3203-46AD-94ED-9E8FA2DADC38}"/>
-              </a:ext>
-            </a:extLst>
-          </p:cNvPr>
+          <p:cNvPr id="3" name="Text Placeholder 2"/>
           <p:cNvSpPr>
             <a:spLocks noGrp="1"/>
           </p:cNvSpPr>
@@ -10344,20 +10490,14 @@
       </p:sp>
       <p:pic>
         <p:nvPicPr>
-          <p:cNvPr id="5" name="Picture 5" descr="Chart, bar chart&#10;&#10;Description automatically generated">
-            <a:extLst>
-              <a:ext uri="{FF2B5EF4-FFF2-40B4-BE49-F238E27FC236}">
-                <a16:creationId xmlns="" xmlns:a16="http://schemas.microsoft.com/office/drawing/2014/main" id="{CD38806B-1D2A-49B6-A538-2F3BEBE33D51}"/>
-              </a:ext>
-            </a:extLst>
-          </p:cNvPr>
+          <p:cNvPr id="5" name="Picture 5" descr="Chart, bar chart&#10;&#10;Description automatically generated"/>
           <p:cNvPicPr>
             <a:picLocks noChangeAspect="1"/>
           </p:cNvPicPr>
           <p:nvPr/>
         </p:nvPicPr>
         <p:blipFill>
-          <a:blip r:embed="rId2"/>
+          <a:blip r:embed="rId1"/>
           <a:stretch>
             <a:fillRect/>
           </a:stretch>
@@ -10373,11 +10513,6 @@
         </p:spPr>
       </p:pic>
     </p:spTree>
-    <p:extLst>
-      <p:ext uri="{BB962C8B-B14F-4D97-AF65-F5344CB8AC3E}">
-        <p14:creationId xmlns:p14="http://schemas.microsoft.com/office/powerpoint/2010/main" val="3416165708"/>
-      </p:ext>
-    </p:extLst>
   </p:cSld>
   <p:clrMapOvr>
     <a:masterClrMapping/>
@@ -10404,13 +10539,7 @@
       </p:grpSpPr>
       <p:sp>
         <p:nvSpPr>
-          <p:cNvPr id="2" name="Title 1">
-            <a:extLst>
-              <a:ext uri="{FF2B5EF4-FFF2-40B4-BE49-F238E27FC236}">
-                <a16:creationId xmlns="" xmlns:a16="http://schemas.microsoft.com/office/drawing/2014/main" id="{6D2D6FC1-280B-460A-A86B-AA111A47F5A6}"/>
-              </a:ext>
-            </a:extLst>
-          </p:cNvPr>
+          <p:cNvPr id="2" name="Title 1"/>
           <p:cNvSpPr>
             <a:spLocks noGrp="1"/>
           </p:cNvSpPr>
@@ -10433,10 +10562,6 @@
                 <a:spcPct val="150000"/>
               </a:lnSpc>
             </a:pPr>
-            <a:r>
-              <a:rPr lang="en-US" dirty="0" smtClean="0"/>
-              <a:t/>
-            </a:r>
             <a:br>
               <a:rPr lang="en-US" dirty="0" smtClean="0"/>
             </a:br>
@@ -10455,14 +10580,6 @@
                 </a:solidFill>
               </a:rPr>
             </a:br>
-            <a:r>
-              <a:rPr lang="en-US" dirty="0" smtClean="0">
-                <a:solidFill>
-                  <a:schemeClr val="bg1"/>
-                </a:solidFill>
-              </a:rPr>
-              <a:t/>
-            </a:r>
             <a:br>
               <a:rPr lang="en-US" dirty="0" smtClean="0">
                 <a:solidFill>
@@ -10505,10 +10622,6 @@
               <a:rPr lang="en-US" sz="2400" dirty="0" err="1" smtClean="0"/>
               <a:t>Chourasia</a:t>
             </a:r>
-            <a:r>
-              <a:rPr lang="en-US" sz="2400" dirty="0" smtClean="0"/>
-              <a:t/>
-            </a:r>
             <a:br>
               <a:rPr lang="en-US" sz="2400" dirty="0" smtClean="0"/>
             </a:br>
@@ -10527,10 +10640,6 @@
             <a:r>
               <a:rPr lang="en-US" sz="2400" dirty="0" err="1" smtClean="0"/>
               <a:t>Parmar</a:t>
-            </a:r>
-            <a:r>
-              <a:rPr lang="en-US" sz="2400" dirty="0" smtClean="0"/>
-              <a:t/>
             </a:r>
             <a:br>
               <a:rPr lang="en-US" sz="2400" dirty="0" smtClean="0"/>
@@ -10555,7 +10664,7 @@
           <p:nvPr/>
         </p:nvPicPr>
         <p:blipFill>
-          <a:blip r:embed="rId2">
+          <a:blip r:embed="rId1">
             <a:extLst>
               <a:ext uri="{28A0092B-C50C-407E-A947-70E740481C1C}">
                 <a14:useLocalDpi xmlns:a14="http://schemas.microsoft.com/office/drawing/2010/main" val="0"/>
@@ -10577,11 +10686,6 @@
         </p:spPr>
       </p:pic>
     </p:spTree>
-    <p:extLst>
-      <p:ext uri="{BB962C8B-B14F-4D97-AF65-F5344CB8AC3E}">
-        <p14:creationId xmlns:p14="http://schemas.microsoft.com/office/powerpoint/2010/main" val="2831947907"/>
-      </p:ext>
-    </p:extLst>
   </p:cSld>
   <p:clrMapOvr>
     <a:masterClrMapping/>
@@ -10615,13 +10719,7 @@
       </p:grpSpPr>
       <p:sp>
         <p:nvSpPr>
-          <p:cNvPr id="2" name="Title 1">
-            <a:extLst>
-              <a:ext uri="{FF2B5EF4-FFF2-40B4-BE49-F238E27FC236}">
-                <a16:creationId xmlns="" xmlns:a16="http://schemas.microsoft.com/office/drawing/2014/main" id="{073A2C84-C4D9-4A37-AA67-EEF5947BDB7F}"/>
-              </a:ext>
-            </a:extLst>
-          </p:cNvPr>
+          <p:cNvPr id="2" name="Title 1"/>
           <p:cNvSpPr>
             <a:spLocks noGrp="1"/>
           </p:cNvSpPr>
@@ -10638,18 +10736,13 @@
               <a:rPr lang="en-US" dirty="0"/>
               <a:t>Which city have hosted most matches?</a:t>
             </a:r>
+            <a:endParaRPr lang="en-US" dirty="0"/>
           </a:p>
         </p:txBody>
       </p:sp>
       <p:sp>
         <p:nvSpPr>
-          <p:cNvPr id="3" name="Text Placeholder 2">
-            <a:extLst>
-              <a:ext uri="{FF2B5EF4-FFF2-40B4-BE49-F238E27FC236}">
-                <a16:creationId xmlns="" xmlns:a16="http://schemas.microsoft.com/office/drawing/2014/main" id="{88F7E1A4-AB90-43FA-9284-78E299F564E7}"/>
-              </a:ext>
-            </a:extLst>
-          </p:cNvPr>
+          <p:cNvPr id="3" name="Text Placeholder 2"/>
           <p:cNvSpPr>
             <a:spLocks noGrp="1"/>
           </p:cNvSpPr>
@@ -10668,20 +10761,14 @@
       </p:sp>
       <p:pic>
         <p:nvPicPr>
-          <p:cNvPr id="4" name="Picture 4" descr="Chart, bar chart, histogram&#10;&#10;Description automatically generated">
-            <a:extLst>
-              <a:ext uri="{FF2B5EF4-FFF2-40B4-BE49-F238E27FC236}">
-                <a16:creationId xmlns="" xmlns:a16="http://schemas.microsoft.com/office/drawing/2014/main" id="{C06A6C3C-2A79-4BBA-8AEC-39DC04AD7F96}"/>
-              </a:ext>
-            </a:extLst>
-          </p:cNvPr>
+          <p:cNvPr id="4" name="Picture 4" descr="Chart, bar chart, histogram&#10;&#10;Description automatically generated"/>
           <p:cNvPicPr>
             <a:picLocks noChangeAspect="1"/>
           </p:cNvPicPr>
           <p:nvPr/>
         </p:nvPicPr>
         <p:blipFill>
-          <a:blip r:embed="rId2"/>
+          <a:blip r:embed="rId1"/>
           <a:stretch>
             <a:fillRect/>
           </a:stretch>
@@ -10697,11 +10784,6 @@
         </p:spPr>
       </p:pic>
     </p:spTree>
-    <p:extLst>
-      <p:ext uri="{BB962C8B-B14F-4D97-AF65-F5344CB8AC3E}">
-        <p14:creationId xmlns:p14="http://schemas.microsoft.com/office/powerpoint/2010/main" val="3824472123"/>
-      </p:ext>
-    </p:extLst>
   </p:cSld>
   <p:clrMapOvr>
     <a:masterClrMapping/>
@@ -10728,20 +10810,14 @@
       </p:grpSpPr>
       <p:pic>
         <p:nvPicPr>
-          <p:cNvPr id="2" name="Picture 2" descr="Chart, bar chart&#10;&#10;Description automatically generated">
-            <a:extLst>
-              <a:ext uri="{FF2B5EF4-FFF2-40B4-BE49-F238E27FC236}">
-                <a16:creationId xmlns="" xmlns:a16="http://schemas.microsoft.com/office/drawing/2014/main" id="{7C42FC6E-A828-4482-9937-B92E91375CDD}"/>
-              </a:ext>
-            </a:extLst>
-          </p:cNvPr>
+          <p:cNvPr id="2" name="Picture 2" descr="Chart, bar chart&#10;&#10;Description automatically generated"/>
           <p:cNvPicPr>
             <a:picLocks noChangeAspect="1"/>
           </p:cNvPicPr>
           <p:nvPr/>
         </p:nvPicPr>
         <p:blipFill>
-          <a:blip r:embed="rId2"/>
+          <a:blip r:embed="rId1"/>
           <a:stretch>
             <a:fillRect/>
           </a:stretch>
@@ -10757,11 +10833,6 @@
         </p:spPr>
       </p:pic>
     </p:spTree>
-    <p:extLst>
-      <p:ext uri="{BB962C8B-B14F-4D97-AF65-F5344CB8AC3E}">
-        <p14:creationId xmlns:p14="http://schemas.microsoft.com/office/powerpoint/2010/main" val="2570033691"/>
-      </p:ext>
-    </p:extLst>
   </p:cSld>
   <p:clrMapOvr>
     <a:masterClrMapping/>
@@ -10788,20 +10859,14 @@
       </p:grpSpPr>
       <p:pic>
         <p:nvPicPr>
-          <p:cNvPr id="2" name="Picture 2" descr="Chart, bar chart&#10;&#10;Description automatically generated">
-            <a:extLst>
-              <a:ext uri="{FF2B5EF4-FFF2-40B4-BE49-F238E27FC236}">
-                <a16:creationId xmlns="" xmlns:a16="http://schemas.microsoft.com/office/drawing/2014/main" id="{77F0666C-4530-4416-A9FF-BDF15AC5939E}"/>
-              </a:ext>
-            </a:extLst>
-          </p:cNvPr>
+          <p:cNvPr id="2" name="Picture 2" descr="Chart, bar chart&#10;&#10;Description automatically generated"/>
           <p:cNvPicPr>
             <a:picLocks noChangeAspect="1"/>
           </p:cNvPicPr>
           <p:nvPr/>
         </p:nvPicPr>
         <p:blipFill>
-          <a:blip r:embed="rId2"/>
+          <a:blip r:embed="rId1"/>
           <a:stretch>
             <a:fillRect/>
           </a:stretch>
@@ -10817,11 +10882,6 @@
         </p:spPr>
       </p:pic>
     </p:spTree>
-    <p:extLst>
-      <p:ext uri="{BB962C8B-B14F-4D97-AF65-F5344CB8AC3E}">
-        <p14:creationId xmlns:p14="http://schemas.microsoft.com/office/powerpoint/2010/main" val="220867144"/>
-      </p:ext>
-    </p:extLst>
   </p:cSld>
   <p:clrMapOvr>
     <a:masterClrMapping/>
@@ -10848,13 +10908,7 @@
       </p:grpSpPr>
       <p:sp>
         <p:nvSpPr>
-          <p:cNvPr id="2" name="Title 1">
-            <a:extLst>
-              <a:ext uri="{FF2B5EF4-FFF2-40B4-BE49-F238E27FC236}">
-                <a16:creationId xmlns="" xmlns:a16="http://schemas.microsoft.com/office/drawing/2014/main" id="{BA78454C-F654-48CB-89F9-9192E0780026}"/>
-              </a:ext>
-            </a:extLst>
-          </p:cNvPr>
+          <p:cNvPr id="2" name="Title 1"/>
           <p:cNvSpPr>
             <a:spLocks noGrp="1"/>
           </p:cNvSpPr>
@@ -10871,18 +10925,13 @@
               <a:rPr lang="en-US" sz="2400" dirty="0"/>
               <a:t>Who won player of the match award most frequently?</a:t>
             </a:r>
+            <a:endParaRPr lang="en-US" sz="2400" dirty="0"/>
           </a:p>
         </p:txBody>
       </p:sp>
       <p:sp>
         <p:nvSpPr>
-          <p:cNvPr id="3" name="Text Placeholder 2">
-            <a:extLst>
-              <a:ext uri="{FF2B5EF4-FFF2-40B4-BE49-F238E27FC236}">
-                <a16:creationId xmlns="" xmlns:a16="http://schemas.microsoft.com/office/drawing/2014/main" id="{E8803031-360A-48FB-8952-0CE90D883CD3}"/>
-              </a:ext>
-            </a:extLst>
-          </p:cNvPr>
+          <p:cNvPr id="3" name="Text Placeholder 2"/>
           <p:cNvSpPr>
             <a:spLocks noGrp="1"/>
           </p:cNvSpPr>
@@ -10901,20 +10950,14 @@
       </p:sp>
       <p:pic>
         <p:nvPicPr>
-          <p:cNvPr id="4" name="Picture 4" descr="Chart, bar chart, histogram&#10;&#10;Description automatically generated">
-            <a:extLst>
-              <a:ext uri="{FF2B5EF4-FFF2-40B4-BE49-F238E27FC236}">
-                <a16:creationId xmlns="" xmlns:a16="http://schemas.microsoft.com/office/drawing/2014/main" id="{554D4D53-4C00-4509-9A55-78AAB913D56B}"/>
-              </a:ext>
-            </a:extLst>
-          </p:cNvPr>
+          <p:cNvPr id="4" name="Picture 4" descr="Chart, bar chart, histogram&#10;&#10;Description automatically generated"/>
           <p:cNvPicPr>
             <a:picLocks noChangeAspect="1"/>
           </p:cNvPicPr>
           <p:nvPr/>
         </p:nvPicPr>
         <p:blipFill>
-          <a:blip r:embed="rId2"/>
+          <a:blip r:embed="rId1"/>
           <a:stretch>
             <a:fillRect/>
           </a:stretch>
@@ -10930,11 +10973,6 @@
         </p:spPr>
       </p:pic>
     </p:spTree>
-    <p:extLst>
-      <p:ext uri="{BB962C8B-B14F-4D97-AF65-F5344CB8AC3E}">
-        <p14:creationId xmlns:p14="http://schemas.microsoft.com/office/powerpoint/2010/main" val="2488093890"/>
-      </p:ext>
-    </p:extLst>
   </p:cSld>
   <p:clrMapOvr>
     <a:masterClrMapping/>
@@ -10961,13 +10999,7 @@
       </p:grpSpPr>
       <p:sp>
         <p:nvSpPr>
-          <p:cNvPr id="2" name="Title 1">
-            <a:extLst>
-              <a:ext uri="{FF2B5EF4-FFF2-40B4-BE49-F238E27FC236}">
-                <a16:creationId xmlns="" xmlns:a16="http://schemas.microsoft.com/office/drawing/2014/main" id="{4C2E2AC0-6860-47A6-8020-E64827DC7AF1}"/>
-              </a:ext>
-            </a:extLst>
-          </p:cNvPr>
+          <p:cNvPr id="2" name="Title 1"/>
           <p:cNvSpPr>
             <a:spLocks noGrp="1"/>
           </p:cNvSpPr>
@@ -10992,6 +11024,7 @@
               <a:rPr lang="en-US" dirty="0"/>
               <a:t>most matches?</a:t>
             </a:r>
+            <a:endParaRPr lang="en-US" dirty="0"/>
           </a:p>
           <a:p>
             <a:endParaRPr lang="en-US" dirty="0"/>
@@ -11000,13 +11033,7 @@
       </p:sp>
       <p:sp>
         <p:nvSpPr>
-          <p:cNvPr id="3" name="Text Placeholder 2">
-            <a:extLst>
-              <a:ext uri="{FF2B5EF4-FFF2-40B4-BE49-F238E27FC236}">
-                <a16:creationId xmlns="" xmlns:a16="http://schemas.microsoft.com/office/drawing/2014/main" id="{D57382FF-86EA-4479-9381-E39AA3837A33}"/>
-              </a:ext>
-            </a:extLst>
-          </p:cNvPr>
+          <p:cNvPr id="3" name="Text Placeholder 2"/>
           <p:cNvSpPr>
             <a:spLocks noGrp="1"/>
           </p:cNvSpPr>
@@ -11025,20 +11052,14 @@
       </p:sp>
       <p:pic>
         <p:nvPicPr>
-          <p:cNvPr id="4" name="Picture 4" descr="Chart, bar chart&#10;&#10;Description automatically generated">
-            <a:extLst>
-              <a:ext uri="{FF2B5EF4-FFF2-40B4-BE49-F238E27FC236}">
-                <a16:creationId xmlns="" xmlns:a16="http://schemas.microsoft.com/office/drawing/2014/main" id="{9DDA8146-5A3A-4832-86CE-95321A83B411}"/>
-              </a:ext>
-            </a:extLst>
-          </p:cNvPr>
+          <p:cNvPr id="4" name="Picture 4" descr="Chart, bar chart&#10;&#10;Description automatically generated"/>
           <p:cNvPicPr>
             <a:picLocks noChangeAspect="1"/>
           </p:cNvPicPr>
           <p:nvPr/>
         </p:nvPicPr>
         <p:blipFill>
-          <a:blip r:embed="rId2"/>
+          <a:blip r:embed="rId1"/>
           <a:stretch>
             <a:fillRect/>
           </a:stretch>
@@ -11054,11 +11075,6 @@
         </p:spPr>
       </p:pic>
     </p:spTree>
-    <p:extLst>
-      <p:ext uri="{BB962C8B-B14F-4D97-AF65-F5344CB8AC3E}">
-        <p14:creationId xmlns:p14="http://schemas.microsoft.com/office/powerpoint/2010/main" val="2155405735"/>
-      </p:ext>
-    </p:extLst>
   </p:cSld>
   <p:clrMapOvr>
     <a:masterClrMapping/>
@@ -11085,13 +11101,7 @@
       </p:grpSpPr>
       <p:sp>
         <p:nvSpPr>
-          <p:cNvPr id="2" name="Title 1">
-            <a:extLst>
-              <a:ext uri="{FF2B5EF4-FFF2-40B4-BE49-F238E27FC236}">
-                <a16:creationId xmlns="" xmlns:a16="http://schemas.microsoft.com/office/drawing/2014/main" id="{22BDC74F-507E-401E-8346-360158133F76}"/>
-              </a:ext>
-            </a:extLst>
-          </p:cNvPr>
+          <p:cNvPr id="2" name="Title 1"/>
           <p:cNvSpPr>
             <a:spLocks noGrp="1"/>
           </p:cNvSpPr>
@@ -11108,6 +11118,7 @@
               <a:rPr lang="en-US" sz="2300" dirty="0"/>
               <a:t>Does winning  the toss increases chance of winning the game?</a:t>
             </a:r>
+            <a:endParaRPr lang="en-US" sz="2300" dirty="0"/>
           </a:p>
           <a:p>
             <a:endParaRPr lang="en-US" sz="2300" dirty="0"/>
@@ -11116,13 +11127,7 @@
       </p:sp>
       <p:sp>
         <p:nvSpPr>
-          <p:cNvPr id="3" name="Text Placeholder 2">
-            <a:extLst>
-              <a:ext uri="{FF2B5EF4-FFF2-40B4-BE49-F238E27FC236}">
-                <a16:creationId xmlns="" xmlns:a16="http://schemas.microsoft.com/office/drawing/2014/main" id="{C5910883-3B76-4512-BAC3-D9621EB8AD63}"/>
-              </a:ext>
-            </a:extLst>
-          </p:cNvPr>
+          <p:cNvPr id="3" name="Text Placeholder 2"/>
           <p:cNvSpPr>
             <a:spLocks noGrp="1"/>
           </p:cNvSpPr>
@@ -11141,20 +11146,14 @@
       </p:sp>
       <p:pic>
         <p:nvPicPr>
-          <p:cNvPr id="4" name="Picture 4" descr="Chart, scatter chart&#10;&#10;Description automatically generated">
-            <a:extLst>
-              <a:ext uri="{FF2B5EF4-FFF2-40B4-BE49-F238E27FC236}">
-                <a16:creationId xmlns="" xmlns:a16="http://schemas.microsoft.com/office/drawing/2014/main" id="{8887131D-D780-4C6E-843E-250D72F82CAE}"/>
-              </a:ext>
-            </a:extLst>
-          </p:cNvPr>
+          <p:cNvPr id="4" name="Picture 4" descr="Chart, scatter chart&#10;&#10;Description automatically generated"/>
           <p:cNvPicPr>
             <a:picLocks noChangeAspect="1"/>
           </p:cNvPicPr>
           <p:nvPr/>
         </p:nvPicPr>
         <p:blipFill>
-          <a:blip r:embed="rId2"/>
+          <a:blip r:embed="rId1"/>
           <a:stretch>
             <a:fillRect/>
           </a:stretch>
@@ -11170,11 +11169,6 @@
         </p:spPr>
       </p:pic>
     </p:spTree>
-    <p:extLst>
-      <p:ext uri="{BB962C8B-B14F-4D97-AF65-F5344CB8AC3E}">
-        <p14:creationId xmlns:p14="http://schemas.microsoft.com/office/powerpoint/2010/main" val="919327675"/>
-      </p:ext>
-    </p:extLst>
   </p:cSld>
   <p:clrMapOvr>
     <a:masterClrMapping/>
@@ -11201,20 +11195,14 @@
       </p:grpSpPr>
       <p:pic>
         <p:nvPicPr>
-          <p:cNvPr id="2" name="Picture 2" descr="Chart, bar chart, histogram&#10;&#10;Description automatically generated">
-            <a:extLst>
-              <a:ext uri="{FF2B5EF4-FFF2-40B4-BE49-F238E27FC236}">
-                <a16:creationId xmlns="" xmlns:a16="http://schemas.microsoft.com/office/drawing/2014/main" id="{F7E9C9EC-C628-4138-BF05-281D7CC354F5}"/>
-              </a:ext>
-            </a:extLst>
-          </p:cNvPr>
+          <p:cNvPr id="2" name="Picture 2" descr="Chart, bar chart, histogram&#10;&#10;Description automatically generated"/>
           <p:cNvPicPr>
             <a:picLocks noChangeAspect="1"/>
           </p:cNvPicPr>
           <p:nvPr/>
         </p:nvPicPr>
         <p:blipFill>
-          <a:blip r:embed="rId2"/>
+          <a:blip r:embed="rId1"/>
           <a:stretch>
             <a:fillRect/>
           </a:stretch>
@@ -11230,11 +11218,6 @@
         </p:spPr>
       </p:pic>
     </p:spTree>
-    <p:extLst>
-      <p:ext uri="{BB962C8B-B14F-4D97-AF65-F5344CB8AC3E}">
-        <p14:creationId xmlns:p14="http://schemas.microsoft.com/office/powerpoint/2010/main" val="3966269476"/>
-      </p:ext>
-    </p:extLst>
   </p:cSld>
   <p:clrMapOvr>
     <a:masterClrMapping/>
@@ -11261,20 +11244,14 @@
       </p:grpSpPr>
       <p:pic>
         <p:nvPicPr>
-          <p:cNvPr id="2" name="Picture 2" descr="Chart, bar chart, histogram&#10;&#10;Description automatically generated">
-            <a:extLst>
-              <a:ext uri="{FF2B5EF4-FFF2-40B4-BE49-F238E27FC236}">
-                <a16:creationId xmlns="" xmlns:a16="http://schemas.microsoft.com/office/drawing/2014/main" id="{9DAF4B89-B15E-4030-93FF-DB04511B9D1A}"/>
-              </a:ext>
-            </a:extLst>
-          </p:cNvPr>
+          <p:cNvPr id="2" name="Picture 2" descr="Chart, bar chart, histogram&#10;&#10;Description automatically generated"/>
           <p:cNvPicPr>
             <a:picLocks noChangeAspect="1"/>
           </p:cNvPicPr>
           <p:nvPr/>
         </p:nvPicPr>
         <p:blipFill>
-          <a:blip r:embed="rId2"/>
+          <a:blip r:embed="rId1"/>
           <a:stretch>
             <a:fillRect/>
           </a:stretch>
@@ -11290,11 +11267,6 @@
         </p:spPr>
       </p:pic>
     </p:spTree>
-    <p:extLst>
-      <p:ext uri="{BB962C8B-B14F-4D97-AF65-F5344CB8AC3E}">
-        <p14:creationId xmlns:p14="http://schemas.microsoft.com/office/powerpoint/2010/main" val="395899174"/>
-      </p:ext>
-    </p:extLst>
   </p:cSld>
   <p:clrMapOvr>
     <a:masterClrMapping/>
@@ -11354,10 +11326,10 @@
                 <a:solidFill>
                   <a:srgbClr val="CC0000"/>
                 </a:solidFill>
-                <a:latin typeface="Montserrat"/>
-                <a:ea typeface="Montserrat"/>
-                <a:cs typeface="Montserrat"/>
-                <a:sym typeface="Montserrat"/>
+                <a:latin typeface="Montserrat" panose="00000500000000000000"/>
+                <a:ea typeface="Montserrat" panose="00000500000000000000"/>
+                <a:cs typeface="Montserrat" panose="00000500000000000000"/>
+                <a:sym typeface="Montserrat" panose="00000500000000000000"/>
               </a:rPr>
               <a:t>Analysis of Teamwise Wins</a:t>
             </a:r>
@@ -11365,30 +11337,24 @@
               <a:solidFill>
                 <a:schemeClr val="lt1"/>
               </a:solidFill>
-              <a:latin typeface="Montserrat"/>
-              <a:ea typeface="Montserrat"/>
-              <a:cs typeface="Montserrat"/>
-              <a:sym typeface="Montserrat"/>
+              <a:latin typeface="Montserrat" panose="00000500000000000000"/>
+              <a:ea typeface="Montserrat" panose="00000500000000000000"/>
+              <a:cs typeface="Montserrat" panose="00000500000000000000"/>
+              <a:sym typeface="Montserrat" panose="00000500000000000000"/>
             </a:endParaRPr>
           </a:p>
         </p:txBody>
       </p:sp>
       <p:pic>
         <p:nvPicPr>
-          <p:cNvPr id="3" name="Picture 2">
-            <a:extLst>
-              <a:ext uri="{FF2B5EF4-FFF2-40B4-BE49-F238E27FC236}">
-                <a16:creationId xmlns="" xmlns:a16="http://schemas.microsoft.com/office/drawing/2014/main" id="{F0C1BEAD-E90B-42DA-B3A3-75F592E6C053}"/>
-              </a:ext>
-            </a:extLst>
-          </p:cNvPr>
+          <p:cNvPr id="3" name="Picture 2"/>
           <p:cNvPicPr>
             <a:picLocks noChangeAspect="1"/>
           </p:cNvPicPr>
           <p:nvPr/>
         </p:nvPicPr>
         <p:blipFill>
-          <a:blip r:embed="rId3"/>
+          <a:blip r:embed="rId1"/>
           <a:stretch>
             <a:fillRect/>
           </a:stretch>
@@ -11430,13 +11396,7 @@
       </p:grpSpPr>
       <p:sp>
         <p:nvSpPr>
-          <p:cNvPr id="2" name="Title 1">
-            <a:extLst>
-              <a:ext uri="{FF2B5EF4-FFF2-40B4-BE49-F238E27FC236}">
-                <a16:creationId xmlns="" xmlns:a16="http://schemas.microsoft.com/office/drawing/2014/main" id="{0F3E9C90-07AD-4A01-8207-E8040077CF8E}"/>
-              </a:ext>
-            </a:extLst>
-          </p:cNvPr>
+          <p:cNvPr id="2" name="Title 1"/>
           <p:cNvSpPr>
             <a:spLocks noGrp="1"/>
           </p:cNvSpPr>
@@ -11456,29 +11416,26 @@
           <a:p>
             <a:r>
               <a:rPr lang="en-US" b="1" dirty="0">
-                <a:latin typeface="Montserrat" panose="020B0604020202020204" charset="0"/>
+                <a:latin typeface="Montserrat" panose="00000500000000000000" charset="0"/>
               </a:rPr>
               <a:t>Analysis of Batsman</a:t>
             </a:r>
+            <a:endParaRPr lang="en-US" b="1" dirty="0">
+              <a:latin typeface="Montserrat" panose="00000500000000000000" charset="0"/>
+            </a:endParaRPr>
           </a:p>
         </p:txBody>
       </p:sp>
       <p:pic>
         <p:nvPicPr>
-          <p:cNvPr id="4" name="Picture 3">
-            <a:extLst>
-              <a:ext uri="{FF2B5EF4-FFF2-40B4-BE49-F238E27FC236}">
-                <a16:creationId xmlns="" xmlns:a16="http://schemas.microsoft.com/office/drawing/2014/main" id="{F86655DA-294F-4196-94C9-7B6883CB5A66}"/>
-              </a:ext>
-            </a:extLst>
-          </p:cNvPr>
+          <p:cNvPr id="4" name="Picture 3"/>
           <p:cNvPicPr>
             <a:picLocks noChangeAspect="1"/>
           </p:cNvPicPr>
           <p:nvPr/>
         </p:nvPicPr>
         <p:blipFill>
-          <a:blip r:embed="rId2"/>
+          <a:blip r:embed="rId1"/>
           <a:stretch>
             <a:fillRect/>
           </a:stretch>
@@ -11494,11 +11451,6 @@
         </p:spPr>
       </p:pic>
     </p:spTree>
-    <p:extLst>
-      <p:ext uri="{BB962C8B-B14F-4D97-AF65-F5344CB8AC3E}">
-        <p14:creationId xmlns:p14="http://schemas.microsoft.com/office/powerpoint/2010/main" val="1181069910"/>
-      </p:ext>
-    </p:extLst>
   </p:cSld>
   <p:clrMapOvr>
     <a:masterClrMapping/>
@@ -11575,6 +11527,11 @@
               </a:rPr>
               <a:t>Problem Statement</a:t>
             </a:r>
+            <a:endParaRPr lang="en-US" sz="1600" dirty="0" smtClean="0">
+              <a:solidFill>
+                <a:schemeClr val="bg1"/>
+              </a:solidFill>
+            </a:endParaRPr>
           </a:p>
           <a:p>
             <a:pPr marL="114300" indent="0">
@@ -11591,6 +11548,11 @@
               </a:rPr>
               <a:t>Introduction</a:t>
             </a:r>
+            <a:endParaRPr lang="en-US" sz="1600" dirty="0" smtClean="0">
+              <a:solidFill>
+                <a:schemeClr val="bg1"/>
+              </a:solidFill>
+            </a:endParaRPr>
           </a:p>
           <a:p>
             <a:pPr marL="114300" indent="0">
@@ -11607,6 +11569,11 @@
               </a:rPr>
               <a:t>Dataset Summary</a:t>
             </a:r>
+            <a:endParaRPr lang="en-US" sz="1600" dirty="0" smtClean="0">
+              <a:solidFill>
+                <a:schemeClr val="bg1"/>
+              </a:solidFill>
+            </a:endParaRPr>
           </a:p>
           <a:p>
             <a:pPr marL="114300" indent="0">
@@ -11623,6 +11590,11 @@
               </a:rPr>
               <a:t>Season Wise Analysis</a:t>
             </a:r>
+            <a:endParaRPr lang="en-US" sz="1600" dirty="0" smtClean="0">
+              <a:solidFill>
+                <a:schemeClr val="bg1"/>
+              </a:solidFill>
+            </a:endParaRPr>
           </a:p>
           <a:p>
             <a:pPr marL="114300" indent="0">
@@ -11639,6 +11611,11 @@
               </a:rPr>
               <a:t>Player wise Analysis</a:t>
             </a:r>
+            <a:endParaRPr lang="en-US" sz="1600" dirty="0" smtClean="0">
+              <a:solidFill>
+                <a:schemeClr val="bg1"/>
+              </a:solidFill>
+            </a:endParaRPr>
           </a:p>
           <a:p>
             <a:pPr marL="114300" indent="0">
@@ -11655,6 +11632,11 @@
               </a:rPr>
               <a:t>Team Wise Analysis</a:t>
             </a:r>
+            <a:endParaRPr lang="en-US" sz="1600" dirty="0" smtClean="0">
+              <a:solidFill>
+                <a:schemeClr val="bg1"/>
+              </a:solidFill>
+            </a:endParaRPr>
           </a:p>
           <a:p>
             <a:pPr marL="114300" indent="0">
@@ -11671,6 +11653,11 @@
               </a:rPr>
               <a:t>Player Rankings</a:t>
             </a:r>
+            <a:endParaRPr lang="en-US" sz="1600" dirty="0" smtClean="0">
+              <a:solidFill>
+                <a:schemeClr val="bg1"/>
+              </a:solidFill>
+            </a:endParaRPr>
           </a:p>
           <a:p>
             <a:pPr marL="114300" indent="0">
@@ -11687,6 +11674,11 @@
               </a:rPr>
               <a:t>Player Segmentation</a:t>
             </a:r>
+            <a:endParaRPr lang="en-US" sz="1600" dirty="0" smtClean="0">
+              <a:solidFill>
+                <a:schemeClr val="bg1"/>
+              </a:solidFill>
+            </a:endParaRPr>
           </a:p>
           <a:p>
             <a:pPr marL="114300" indent="0">
@@ -11720,7 +11712,7 @@
           <p:nvPr/>
         </p:nvPicPr>
         <p:blipFill>
-          <a:blip r:embed="rId3">
+          <a:blip r:embed="rId1">
             <a:extLst>
               <a:ext uri="{28A0092B-C50C-407E-A947-70E740481C1C}">
                 <a14:useLocalDpi xmlns:a14="http://schemas.microsoft.com/office/drawing/2010/main" val="0"/>
@@ -11742,11 +11734,6 @@
         </p:spPr>
       </p:pic>
     </p:spTree>
-    <p:extLst>
-      <p:ext uri="{BB962C8B-B14F-4D97-AF65-F5344CB8AC3E}">
-        <p14:creationId xmlns:p14="http://schemas.microsoft.com/office/powerpoint/2010/main" val="4246075083"/>
-      </p:ext>
-    </p:extLst>
   </p:cSld>
   <p:clrMapOvr>
     <a:masterClrMapping/>
@@ -11780,13 +11767,7 @@
       </p:grpSpPr>
       <p:sp>
         <p:nvSpPr>
-          <p:cNvPr id="2" name="Title 1">
-            <a:extLst>
-              <a:ext uri="{FF2B5EF4-FFF2-40B4-BE49-F238E27FC236}">
-                <a16:creationId xmlns="" xmlns:a16="http://schemas.microsoft.com/office/drawing/2014/main" id="{490567E6-9C39-4F62-A5B0-927B6C66847F}"/>
-              </a:ext>
-            </a:extLst>
-          </p:cNvPr>
+          <p:cNvPr id="2" name="Title 1"/>
           <p:cNvSpPr>
             <a:spLocks noGrp="1"/>
           </p:cNvSpPr>
@@ -11806,29 +11787,26 @@
           <a:p>
             <a:r>
               <a:rPr lang="en-US" b="1" dirty="0">
-                <a:latin typeface="Montserrat" panose="020B0604020202020204" charset="0"/>
+                <a:latin typeface="Montserrat" panose="00000500000000000000" charset="0"/>
               </a:rPr>
               <a:t>Analysis of Average</a:t>
             </a:r>
+            <a:endParaRPr lang="en-US" b="1" dirty="0">
+              <a:latin typeface="Montserrat" panose="00000500000000000000" charset="0"/>
+            </a:endParaRPr>
           </a:p>
         </p:txBody>
       </p:sp>
       <p:pic>
         <p:nvPicPr>
-          <p:cNvPr id="4" name="Picture 3">
-            <a:extLst>
-              <a:ext uri="{FF2B5EF4-FFF2-40B4-BE49-F238E27FC236}">
-                <a16:creationId xmlns="" xmlns:a16="http://schemas.microsoft.com/office/drawing/2014/main" id="{4B354421-F7ED-4B53-8249-4610357F3586}"/>
-              </a:ext>
-            </a:extLst>
-          </p:cNvPr>
+          <p:cNvPr id="4" name="Picture 3"/>
           <p:cNvPicPr>
             <a:picLocks noChangeAspect="1"/>
           </p:cNvPicPr>
           <p:nvPr/>
         </p:nvPicPr>
         <p:blipFill>
-          <a:blip r:embed="rId2"/>
+          <a:blip r:embed="rId1"/>
           <a:stretch>
             <a:fillRect/>
           </a:stretch>
@@ -11844,11 +11822,6 @@
         </p:spPr>
       </p:pic>
     </p:spTree>
-    <p:extLst>
-      <p:ext uri="{BB962C8B-B14F-4D97-AF65-F5344CB8AC3E}">
-        <p14:creationId xmlns:p14="http://schemas.microsoft.com/office/powerpoint/2010/main" val="177092940"/>
-      </p:ext>
-    </p:extLst>
   </p:cSld>
   <p:clrMapOvr>
     <a:masterClrMapping/>
@@ -11875,13 +11848,7 @@
       </p:grpSpPr>
       <p:sp>
         <p:nvSpPr>
-          <p:cNvPr id="2" name="Title 1">
-            <a:extLst>
-              <a:ext uri="{FF2B5EF4-FFF2-40B4-BE49-F238E27FC236}">
-                <a16:creationId xmlns="" xmlns:a16="http://schemas.microsoft.com/office/drawing/2014/main" id="{1F7231BC-2710-418C-A254-7F48AB195DD5}"/>
-              </a:ext>
-            </a:extLst>
-          </p:cNvPr>
+          <p:cNvPr id="2" name="Title 1"/>
           <p:cNvSpPr>
             <a:spLocks noGrp="1"/>
           </p:cNvSpPr>
@@ -11901,29 +11868,26 @@
           <a:p>
             <a:r>
               <a:rPr lang="en-US" b="1" dirty="0">
-                <a:latin typeface="Montserrat" panose="020B0604020202020204" charset="0"/>
+                <a:latin typeface="Montserrat" panose="00000500000000000000" charset="0"/>
               </a:rPr>
               <a:t>Analysis of Strike Rate</a:t>
             </a:r>
+            <a:endParaRPr lang="en-US" b="1" dirty="0">
+              <a:latin typeface="Montserrat" panose="00000500000000000000" charset="0"/>
+            </a:endParaRPr>
           </a:p>
         </p:txBody>
       </p:sp>
       <p:pic>
         <p:nvPicPr>
-          <p:cNvPr id="4" name="Picture 3">
-            <a:extLst>
-              <a:ext uri="{FF2B5EF4-FFF2-40B4-BE49-F238E27FC236}">
-                <a16:creationId xmlns="" xmlns:a16="http://schemas.microsoft.com/office/drawing/2014/main" id="{90EB7C1D-76B1-46AA-A607-83EC3B9BBEAA}"/>
-              </a:ext>
-            </a:extLst>
-          </p:cNvPr>
+          <p:cNvPr id="4" name="Picture 3"/>
           <p:cNvPicPr>
             <a:picLocks noChangeAspect="1"/>
           </p:cNvPicPr>
           <p:nvPr/>
         </p:nvPicPr>
         <p:blipFill>
-          <a:blip r:embed="rId2"/>
+          <a:blip r:embed="rId1"/>
           <a:stretch>
             <a:fillRect/>
           </a:stretch>
@@ -11939,11 +11903,6 @@
         </p:spPr>
       </p:pic>
     </p:spTree>
-    <p:extLst>
-      <p:ext uri="{BB962C8B-B14F-4D97-AF65-F5344CB8AC3E}">
-        <p14:creationId xmlns:p14="http://schemas.microsoft.com/office/powerpoint/2010/main" val="3229935364"/>
-      </p:ext>
-    </p:extLst>
   </p:cSld>
   <p:clrMapOvr>
     <a:masterClrMapping/>
@@ -11970,13 +11929,7 @@
       </p:grpSpPr>
       <p:sp>
         <p:nvSpPr>
-          <p:cNvPr id="2" name="Title 1">
-            <a:extLst>
-              <a:ext uri="{FF2B5EF4-FFF2-40B4-BE49-F238E27FC236}">
-                <a16:creationId xmlns="" xmlns:a16="http://schemas.microsoft.com/office/drawing/2014/main" id="{4EB928C6-0FFF-4C7C-AA8B-D77B3BE1912A}"/>
-              </a:ext>
-            </a:extLst>
-          </p:cNvPr>
+          <p:cNvPr id="2" name="Title 1"/>
           <p:cNvSpPr>
             <a:spLocks noGrp="1"/>
           </p:cNvSpPr>
@@ -11996,29 +11949,26 @@
           <a:p>
             <a:r>
               <a:rPr lang="en-US" b="1" dirty="0">
-                <a:latin typeface="Montserrat" panose="020B0604020202020204" charset="0"/>
+                <a:latin typeface="Montserrat" panose="00000500000000000000" charset="0"/>
               </a:rPr>
               <a:t>Analysis of Bowler</a:t>
             </a:r>
+            <a:endParaRPr lang="en-US" b="1" dirty="0">
+              <a:latin typeface="Montserrat" panose="00000500000000000000" charset="0"/>
+            </a:endParaRPr>
           </a:p>
         </p:txBody>
       </p:sp>
       <p:pic>
         <p:nvPicPr>
-          <p:cNvPr id="4" name="Picture 3">
-            <a:extLst>
-              <a:ext uri="{FF2B5EF4-FFF2-40B4-BE49-F238E27FC236}">
-                <a16:creationId xmlns="" xmlns:a16="http://schemas.microsoft.com/office/drawing/2014/main" id="{ADD59A65-3D38-4EC7-B0A2-4401E71A5A50}"/>
-              </a:ext>
-            </a:extLst>
-          </p:cNvPr>
+          <p:cNvPr id="4" name="Picture 3"/>
           <p:cNvPicPr>
             <a:picLocks noChangeAspect="1"/>
           </p:cNvPicPr>
           <p:nvPr/>
         </p:nvPicPr>
         <p:blipFill>
-          <a:blip r:embed="rId2"/>
+          <a:blip r:embed="rId1"/>
           <a:stretch>
             <a:fillRect/>
           </a:stretch>
@@ -12034,11 +11984,6 @@
         </p:spPr>
       </p:pic>
     </p:spTree>
-    <p:extLst>
-      <p:ext uri="{BB962C8B-B14F-4D97-AF65-F5344CB8AC3E}">
-        <p14:creationId xmlns:p14="http://schemas.microsoft.com/office/powerpoint/2010/main" val="2845718755"/>
-      </p:ext>
-    </p:extLst>
   </p:cSld>
   <p:clrMapOvr>
     <a:masterClrMapping/>
@@ -12065,13 +12010,7 @@
       </p:grpSpPr>
       <p:sp>
         <p:nvSpPr>
-          <p:cNvPr id="2" name="Title 1">
-            <a:extLst>
-              <a:ext uri="{FF2B5EF4-FFF2-40B4-BE49-F238E27FC236}">
-                <a16:creationId xmlns="" xmlns:a16="http://schemas.microsoft.com/office/drawing/2014/main" id="{7ED710F6-DF6B-47D6-8CF2-11A122427C79}"/>
-              </a:ext>
-            </a:extLst>
-          </p:cNvPr>
+          <p:cNvPr id="2" name="Title 1"/>
           <p:cNvSpPr>
             <a:spLocks noGrp="1"/>
           </p:cNvSpPr>
@@ -12091,29 +12030,26 @@
           <a:p>
             <a:r>
               <a:rPr lang="en-US" b="1" dirty="0">
-                <a:latin typeface="Montserrat" panose="020B0604020202020204" charset="0"/>
+                <a:latin typeface="Montserrat" panose="00000500000000000000" charset="0"/>
               </a:rPr>
               <a:t>Analysis on Batting Style</a:t>
             </a:r>
+            <a:endParaRPr lang="en-US" b="1" dirty="0">
+              <a:latin typeface="Montserrat" panose="00000500000000000000" charset="0"/>
+            </a:endParaRPr>
           </a:p>
         </p:txBody>
       </p:sp>
       <p:pic>
         <p:nvPicPr>
-          <p:cNvPr id="4" name="Picture 3">
-            <a:extLst>
-              <a:ext uri="{FF2B5EF4-FFF2-40B4-BE49-F238E27FC236}">
-                <a16:creationId xmlns="" xmlns:a16="http://schemas.microsoft.com/office/drawing/2014/main" id="{62097BBA-0EE2-4959-82D2-A5627CF8FF4A}"/>
-              </a:ext>
-            </a:extLst>
-          </p:cNvPr>
+          <p:cNvPr id="4" name="Picture 3"/>
           <p:cNvPicPr>
             <a:picLocks noChangeAspect="1"/>
           </p:cNvPicPr>
           <p:nvPr/>
         </p:nvPicPr>
         <p:blipFill>
-          <a:blip r:embed="rId2"/>
+          <a:blip r:embed="rId1"/>
           <a:stretch>
             <a:fillRect/>
           </a:stretch>
@@ -12129,11 +12065,6 @@
         </p:spPr>
       </p:pic>
     </p:spTree>
-    <p:extLst>
-      <p:ext uri="{BB962C8B-B14F-4D97-AF65-F5344CB8AC3E}">
-        <p14:creationId xmlns:p14="http://schemas.microsoft.com/office/powerpoint/2010/main" val="2674945649"/>
-      </p:ext>
-    </p:extLst>
   </p:cSld>
   <p:clrMapOvr>
     <a:masterClrMapping/>
@@ -12160,13 +12091,7 @@
       </p:grpSpPr>
       <p:sp>
         <p:nvSpPr>
-          <p:cNvPr id="2" name="Title 1">
-            <a:extLst>
-              <a:ext uri="{FF2B5EF4-FFF2-40B4-BE49-F238E27FC236}">
-                <a16:creationId xmlns="" xmlns:a16="http://schemas.microsoft.com/office/drawing/2014/main" id="{AC9149E9-E6A4-4E9C-8E93-ACDF96CC0437}"/>
-              </a:ext>
-            </a:extLst>
-          </p:cNvPr>
+          <p:cNvPr id="2" name="Title 1"/>
           <p:cNvSpPr>
             <a:spLocks noGrp="1"/>
           </p:cNvSpPr>
@@ -12186,29 +12111,26 @@
           <a:p>
             <a:r>
               <a:rPr lang="en-US" b="1" dirty="0">
-                <a:latin typeface="Montserrat" panose="020B0604020202020204" charset="0"/>
+                <a:latin typeface="Montserrat" panose="00000500000000000000" charset="0"/>
               </a:rPr>
               <a:t>Analysis on Bowling Style</a:t>
             </a:r>
+            <a:endParaRPr lang="en-US" b="1" dirty="0">
+              <a:latin typeface="Montserrat" panose="00000500000000000000" charset="0"/>
+            </a:endParaRPr>
           </a:p>
         </p:txBody>
       </p:sp>
       <p:pic>
         <p:nvPicPr>
-          <p:cNvPr id="4" name="Picture 3">
-            <a:extLst>
-              <a:ext uri="{FF2B5EF4-FFF2-40B4-BE49-F238E27FC236}">
-                <a16:creationId xmlns="" xmlns:a16="http://schemas.microsoft.com/office/drawing/2014/main" id="{26C45BB7-E0F9-4486-B7E0-EEC1B53EAC89}"/>
-              </a:ext>
-            </a:extLst>
-          </p:cNvPr>
+          <p:cNvPr id="4" name="Picture 3"/>
           <p:cNvPicPr>
             <a:picLocks noChangeAspect="1"/>
           </p:cNvPicPr>
           <p:nvPr/>
         </p:nvPicPr>
         <p:blipFill>
-          <a:blip r:embed="rId2"/>
+          <a:blip r:embed="rId1"/>
           <a:stretch>
             <a:fillRect/>
           </a:stretch>
@@ -12224,11 +12146,6 @@
         </p:spPr>
       </p:pic>
     </p:spTree>
-    <p:extLst>
-      <p:ext uri="{BB962C8B-B14F-4D97-AF65-F5344CB8AC3E}">
-        <p14:creationId xmlns:p14="http://schemas.microsoft.com/office/powerpoint/2010/main" val="4184775020"/>
-      </p:ext>
-    </p:extLst>
   </p:cSld>
   <p:clrMapOvr>
     <a:masterClrMapping/>
@@ -12245,23 +12162,10 @@
         <p:cNvGrpSpPr/>
         <p:nvPr/>
       </p:nvGrpSpPr>
-      <p:grpSpPr>
-        <a:xfrm>
-          <a:off x="0" y="0"/>
-          <a:ext cx="0" cy="0"/>
-          <a:chOff x="0" y="0"/>
-          <a:chExt cx="0" cy="0"/>
-        </a:xfrm>
-      </p:grpSpPr>
+      <p:grpSpPr/>
       <p:sp>
         <p:nvSpPr>
-          <p:cNvPr id="2" name="Title 1">
-            <a:extLst>
-              <a:ext uri="{FF2B5EF4-FFF2-40B4-BE49-F238E27FC236}">
-                <a16:creationId xmlns="" xmlns:a16="http://schemas.microsoft.com/office/drawing/2014/main" id="{D5F0FC81-604E-4C1A-91FA-1F49427F5106}"/>
-              </a:ext>
-            </a:extLst>
-          </p:cNvPr>
+          <p:cNvPr id="2" name="Title 1"/>
           <p:cNvSpPr>
             <a:spLocks noGrp="1"/>
           </p:cNvSpPr>
@@ -12272,21 +12176,399 @@
         <p:spPr/>
         <p:txBody>
           <a:bodyPr/>
-          <a:lstStyle/>
-          <a:p>
-            <a:r>
-              <a:rPr lang="en-US" dirty="0"/>
-              <a:t>Vridhi's part go here</a:t>
-            </a:r>
+          <a:p>
+            <a:endParaRPr lang="en-US"/>
+          </a:p>
+        </p:txBody>
+      </p:sp>
+      <p:pic>
+        <p:nvPicPr>
+          <p:cNvPr id="3" name="Picture 2" descr="download"/>
+          <p:cNvPicPr>
+            <a:picLocks noChangeAspect="1"/>
+          </p:cNvPicPr>
+          <p:nvPr/>
+        </p:nvPicPr>
+        <p:blipFill>
+          <a:blip r:embed="rId1"/>
+          <a:stretch>
+            <a:fillRect/>
+          </a:stretch>
+        </p:blipFill>
+        <p:spPr>
+          <a:xfrm>
+            <a:off x="245110" y="0"/>
+            <a:ext cx="8587105" cy="5143500"/>
+          </a:xfrm>
+          <a:prstGeom prst="rect">
+            <a:avLst/>
+          </a:prstGeom>
+        </p:spPr>
+      </p:pic>
+    </p:spTree>
+  </p:cSld>
+  <p:clrMapOvr>
+    <a:masterClrMapping/>
+  </p:clrMapOvr>
+</p:sld>
+</file>
+
+<file path=ppt/slides/slide36.xml><?xml version="1.0" encoding="utf-8"?>
+<p:sld xmlns:a="http://schemas.openxmlformats.org/drawingml/2006/main" xmlns:r="http://schemas.openxmlformats.org/officeDocument/2006/relationships" xmlns:p="http://schemas.openxmlformats.org/presentationml/2006/main">
+  <p:cSld>
+    <p:spTree>
+      <p:nvGrpSpPr>
+        <p:cNvPr id="1" name=""/>
+        <p:cNvGrpSpPr/>
+        <p:nvPr/>
+      </p:nvGrpSpPr>
+      <p:grpSpPr/>
+      <p:sp>
+        <p:nvSpPr>
+          <p:cNvPr id="2" name="Title 1"/>
+          <p:cNvSpPr>
+            <a:spLocks noGrp="1"/>
+          </p:cNvSpPr>
+          <p:nvPr>
+            <p:ph type="title"/>
+          </p:nvPr>
+        </p:nvSpPr>
+        <p:spPr/>
+        <p:txBody>
+          <a:bodyPr/>
+          <a:p>
+            <a:endParaRPr lang="en-US"/>
+          </a:p>
+        </p:txBody>
+      </p:sp>
+      <p:pic>
+        <p:nvPicPr>
+          <p:cNvPr id="3" name="Picture 2" descr="download (1)"/>
+          <p:cNvPicPr>
+            <a:picLocks noChangeAspect="1"/>
+          </p:cNvPicPr>
+          <p:nvPr/>
+        </p:nvPicPr>
+        <p:blipFill>
+          <a:blip r:embed="rId1"/>
+          <a:stretch>
+            <a:fillRect/>
+          </a:stretch>
+        </p:blipFill>
+        <p:spPr>
+          <a:xfrm>
+            <a:off x="134620" y="238125"/>
+            <a:ext cx="8899525" cy="4745990"/>
+          </a:xfrm>
+          <a:prstGeom prst="rect">
+            <a:avLst/>
+          </a:prstGeom>
+        </p:spPr>
+      </p:pic>
+    </p:spTree>
+  </p:cSld>
+  <p:clrMapOvr>
+    <a:masterClrMapping/>
+  </p:clrMapOvr>
+</p:sld>
+</file>
+
+<file path=ppt/slides/slide37.xml><?xml version="1.0" encoding="utf-8"?>
+<p:sld xmlns:a="http://schemas.openxmlformats.org/drawingml/2006/main" xmlns:r="http://schemas.openxmlformats.org/officeDocument/2006/relationships" xmlns:p="http://schemas.openxmlformats.org/presentationml/2006/main">
+  <p:cSld>
+    <p:spTree>
+      <p:nvGrpSpPr>
+        <p:cNvPr id="1" name=""/>
+        <p:cNvGrpSpPr/>
+        <p:nvPr/>
+      </p:nvGrpSpPr>
+      <p:grpSpPr/>
+      <p:pic>
+        <p:nvPicPr>
+          <p:cNvPr id="3" name="Picture 2" descr="download (2)"/>
+          <p:cNvPicPr>
+            <a:picLocks noChangeAspect="1"/>
+          </p:cNvPicPr>
+          <p:nvPr/>
+        </p:nvPicPr>
+        <p:blipFill>
+          <a:blip r:embed="rId1"/>
+          <a:stretch>
+            <a:fillRect/>
+          </a:stretch>
+        </p:blipFill>
+        <p:spPr>
+          <a:xfrm>
+            <a:off x="898525" y="275590"/>
+            <a:ext cx="7426325" cy="4581525"/>
+          </a:xfrm>
+          <a:prstGeom prst="rect">
+            <a:avLst/>
+          </a:prstGeom>
+        </p:spPr>
+      </p:pic>
+    </p:spTree>
+  </p:cSld>
+  <p:clrMapOvr>
+    <a:masterClrMapping/>
+  </p:clrMapOvr>
+</p:sld>
+</file>
+
+<file path=ppt/slides/slide38.xml><?xml version="1.0" encoding="utf-8"?>
+<p:sld xmlns:a="http://schemas.openxmlformats.org/drawingml/2006/main" xmlns:r="http://schemas.openxmlformats.org/officeDocument/2006/relationships" xmlns:p="http://schemas.openxmlformats.org/presentationml/2006/main">
+  <p:cSld>
+    <p:spTree>
+      <p:nvGrpSpPr>
+        <p:cNvPr id="1" name=""/>
+        <p:cNvGrpSpPr/>
+        <p:nvPr/>
+      </p:nvGrpSpPr>
+      <p:grpSpPr/>
+      <p:sp>
+        <p:nvSpPr>
+          <p:cNvPr id="2" name="Title 1"/>
+          <p:cNvSpPr>
+            <a:spLocks noGrp="1"/>
+          </p:cNvSpPr>
+          <p:nvPr>
+            <p:ph type="title"/>
+          </p:nvPr>
+        </p:nvSpPr>
+        <p:spPr>
+          <a:xfrm>
+            <a:off x="311700" y="272520"/>
+            <a:ext cx="8520600" cy="841800"/>
+          </a:xfrm>
+        </p:spPr>
+        <p:txBody>
+          <a:bodyPr/>
+          <a:p>
+            <a:r>
+              <a:rPr lang="en-IN" altLang="en-US"/>
+              <a:t>Conclusion:</a:t>
+            </a:r>
+            <a:endParaRPr lang="en-IN" altLang="en-US"/>
+          </a:p>
+        </p:txBody>
+      </p:sp>
+      <p:sp>
+        <p:nvSpPr>
+          <p:cNvPr id="3" name="Text Box 2"/>
+          <p:cNvSpPr txBox="1"/>
+          <p:nvPr/>
+        </p:nvSpPr>
+        <p:spPr>
+          <a:xfrm>
+            <a:off x="213995" y="1003935"/>
+            <a:ext cx="8578215" cy="3753485"/>
+          </a:xfrm>
+          <a:prstGeom prst="rect">
+            <a:avLst/>
+          </a:prstGeom>
+          <a:noFill/>
+        </p:spPr>
+        <p:txBody>
+          <a:bodyPr wrap="square" rtlCol="0">
+            <a:spAutoFit/>
+          </a:bodyPr>
+          <a:p>
+            <a:r>
+              <a:rPr lang="en-US"/>
+              <a:t>1.The number of matches each season is lies between 50 to 80 matches</a:t>
+            </a:r>
+            <a:endParaRPr lang="en-US"/>
+          </a:p>
+          <a:p>
+            <a:endParaRPr lang="en-US"/>
+          </a:p>
+          <a:p>
+            <a:r>
+              <a:rPr lang="en-US"/>
+              <a:t>2.The most number of Matches were hosted in Mumbai and the least were hosted in  Venue Bloemfontein</a:t>
+            </a:r>
+            <a:endParaRPr lang="en-US"/>
+          </a:p>
+          <a:p>
+            <a:endParaRPr lang="en-US"/>
+          </a:p>
+          <a:p>
+            <a:r>
+              <a:rPr lang="en-US"/>
+              <a:t>3.The most number of players were from India and the least number of players were playing from Netherland</a:t>
+            </a:r>
+            <a:endParaRPr lang="en-US"/>
+          </a:p>
+          <a:p>
+            <a:endParaRPr lang="en-US"/>
+          </a:p>
+          <a:p>
+            <a:r>
+              <a:rPr lang="en-US"/>
+              <a:t>4.After winning the toss most of the teams choose to Feild.</a:t>
+            </a:r>
+            <a:endParaRPr lang="en-US"/>
+          </a:p>
+          <a:p>
+            <a:endParaRPr lang="en-US"/>
+          </a:p>
+          <a:p>
+            <a:r>
+              <a:rPr lang="en-US"/>
+              <a:t>5.The  most number of Matches were won by Mumbai Indians with around 109 wins.</a:t>
+            </a:r>
+            <a:endParaRPr lang="en-US"/>
+          </a:p>
+          <a:p>
+            <a:endParaRPr lang="en-US"/>
+          </a:p>
+          <a:p>
+            <a:r>
+              <a:rPr lang="en-US"/>
+              <a:t>6.In team comparison we observed that Kolkata Knight Riders lose most of the matches against Mumbai Indians loosing more than 19 matches.</a:t>
+            </a:r>
+            <a:endParaRPr lang="en-US"/>
+          </a:p>
+          <a:p>
+            <a:endParaRPr lang="en-US"/>
+          </a:p>
+          <a:p>
+            <a:r>
+              <a:rPr lang="en-US"/>
+              <a:t>7.The batsman who played most number of dot balls is Virat Kohli.</a:t>
+            </a:r>
+            <a:endParaRPr lang="en-US"/>
+          </a:p>
+          <a:p>
+            <a:endParaRPr lang="en-US"/>
+          </a:p>
+          <a:p>
+            <a:r>
+              <a:rPr lang="en-US"/>
+              <a:t>8.The most Dismissal type in IPL is caught out.</a:t>
+            </a:r>
+            <a:endParaRPr lang="en-US"/>
           </a:p>
         </p:txBody>
       </p:sp>
     </p:spTree>
-    <p:extLst>
-      <p:ext uri="{BB962C8B-B14F-4D97-AF65-F5344CB8AC3E}">
-        <p14:creationId xmlns:p14="http://schemas.microsoft.com/office/powerpoint/2010/main" val="306233062"/>
-      </p:ext>
-    </p:extLst>
+  </p:cSld>
+  <p:clrMapOvr>
+    <a:masterClrMapping/>
+  </p:clrMapOvr>
+</p:sld>
+</file>
+
+<file path=ppt/slides/slide39.xml><?xml version="1.0" encoding="utf-8"?>
+<p:sld xmlns:a="http://schemas.openxmlformats.org/drawingml/2006/main" xmlns:r="http://schemas.openxmlformats.org/officeDocument/2006/relationships" xmlns:p="http://schemas.openxmlformats.org/presentationml/2006/main">
+  <p:cSld>
+    <p:spTree>
+      <p:nvGrpSpPr>
+        <p:cNvPr id="1" name=""/>
+        <p:cNvGrpSpPr/>
+        <p:nvPr/>
+      </p:nvGrpSpPr>
+      <p:grpSpPr/>
+      <p:sp>
+        <p:nvSpPr>
+          <p:cNvPr id="3" name="Text Box 2"/>
+          <p:cNvSpPr txBox="1"/>
+          <p:nvPr/>
+        </p:nvSpPr>
+        <p:spPr>
+          <a:xfrm>
+            <a:off x="372745" y="154940"/>
+            <a:ext cx="8249920" cy="3538220"/>
+          </a:xfrm>
+          <a:prstGeom prst="rect">
+            <a:avLst/>
+          </a:prstGeom>
+          <a:noFill/>
+        </p:spPr>
+        <p:txBody>
+          <a:bodyPr wrap="square" rtlCol="0">
+            <a:spAutoFit/>
+          </a:bodyPr>
+          <a:p>
+            <a:r>
+              <a:rPr lang="en-US"/>
+              <a:t>9.The most Half Centuries was scored by D.A.Warner.</a:t>
+            </a:r>
+            <a:endParaRPr lang="en-US"/>
+          </a:p>
+          <a:p>
+            <a:endParaRPr lang="en-US"/>
+          </a:p>
+          <a:p>
+            <a:r>
+              <a:rPr lang="en-US"/>
+              <a:t>10.The Player who won most of the Man of The Match was Chris Gayle</a:t>
+            </a:r>
+            <a:endParaRPr lang="en-US"/>
+          </a:p>
+          <a:p>
+            <a:endParaRPr lang="en-US"/>
+          </a:p>
+          <a:p>
+            <a:r>
+              <a:rPr lang="en-US"/>
+              <a:t>11.The average number of Four's and Six's per season lies somewhere around 1800 and 850 respectively.</a:t>
+            </a:r>
+            <a:endParaRPr lang="en-US"/>
+          </a:p>
+          <a:p>
+            <a:endParaRPr lang="en-US"/>
+          </a:p>
+          <a:p>
+            <a:r>
+              <a:rPr lang="en-US"/>
+              <a:t>12.The most full centuries was scored by Chris Gayle.</a:t>
+            </a:r>
+            <a:endParaRPr lang="en-US"/>
+          </a:p>
+          <a:p>
+            <a:endParaRPr lang="en-US"/>
+          </a:p>
+          <a:p>
+            <a:r>
+              <a:rPr lang="en-US"/>
+              <a:t>13.The most common bowling style is right-arm medium.</a:t>
+            </a:r>
+            <a:endParaRPr lang="en-US"/>
+          </a:p>
+          <a:p>
+            <a:endParaRPr lang="en-US"/>
+          </a:p>
+          <a:p>
+            <a:r>
+              <a:rPr lang="en-US"/>
+              <a:t>14.Most of the batsman are right-handers</a:t>
+            </a:r>
+            <a:endParaRPr lang="en-US"/>
+          </a:p>
+          <a:p>
+            <a:endParaRPr lang="en-US"/>
+          </a:p>
+          <a:p>
+            <a:r>
+              <a:rPr lang="en-US"/>
+              <a:t>15.V.Shewag have the highest strike rate.</a:t>
+            </a:r>
+            <a:endParaRPr lang="en-US"/>
+          </a:p>
+          <a:p>
+            <a:endParaRPr lang="en-US"/>
+          </a:p>
+          <a:p>
+            <a:r>
+              <a:rPr lang="en-US"/>
+              <a:t>16.S.L.Malinga have the highest number of wickets in the IPL</a:t>
+            </a:r>
+            <a:endParaRPr lang="en-US"/>
+          </a:p>
+        </p:txBody>
+      </p:sp>
+    </p:spTree>
   </p:cSld>
   <p:clrMapOvr>
     <a:masterClrMapping/>
@@ -12355,11 +12637,6 @@
         </p:txBody>
       </p:sp>
     </p:spTree>
-    <p:extLst>
-      <p:ext uri="{BB962C8B-B14F-4D97-AF65-F5344CB8AC3E}">
-        <p14:creationId xmlns:p14="http://schemas.microsoft.com/office/powerpoint/2010/main" val="308892933"/>
-      </p:ext>
-    </p:extLst>
   </p:cSld>
   <p:clrMapOvr>
     <a:masterClrMapping/>
@@ -12532,6 +12809,11 @@
               </a:rPr>
               <a:t>and now it is the most attended cricket league in the world.</a:t>
             </a:r>
+            <a:endParaRPr lang="en-US" sz="1600" dirty="0" smtClean="0">
+              <a:solidFill>
+                <a:schemeClr val="bg1"/>
+              </a:solidFill>
+            </a:endParaRPr>
           </a:p>
           <a:p>
             <a:pPr marL="114300" indent="0">
@@ -12574,11 +12856,6 @@
         </p:txBody>
       </p:sp>
     </p:spTree>
-    <p:extLst>
-      <p:ext uri="{BB962C8B-B14F-4D97-AF65-F5344CB8AC3E}">
-        <p14:creationId xmlns:p14="http://schemas.microsoft.com/office/powerpoint/2010/main" val="1626195790"/>
-      </p:ext>
-    </p:extLst>
   </p:cSld>
   <p:clrMapOvr>
     <a:masterClrMapping/>
@@ -12668,6 +12945,11 @@
               </a:rPr>
               <a:t>Matches Dataset</a:t>
             </a:r>
+            <a:endParaRPr lang="en-US" dirty="0" smtClean="0">
+              <a:solidFill>
+                <a:schemeClr val="bg1"/>
+              </a:solidFill>
+            </a:endParaRPr>
           </a:p>
           <a:p>
             <a:pPr marL="114300" indent="0">
@@ -12699,6 +12981,11 @@
               </a:rPr>
               <a:t>Rows- 756</a:t>
             </a:r>
+            <a:endParaRPr lang="en-US" dirty="0" smtClean="0">
+              <a:solidFill>
+                <a:schemeClr val="bg1"/>
+              </a:solidFill>
+            </a:endParaRPr>
           </a:p>
           <a:p>
             <a:pPr marL="114300" indent="0">
@@ -12720,6 +13007,11 @@
               </a:rPr>
               <a:t>Columns- 18</a:t>
             </a:r>
+            <a:endParaRPr lang="en-US" dirty="0" smtClean="0">
+              <a:solidFill>
+                <a:schemeClr val="bg1"/>
+              </a:solidFill>
+            </a:endParaRPr>
           </a:p>
           <a:p>
             <a:pPr marL="114300" indent="0">
@@ -12760,11 +13052,6 @@
         </p:txBody>
       </p:sp>
     </p:spTree>
-    <p:extLst>
-      <p:ext uri="{BB962C8B-B14F-4D97-AF65-F5344CB8AC3E}">
-        <p14:creationId xmlns:p14="http://schemas.microsoft.com/office/powerpoint/2010/main" val="1369348904"/>
-      </p:ext>
-    </p:extLst>
   </p:cSld>
   <p:clrMapOvr>
     <a:masterClrMapping/>
@@ -12837,7 +13124,7 @@
           <p:nvPr/>
         </p:nvPicPr>
         <p:blipFill>
-          <a:blip r:embed="rId2">
+          <a:blip r:embed="rId1">
             <a:extLst>
               <a:ext uri="{28A0092B-C50C-407E-A947-70E740481C1C}">
                 <a14:useLocalDpi xmlns:a14="http://schemas.microsoft.com/office/drawing/2010/main" val="0"/>
@@ -12859,11 +13146,6 @@
         </p:spPr>
       </p:pic>
     </p:spTree>
-    <p:extLst>
-      <p:ext uri="{BB962C8B-B14F-4D97-AF65-F5344CB8AC3E}">
-        <p14:creationId xmlns:p14="http://schemas.microsoft.com/office/powerpoint/2010/main" val="3332991192"/>
-      </p:ext>
-    </p:extLst>
   </p:cSld>
   <p:clrMapOvr>
     <a:masterClrMapping/>
@@ -12940,7 +13222,7 @@
           <p:nvPr/>
         </p:nvPicPr>
         <p:blipFill>
-          <a:blip r:embed="rId2">
+          <a:blip r:embed="rId1">
             <a:extLst>
               <a:ext uri="{28A0092B-C50C-407E-A947-70E740481C1C}">
                 <a14:useLocalDpi xmlns:a14="http://schemas.microsoft.com/office/drawing/2010/main" val="0"/>
@@ -12962,11 +13244,6 @@
         </p:spPr>
       </p:pic>
     </p:spTree>
-    <p:extLst>
-      <p:ext uri="{BB962C8B-B14F-4D97-AF65-F5344CB8AC3E}">
-        <p14:creationId xmlns:p14="http://schemas.microsoft.com/office/powerpoint/2010/main" val="3201913734"/>
-      </p:ext>
-    </p:extLst>
   </p:cSld>
   <p:clrMapOvr>
     <a:masterClrMapping/>
@@ -13064,6 +13341,11 @@
               </a:rPr>
               <a:t>Dataset</a:t>
             </a:r>
+            <a:endParaRPr lang="en-US" dirty="0">
+              <a:solidFill>
+                <a:schemeClr val="bg1"/>
+              </a:solidFill>
+            </a:endParaRPr>
           </a:p>
           <a:p>
             <a:pPr marL="114300" indent="0">
@@ -13121,6 +13403,11 @@
               </a:rPr>
               <a:t>	Columns- 5</a:t>
             </a:r>
+            <a:endParaRPr lang="en-US" dirty="0">
+              <a:solidFill>
+                <a:schemeClr val="bg1"/>
+              </a:solidFill>
+            </a:endParaRPr>
           </a:p>
           <a:p>
             <a:pPr marL="114300" indent="0">
@@ -13161,11 +13448,6 @@
         </p:txBody>
       </p:sp>
     </p:spTree>
-    <p:extLst>
-      <p:ext uri="{BB962C8B-B14F-4D97-AF65-F5344CB8AC3E}">
-        <p14:creationId xmlns:p14="http://schemas.microsoft.com/office/powerpoint/2010/main" val="3103658270"/>
-      </p:ext>
-    </p:extLst>
   </p:cSld>
   <p:clrMapOvr>
     <a:masterClrMapping/>
@@ -13456,8 +13738,11 @@
       </a:bgFillStyleLst>
     </a:fmtScheme>
   </a:themeElements>
-  <a:objectDefaults/>
-  <a:extraClrSchemeLst/>
+  <a:extLst>
+    <a:ext uri="{05A4C25C-085E-4340-85A3-A5531E510DB2}">
+      <thm15:themeFamily xmlns:thm15="http://schemas.microsoft.com/office/thememl/2012/main" name="Office Theme" id="{62F939B6-93AF-4DB8-9C6B-D6C7DFDC589F}" vid="{4A3C46E8-61CC-4603-A589-7422A47A8E4A}"/>
+    </a:ext>
+  </a:extLst>
 </a:theme>
 </file>
 
@@ -13737,7 +14022,10 @@
       </a:bgFillStyleLst>
     </a:fmtScheme>
   </a:themeElements>
-  <a:objectDefaults/>
-  <a:extraClrSchemeLst/>
+  <a:extLst>
+    <a:ext uri="{05A4C25C-085E-4340-85A3-A5531E510DB2}">
+      <thm15:themeFamily xmlns:thm15="http://schemas.microsoft.com/office/thememl/2012/main" name="Office Theme" id="{62F939B6-93AF-4DB8-9C6B-D6C7DFDC589F}" vid="{4A3C46E8-61CC-4603-A589-7422A47A8E4A}"/>
+    </a:ext>
+  </a:extLst>
 </a:theme>
 </file>